--- a/exercises/mdae-exercises-by-chapter.pptx
+++ b/exercises/mdae-exercises-by-chapter.pptx
@@ -5,7 +5,7 @@
     <p:sldMasterId id="2147483648" r:id="rId1"/>
   </p:sldMasterIdLst>
   <p:notesMasterIdLst>
-    <p:notesMasterId r:id="rId9"/>
+    <p:notesMasterId r:id="rId13"/>
   </p:notesMasterIdLst>
   <p:sldIdLst>
     <p:sldId id="378" r:id="rId2"/>
@@ -15,16 +15,20 @@
     <p:sldId id="383" r:id="rId6"/>
     <p:sldId id="384" r:id="rId7"/>
     <p:sldId id="385" r:id="rId8"/>
+    <p:sldId id="386" r:id="rId9"/>
+    <p:sldId id="387" r:id="rId10"/>
+    <p:sldId id="388" r:id="rId11"/>
+    <p:sldId id="389" r:id="rId12"/>
   </p:sldIdLst>
   <p:sldSz cx="18288000" cy="10287000"/>
   <p:notesSz cx="6858000" cy="9144000"/>
   <p:embeddedFontLst>
     <p:embeddedFont>
       <p:font typeface="Consolas" panose="020B0609020204030204" pitchFamily="49" charset="0"/>
-      <p:regular r:id="rId10"/>
-      <p:bold r:id="rId11"/>
-      <p:italic r:id="rId12"/>
-      <p:boldItalic r:id="rId13"/>
+      <p:regular r:id="rId14"/>
+      <p:bold r:id="rId15"/>
+      <p:italic r:id="rId16"/>
+      <p:boldItalic r:id="rId17"/>
     </p:embeddedFont>
   </p:embeddedFontLst>
   <p:defaultTextStyle>
@@ -595,6 +599,180 @@
 </p:notes>
 </file>
 
+<file path=ppt/notesSlides/notesSlide10.xml><?xml version="1.0" encoding="utf-8"?>
+<p:notes xmlns:a="http://schemas.openxmlformats.org/drawingml/2006/main" xmlns:r="http://schemas.openxmlformats.org/officeDocument/2006/relationships" xmlns:p="http://schemas.openxmlformats.org/presentationml/2006/main">
+  <p:cSld>
+    <p:spTree>
+      <p:nvGrpSpPr>
+        <p:cNvPr id="1" name=""/>
+        <p:cNvGrpSpPr/>
+        <p:nvPr/>
+      </p:nvGrpSpPr>
+      <p:grpSpPr>
+        <a:xfrm>
+          <a:off x="0" y="0"/>
+          <a:ext cx="0" cy="0"/>
+          <a:chOff x="0" y="0"/>
+          <a:chExt cx="0" cy="0"/>
+        </a:xfrm>
+      </p:grpSpPr>
+      <p:sp>
+        <p:nvSpPr>
+          <p:cNvPr id="2" name="Slide Image Placeholder 1"/>
+          <p:cNvSpPr>
+            <a:spLocks noGrp="1" noRot="1" noChangeAspect="1"/>
+          </p:cNvSpPr>
+          <p:nvPr>
+            <p:ph type="sldImg"/>
+          </p:nvPr>
+        </p:nvSpPr>
+        <p:spPr/>
+      </p:sp>
+      <p:sp>
+        <p:nvSpPr>
+          <p:cNvPr id="3" name="Notes Placeholder 2"/>
+          <p:cNvSpPr>
+            <a:spLocks noGrp="1"/>
+          </p:cNvSpPr>
+          <p:nvPr>
+            <p:ph type="body" idx="1"/>
+          </p:nvPr>
+        </p:nvSpPr>
+        <p:spPr/>
+        <p:txBody>
+          <a:bodyPr/>
+          <a:lstStyle/>
+          <a:p>
+            <a:pPr marL="0" indent="0">
+              <a:buNone/>
+            </a:pPr>
+            <a:endParaRPr lang="en-US" dirty="0"/>
+          </a:p>
+        </p:txBody>
+      </p:sp>
+      <p:sp>
+        <p:nvSpPr>
+          <p:cNvPr id="4" name="Slide Number Placeholder 3"/>
+          <p:cNvSpPr>
+            <a:spLocks noGrp="1"/>
+          </p:cNvSpPr>
+          <p:nvPr>
+            <p:ph type="sldNum" sz="quarter" idx="5"/>
+          </p:nvPr>
+        </p:nvSpPr>
+        <p:spPr/>
+        <p:txBody>
+          <a:bodyPr/>
+          <a:lstStyle/>
+          <a:p>
+            <a:fld id="{1300335D-9F13-4B80-ADC5-B0EA3E10FF6B}" type="slidenum">
+              <a:rPr lang="en-US" smtClean="0"/>
+              <a:t>10</a:t>
+            </a:fld>
+            <a:endParaRPr lang="en-US"/>
+          </a:p>
+        </p:txBody>
+      </p:sp>
+    </p:spTree>
+    <p:extLst>
+      <p:ext uri="{BB962C8B-B14F-4D97-AF65-F5344CB8AC3E}">
+        <p14:creationId xmlns:p14="http://schemas.microsoft.com/office/powerpoint/2010/main" val="2435372512"/>
+      </p:ext>
+    </p:extLst>
+  </p:cSld>
+  <p:clrMapOvr>
+    <a:masterClrMapping/>
+  </p:clrMapOvr>
+</p:notes>
+</file>
+
+<file path=ppt/notesSlides/notesSlide11.xml><?xml version="1.0" encoding="utf-8"?>
+<p:notes xmlns:a="http://schemas.openxmlformats.org/drawingml/2006/main" xmlns:r="http://schemas.openxmlformats.org/officeDocument/2006/relationships" xmlns:p="http://schemas.openxmlformats.org/presentationml/2006/main">
+  <p:cSld>
+    <p:spTree>
+      <p:nvGrpSpPr>
+        <p:cNvPr id="1" name=""/>
+        <p:cNvGrpSpPr/>
+        <p:nvPr/>
+      </p:nvGrpSpPr>
+      <p:grpSpPr>
+        <a:xfrm>
+          <a:off x="0" y="0"/>
+          <a:ext cx="0" cy="0"/>
+          <a:chOff x="0" y="0"/>
+          <a:chExt cx="0" cy="0"/>
+        </a:xfrm>
+      </p:grpSpPr>
+      <p:sp>
+        <p:nvSpPr>
+          <p:cNvPr id="2" name="Slide Image Placeholder 1"/>
+          <p:cNvSpPr>
+            <a:spLocks noGrp="1" noRot="1" noChangeAspect="1"/>
+          </p:cNvSpPr>
+          <p:nvPr>
+            <p:ph type="sldImg"/>
+          </p:nvPr>
+        </p:nvSpPr>
+        <p:spPr/>
+      </p:sp>
+      <p:sp>
+        <p:nvSpPr>
+          <p:cNvPr id="3" name="Notes Placeholder 2"/>
+          <p:cNvSpPr>
+            <a:spLocks noGrp="1"/>
+          </p:cNvSpPr>
+          <p:nvPr>
+            <p:ph type="body" idx="1"/>
+          </p:nvPr>
+        </p:nvSpPr>
+        <p:spPr/>
+        <p:txBody>
+          <a:bodyPr/>
+          <a:lstStyle/>
+          <a:p>
+            <a:pPr marL="0" indent="0">
+              <a:buNone/>
+            </a:pPr>
+            <a:endParaRPr lang="en-US" dirty="0"/>
+          </a:p>
+        </p:txBody>
+      </p:sp>
+      <p:sp>
+        <p:nvSpPr>
+          <p:cNvPr id="4" name="Slide Number Placeholder 3"/>
+          <p:cNvSpPr>
+            <a:spLocks noGrp="1"/>
+          </p:cNvSpPr>
+          <p:nvPr>
+            <p:ph type="sldNum" sz="quarter" idx="5"/>
+          </p:nvPr>
+        </p:nvSpPr>
+        <p:spPr/>
+        <p:txBody>
+          <a:bodyPr/>
+          <a:lstStyle/>
+          <a:p>
+            <a:fld id="{1300335D-9F13-4B80-ADC5-B0EA3E10FF6B}" type="slidenum">
+              <a:rPr lang="en-US" smtClean="0"/>
+              <a:t>11</a:t>
+            </a:fld>
+            <a:endParaRPr lang="en-US"/>
+          </a:p>
+        </p:txBody>
+      </p:sp>
+    </p:spTree>
+    <p:extLst>
+      <p:ext uri="{BB962C8B-B14F-4D97-AF65-F5344CB8AC3E}">
+        <p14:creationId xmlns:p14="http://schemas.microsoft.com/office/powerpoint/2010/main" val="1324595418"/>
+      </p:ext>
+    </p:extLst>
+  </p:cSld>
+  <p:clrMapOvr>
+    <a:masterClrMapping/>
+  </p:clrMapOvr>
+</p:notes>
+</file>
+
 <file path=ppt/notesSlides/notesSlide2.xml><?xml version="1.0" encoding="utf-8"?>
 <p:notes xmlns:a="http://schemas.openxmlformats.org/drawingml/2006/main" xmlns:r="http://schemas.openxmlformats.org/officeDocument/2006/relationships" xmlns:p="http://schemas.openxmlformats.org/presentationml/2006/main">
   <p:cSld>
@@ -1108,6 +1286,180 @@
     <p:extLst>
       <p:ext uri="{BB962C8B-B14F-4D97-AF65-F5344CB8AC3E}">
         <p14:creationId xmlns:p14="http://schemas.microsoft.com/office/powerpoint/2010/main" val="4194201406"/>
+      </p:ext>
+    </p:extLst>
+  </p:cSld>
+  <p:clrMapOvr>
+    <a:masterClrMapping/>
+  </p:clrMapOvr>
+</p:notes>
+</file>
+
+<file path=ppt/notesSlides/notesSlide8.xml><?xml version="1.0" encoding="utf-8"?>
+<p:notes xmlns:a="http://schemas.openxmlformats.org/drawingml/2006/main" xmlns:r="http://schemas.openxmlformats.org/officeDocument/2006/relationships" xmlns:p="http://schemas.openxmlformats.org/presentationml/2006/main">
+  <p:cSld>
+    <p:spTree>
+      <p:nvGrpSpPr>
+        <p:cNvPr id="1" name=""/>
+        <p:cNvGrpSpPr/>
+        <p:nvPr/>
+      </p:nvGrpSpPr>
+      <p:grpSpPr>
+        <a:xfrm>
+          <a:off x="0" y="0"/>
+          <a:ext cx="0" cy="0"/>
+          <a:chOff x="0" y="0"/>
+          <a:chExt cx="0" cy="0"/>
+        </a:xfrm>
+      </p:grpSpPr>
+      <p:sp>
+        <p:nvSpPr>
+          <p:cNvPr id="2" name="Slide Image Placeholder 1"/>
+          <p:cNvSpPr>
+            <a:spLocks noGrp="1" noRot="1" noChangeAspect="1"/>
+          </p:cNvSpPr>
+          <p:nvPr>
+            <p:ph type="sldImg"/>
+          </p:nvPr>
+        </p:nvSpPr>
+        <p:spPr/>
+      </p:sp>
+      <p:sp>
+        <p:nvSpPr>
+          <p:cNvPr id="3" name="Notes Placeholder 2"/>
+          <p:cNvSpPr>
+            <a:spLocks noGrp="1"/>
+          </p:cNvSpPr>
+          <p:nvPr>
+            <p:ph type="body" idx="1"/>
+          </p:nvPr>
+        </p:nvSpPr>
+        <p:spPr/>
+        <p:txBody>
+          <a:bodyPr/>
+          <a:lstStyle/>
+          <a:p>
+            <a:pPr marL="0" indent="0">
+              <a:buNone/>
+            </a:pPr>
+            <a:endParaRPr lang="en-US" dirty="0"/>
+          </a:p>
+        </p:txBody>
+      </p:sp>
+      <p:sp>
+        <p:nvSpPr>
+          <p:cNvPr id="4" name="Slide Number Placeholder 3"/>
+          <p:cNvSpPr>
+            <a:spLocks noGrp="1"/>
+          </p:cNvSpPr>
+          <p:nvPr>
+            <p:ph type="sldNum" sz="quarter" idx="5"/>
+          </p:nvPr>
+        </p:nvSpPr>
+        <p:spPr/>
+        <p:txBody>
+          <a:bodyPr/>
+          <a:lstStyle/>
+          <a:p>
+            <a:fld id="{1300335D-9F13-4B80-ADC5-B0EA3E10FF6B}" type="slidenum">
+              <a:rPr lang="en-US" smtClean="0"/>
+              <a:t>8</a:t>
+            </a:fld>
+            <a:endParaRPr lang="en-US"/>
+          </a:p>
+        </p:txBody>
+      </p:sp>
+    </p:spTree>
+    <p:extLst>
+      <p:ext uri="{BB962C8B-B14F-4D97-AF65-F5344CB8AC3E}">
+        <p14:creationId xmlns:p14="http://schemas.microsoft.com/office/powerpoint/2010/main" val="2397670432"/>
+      </p:ext>
+    </p:extLst>
+  </p:cSld>
+  <p:clrMapOvr>
+    <a:masterClrMapping/>
+  </p:clrMapOvr>
+</p:notes>
+</file>
+
+<file path=ppt/notesSlides/notesSlide9.xml><?xml version="1.0" encoding="utf-8"?>
+<p:notes xmlns:a="http://schemas.openxmlformats.org/drawingml/2006/main" xmlns:r="http://schemas.openxmlformats.org/officeDocument/2006/relationships" xmlns:p="http://schemas.openxmlformats.org/presentationml/2006/main">
+  <p:cSld>
+    <p:spTree>
+      <p:nvGrpSpPr>
+        <p:cNvPr id="1" name=""/>
+        <p:cNvGrpSpPr/>
+        <p:nvPr/>
+      </p:nvGrpSpPr>
+      <p:grpSpPr>
+        <a:xfrm>
+          <a:off x="0" y="0"/>
+          <a:ext cx="0" cy="0"/>
+          <a:chOff x="0" y="0"/>
+          <a:chExt cx="0" cy="0"/>
+        </a:xfrm>
+      </p:grpSpPr>
+      <p:sp>
+        <p:nvSpPr>
+          <p:cNvPr id="2" name="Slide Image Placeholder 1"/>
+          <p:cNvSpPr>
+            <a:spLocks noGrp="1" noRot="1" noChangeAspect="1"/>
+          </p:cNvSpPr>
+          <p:nvPr>
+            <p:ph type="sldImg"/>
+          </p:nvPr>
+        </p:nvSpPr>
+        <p:spPr/>
+      </p:sp>
+      <p:sp>
+        <p:nvSpPr>
+          <p:cNvPr id="3" name="Notes Placeholder 2"/>
+          <p:cNvSpPr>
+            <a:spLocks noGrp="1"/>
+          </p:cNvSpPr>
+          <p:nvPr>
+            <p:ph type="body" idx="1"/>
+          </p:nvPr>
+        </p:nvSpPr>
+        <p:spPr/>
+        <p:txBody>
+          <a:bodyPr/>
+          <a:lstStyle/>
+          <a:p>
+            <a:pPr marL="0" indent="0">
+              <a:buNone/>
+            </a:pPr>
+            <a:endParaRPr lang="en-US" dirty="0"/>
+          </a:p>
+        </p:txBody>
+      </p:sp>
+      <p:sp>
+        <p:nvSpPr>
+          <p:cNvPr id="4" name="Slide Number Placeholder 3"/>
+          <p:cNvSpPr>
+            <a:spLocks noGrp="1"/>
+          </p:cNvSpPr>
+          <p:nvPr>
+            <p:ph type="sldNum" sz="quarter" idx="5"/>
+          </p:nvPr>
+        </p:nvSpPr>
+        <p:spPr/>
+        <p:txBody>
+          <a:bodyPr/>
+          <a:lstStyle/>
+          <a:p>
+            <a:fld id="{1300335D-9F13-4B80-ADC5-B0EA3E10FF6B}" type="slidenum">
+              <a:rPr lang="en-US" smtClean="0"/>
+              <a:t>9</a:t>
+            </a:fld>
+            <a:endParaRPr lang="en-US"/>
+          </a:p>
+        </p:txBody>
+      </p:sp>
+    </p:spTree>
+    <p:extLst>
+      <p:ext uri="{BB962C8B-B14F-4D97-AF65-F5344CB8AC3E}">
+        <p14:creationId xmlns:p14="http://schemas.microsoft.com/office/powerpoint/2010/main" val="1603595036"/>
       </p:ext>
     </p:extLst>
   </p:cSld>
@@ -4461,7 +4813,7 @@
 </p:sld>
 </file>
 
-<file path=ppt/slides/slide2.xml><?xml version="1.0" encoding="utf-8"?>
+<file path=ppt/slides/slide10.xml><?xml version="1.0" encoding="utf-8"?>
 <p:sld xmlns:a="http://schemas.openxmlformats.org/drawingml/2006/main" xmlns:r="http://schemas.openxmlformats.org/officeDocument/2006/relationships" xmlns:p="http://schemas.openxmlformats.org/presentationml/2006/main">
   <p:cSld>
     <p:spTree>
@@ -4562,7 +4914,7 @@
         <p:spPr>
           <a:xfrm>
             <a:off x="260430" y="329879"/>
-            <a:ext cx="13684170" cy="9960675"/>
+            <a:ext cx="13684170" cy="9920665"/>
           </a:xfrm>
           <a:prstGeom prst="rect">
             <a:avLst/>
@@ -4582,9 +4934,9 @@
                 </a:solidFill>
                 <a:latin typeface="Pragmatica" panose="020B0403040502020204" pitchFamily="34" charset="0"/>
               </a:rPr>
-              <a:t>First steps in Excel Power Query </a:t>
-            </a:r>
-            <a:endParaRPr lang="en-US" sz="4000" dirty="0">
+              <a:t>Augmented analytics and the future of Excel</a:t>
+            </a:r>
+            <a:endParaRPr lang="en-US" sz="4000" b="1" dirty="0">
               <a:solidFill>
                 <a:srgbClr val="CF3338"/>
               </a:solidFill>
@@ -4592,7 +4944,16 @@
             </a:endParaRPr>
           </a:p>
           <a:p>
-            <a:pPr marL="685800" indent="-542925">
+            <a:endParaRPr lang="en-US" sz="4000" b="1" dirty="0">
+              <a:solidFill>
+                <a:srgbClr val="CF3338"/>
+              </a:solidFill>
+              <a:latin typeface="Pragmatica" panose="020B0403040502020204" pitchFamily="34" charset="0"/>
+              <a:sym typeface="Consolas"/>
+            </a:endParaRPr>
+          </a:p>
+          <a:p>
+            <a:pPr marL="657225" indent="-514350">
               <a:lnSpc>
                 <a:spcPct val="115000"/>
               </a:lnSpc>
@@ -4603,22 +4964,72 @@
                 <a:srgbClr val="C00000"/>
               </a:buClr>
               <a:buSzPts val="2100"/>
-              <a:buFont typeface="Arial"/>
+              <a:buFont typeface="+mj-lt"/>
               <a:buAutoNum type="arabicPeriod"/>
             </a:pPr>
             <a:r>
-              <a:rPr lang="en-US" sz="3200" dirty="0">
-                <a:solidFill>
-                  <a:srgbClr val="C00000"/>
-                </a:solidFill>
-                <a:latin typeface="Pragmatica" panose="020B0403040502020204"/>
-                <a:sym typeface="Consolas"/>
-              </a:rPr>
-              <a:t>Load the data into Power Query as a table. Name the query computers. </a:t>
-            </a:r>
-          </a:p>
-          <a:p>
-            <a:pPr marL="685800" indent="-542925">
+              <a:rPr lang="en-US" sz="4000" dirty="0">
+                <a:solidFill>
+                  <a:srgbClr val="C00000"/>
+                </a:solidFill>
+                <a:latin typeface="Pragmatica" panose="020B0403040502020204"/>
+                <a:sym typeface="Consolas"/>
+              </a:rPr>
+              <a:t>Perform sentiment analysis on a dataset of movie reviews located in the </a:t>
+            </a:r>
+            <a:r>
+              <a:rPr lang="en-US" sz="4000" i="1" dirty="0" err="1">
+                <a:solidFill>
+                  <a:srgbClr val="C00000"/>
+                </a:solidFill>
+                <a:latin typeface="Pragmatica" panose="020B0403040502020204"/>
+                <a:sym typeface="Consolas"/>
+              </a:rPr>
+              <a:t>imdb</a:t>
+            </a:r>
+            <a:r>
+              <a:rPr lang="en-US" sz="4000" i="1" dirty="0">
+                <a:solidFill>
+                  <a:srgbClr val="C00000"/>
+                </a:solidFill>
+                <a:latin typeface="Pragmatica" panose="020B0403040502020204"/>
+                <a:sym typeface="Consolas"/>
+              </a:rPr>
+              <a:t> </a:t>
+            </a:r>
+            <a:r>
+              <a:rPr lang="en-US" sz="4000" dirty="0">
+                <a:solidFill>
+                  <a:srgbClr val="C00000"/>
+                </a:solidFill>
+                <a:latin typeface="Pragmatica" panose="020B0403040502020204"/>
+                <a:sym typeface="Consolas"/>
+              </a:rPr>
+              <a:t>worksheet using the Azure Machine Learning add-in. Afterwards, apply the </a:t>
+            </a:r>
+            <a:r>
+              <a:rPr lang="en-US" sz="4000" dirty="0" err="1">
+                <a:solidFill>
+                  <a:srgbClr val="C00000"/>
+                </a:solidFill>
+                <a:latin typeface="Pragmatica" panose="020B0403040502020204"/>
+                <a:sym typeface="Consolas"/>
+              </a:rPr>
+              <a:t>XLMiner</a:t>
+            </a:r>
+            <a:r>
+              <a:rPr lang="en-US" sz="4000" dirty="0">
+                <a:solidFill>
+                  <a:srgbClr val="C00000"/>
+                </a:solidFill>
+                <a:latin typeface="Pragmatica" panose="020B0403040502020204"/>
+                <a:sym typeface="Consolas"/>
+              </a:rPr>
+              <a:t> add-in to generate descriptive statistics for the obtained scores. </a:t>
+            </a:r>
+          </a:p>
+          <a:p>
+            <a:pPr marL="657225" indent="-514350">
               <a:lnSpc>
                 <a:spcPct val="115000"/>
               </a:lnSpc>
@@ -4629,200 +5040,38 @@
                 <a:srgbClr val="C00000"/>
               </a:buClr>
               <a:buSzPts val="2100"/>
-              <a:buFont typeface="Arial"/>
+              <a:buFont typeface="+mj-lt"/>
               <a:buAutoNum type="arabicPeriod"/>
             </a:pPr>
             <a:r>
-              <a:rPr lang="en-US" sz="3200" dirty="0">
-                <a:solidFill>
-                  <a:srgbClr val="C00000"/>
-                </a:solidFill>
-                <a:latin typeface="Pragmatica" panose="020B0403040502020204"/>
-                <a:sym typeface="Consolas"/>
-              </a:rPr>
-              <a:t>Add an index column starting from 1 to the data. </a:t>
-            </a:r>
-          </a:p>
-          <a:p>
-            <a:pPr marL="685800" indent="-542925">
-              <a:lnSpc>
-                <a:spcPct val="115000"/>
-              </a:lnSpc>
-              <a:spcBef>
-                <a:spcPts val="1125"/>
-              </a:spcBef>
-              <a:buClr>
-                <a:srgbClr val="C00000"/>
-              </a:buClr>
-              <a:buSzPts val="2100"/>
-              <a:buFont typeface="Arial"/>
-              <a:buAutoNum type="arabicPeriod"/>
-            </a:pPr>
-            <a:r>
-              <a:rPr lang="en-US" sz="3200" dirty="0">
-                <a:solidFill>
-                  <a:srgbClr val="C00000"/>
-                </a:solidFill>
-                <a:latin typeface="Pragmatica" panose="020B0403040502020204"/>
-                <a:sym typeface="Consolas"/>
-              </a:rPr>
-              <a:t>Rename the previous step in the Applied Steps list as “Added unique identifier.” </a:t>
-            </a:r>
-          </a:p>
-          <a:p>
-            <a:pPr marL="685800" indent="-542925">
-              <a:lnSpc>
-                <a:spcPct val="115000"/>
-              </a:lnSpc>
-              <a:spcBef>
-                <a:spcPts val="1125"/>
-              </a:spcBef>
-              <a:buClr>
-                <a:srgbClr val="C00000"/>
-              </a:buClr>
-              <a:buSzPts val="2100"/>
-              <a:buFont typeface="Arial"/>
-              <a:buAutoNum type="arabicPeriod"/>
-            </a:pPr>
-            <a:r>
-              <a:rPr lang="en-US" sz="3200" dirty="0">
-                <a:solidFill>
-                  <a:srgbClr val="C00000"/>
-                </a:solidFill>
-                <a:latin typeface="Pragmatica" panose="020B0403040502020204"/>
-                <a:sym typeface="Consolas"/>
-              </a:rPr>
-              <a:t>Drag-and-drop the Index column so that it is the first column in the dataset. </a:t>
-            </a:r>
-          </a:p>
-          <a:p>
-            <a:pPr marL="685800" indent="-542925">
-              <a:lnSpc>
-                <a:spcPct val="115000"/>
-              </a:lnSpc>
-              <a:spcBef>
-                <a:spcPts val="1125"/>
-              </a:spcBef>
-              <a:buClr>
-                <a:srgbClr val="C00000"/>
-              </a:buClr>
-              <a:buSzPts val="2100"/>
-              <a:buFont typeface="Arial"/>
-              <a:buAutoNum type="arabicPeriod"/>
-            </a:pPr>
-            <a:r>
-              <a:rPr lang="en-US" sz="3200" dirty="0">
-                <a:solidFill>
-                  <a:srgbClr val="C00000"/>
-                </a:solidFill>
-                <a:latin typeface="Pragmatica" panose="020B0403040502020204"/>
-                <a:sym typeface="Consolas"/>
-              </a:rPr>
-              <a:t>Use Power Query’s data profiling features to address the following questions. Be sure to adjust column profiling to work on the entire dataset. </a:t>
-            </a:r>
-          </a:p>
-          <a:p>
-            <a:pPr marL="1171575" lvl="1" indent="-571500">
-              <a:lnSpc>
-                <a:spcPct val="115000"/>
-              </a:lnSpc>
-              <a:spcBef>
-                <a:spcPts val="1125"/>
-              </a:spcBef>
-              <a:buClr>
-                <a:srgbClr val="C00000"/>
-              </a:buClr>
-              <a:buSzPts val="2100"/>
-              <a:buFont typeface="Arial" panose="020B0604020202020204" pitchFamily="34" charset="0"/>
-              <a:buChar char="•"/>
-            </a:pPr>
-            <a:r>
-              <a:rPr lang="en-US" sz="3200" dirty="0">
-                <a:solidFill>
-                  <a:srgbClr val="C00000"/>
-                </a:solidFill>
-                <a:latin typeface="Pragmatica" panose="020B0403040502020204"/>
-                <a:sym typeface="Consolas"/>
-              </a:rPr>
-              <a:t>What is the range of prices for the computers in the dataset?</a:t>
-            </a:r>
-          </a:p>
-          <a:p>
-            <a:pPr marL="1171575" lvl="1" indent="-571500">
-              <a:lnSpc>
-                <a:spcPct val="115000"/>
-              </a:lnSpc>
-              <a:spcBef>
-                <a:spcPts val="1125"/>
-              </a:spcBef>
-              <a:buClr>
-                <a:srgbClr val="C00000"/>
-              </a:buClr>
-              <a:buSzPts val="2100"/>
-              <a:buFont typeface="Arial" panose="020B0604020202020204" pitchFamily="34" charset="0"/>
-              <a:buChar char="•"/>
-            </a:pPr>
-            <a:r>
-              <a:rPr lang="en-US" sz="3200" dirty="0">
-                <a:solidFill>
-                  <a:srgbClr val="C00000"/>
-                </a:solidFill>
-                <a:latin typeface="Pragmatica" panose="020B0403040502020204"/>
-                <a:sym typeface="Consolas"/>
-              </a:rPr>
-              <a:t>What is the average amount of RAM in the dataset? </a:t>
-            </a:r>
-          </a:p>
-          <a:p>
-            <a:pPr marL="1171575" lvl="1" indent="-571500">
-              <a:lnSpc>
-                <a:spcPct val="115000"/>
-              </a:lnSpc>
-              <a:spcBef>
-                <a:spcPts val="1125"/>
-              </a:spcBef>
-              <a:buClr>
-                <a:srgbClr val="C00000"/>
-              </a:buClr>
-              <a:buSzPts val="2100"/>
-              <a:buFont typeface="Arial" panose="020B0604020202020204" pitchFamily="34" charset="0"/>
-              <a:buChar char="•"/>
-            </a:pPr>
-            <a:r>
-              <a:rPr lang="en-US" sz="3200" dirty="0">
-                <a:solidFill>
-                  <a:srgbClr val="C00000"/>
-                </a:solidFill>
-                <a:latin typeface="Pragmatica" panose="020B0403040502020204"/>
-                <a:sym typeface="Consolas"/>
-              </a:rPr>
-              <a:t>Are there any missing values in this dataset? If so, where? </a:t>
-            </a:r>
-          </a:p>
-          <a:p>
-            <a:pPr marL="685800" indent="-542925">
-              <a:lnSpc>
-                <a:spcPct val="115000"/>
-              </a:lnSpc>
-              <a:spcBef>
-                <a:spcPts val="1125"/>
-              </a:spcBef>
-              <a:buClr>
-                <a:srgbClr val="C00000"/>
-              </a:buClr>
-              <a:buSzPts val="2100"/>
-              <a:buFont typeface="Arial"/>
-              <a:buAutoNum type="arabicPeriod"/>
-            </a:pPr>
-            <a:r>
-              <a:rPr lang="en-US" sz="3200" dirty="0">
-                <a:solidFill>
-                  <a:srgbClr val="C00000"/>
-                </a:solidFill>
-                <a:latin typeface="Pragmatica" panose="020B0403040502020204"/>
-                <a:sym typeface="Consolas"/>
-              </a:rPr>
-              <a:t>Load the query results into an Excel PivotTable.</a:t>
+              <a:rPr lang="en-US" sz="4000" dirty="0">
+                <a:solidFill>
+                  <a:srgbClr val="C00000"/>
+                </a:solidFill>
+                <a:latin typeface="Pragmatica" panose="020B0403040502020204"/>
+                <a:sym typeface="Consolas"/>
+              </a:rPr>
+              <a:t>Import the </a:t>
+            </a:r>
+            <a:r>
+              <a:rPr lang="en-US" sz="4000" i="1" dirty="0">
+                <a:solidFill>
+                  <a:srgbClr val="C00000"/>
+                </a:solidFill>
+                <a:latin typeface="Pragmatica" panose="020B0403040502020204"/>
+                <a:sym typeface="Consolas"/>
+              </a:rPr>
+              <a:t>life_expectancy.png </a:t>
+            </a:r>
+            <a:r>
+              <a:rPr lang="en-US" sz="4000" dirty="0">
+                <a:solidFill>
+                  <a:srgbClr val="C00000"/>
+                </a:solidFill>
+                <a:latin typeface="Pragmatica" panose="020B0403040502020204"/>
+                <a:sym typeface="Consolas"/>
+              </a:rPr>
+              <a:t>image into Excel. Use the Analyze Data feature to produce a line chart that illustrates the average life expectancy over time. It might be necessary to adjust the data format to achieve this.</a:t>
             </a:r>
           </a:p>
           <a:p>
@@ -4838,8 +5087,29 @@
               </a:buClr>
               <a:buSzPts val="2100"/>
             </a:pPr>
-            <a:r>
-              <a:rPr lang="en-US" sz="3200" dirty="0">
+            <a:endParaRPr lang="en-US" sz="4000" dirty="0">
+              <a:solidFill>
+                <a:srgbClr val="C00000"/>
+              </a:solidFill>
+              <a:latin typeface="Pragmatica" panose="020B0403040502020204"/>
+              <a:sym typeface="Consolas"/>
+            </a:endParaRPr>
+          </a:p>
+          <a:p>
+            <a:pPr marL="142875">
+              <a:lnSpc>
+                <a:spcPct val="115000"/>
+              </a:lnSpc>
+              <a:spcBef>
+                <a:spcPts val="1125"/>
+              </a:spcBef>
+              <a:buClr>
+                <a:srgbClr val="C00000"/>
+              </a:buClr>
+              <a:buSzPts val="2100"/>
+            </a:pPr>
+            <a:r>
+              <a:rPr lang="en-US" sz="4000" dirty="0">
                 <a:solidFill>
                   <a:srgbClr val="C00000"/>
                 </a:solidFill>
@@ -4849,16 +5119,16 @@
               <a:t>File: </a:t>
             </a:r>
             <a:r>
-              <a:rPr lang="en-US" sz="3200" dirty="0">
+              <a:rPr lang="en-US" sz="4000" dirty="0">
                 <a:solidFill>
                   <a:srgbClr val="C00000"/>
                 </a:solidFill>
                 <a:latin typeface="Consolas" panose="020B0609020204030204" pitchFamily="49" charset="0"/>
                 <a:sym typeface="Consolas"/>
               </a:rPr>
-              <a:t>ch_02_exercises.xlsx</a:t>
-            </a:r>
-            <a:endParaRPr lang="en-US" sz="5400" dirty="0">
+              <a:t>ch_11_exercises.xlsx</a:t>
+            </a:r>
+            <a:endParaRPr lang="en-US" sz="6600" dirty="0">
               <a:solidFill>
                 <a:srgbClr val="CF3338"/>
               </a:solidFill>
@@ -4866,7 +5136,7 @@
             </a:endParaRPr>
           </a:p>
           <a:p>
-            <a:endParaRPr lang="en-US" sz="5400" dirty="0">
+            <a:endParaRPr lang="en-US" sz="4800" dirty="0">
               <a:solidFill>
                 <a:srgbClr val="CF3338"/>
               </a:solidFill>
@@ -4878,7 +5148,7 @@
     </p:spTree>
     <p:extLst>
       <p:ext uri="{BB962C8B-B14F-4D97-AF65-F5344CB8AC3E}">
-        <p14:creationId xmlns:p14="http://schemas.microsoft.com/office/powerpoint/2010/main" val="2430284738"/>
+        <p14:creationId xmlns:p14="http://schemas.microsoft.com/office/powerpoint/2010/main" val="500404571"/>
       </p:ext>
     </p:extLst>
   </p:cSld>
@@ -4888,7 +5158,7 @@
 </p:sld>
 </file>
 
-<file path=ppt/slides/slide3.xml><?xml version="1.0" encoding="utf-8"?>
+<file path=ppt/slides/slide11.xml><?xml version="1.0" encoding="utf-8"?>
 <p:sld xmlns:a="http://schemas.openxmlformats.org/drawingml/2006/main" xmlns:r="http://schemas.openxmlformats.org/officeDocument/2006/relationships" xmlns:p="http://schemas.openxmlformats.org/presentationml/2006/main">
   <p:cSld>
     <p:spTree>
@@ -4989,7 +5259,7 @@
         <p:spPr>
           <a:xfrm>
             <a:off x="260430" y="329879"/>
-            <a:ext cx="13684170" cy="9535431"/>
+            <a:ext cx="13684170" cy="3975447"/>
           </a:xfrm>
           <a:prstGeom prst="rect">
             <a:avLst/>
@@ -5009,13 +5279,22 @@
                 </a:solidFill>
                 <a:latin typeface="Pragmatica" panose="020B0403040502020204" pitchFamily="34" charset="0"/>
               </a:rPr>
-              <a:t>Transforming rows in Power Query </a:t>
-            </a:r>
-            <a:endParaRPr lang="en-US" sz="4000" dirty="0">
+              <a:t>Python automation for Excel</a:t>
+            </a:r>
+            <a:endParaRPr lang="en-US" sz="4000" b="1" dirty="0">
               <a:solidFill>
                 <a:srgbClr val="CF3338"/>
               </a:solidFill>
               <a:latin typeface="Pragmatica" panose="020B0403040502020204" pitchFamily="34" charset="0"/>
+            </a:endParaRPr>
+          </a:p>
+          <a:p>
+            <a:endParaRPr lang="en-US" sz="4000" b="1" dirty="0">
+              <a:solidFill>
+                <a:srgbClr val="CF3338"/>
+              </a:solidFill>
+              <a:latin typeface="Pragmatica" panose="020B0403040502020204" pitchFamily="34" charset="0"/>
+              <a:sym typeface="Consolas"/>
             </a:endParaRPr>
           </a:p>
           <a:p>
@@ -5032,142 +5311,15 @@
               <a:buSzPts val="2100"/>
             </a:pPr>
             <a:r>
-              <a:rPr lang="en-US" sz="3200" dirty="0">
-                <a:solidFill>
-                  <a:srgbClr val="C00000"/>
-                </a:solidFill>
-                <a:latin typeface="Pragmatica" panose="020B0403040502020204"/>
-                <a:sym typeface="Consolas"/>
-              </a:rPr>
-              <a:t>On the states worksheet: </a:t>
-            </a:r>
-          </a:p>
-          <a:p>
-            <a:pPr marL="657225" indent="-514350">
-              <a:lnSpc>
-                <a:spcPct val="115000"/>
-              </a:lnSpc>
-              <a:spcBef>
-                <a:spcPts val="1125"/>
-              </a:spcBef>
-              <a:buClr>
-                <a:srgbClr val="C00000"/>
-              </a:buClr>
-              <a:buSzPts val="2100"/>
-              <a:buFont typeface="+mj-lt"/>
-              <a:buAutoNum type="arabicPeriod"/>
-            </a:pPr>
-            <a:r>
-              <a:rPr lang="en-US" sz="3200" dirty="0">
-                <a:solidFill>
-                  <a:srgbClr val="C00000"/>
-                </a:solidFill>
-                <a:latin typeface="Pragmatica" panose="020B0403040502020204"/>
-                <a:sym typeface="Consolas"/>
-              </a:rPr>
-              <a:t>Remove the United States row from the data. </a:t>
-            </a:r>
-          </a:p>
-          <a:p>
-            <a:pPr marL="657225" indent="-514350">
-              <a:lnSpc>
-                <a:spcPct val="115000"/>
-              </a:lnSpc>
-              <a:spcBef>
-                <a:spcPts val="1125"/>
-              </a:spcBef>
-              <a:buClr>
-                <a:srgbClr val="C00000"/>
-              </a:buClr>
-              <a:buSzPts val="2100"/>
-              <a:buFont typeface="+mj-lt"/>
-              <a:buAutoNum type="arabicPeriod"/>
-            </a:pPr>
-            <a:r>
-              <a:rPr lang="en-US" sz="3200" dirty="0">
-                <a:solidFill>
-                  <a:srgbClr val="C00000"/>
-                </a:solidFill>
-                <a:latin typeface="Pragmatica" panose="020B0403040502020204"/>
-                <a:sym typeface="Consolas"/>
-              </a:rPr>
-              <a:t>Fill down blanks on the region and division columns. </a:t>
-            </a:r>
-          </a:p>
-          <a:p>
-            <a:pPr marL="657225" indent="-514350">
-              <a:lnSpc>
-                <a:spcPct val="115000"/>
-              </a:lnSpc>
-              <a:spcBef>
-                <a:spcPts val="1125"/>
-              </a:spcBef>
-              <a:buClr>
-                <a:srgbClr val="C00000"/>
-              </a:buClr>
-              <a:buSzPts val="2100"/>
-              <a:buFont typeface="+mj-lt"/>
-              <a:buAutoNum type="arabicPeriod"/>
-            </a:pPr>
-            <a:r>
-              <a:rPr lang="en-US" sz="3200" dirty="0">
-                <a:solidFill>
-                  <a:srgbClr val="C00000"/>
-                </a:solidFill>
-                <a:latin typeface="Pragmatica" panose="020B0403040502020204"/>
-                <a:sym typeface="Consolas"/>
-              </a:rPr>
-              <a:t>Sort by population from high to low. </a:t>
-            </a:r>
-          </a:p>
-          <a:p>
-            <a:pPr marL="657225" indent="-514350">
-              <a:lnSpc>
-                <a:spcPct val="115000"/>
-              </a:lnSpc>
-              <a:spcBef>
-                <a:spcPts val="1125"/>
-              </a:spcBef>
-              <a:buClr>
-                <a:srgbClr val="C00000"/>
-              </a:buClr>
-              <a:buSzPts val="2100"/>
-              <a:buFont typeface="+mj-lt"/>
-              <a:buAutoNum type="arabicPeriod"/>
-            </a:pPr>
-            <a:r>
-              <a:rPr lang="en-US" sz="3200" dirty="0">
-                <a:solidFill>
-                  <a:srgbClr val="C00000"/>
-                </a:solidFill>
-                <a:latin typeface="Pragmatica" panose="020B0403040502020204"/>
-                <a:sym typeface="Consolas"/>
-              </a:rPr>
-              <a:t>Load results into a PivotTable. </a:t>
-            </a:r>
-          </a:p>
-          <a:p>
-            <a:pPr marL="657225" indent="-514350">
-              <a:lnSpc>
-                <a:spcPct val="115000"/>
-              </a:lnSpc>
-              <a:spcBef>
-                <a:spcPts val="1125"/>
-              </a:spcBef>
-              <a:buClr>
-                <a:srgbClr val="C00000"/>
-              </a:buClr>
-              <a:buSzPts val="2100"/>
-              <a:buFont typeface="+mj-lt"/>
-              <a:buAutoNum type="arabicPeriod"/>
-            </a:pPr>
-            <a:endParaRPr lang="en-US" sz="3200" dirty="0">
-              <a:solidFill>
-                <a:srgbClr val="C00000"/>
-              </a:solidFill>
-              <a:latin typeface="Pragmatica" panose="020B0403040502020204"/>
-              <a:sym typeface="Consolas"/>
-            </a:endParaRPr>
+              <a:rPr lang="en-US" sz="4000" dirty="0">
+                <a:solidFill>
+                  <a:srgbClr val="C00000"/>
+                </a:solidFill>
+                <a:latin typeface="Pragmatica" panose="020B0403040502020204"/>
+                <a:sym typeface="Consolas"/>
+              </a:rPr>
+              <a:t>Fill in the blank code!</a:t>
+            </a:r>
           </a:p>
           <a:p>
             <a:pPr marL="142875">
@@ -5183,119 +5335,7 @@
               <a:buSzPts val="2100"/>
             </a:pPr>
             <a:r>
-              <a:rPr lang="en-US" sz="3200" dirty="0">
-                <a:solidFill>
-                  <a:srgbClr val="C00000"/>
-                </a:solidFill>
-                <a:latin typeface="Pragmatica" panose="020B0403040502020204"/>
-                <a:sym typeface="Consolas"/>
-              </a:rPr>
-              <a:t>On the </a:t>
-            </a:r>
-            <a:r>
-              <a:rPr lang="en-US" sz="3200" dirty="0" err="1">
-                <a:solidFill>
-                  <a:srgbClr val="C00000"/>
-                </a:solidFill>
-                <a:latin typeface="Pragmatica" panose="020B0403040502020204"/>
-                <a:sym typeface="Consolas"/>
-              </a:rPr>
-              <a:t>midwest_cities</a:t>
-            </a:r>
-            <a:r>
-              <a:rPr lang="en-US" sz="3200" dirty="0">
-                <a:solidFill>
-                  <a:srgbClr val="C00000"/>
-                </a:solidFill>
-                <a:latin typeface="Pragmatica" panose="020B0403040502020204"/>
-                <a:sym typeface="Consolas"/>
-              </a:rPr>
-              <a:t> worksheet: </a:t>
-            </a:r>
-          </a:p>
-          <a:p>
-            <a:pPr marL="657225" indent="-514350">
-              <a:lnSpc>
-                <a:spcPct val="115000"/>
-              </a:lnSpc>
-              <a:spcBef>
-                <a:spcPts val="1125"/>
-              </a:spcBef>
-              <a:buClr>
-                <a:srgbClr val="C00000"/>
-              </a:buClr>
-              <a:buSzPts val="2100"/>
-              <a:buFont typeface="+mj-lt"/>
-              <a:buAutoNum type="arabicPeriod"/>
-            </a:pPr>
-            <a:r>
-              <a:rPr lang="en-US" sz="3200" dirty="0">
-                <a:solidFill>
-                  <a:srgbClr val="C00000"/>
-                </a:solidFill>
-                <a:latin typeface="Pragmatica" panose="020B0403040502020204"/>
-                <a:sym typeface="Consolas"/>
-              </a:rPr>
-              <a:t>Load this data into a table where each city is in its own row</a:t>
-            </a:r>
-          </a:p>
-          <a:p>
-            <a:pPr marL="142875">
-              <a:lnSpc>
-                <a:spcPct val="115000"/>
-              </a:lnSpc>
-              <a:spcBef>
-                <a:spcPts val="1125"/>
-              </a:spcBef>
-              <a:buClr>
-                <a:srgbClr val="C00000"/>
-              </a:buClr>
-              <a:buSzPts val="2100"/>
-            </a:pPr>
-            <a:endParaRPr lang="en-US" sz="3200" dirty="0">
-              <a:solidFill>
-                <a:srgbClr val="C00000"/>
-              </a:solidFill>
-              <a:latin typeface="Pragmatica" panose="020B0403040502020204"/>
-              <a:sym typeface="Consolas"/>
-            </a:endParaRPr>
-          </a:p>
-          <a:p>
-            <a:pPr marL="142875">
-              <a:lnSpc>
-                <a:spcPct val="115000"/>
-              </a:lnSpc>
-              <a:spcBef>
-                <a:spcPts val="1125"/>
-              </a:spcBef>
-              <a:buClr>
-                <a:srgbClr val="C00000"/>
-              </a:buClr>
-              <a:buSzPts val="2100"/>
-            </a:pPr>
-            <a:endParaRPr lang="en-US" sz="3200" dirty="0">
-              <a:solidFill>
-                <a:srgbClr val="C00000"/>
-              </a:solidFill>
-              <a:latin typeface="Pragmatica" panose="020B0403040502020204"/>
-              <a:sym typeface="Consolas"/>
-            </a:endParaRPr>
-          </a:p>
-          <a:p>
-            <a:pPr marL="142875">
-              <a:lnSpc>
-                <a:spcPct val="115000"/>
-              </a:lnSpc>
-              <a:spcBef>
-                <a:spcPts val="1125"/>
-              </a:spcBef>
-              <a:buClr>
-                <a:srgbClr val="C00000"/>
-              </a:buClr>
-              <a:buSzPts val="2100"/>
-            </a:pPr>
-            <a:r>
-              <a:rPr lang="en-US" sz="3200" dirty="0">
+              <a:rPr lang="en-US" sz="4000" dirty="0">
                 <a:solidFill>
                   <a:srgbClr val="C00000"/>
                 </a:solidFill>
@@ -5305,16 +5345,26 @@
               <a:t>File: </a:t>
             </a:r>
             <a:r>
-              <a:rPr lang="en-US" sz="3200" dirty="0">
+              <a:rPr lang="en-US" sz="4000" dirty="0">
                 <a:solidFill>
                   <a:srgbClr val="C00000"/>
                 </a:solidFill>
                 <a:latin typeface="Consolas" panose="020B0609020204030204" pitchFamily="49" charset="0"/>
                 <a:sym typeface="Consolas"/>
               </a:rPr>
-              <a:t>ch_03_exercises.xlsx</a:t>
-            </a:r>
-            <a:endParaRPr lang="en-US" sz="5400" dirty="0">
+              <a:t>ch_12_</a:t>
+            </a:r>
+            <a:r>
+              <a:rPr lang="en-US" sz="4000">
+                <a:solidFill>
+                  <a:srgbClr val="C00000"/>
+                </a:solidFill>
+                <a:latin typeface="Consolas" panose="020B0609020204030204" pitchFamily="49" charset="0"/>
+                <a:sym typeface="Consolas"/>
+              </a:rPr>
+              <a:t>exercises.ipynb</a:t>
+            </a:r>
+            <a:endParaRPr lang="en-US" sz="6600" dirty="0">
               <a:solidFill>
                 <a:srgbClr val="CF3338"/>
               </a:solidFill>
@@ -5322,7 +5372,7 @@
             </a:endParaRPr>
           </a:p>
           <a:p>
-            <a:endParaRPr lang="en-US" sz="5400" dirty="0">
+            <a:endParaRPr lang="en-US" sz="4800" dirty="0">
               <a:solidFill>
                 <a:srgbClr val="CF3338"/>
               </a:solidFill>
@@ -5334,7 +5384,7 @@
     </p:spTree>
     <p:extLst>
       <p:ext uri="{BB962C8B-B14F-4D97-AF65-F5344CB8AC3E}">
-        <p14:creationId xmlns:p14="http://schemas.microsoft.com/office/powerpoint/2010/main" val="3828781961"/>
+        <p14:creationId xmlns:p14="http://schemas.microsoft.com/office/powerpoint/2010/main" val="2600783241"/>
       </p:ext>
     </p:extLst>
   </p:cSld>
@@ -5344,7 +5394,7 @@
 </p:sld>
 </file>
 
-<file path=ppt/slides/slide4.xml><?xml version="1.0" encoding="utf-8"?>
+<file path=ppt/slides/slide2.xml><?xml version="1.0" encoding="utf-8"?>
 <p:sld xmlns:a="http://schemas.openxmlformats.org/drawingml/2006/main" xmlns:r="http://schemas.openxmlformats.org/officeDocument/2006/relationships" xmlns:p="http://schemas.openxmlformats.org/presentationml/2006/main">
   <p:cSld>
     <p:spTree>
@@ -5445,7 +5495,7 @@
         <p:spPr>
           <a:xfrm>
             <a:off x="260430" y="329879"/>
-            <a:ext cx="13684170" cy="9164047"/>
+            <a:ext cx="13684170" cy="9960675"/>
           </a:xfrm>
           <a:prstGeom prst="rect">
             <a:avLst/>
@@ -5465,9 +5515,9 @@
                 </a:solidFill>
                 <a:latin typeface="Pragmatica" panose="020B0403040502020204" pitchFamily="34" charset="0"/>
               </a:rPr>
-              <a:t>Appending and merging in Power Query </a:t>
-            </a:r>
-            <a:endParaRPr lang="en-US" sz="4000" b="1" dirty="0">
+              <a:t>First steps in Excel Power Query </a:t>
+            </a:r>
+            <a:endParaRPr lang="en-US" sz="4000" dirty="0">
               <a:solidFill>
                 <a:srgbClr val="CF3338"/>
               </a:solidFill>
@@ -5475,16 +5525,7 @@
             </a:endParaRPr>
           </a:p>
           <a:p>
-            <a:endParaRPr lang="en-US" sz="4000" b="1" dirty="0">
-              <a:solidFill>
-                <a:srgbClr val="CF3338"/>
-              </a:solidFill>
-              <a:latin typeface="Pragmatica" panose="020B0403040502020204" pitchFamily="34" charset="0"/>
-              <a:sym typeface="Consolas"/>
-            </a:endParaRPr>
-          </a:p>
-          <a:p>
-            <a:pPr marL="885825" indent="-742950">
+            <a:pPr marL="685800" indent="-542925">
               <a:lnSpc>
                 <a:spcPct val="115000"/>
               </a:lnSpc>
@@ -5495,81 +5536,22 @@
                 <a:srgbClr val="C00000"/>
               </a:buClr>
               <a:buSzPts val="2100"/>
+              <a:buFont typeface="Arial"/>
               <a:buAutoNum type="arabicPeriod"/>
             </a:pPr>
             <a:r>
-              <a:rPr lang="en-US" sz="3600" dirty="0">
-                <a:solidFill>
-                  <a:srgbClr val="C00000"/>
-                </a:solidFill>
-                <a:latin typeface="Pragmatica" panose="020B0403040502020204"/>
-                <a:sym typeface="Consolas"/>
-              </a:rPr>
-              <a:t>Append the </a:t>
-            </a:r>
-            <a:r>
-              <a:rPr lang="en-US" sz="3600" i="1" dirty="0">
-                <a:solidFill>
-                  <a:srgbClr val="C00000"/>
-                </a:solidFill>
-                <a:latin typeface="Pragmatica" panose="020B0403040502020204"/>
-                <a:sym typeface="Consolas"/>
-              </a:rPr>
-              <a:t>ewr-flights.csv</a:t>
-            </a:r>
-            <a:r>
-              <a:rPr lang="en-US" sz="3600" dirty="0">
-                <a:solidFill>
-                  <a:srgbClr val="C00000"/>
-                </a:solidFill>
-                <a:latin typeface="Pragmatica" panose="020B0403040502020204"/>
-                <a:sym typeface="Consolas"/>
-              </a:rPr>
-              <a:t>, </a:t>
-            </a:r>
-            <a:r>
-              <a:rPr lang="en-US" sz="3600" i="1" dirty="0">
-                <a:solidFill>
-                  <a:srgbClr val="C00000"/>
-                </a:solidFill>
-                <a:latin typeface="Pragmatica" panose="020B0403040502020204"/>
-                <a:sym typeface="Consolas"/>
-              </a:rPr>
-              <a:t>jfk-flights.csv</a:t>
-            </a:r>
-            <a:r>
-              <a:rPr lang="en-US" sz="3600" dirty="0">
-                <a:solidFill>
-                  <a:srgbClr val="C00000"/>
-                </a:solidFill>
-                <a:latin typeface="Pragmatica" panose="020B0403040502020204"/>
-                <a:sym typeface="Consolas"/>
-              </a:rPr>
-              <a:t>, and </a:t>
-            </a:r>
-            <a:r>
-              <a:rPr lang="en-US" sz="3600" i="1" dirty="0">
-                <a:solidFill>
-                  <a:srgbClr val="C00000"/>
-                </a:solidFill>
-                <a:latin typeface="Pragmatica" panose="020B0403040502020204"/>
-                <a:sym typeface="Consolas"/>
-              </a:rPr>
-              <a:t>lga-flights.csv </a:t>
-            </a:r>
-            <a:r>
-              <a:rPr lang="en-US" sz="3600" dirty="0">
-                <a:solidFill>
-                  <a:srgbClr val="C00000"/>
-                </a:solidFill>
-                <a:latin typeface="Pragmatica" panose="020B0403040502020204"/>
-                <a:sym typeface="Consolas"/>
-              </a:rPr>
-              <a:t>files, consisting of the flight records from Newark Liberty, John F. Kennedy, and LaGuardia airports, respectively. Name this query flights. (Hint: Select “Three or more tables” from the Append menu in Power Query to expedite this process.) </a:t>
-            </a:r>
-          </a:p>
-          <a:p>
-            <a:pPr marL="885825" indent="-742950">
+              <a:rPr lang="en-US" sz="3200" dirty="0">
+                <a:solidFill>
+                  <a:srgbClr val="C00000"/>
+                </a:solidFill>
+                <a:latin typeface="Pragmatica" panose="020B0403040502020204"/>
+                <a:sym typeface="Consolas"/>
+              </a:rPr>
+              <a:t>Load the data into Power Query as a table. Name the query computers. </a:t>
+            </a:r>
+          </a:p>
+          <a:p>
+            <a:pPr marL="685800" indent="-542925">
               <a:lnSpc>
                 <a:spcPct val="115000"/>
               </a:lnSpc>
@@ -5580,107 +5562,200 @@
                 <a:srgbClr val="C00000"/>
               </a:buClr>
               <a:buSzPts val="2100"/>
+              <a:buFont typeface="Arial"/>
               <a:buAutoNum type="arabicPeriod"/>
             </a:pPr>
             <a:r>
-              <a:rPr lang="en-US" sz="3600" dirty="0">
-                <a:solidFill>
-                  <a:srgbClr val="C00000"/>
-                </a:solidFill>
-                <a:latin typeface="Pragmatica" panose="020B0403040502020204"/>
-                <a:sym typeface="Consolas"/>
-              </a:rPr>
-              <a:t>Merge this query with </a:t>
-            </a:r>
-            <a:r>
-              <a:rPr lang="en-US" sz="3600" i="1" dirty="0">
-                <a:solidFill>
-                  <a:srgbClr val="C00000"/>
-                </a:solidFill>
-                <a:latin typeface="Pragmatica" panose="020B0403040502020204"/>
-                <a:sym typeface="Consolas"/>
-              </a:rPr>
-              <a:t>planes.xlsx </a:t>
-            </a:r>
-            <a:r>
-              <a:rPr lang="en-US" sz="3600" dirty="0">
-                <a:solidFill>
-                  <a:srgbClr val="C00000"/>
-                </a:solidFill>
-                <a:latin typeface="Pragmatica" panose="020B0403040502020204"/>
-                <a:sym typeface="Consolas"/>
-              </a:rPr>
-              <a:t>using a left outer join, and then an inner join. Call the queries </a:t>
-            </a:r>
-            <a:r>
-              <a:rPr lang="en-US" sz="3600" i="1" dirty="0" err="1">
-                <a:solidFill>
-                  <a:srgbClr val="C00000"/>
-                </a:solidFill>
-                <a:latin typeface="Pragmatica" panose="020B0403040502020204"/>
-                <a:sym typeface="Consolas"/>
-              </a:rPr>
-              <a:t>flights_left</a:t>
-            </a:r>
-            <a:r>
-              <a:rPr lang="en-US" sz="3600" i="1" dirty="0">
-                <a:solidFill>
-                  <a:srgbClr val="C00000"/>
-                </a:solidFill>
-                <a:latin typeface="Pragmatica" panose="020B0403040502020204"/>
-                <a:sym typeface="Consolas"/>
-              </a:rPr>
-              <a:t> </a:t>
-            </a:r>
-            <a:r>
-              <a:rPr lang="en-US" sz="3600" dirty="0">
-                <a:solidFill>
-                  <a:srgbClr val="C00000"/>
-                </a:solidFill>
-                <a:latin typeface="Pragmatica" panose="020B0403040502020204"/>
-                <a:sym typeface="Consolas"/>
-              </a:rPr>
-              <a:t>and </a:t>
-            </a:r>
-            <a:r>
-              <a:rPr lang="en-US" sz="3600" i="1" dirty="0" err="1">
-                <a:solidFill>
-                  <a:srgbClr val="C00000"/>
-                </a:solidFill>
-                <a:latin typeface="Pragmatica" panose="020B0403040502020204"/>
-                <a:sym typeface="Consolas"/>
-              </a:rPr>
-              <a:t>flights_inner</a:t>
-            </a:r>
-            <a:r>
-              <a:rPr lang="en-US" sz="3600" dirty="0">
-                <a:solidFill>
-                  <a:srgbClr val="C00000"/>
-                </a:solidFill>
-                <a:latin typeface="Pragmatica" panose="020B0403040502020204"/>
-                <a:sym typeface="Consolas"/>
-              </a:rPr>
-              <a:t>, respectively. How many records are returned for each? (Hint: Merge the tables based on </a:t>
-            </a:r>
-            <a:r>
-              <a:rPr lang="en-US" sz="3600" i="1" dirty="0" err="1">
-                <a:solidFill>
-                  <a:srgbClr val="C00000"/>
-                </a:solidFill>
-                <a:latin typeface="Pragmatica" panose="020B0403040502020204"/>
-                <a:sym typeface="Consolas"/>
-              </a:rPr>
-              <a:t>tailnum</a:t>
-            </a:r>
-            <a:r>
-              <a:rPr lang="en-US" sz="3600" dirty="0">
-                <a:solidFill>
-                  <a:srgbClr val="C00000"/>
-                </a:solidFill>
-                <a:latin typeface="Pragmatica" panose="020B0403040502020204"/>
-                <a:sym typeface="Consolas"/>
-              </a:rPr>
-              <a:t>).</a:t>
+              <a:rPr lang="en-US" sz="3200" dirty="0">
+                <a:solidFill>
+                  <a:srgbClr val="C00000"/>
+                </a:solidFill>
+                <a:latin typeface="Pragmatica" panose="020B0403040502020204"/>
+                <a:sym typeface="Consolas"/>
+              </a:rPr>
+              <a:t>Add an index column starting from 1 to the data. </a:t>
+            </a:r>
+          </a:p>
+          <a:p>
+            <a:pPr marL="685800" indent="-542925">
+              <a:lnSpc>
+                <a:spcPct val="115000"/>
+              </a:lnSpc>
+              <a:spcBef>
+                <a:spcPts val="1125"/>
+              </a:spcBef>
+              <a:buClr>
+                <a:srgbClr val="C00000"/>
+              </a:buClr>
+              <a:buSzPts val="2100"/>
+              <a:buFont typeface="Arial"/>
+              <a:buAutoNum type="arabicPeriod"/>
+            </a:pPr>
+            <a:r>
+              <a:rPr lang="en-US" sz="3200" dirty="0">
+                <a:solidFill>
+                  <a:srgbClr val="C00000"/>
+                </a:solidFill>
+                <a:latin typeface="Pragmatica" panose="020B0403040502020204"/>
+                <a:sym typeface="Consolas"/>
+              </a:rPr>
+              <a:t>Rename the previous step in the Applied Steps list as “Added unique identifier.” </a:t>
+            </a:r>
+          </a:p>
+          <a:p>
+            <a:pPr marL="685800" indent="-542925">
+              <a:lnSpc>
+                <a:spcPct val="115000"/>
+              </a:lnSpc>
+              <a:spcBef>
+                <a:spcPts val="1125"/>
+              </a:spcBef>
+              <a:buClr>
+                <a:srgbClr val="C00000"/>
+              </a:buClr>
+              <a:buSzPts val="2100"/>
+              <a:buFont typeface="Arial"/>
+              <a:buAutoNum type="arabicPeriod"/>
+            </a:pPr>
+            <a:r>
+              <a:rPr lang="en-US" sz="3200" dirty="0">
+                <a:solidFill>
+                  <a:srgbClr val="C00000"/>
+                </a:solidFill>
+                <a:latin typeface="Pragmatica" panose="020B0403040502020204"/>
+                <a:sym typeface="Consolas"/>
+              </a:rPr>
+              <a:t>Drag-and-drop the Index column so that it is the first column in the dataset. </a:t>
+            </a:r>
+          </a:p>
+          <a:p>
+            <a:pPr marL="685800" indent="-542925">
+              <a:lnSpc>
+                <a:spcPct val="115000"/>
+              </a:lnSpc>
+              <a:spcBef>
+                <a:spcPts val="1125"/>
+              </a:spcBef>
+              <a:buClr>
+                <a:srgbClr val="C00000"/>
+              </a:buClr>
+              <a:buSzPts val="2100"/>
+              <a:buFont typeface="Arial"/>
+              <a:buAutoNum type="arabicPeriod"/>
+            </a:pPr>
+            <a:r>
+              <a:rPr lang="en-US" sz="3200" dirty="0">
+                <a:solidFill>
+                  <a:srgbClr val="C00000"/>
+                </a:solidFill>
+                <a:latin typeface="Pragmatica" panose="020B0403040502020204"/>
+                <a:sym typeface="Consolas"/>
+              </a:rPr>
+              <a:t>Use Power Query’s data profiling features to address the following questions. Be sure to adjust column profiling to work on the entire dataset. </a:t>
+            </a:r>
+          </a:p>
+          <a:p>
+            <a:pPr marL="1171575" lvl="1" indent="-571500">
+              <a:lnSpc>
+                <a:spcPct val="115000"/>
+              </a:lnSpc>
+              <a:spcBef>
+                <a:spcPts val="1125"/>
+              </a:spcBef>
+              <a:buClr>
+                <a:srgbClr val="C00000"/>
+              </a:buClr>
+              <a:buSzPts val="2100"/>
+              <a:buFont typeface="Arial" panose="020B0604020202020204" pitchFamily="34" charset="0"/>
+              <a:buChar char="•"/>
+            </a:pPr>
+            <a:r>
+              <a:rPr lang="en-US" sz="3200" dirty="0">
+                <a:solidFill>
+                  <a:srgbClr val="C00000"/>
+                </a:solidFill>
+                <a:latin typeface="Pragmatica" panose="020B0403040502020204"/>
+                <a:sym typeface="Consolas"/>
+              </a:rPr>
+              <a:t>What is the range of prices for the computers in the dataset?</a:t>
+            </a:r>
+          </a:p>
+          <a:p>
+            <a:pPr marL="1171575" lvl="1" indent="-571500">
+              <a:lnSpc>
+                <a:spcPct val="115000"/>
+              </a:lnSpc>
+              <a:spcBef>
+                <a:spcPts val="1125"/>
+              </a:spcBef>
+              <a:buClr>
+                <a:srgbClr val="C00000"/>
+              </a:buClr>
+              <a:buSzPts val="2100"/>
+              <a:buFont typeface="Arial" panose="020B0604020202020204" pitchFamily="34" charset="0"/>
+              <a:buChar char="•"/>
+            </a:pPr>
+            <a:r>
+              <a:rPr lang="en-US" sz="3200" dirty="0">
+                <a:solidFill>
+                  <a:srgbClr val="C00000"/>
+                </a:solidFill>
+                <a:latin typeface="Pragmatica" panose="020B0403040502020204"/>
+                <a:sym typeface="Consolas"/>
+              </a:rPr>
+              <a:t>What is the average amount of RAM in the dataset? </a:t>
+            </a:r>
+          </a:p>
+          <a:p>
+            <a:pPr marL="1171575" lvl="1" indent="-571500">
+              <a:lnSpc>
+                <a:spcPct val="115000"/>
+              </a:lnSpc>
+              <a:spcBef>
+                <a:spcPts val="1125"/>
+              </a:spcBef>
+              <a:buClr>
+                <a:srgbClr val="C00000"/>
+              </a:buClr>
+              <a:buSzPts val="2100"/>
+              <a:buFont typeface="Arial" panose="020B0604020202020204" pitchFamily="34" charset="0"/>
+              <a:buChar char="•"/>
+            </a:pPr>
+            <a:r>
+              <a:rPr lang="en-US" sz="3200" dirty="0">
+                <a:solidFill>
+                  <a:srgbClr val="C00000"/>
+                </a:solidFill>
+                <a:latin typeface="Pragmatica" panose="020B0403040502020204"/>
+                <a:sym typeface="Consolas"/>
+              </a:rPr>
+              <a:t>Are there any missing values in this dataset? If so, where? </a:t>
+            </a:r>
+          </a:p>
+          <a:p>
+            <a:pPr marL="685800" indent="-542925">
+              <a:lnSpc>
+                <a:spcPct val="115000"/>
+              </a:lnSpc>
+              <a:spcBef>
+                <a:spcPts val="1125"/>
+              </a:spcBef>
+              <a:buClr>
+                <a:srgbClr val="C00000"/>
+              </a:buClr>
+              <a:buSzPts val="2100"/>
+              <a:buFont typeface="Arial"/>
+              <a:buAutoNum type="arabicPeriod"/>
+            </a:pPr>
+            <a:r>
+              <a:rPr lang="en-US" sz="3200" dirty="0">
+                <a:solidFill>
+                  <a:srgbClr val="C00000"/>
+                </a:solidFill>
+                <a:latin typeface="Pragmatica" panose="020B0403040502020204"/>
+                <a:sym typeface="Consolas"/>
+              </a:rPr>
+              <a:t>Load the query results into an Excel PivotTable.</a:t>
             </a:r>
           </a:p>
           <a:p>
@@ -5697,7 +5772,7 @@
               <a:buSzPts val="2100"/>
             </a:pPr>
             <a:r>
-              <a:rPr lang="en-US" sz="3600" dirty="0">
+              <a:rPr lang="en-US" sz="3200" dirty="0">
                 <a:solidFill>
                   <a:srgbClr val="C00000"/>
                 </a:solidFill>
@@ -5707,16 +5782,16 @@
               <a:t>File: </a:t>
             </a:r>
             <a:r>
-              <a:rPr lang="en-US" sz="3600" dirty="0">
+              <a:rPr lang="en-US" sz="3200" dirty="0">
                 <a:solidFill>
                   <a:srgbClr val="C00000"/>
                 </a:solidFill>
                 <a:latin typeface="Consolas" panose="020B0609020204030204" pitchFamily="49" charset="0"/>
                 <a:sym typeface="Consolas"/>
               </a:rPr>
-              <a:t>ch_05_exercises.xlsx</a:t>
-            </a:r>
-            <a:endParaRPr lang="en-US" sz="6000" dirty="0">
+              <a:t>ch_02_exercises.xlsx</a:t>
+            </a:r>
+            <a:endParaRPr lang="en-US" sz="5400" dirty="0">
               <a:solidFill>
                 <a:srgbClr val="CF3338"/>
               </a:solidFill>
@@ -5736,7 +5811,7 @@
     </p:spTree>
     <p:extLst>
       <p:ext uri="{BB962C8B-B14F-4D97-AF65-F5344CB8AC3E}">
-        <p14:creationId xmlns:p14="http://schemas.microsoft.com/office/powerpoint/2010/main" val="3621463409"/>
+        <p14:creationId xmlns:p14="http://schemas.microsoft.com/office/powerpoint/2010/main" val="2430284738"/>
       </p:ext>
     </p:extLst>
   </p:cSld>
@@ -5746,7 +5821,7 @@
 </p:sld>
 </file>
 
-<file path=ppt/slides/slide5.xml><?xml version="1.0" encoding="utf-8"?>
+<file path=ppt/slides/slide3.xml><?xml version="1.0" encoding="utf-8"?>
 <p:sld xmlns:a="http://schemas.openxmlformats.org/drawingml/2006/main" xmlns:r="http://schemas.openxmlformats.org/officeDocument/2006/relationships" xmlns:p="http://schemas.openxmlformats.org/presentationml/2006/main">
   <p:cSld>
     <p:spTree>
@@ -5847,7 +5922,7 @@
         <p:spPr>
           <a:xfrm>
             <a:off x="260430" y="329879"/>
-            <a:ext cx="13684170" cy="10224337"/>
+            <a:ext cx="13684170" cy="9535431"/>
           </a:xfrm>
           <a:prstGeom prst="rect">
             <a:avLst/>
@@ -5867,148 +5942,14 @@
                 </a:solidFill>
                 <a:latin typeface="Pragmatica" panose="020B0403040502020204" pitchFamily="34" charset="0"/>
               </a:rPr>
-              <a:t>First Steps in Power Pivot</a:t>
-            </a:r>
-            <a:endParaRPr lang="en-US" sz="4000" b="1" dirty="0">
+              <a:t>Transforming rows in Power Query </a:t>
+            </a:r>
+            <a:endParaRPr lang="en-US" sz="4000" dirty="0">
               <a:solidFill>
                 <a:srgbClr val="CF3338"/>
               </a:solidFill>
               <a:latin typeface="Pragmatica" panose="020B0403040502020204" pitchFamily="34" charset="0"/>
             </a:endParaRPr>
-          </a:p>
-          <a:p>
-            <a:endParaRPr lang="en-US" sz="4000" b="1" dirty="0">
-              <a:solidFill>
-                <a:srgbClr val="CF3338"/>
-              </a:solidFill>
-              <a:latin typeface="Pragmatica" panose="020B0403040502020204" pitchFamily="34" charset="0"/>
-              <a:sym typeface="Consolas"/>
-            </a:endParaRPr>
-          </a:p>
-          <a:p>
-            <a:pPr marL="885825" indent="-742950">
-              <a:lnSpc>
-                <a:spcPct val="115000"/>
-              </a:lnSpc>
-              <a:spcBef>
-                <a:spcPts val="1125"/>
-              </a:spcBef>
-              <a:buClr>
-                <a:srgbClr val="C00000"/>
-              </a:buClr>
-              <a:buSzPts val="2100"/>
-              <a:buAutoNum type="arabicPeriod"/>
-            </a:pPr>
-            <a:r>
-              <a:rPr lang="en-US" sz="3600" dirty="0">
-                <a:solidFill>
-                  <a:srgbClr val="C00000"/>
-                </a:solidFill>
-                <a:latin typeface="Pragmatica" panose="020B0403040502020204"/>
-                <a:sym typeface="Consolas"/>
-              </a:rPr>
-              <a:t>What is the purpose of the Power Pivot add-in, and what can it enable you to do? </a:t>
-            </a:r>
-          </a:p>
-          <a:p>
-            <a:pPr marL="885825" indent="-742950">
-              <a:lnSpc>
-                <a:spcPct val="115000"/>
-              </a:lnSpc>
-              <a:spcBef>
-                <a:spcPts val="1125"/>
-              </a:spcBef>
-              <a:buClr>
-                <a:srgbClr val="C00000"/>
-              </a:buClr>
-              <a:buSzPts val="2100"/>
-              <a:buAutoNum type="arabicPeriod"/>
-            </a:pPr>
-            <a:r>
-              <a:rPr lang="en-US" sz="3600" dirty="0">
-                <a:solidFill>
-                  <a:srgbClr val="C00000"/>
-                </a:solidFill>
-                <a:latin typeface="Pragmatica" panose="020B0403040502020204"/>
-                <a:sym typeface="Consolas"/>
-              </a:rPr>
-              <a:t>Explain the role of the Data Model in Power Pivot and its significance in data analysis.</a:t>
-            </a:r>
-          </a:p>
-          <a:p>
-            <a:pPr marL="885825" indent="-742950">
-              <a:lnSpc>
-                <a:spcPct val="115000"/>
-              </a:lnSpc>
-              <a:spcBef>
-                <a:spcPts val="1125"/>
-              </a:spcBef>
-              <a:buClr>
-                <a:srgbClr val="C00000"/>
-              </a:buClr>
-              <a:buSzPts val="2100"/>
-              <a:buAutoNum type="arabicPeriod"/>
-            </a:pPr>
-            <a:r>
-              <a:rPr lang="en-US" sz="3600" dirty="0">
-                <a:solidFill>
-                  <a:srgbClr val="C00000"/>
-                </a:solidFill>
-                <a:latin typeface="Pragmatica" panose="020B0403040502020204"/>
-                <a:sym typeface="Consolas"/>
-              </a:rPr>
-              <a:t>What is the basic role of DAX measures and key performance indicators in Power Pivot? </a:t>
-            </a:r>
-          </a:p>
-          <a:p>
-            <a:pPr marL="885825" indent="-742950">
-              <a:lnSpc>
-                <a:spcPct val="115000"/>
-              </a:lnSpc>
-              <a:spcBef>
-                <a:spcPts val="1125"/>
-              </a:spcBef>
-              <a:buClr>
-                <a:srgbClr val="C00000"/>
-              </a:buClr>
-              <a:buSzPts val="2100"/>
-              <a:buAutoNum type="arabicPeriod"/>
-            </a:pPr>
-            <a:r>
-              <a:rPr lang="en-US" sz="3600" dirty="0">
-                <a:solidFill>
-                  <a:srgbClr val="C00000"/>
-                </a:solidFill>
-                <a:latin typeface="Pragmatica" panose="020B0403040502020204"/>
-                <a:sym typeface="Consolas"/>
-              </a:rPr>
-              <a:t>Compare Power Query joins with Power Pivot relationships in terms of combining data sources. </a:t>
-            </a:r>
-          </a:p>
-          <a:p>
-            <a:pPr marL="885825" indent="-742950">
-              <a:lnSpc>
-                <a:spcPct val="115000"/>
-              </a:lnSpc>
-              <a:spcBef>
-                <a:spcPts val="1125"/>
-              </a:spcBef>
-              <a:buClr>
-                <a:srgbClr val="C00000"/>
-              </a:buClr>
-              <a:buSzPts val="2100"/>
-              <a:buAutoNum type="arabicPeriod"/>
-            </a:pPr>
-            <a:r>
-              <a:rPr lang="en-US" sz="3600" dirty="0">
-                <a:solidFill>
-                  <a:srgbClr val="C00000"/>
-                </a:solidFill>
-                <a:latin typeface="Pragmatica" panose="020B0403040502020204"/>
-                <a:sym typeface="Consolas"/>
-              </a:rPr>
-              <a:t>What are the drawbacks of using lookup functions like VLOOKUP() or XLOOKUP() to merge tables in Excel?</a:t>
-            </a:r>
           </a:p>
           <a:p>
             <a:pPr marL="142875">
@@ -6024,7 +5965,270 @@
               <a:buSzPts val="2100"/>
             </a:pPr>
             <a:r>
-              <a:rPr lang="en-US" sz="3600" dirty="0">
+              <a:rPr lang="en-US" sz="3200" dirty="0">
+                <a:solidFill>
+                  <a:srgbClr val="C00000"/>
+                </a:solidFill>
+                <a:latin typeface="Pragmatica" panose="020B0403040502020204"/>
+                <a:sym typeface="Consolas"/>
+              </a:rPr>
+              <a:t>On the states worksheet: </a:t>
+            </a:r>
+          </a:p>
+          <a:p>
+            <a:pPr marL="657225" indent="-514350">
+              <a:lnSpc>
+                <a:spcPct val="115000"/>
+              </a:lnSpc>
+              <a:spcBef>
+                <a:spcPts val="1125"/>
+              </a:spcBef>
+              <a:buClr>
+                <a:srgbClr val="C00000"/>
+              </a:buClr>
+              <a:buSzPts val="2100"/>
+              <a:buFont typeface="+mj-lt"/>
+              <a:buAutoNum type="arabicPeriod"/>
+            </a:pPr>
+            <a:r>
+              <a:rPr lang="en-US" sz="3200" dirty="0">
+                <a:solidFill>
+                  <a:srgbClr val="C00000"/>
+                </a:solidFill>
+                <a:latin typeface="Pragmatica" panose="020B0403040502020204"/>
+                <a:sym typeface="Consolas"/>
+              </a:rPr>
+              <a:t>Remove the United States row from the data. </a:t>
+            </a:r>
+          </a:p>
+          <a:p>
+            <a:pPr marL="657225" indent="-514350">
+              <a:lnSpc>
+                <a:spcPct val="115000"/>
+              </a:lnSpc>
+              <a:spcBef>
+                <a:spcPts val="1125"/>
+              </a:spcBef>
+              <a:buClr>
+                <a:srgbClr val="C00000"/>
+              </a:buClr>
+              <a:buSzPts val="2100"/>
+              <a:buFont typeface="+mj-lt"/>
+              <a:buAutoNum type="arabicPeriod"/>
+            </a:pPr>
+            <a:r>
+              <a:rPr lang="en-US" sz="3200" dirty="0">
+                <a:solidFill>
+                  <a:srgbClr val="C00000"/>
+                </a:solidFill>
+                <a:latin typeface="Pragmatica" panose="020B0403040502020204"/>
+                <a:sym typeface="Consolas"/>
+              </a:rPr>
+              <a:t>Fill down blanks on the region and division columns. </a:t>
+            </a:r>
+          </a:p>
+          <a:p>
+            <a:pPr marL="657225" indent="-514350">
+              <a:lnSpc>
+                <a:spcPct val="115000"/>
+              </a:lnSpc>
+              <a:spcBef>
+                <a:spcPts val="1125"/>
+              </a:spcBef>
+              <a:buClr>
+                <a:srgbClr val="C00000"/>
+              </a:buClr>
+              <a:buSzPts val="2100"/>
+              <a:buFont typeface="+mj-lt"/>
+              <a:buAutoNum type="arabicPeriod"/>
+            </a:pPr>
+            <a:r>
+              <a:rPr lang="en-US" sz="3200" dirty="0">
+                <a:solidFill>
+                  <a:srgbClr val="C00000"/>
+                </a:solidFill>
+                <a:latin typeface="Pragmatica" panose="020B0403040502020204"/>
+                <a:sym typeface="Consolas"/>
+              </a:rPr>
+              <a:t>Sort by population from high to low. </a:t>
+            </a:r>
+          </a:p>
+          <a:p>
+            <a:pPr marL="657225" indent="-514350">
+              <a:lnSpc>
+                <a:spcPct val="115000"/>
+              </a:lnSpc>
+              <a:spcBef>
+                <a:spcPts val="1125"/>
+              </a:spcBef>
+              <a:buClr>
+                <a:srgbClr val="C00000"/>
+              </a:buClr>
+              <a:buSzPts val="2100"/>
+              <a:buFont typeface="+mj-lt"/>
+              <a:buAutoNum type="arabicPeriod"/>
+            </a:pPr>
+            <a:r>
+              <a:rPr lang="en-US" sz="3200" dirty="0">
+                <a:solidFill>
+                  <a:srgbClr val="C00000"/>
+                </a:solidFill>
+                <a:latin typeface="Pragmatica" panose="020B0403040502020204"/>
+                <a:sym typeface="Consolas"/>
+              </a:rPr>
+              <a:t>Load results into a PivotTable. </a:t>
+            </a:r>
+          </a:p>
+          <a:p>
+            <a:pPr marL="657225" indent="-514350">
+              <a:lnSpc>
+                <a:spcPct val="115000"/>
+              </a:lnSpc>
+              <a:spcBef>
+                <a:spcPts val="1125"/>
+              </a:spcBef>
+              <a:buClr>
+                <a:srgbClr val="C00000"/>
+              </a:buClr>
+              <a:buSzPts val="2100"/>
+              <a:buFont typeface="+mj-lt"/>
+              <a:buAutoNum type="arabicPeriod"/>
+            </a:pPr>
+            <a:endParaRPr lang="en-US" sz="3200" dirty="0">
+              <a:solidFill>
+                <a:srgbClr val="C00000"/>
+              </a:solidFill>
+              <a:latin typeface="Pragmatica" panose="020B0403040502020204"/>
+              <a:sym typeface="Consolas"/>
+            </a:endParaRPr>
+          </a:p>
+          <a:p>
+            <a:pPr marL="142875">
+              <a:lnSpc>
+                <a:spcPct val="115000"/>
+              </a:lnSpc>
+              <a:spcBef>
+                <a:spcPts val="1125"/>
+              </a:spcBef>
+              <a:buClr>
+                <a:srgbClr val="C00000"/>
+              </a:buClr>
+              <a:buSzPts val="2100"/>
+            </a:pPr>
+            <a:r>
+              <a:rPr lang="en-US" sz="3200" dirty="0">
+                <a:solidFill>
+                  <a:srgbClr val="C00000"/>
+                </a:solidFill>
+                <a:latin typeface="Pragmatica" panose="020B0403040502020204"/>
+                <a:sym typeface="Consolas"/>
+              </a:rPr>
+              <a:t>On the </a:t>
+            </a:r>
+            <a:r>
+              <a:rPr lang="en-US" sz="3200" dirty="0" err="1">
+                <a:solidFill>
+                  <a:srgbClr val="C00000"/>
+                </a:solidFill>
+                <a:latin typeface="Pragmatica" panose="020B0403040502020204"/>
+                <a:sym typeface="Consolas"/>
+              </a:rPr>
+              <a:t>midwest_cities</a:t>
+            </a:r>
+            <a:r>
+              <a:rPr lang="en-US" sz="3200" dirty="0">
+                <a:solidFill>
+                  <a:srgbClr val="C00000"/>
+                </a:solidFill>
+                <a:latin typeface="Pragmatica" panose="020B0403040502020204"/>
+                <a:sym typeface="Consolas"/>
+              </a:rPr>
+              <a:t> worksheet: </a:t>
+            </a:r>
+          </a:p>
+          <a:p>
+            <a:pPr marL="657225" indent="-514350">
+              <a:lnSpc>
+                <a:spcPct val="115000"/>
+              </a:lnSpc>
+              <a:spcBef>
+                <a:spcPts val="1125"/>
+              </a:spcBef>
+              <a:buClr>
+                <a:srgbClr val="C00000"/>
+              </a:buClr>
+              <a:buSzPts val="2100"/>
+              <a:buFont typeface="+mj-lt"/>
+              <a:buAutoNum type="arabicPeriod"/>
+            </a:pPr>
+            <a:r>
+              <a:rPr lang="en-US" sz="3200" dirty="0">
+                <a:solidFill>
+                  <a:srgbClr val="C00000"/>
+                </a:solidFill>
+                <a:latin typeface="Pragmatica" panose="020B0403040502020204"/>
+                <a:sym typeface="Consolas"/>
+              </a:rPr>
+              <a:t>Load this data into a table where each city is in its own row</a:t>
+            </a:r>
+          </a:p>
+          <a:p>
+            <a:pPr marL="142875">
+              <a:lnSpc>
+                <a:spcPct val="115000"/>
+              </a:lnSpc>
+              <a:spcBef>
+                <a:spcPts val="1125"/>
+              </a:spcBef>
+              <a:buClr>
+                <a:srgbClr val="C00000"/>
+              </a:buClr>
+              <a:buSzPts val="2100"/>
+            </a:pPr>
+            <a:endParaRPr lang="en-US" sz="3200" dirty="0">
+              <a:solidFill>
+                <a:srgbClr val="C00000"/>
+              </a:solidFill>
+              <a:latin typeface="Pragmatica" panose="020B0403040502020204"/>
+              <a:sym typeface="Consolas"/>
+            </a:endParaRPr>
+          </a:p>
+          <a:p>
+            <a:pPr marL="142875">
+              <a:lnSpc>
+                <a:spcPct val="115000"/>
+              </a:lnSpc>
+              <a:spcBef>
+                <a:spcPts val="1125"/>
+              </a:spcBef>
+              <a:buClr>
+                <a:srgbClr val="C00000"/>
+              </a:buClr>
+              <a:buSzPts val="2100"/>
+            </a:pPr>
+            <a:endParaRPr lang="en-US" sz="3200" dirty="0">
+              <a:solidFill>
+                <a:srgbClr val="C00000"/>
+              </a:solidFill>
+              <a:latin typeface="Pragmatica" panose="020B0403040502020204"/>
+              <a:sym typeface="Consolas"/>
+            </a:endParaRPr>
+          </a:p>
+          <a:p>
+            <a:pPr marL="142875">
+              <a:lnSpc>
+                <a:spcPct val="115000"/>
+              </a:lnSpc>
+              <a:spcBef>
+                <a:spcPts val="1125"/>
+              </a:spcBef>
+              <a:buClr>
+                <a:srgbClr val="C00000"/>
+              </a:buClr>
+              <a:buSzPts val="2100"/>
+            </a:pPr>
+            <a:r>
+              <a:rPr lang="en-US" sz="3200" dirty="0">
                 <a:solidFill>
                   <a:srgbClr val="C00000"/>
                 </a:solidFill>
@@ -6034,16 +6238,16 @@
               <a:t>File: </a:t>
             </a:r>
             <a:r>
-              <a:rPr lang="en-US" sz="3600" dirty="0">
+              <a:rPr lang="en-US" sz="3200" dirty="0">
                 <a:solidFill>
                   <a:srgbClr val="C00000"/>
                 </a:solidFill>
                 <a:latin typeface="Consolas" panose="020B0609020204030204" pitchFamily="49" charset="0"/>
                 <a:sym typeface="Consolas"/>
               </a:rPr>
-              <a:t>n/a</a:t>
-            </a:r>
-            <a:endParaRPr lang="en-US" sz="6000" dirty="0">
+              <a:t>ch_03_exercises.xlsx</a:t>
+            </a:r>
+            <a:endParaRPr lang="en-US" sz="5400" dirty="0">
               <a:solidFill>
                 <a:srgbClr val="CF3338"/>
               </a:solidFill>
@@ -6063,7 +6267,7 @@
     </p:spTree>
     <p:extLst>
       <p:ext uri="{BB962C8B-B14F-4D97-AF65-F5344CB8AC3E}">
-        <p14:creationId xmlns:p14="http://schemas.microsoft.com/office/powerpoint/2010/main" val="3241373308"/>
+        <p14:creationId xmlns:p14="http://schemas.microsoft.com/office/powerpoint/2010/main" val="3828781961"/>
       </p:ext>
     </p:extLst>
   </p:cSld>
@@ -6073,7 +6277,7 @@
 </p:sld>
 </file>
 
-<file path=ppt/slides/slide6.xml><?xml version="1.0" encoding="utf-8"?>
+<file path=ppt/slides/slide4.xml><?xml version="1.0" encoding="utf-8"?>
 <p:sld xmlns:a="http://schemas.openxmlformats.org/drawingml/2006/main" xmlns:r="http://schemas.openxmlformats.org/officeDocument/2006/relationships" xmlns:p="http://schemas.openxmlformats.org/presentationml/2006/main">
   <p:cSld>
     <p:spTree>
@@ -6174,7 +6378,7 @@
         <p:spPr>
           <a:xfrm>
             <a:off x="260430" y="329879"/>
-            <a:ext cx="13684170" cy="10719345"/>
+            <a:ext cx="13684170" cy="9164047"/>
           </a:xfrm>
           <a:prstGeom prst="rect">
             <a:avLst/>
@@ -6194,7 +6398,7 @@
                 </a:solidFill>
                 <a:latin typeface="Pragmatica" panose="020B0403040502020204" pitchFamily="34" charset="0"/>
               </a:rPr>
-              <a:t>Creating Relational Models in Power Pivot</a:t>
+              <a:t>Appending and merging in Power Query </a:t>
             </a:r>
             <a:endParaRPr lang="en-US" sz="4000" b="1" dirty="0">
               <a:solidFill>
@@ -6227,14 +6431,74 @@
               <a:buAutoNum type="arabicPeriod"/>
             </a:pPr>
             <a:r>
-              <a:rPr lang="en-US" sz="3200" dirty="0">
-                <a:solidFill>
-                  <a:srgbClr val="C00000"/>
-                </a:solidFill>
-                <a:latin typeface="Pragmatica" panose="020B0403040502020204"/>
-                <a:sym typeface="Consolas"/>
-              </a:rPr>
-              <a:t>Load the tables into Power Pivot via Power Query and establish relationships in the Power Pivot Data Model. </a:t>
+              <a:rPr lang="en-US" sz="3600" dirty="0">
+                <a:solidFill>
+                  <a:srgbClr val="C00000"/>
+                </a:solidFill>
+                <a:latin typeface="Pragmatica" panose="020B0403040502020204"/>
+                <a:sym typeface="Consolas"/>
+              </a:rPr>
+              <a:t>Append the </a:t>
+            </a:r>
+            <a:r>
+              <a:rPr lang="en-US" sz="3600" i="1" dirty="0">
+                <a:solidFill>
+                  <a:srgbClr val="C00000"/>
+                </a:solidFill>
+                <a:latin typeface="Pragmatica" panose="020B0403040502020204"/>
+                <a:sym typeface="Consolas"/>
+              </a:rPr>
+              <a:t>ewr-flights.csv</a:t>
+            </a:r>
+            <a:r>
+              <a:rPr lang="en-US" sz="3600" dirty="0">
+                <a:solidFill>
+                  <a:srgbClr val="C00000"/>
+                </a:solidFill>
+                <a:latin typeface="Pragmatica" panose="020B0403040502020204"/>
+                <a:sym typeface="Consolas"/>
+              </a:rPr>
+              <a:t>, </a:t>
+            </a:r>
+            <a:r>
+              <a:rPr lang="en-US" sz="3600" i="1" dirty="0">
+                <a:solidFill>
+                  <a:srgbClr val="C00000"/>
+                </a:solidFill>
+                <a:latin typeface="Pragmatica" panose="020B0403040502020204"/>
+                <a:sym typeface="Consolas"/>
+              </a:rPr>
+              <a:t>jfk-flights.csv</a:t>
+            </a:r>
+            <a:r>
+              <a:rPr lang="en-US" sz="3600" dirty="0">
+                <a:solidFill>
+                  <a:srgbClr val="C00000"/>
+                </a:solidFill>
+                <a:latin typeface="Pragmatica" panose="020B0403040502020204"/>
+                <a:sym typeface="Consolas"/>
+              </a:rPr>
+              <a:t>, and </a:t>
+            </a:r>
+            <a:r>
+              <a:rPr lang="en-US" sz="3600" i="1" dirty="0">
+                <a:solidFill>
+                  <a:srgbClr val="C00000"/>
+                </a:solidFill>
+                <a:latin typeface="Pragmatica" panose="020B0403040502020204"/>
+                <a:sym typeface="Consolas"/>
+              </a:rPr>
+              <a:t>lga-flights.csv </a:t>
+            </a:r>
+            <a:r>
+              <a:rPr lang="en-US" sz="3600" dirty="0">
+                <a:solidFill>
+                  <a:srgbClr val="C00000"/>
+                </a:solidFill>
+                <a:latin typeface="Pragmatica" panose="020B0403040502020204"/>
+                <a:sym typeface="Consolas"/>
+              </a:rPr>
+              <a:t>files, consisting of the flight records from Newark Liberty, John F. Kennedy, and LaGuardia airports, respectively. Name this query flights. (Hint: Select “Three or more tables” from the Append menu in Power Query to expedite this process.) </a:t>
             </a:r>
           </a:p>
           <a:p>
@@ -6252,77 +6516,47 @@
               <a:buAutoNum type="arabicPeriod"/>
             </a:pPr>
             <a:r>
-              <a:rPr lang="en-US" sz="3200" dirty="0">
-                <a:solidFill>
-                  <a:srgbClr val="C00000"/>
-                </a:solidFill>
-                <a:latin typeface="Pragmatica" panose="020B0403040502020204"/>
-                <a:sym typeface="Consolas"/>
-              </a:rPr>
-              <a:t>Identify fact and dimension tables in the Data Model and organize the model in Diagram View accordingly. </a:t>
-            </a:r>
-          </a:p>
-          <a:p>
-            <a:pPr marL="885825" indent="-742950">
-              <a:lnSpc>
-                <a:spcPct val="115000"/>
-              </a:lnSpc>
-              <a:spcBef>
-                <a:spcPts val="1125"/>
-              </a:spcBef>
-              <a:buClr>
-                <a:srgbClr val="C00000"/>
-              </a:buClr>
-              <a:buSzPts val="2100"/>
-              <a:buAutoNum type="arabicPeriod"/>
-            </a:pPr>
-            <a:r>
-              <a:rPr lang="en-US" sz="3200" dirty="0">
-                <a:solidFill>
-                  <a:srgbClr val="C00000"/>
-                </a:solidFill>
-                <a:latin typeface="Pragmatica" panose="020B0403040502020204"/>
-                <a:sym typeface="Consolas"/>
-              </a:rPr>
-              <a:t>What is the cardinality of the relationships between these tables?</a:t>
-            </a:r>
-          </a:p>
-          <a:p>
-            <a:pPr marL="885825" indent="-742950">
-              <a:lnSpc>
-                <a:spcPct val="115000"/>
-              </a:lnSpc>
-              <a:spcBef>
-                <a:spcPts val="1125"/>
-              </a:spcBef>
-              <a:buClr>
-                <a:srgbClr val="C00000"/>
-              </a:buClr>
-              <a:buSzPts val="2100"/>
-              <a:buAutoNum type="arabicPeriod"/>
-            </a:pPr>
-            <a:r>
-              <a:rPr lang="en-US" sz="3200" dirty="0">
-                <a:solidFill>
-                  <a:srgbClr val="C00000"/>
-                </a:solidFill>
-                <a:latin typeface="Pragmatica" panose="020B0403040502020204"/>
-                <a:sym typeface="Consolas"/>
-              </a:rPr>
-              <a:t>Use the SWITCH() function to generate an </a:t>
-            </a:r>
-            <a:r>
-              <a:rPr lang="en-US" sz="3200" i="1" dirty="0" err="1">
-                <a:solidFill>
-                  <a:srgbClr val="C00000"/>
-                </a:solidFill>
-                <a:latin typeface="Pragmatica" panose="020B0403040502020204"/>
-                <a:sym typeface="Consolas"/>
-              </a:rPr>
-              <a:t>is_player</a:t>
-            </a:r>
-            <a:r>
-              <a:rPr lang="en-US" sz="3200" i="1" dirty="0">
+              <a:rPr lang="en-US" sz="3600" dirty="0">
+                <a:solidFill>
+                  <a:srgbClr val="C00000"/>
+                </a:solidFill>
+                <a:latin typeface="Pragmatica" panose="020B0403040502020204"/>
+                <a:sym typeface="Consolas"/>
+              </a:rPr>
+              <a:t>Merge this query with </a:t>
+            </a:r>
+            <a:r>
+              <a:rPr lang="en-US" sz="3600" i="1" dirty="0">
+                <a:solidFill>
+                  <a:srgbClr val="C00000"/>
+                </a:solidFill>
+                <a:latin typeface="Pragmatica" panose="020B0403040502020204"/>
+                <a:sym typeface="Consolas"/>
+              </a:rPr>
+              <a:t>planes.xlsx </a:t>
+            </a:r>
+            <a:r>
+              <a:rPr lang="en-US" sz="3600" dirty="0">
+                <a:solidFill>
+                  <a:srgbClr val="C00000"/>
+                </a:solidFill>
+                <a:latin typeface="Pragmatica" panose="020B0403040502020204"/>
+                <a:sym typeface="Consolas"/>
+              </a:rPr>
+              <a:t>using a left outer join, and then an inner join. Call the queries </a:t>
+            </a:r>
+            <a:r>
+              <a:rPr lang="en-US" sz="3600" i="1" dirty="0" err="1">
+                <a:solidFill>
+                  <a:srgbClr val="C00000"/>
+                </a:solidFill>
+                <a:latin typeface="Pragmatica" panose="020B0403040502020204"/>
+                <a:sym typeface="Consolas"/>
+              </a:rPr>
+              <a:t>flights_left</a:t>
+            </a:r>
+            <a:r>
+              <a:rPr lang="en-US" sz="3600" i="1" dirty="0">
                 <a:solidFill>
                   <a:srgbClr val="C00000"/>
                 </a:solidFill>
@@ -6332,244 +6566,54 @@
               <a:t> </a:t>
             </a:r>
             <a:r>
-              <a:rPr lang="en-US" sz="3200" dirty="0">
-                <a:solidFill>
-                  <a:srgbClr val="C00000"/>
-                </a:solidFill>
-                <a:latin typeface="Pragmatica" panose="020B0403040502020204"/>
-                <a:sym typeface="Consolas"/>
-              </a:rPr>
-              <a:t>column in the </a:t>
-            </a:r>
-            <a:r>
-              <a:rPr lang="en-US" sz="3200" i="1" dirty="0" err="1">
-                <a:solidFill>
-                  <a:srgbClr val="C00000"/>
-                </a:solidFill>
-                <a:latin typeface="Pragmatica" panose="020B0403040502020204"/>
-                <a:sym typeface="Consolas"/>
-              </a:rPr>
-              <a:t>hof</a:t>
-            </a:r>
-            <a:r>
-              <a:rPr lang="en-US" sz="3200" i="1" dirty="0">
-                <a:solidFill>
-                  <a:srgbClr val="C00000"/>
-                </a:solidFill>
-                <a:latin typeface="Pragmatica" panose="020B0403040502020204"/>
-                <a:sym typeface="Consolas"/>
-              </a:rPr>
-              <a:t> </a:t>
-            </a:r>
-            <a:r>
-              <a:rPr lang="en-US" sz="3200" dirty="0">
-                <a:solidFill>
-                  <a:srgbClr val="C00000"/>
-                </a:solidFill>
-                <a:latin typeface="Pragmatica" panose="020B0403040502020204"/>
-                <a:sym typeface="Consolas"/>
-              </a:rPr>
-              <a:t>table. Assign Yes if the category column indicates </a:t>
-            </a:r>
-            <a:r>
-              <a:rPr lang="en-US" sz="3200" i="1" dirty="0">
-                <a:solidFill>
-                  <a:srgbClr val="C00000"/>
-                </a:solidFill>
-                <a:latin typeface="Pragmatica" panose="020B0403040502020204"/>
-                <a:sym typeface="Consolas"/>
-              </a:rPr>
-              <a:t>Player</a:t>
-            </a:r>
-            <a:r>
-              <a:rPr lang="en-US" sz="3200" dirty="0">
-                <a:solidFill>
-                  <a:srgbClr val="C00000"/>
-                </a:solidFill>
-                <a:latin typeface="Pragmatica" panose="020B0403040502020204"/>
-                <a:sym typeface="Consolas"/>
-              </a:rPr>
-              <a:t>, otherwise assign No. </a:t>
-            </a:r>
-          </a:p>
-          <a:p>
-            <a:pPr marL="885825" indent="-742950">
-              <a:lnSpc>
-                <a:spcPct val="115000"/>
-              </a:lnSpc>
-              <a:spcBef>
-                <a:spcPts val="1125"/>
-              </a:spcBef>
-              <a:buClr>
-                <a:srgbClr val="C00000"/>
-              </a:buClr>
-              <a:buSzPts val="2100"/>
-              <a:buAutoNum type="arabicPeriod"/>
-            </a:pPr>
-            <a:r>
-              <a:rPr lang="en-US" sz="3200" dirty="0">
-                <a:solidFill>
-                  <a:srgbClr val="C00000"/>
-                </a:solidFill>
-                <a:latin typeface="Pragmatica" panose="020B0403040502020204"/>
-                <a:sym typeface="Consolas"/>
-              </a:rPr>
-              <a:t>Create a hierarchy among the </a:t>
-            </a:r>
-            <a:r>
-              <a:rPr lang="en-US" sz="3200" i="1" dirty="0" err="1">
-                <a:solidFill>
-                  <a:srgbClr val="C00000"/>
-                </a:solidFill>
-                <a:latin typeface="Pragmatica" panose="020B0403040502020204"/>
-                <a:sym typeface="Consolas"/>
-              </a:rPr>
-              <a:t>birthCountry</a:t>
-            </a:r>
-            <a:r>
-              <a:rPr lang="en-US" sz="3200" dirty="0">
-                <a:solidFill>
-                  <a:srgbClr val="C00000"/>
-                </a:solidFill>
-                <a:latin typeface="Pragmatica" panose="020B0403040502020204"/>
-                <a:sym typeface="Consolas"/>
-              </a:rPr>
-              <a:t>, </a:t>
-            </a:r>
-            <a:r>
-              <a:rPr lang="en-US" sz="3200" i="1" dirty="0" err="1">
-                <a:solidFill>
-                  <a:srgbClr val="C00000"/>
-                </a:solidFill>
-                <a:latin typeface="Pragmatica" panose="020B0403040502020204"/>
-                <a:sym typeface="Consolas"/>
-              </a:rPr>
-              <a:t>birthState</a:t>
-            </a:r>
-            <a:r>
-              <a:rPr lang="en-US" sz="3200" dirty="0">
-                <a:solidFill>
-                  <a:srgbClr val="C00000"/>
-                </a:solidFill>
-                <a:latin typeface="Pragmatica" panose="020B0403040502020204"/>
-                <a:sym typeface="Consolas"/>
-              </a:rPr>
-              <a:t>, and </a:t>
-            </a:r>
-            <a:r>
-              <a:rPr lang="en-US" sz="3200" i="1" dirty="0" err="1">
-                <a:solidFill>
-                  <a:srgbClr val="C00000"/>
-                </a:solidFill>
-                <a:latin typeface="Pragmatica" panose="020B0403040502020204"/>
-                <a:sym typeface="Consolas"/>
-              </a:rPr>
-              <a:t>birthCity</a:t>
-            </a:r>
-            <a:r>
-              <a:rPr lang="en-US" sz="3200" i="1" dirty="0">
-                <a:solidFill>
-                  <a:srgbClr val="C00000"/>
-                </a:solidFill>
-                <a:latin typeface="Pragmatica" panose="020B0403040502020204"/>
-                <a:sym typeface="Consolas"/>
-              </a:rPr>
-              <a:t> </a:t>
-            </a:r>
-            <a:r>
-              <a:rPr lang="en-US" sz="3200" dirty="0">
-                <a:solidFill>
-                  <a:srgbClr val="C00000"/>
-                </a:solidFill>
-                <a:latin typeface="Pragmatica" panose="020B0403040502020204"/>
-                <a:sym typeface="Consolas"/>
-              </a:rPr>
-              <a:t>fields in the people table. </a:t>
-            </a:r>
-          </a:p>
-          <a:p>
-            <a:pPr marL="885825" indent="-742950">
-              <a:lnSpc>
-                <a:spcPct val="115000"/>
-              </a:lnSpc>
-              <a:spcBef>
-                <a:spcPts val="1125"/>
-              </a:spcBef>
-              <a:buClr>
-                <a:srgbClr val="C00000"/>
-              </a:buClr>
-              <a:buSzPts val="2100"/>
-              <a:buAutoNum type="arabicPeriod"/>
-            </a:pPr>
-            <a:r>
-              <a:rPr lang="en-US" sz="3200" dirty="0">
-                <a:solidFill>
-                  <a:srgbClr val="C00000"/>
-                </a:solidFill>
-                <a:latin typeface="Pragmatica" panose="020B0403040502020204"/>
-                <a:sym typeface="Consolas"/>
-              </a:rPr>
-              <a:t>Load the Data Model results into an Excel PivotTable. Count the number of players. You can do this by totaling the number of </a:t>
-            </a:r>
-            <a:r>
-              <a:rPr lang="en-US" sz="3200" i="1" dirty="0" err="1">
-                <a:solidFill>
-                  <a:srgbClr val="C00000"/>
-                </a:solidFill>
-                <a:latin typeface="Pragmatica" panose="020B0403040502020204"/>
-                <a:sym typeface="Consolas"/>
-              </a:rPr>
-              <a:t>playerIDs</a:t>
-            </a:r>
-            <a:r>
-              <a:rPr lang="en-US" sz="3200" i="1" dirty="0">
-                <a:solidFill>
-                  <a:srgbClr val="C00000"/>
-                </a:solidFill>
-                <a:latin typeface="Pragmatica" panose="020B0403040502020204"/>
-                <a:sym typeface="Consolas"/>
-              </a:rPr>
-              <a:t> </a:t>
-            </a:r>
-            <a:r>
-              <a:rPr lang="en-US" sz="3200" dirty="0">
-                <a:solidFill>
-                  <a:srgbClr val="C00000"/>
-                </a:solidFill>
-                <a:latin typeface="Pragmatica" panose="020B0403040502020204"/>
-                <a:sym typeface="Consolas"/>
-              </a:rPr>
-              <a:t>that have Yes in the </a:t>
-            </a:r>
-            <a:r>
-              <a:rPr lang="en-US" sz="3200" i="1" dirty="0" err="1">
-                <a:solidFill>
-                  <a:srgbClr val="C00000"/>
-                </a:solidFill>
-                <a:latin typeface="Pragmatica" panose="020B0403040502020204"/>
-                <a:sym typeface="Consolas"/>
-              </a:rPr>
-              <a:t>is_player</a:t>
-            </a:r>
-            <a:r>
-              <a:rPr lang="en-US" sz="3200" i="1" dirty="0">
-                <a:solidFill>
-                  <a:srgbClr val="C00000"/>
-                </a:solidFill>
-                <a:latin typeface="Pragmatica" panose="020B0403040502020204"/>
-                <a:sym typeface="Consolas"/>
-              </a:rPr>
-              <a:t> </a:t>
-            </a:r>
-            <a:r>
-              <a:rPr lang="en-US" sz="3200" dirty="0">
-                <a:solidFill>
-                  <a:srgbClr val="C00000"/>
-                </a:solidFill>
-                <a:latin typeface="Pragmatica" panose="020B0403040502020204"/>
-                <a:sym typeface="Consolas"/>
-              </a:rPr>
-              <a:t>column</a:t>
+              <a:rPr lang="en-US" sz="3600" dirty="0">
+                <a:solidFill>
+                  <a:srgbClr val="C00000"/>
+                </a:solidFill>
+                <a:latin typeface="Pragmatica" panose="020B0403040502020204"/>
+                <a:sym typeface="Consolas"/>
+              </a:rPr>
+              <a:t>and </a:t>
+            </a:r>
+            <a:r>
+              <a:rPr lang="en-US" sz="3600" i="1" dirty="0" err="1">
+                <a:solidFill>
+                  <a:srgbClr val="C00000"/>
+                </a:solidFill>
+                <a:latin typeface="Pragmatica" panose="020B0403040502020204"/>
+                <a:sym typeface="Consolas"/>
+              </a:rPr>
+              <a:t>flights_inner</a:t>
+            </a:r>
+            <a:r>
+              <a:rPr lang="en-US" sz="3600" dirty="0">
+                <a:solidFill>
+                  <a:srgbClr val="C00000"/>
+                </a:solidFill>
+                <a:latin typeface="Pragmatica" panose="020B0403040502020204"/>
+                <a:sym typeface="Consolas"/>
+              </a:rPr>
+              <a:t>, respectively. How many records are returned for each? (Hint: Merge the tables based on </a:t>
+            </a:r>
+            <a:r>
+              <a:rPr lang="en-US" sz="3600" i="1" dirty="0" err="1">
+                <a:solidFill>
+                  <a:srgbClr val="C00000"/>
+                </a:solidFill>
+                <a:latin typeface="Pragmatica" panose="020B0403040502020204"/>
+                <a:sym typeface="Consolas"/>
+              </a:rPr>
+              <a:t>tailnum</a:t>
+            </a:r>
+            <a:r>
+              <a:rPr lang="en-US" sz="3600" dirty="0">
+                <a:solidFill>
+                  <a:srgbClr val="C00000"/>
+                </a:solidFill>
+                <a:latin typeface="Pragmatica" panose="020B0403040502020204"/>
+                <a:sym typeface="Consolas"/>
+              </a:rPr>
+              <a:t>).</a:t>
             </a:r>
           </a:p>
           <a:p>
@@ -6586,7 +6630,7 @@
               <a:buSzPts val="2100"/>
             </a:pPr>
             <a:r>
-              <a:rPr lang="en-US" sz="3200" dirty="0">
+              <a:rPr lang="en-US" sz="3600" dirty="0">
                 <a:solidFill>
                   <a:srgbClr val="C00000"/>
                 </a:solidFill>
@@ -6596,16 +6640,16 @@
               <a:t>File: </a:t>
             </a:r>
             <a:r>
-              <a:rPr lang="en-US" sz="3200" dirty="0">
+              <a:rPr lang="en-US" sz="3600" dirty="0">
                 <a:solidFill>
                   <a:srgbClr val="C00000"/>
                 </a:solidFill>
                 <a:latin typeface="Consolas" panose="020B0609020204030204" pitchFamily="49" charset="0"/>
                 <a:sym typeface="Consolas"/>
               </a:rPr>
-              <a:t>ch_07_exercises.xlsx</a:t>
-            </a:r>
-            <a:endParaRPr lang="en-US" sz="5400" dirty="0">
+              <a:t>ch_05_exercises.xlsx</a:t>
+            </a:r>
+            <a:endParaRPr lang="en-US" sz="6000" dirty="0">
               <a:solidFill>
                 <a:srgbClr val="CF3338"/>
               </a:solidFill>
@@ -6613,7 +6657,7 @@
             </a:endParaRPr>
           </a:p>
           <a:p>
-            <a:endParaRPr lang="en-US" sz="4800" dirty="0">
+            <a:endParaRPr lang="en-US" sz="5400" dirty="0">
               <a:solidFill>
                 <a:srgbClr val="CF3338"/>
               </a:solidFill>
@@ -6625,7 +6669,7 @@
     </p:spTree>
     <p:extLst>
       <p:ext uri="{BB962C8B-B14F-4D97-AF65-F5344CB8AC3E}">
-        <p14:creationId xmlns:p14="http://schemas.microsoft.com/office/powerpoint/2010/main" val="2118286379"/>
+        <p14:creationId xmlns:p14="http://schemas.microsoft.com/office/powerpoint/2010/main" val="3621463409"/>
       </p:ext>
     </p:extLst>
   </p:cSld>
@@ -6635,7 +6679,7 @@
 </p:sld>
 </file>
 
-<file path=ppt/slides/slide7.xml><?xml version="1.0" encoding="utf-8"?>
+<file path=ppt/slides/slide5.xml><?xml version="1.0" encoding="utf-8"?>
 <p:sld xmlns:a="http://schemas.openxmlformats.org/drawingml/2006/main" xmlns:r="http://schemas.openxmlformats.org/officeDocument/2006/relationships" xmlns:p="http://schemas.openxmlformats.org/presentationml/2006/main">
   <p:cSld>
     <p:spTree>
@@ -6736,6 +6780,895 @@
         <p:spPr>
           <a:xfrm>
             <a:off x="260430" y="329879"/>
+            <a:ext cx="13684170" cy="10224337"/>
+          </a:xfrm>
+          <a:prstGeom prst="rect">
+            <a:avLst/>
+          </a:prstGeom>
+          <a:noFill/>
+        </p:spPr>
+        <p:txBody>
+          <a:bodyPr wrap="square" rtlCol="0">
+            <a:spAutoFit/>
+          </a:bodyPr>
+          <a:lstStyle/>
+          <a:p>
+            <a:r>
+              <a:rPr lang="en-US" sz="5400" b="1" dirty="0">
+                <a:solidFill>
+                  <a:srgbClr val="CF3338"/>
+                </a:solidFill>
+                <a:latin typeface="Pragmatica" panose="020B0403040502020204" pitchFamily="34" charset="0"/>
+              </a:rPr>
+              <a:t>First Steps in Power Pivot</a:t>
+            </a:r>
+            <a:endParaRPr lang="en-US" sz="4000" b="1" dirty="0">
+              <a:solidFill>
+                <a:srgbClr val="CF3338"/>
+              </a:solidFill>
+              <a:latin typeface="Pragmatica" panose="020B0403040502020204" pitchFamily="34" charset="0"/>
+            </a:endParaRPr>
+          </a:p>
+          <a:p>
+            <a:endParaRPr lang="en-US" sz="4000" b="1" dirty="0">
+              <a:solidFill>
+                <a:srgbClr val="CF3338"/>
+              </a:solidFill>
+              <a:latin typeface="Pragmatica" panose="020B0403040502020204" pitchFamily="34" charset="0"/>
+              <a:sym typeface="Consolas"/>
+            </a:endParaRPr>
+          </a:p>
+          <a:p>
+            <a:pPr marL="885825" indent="-742950">
+              <a:lnSpc>
+                <a:spcPct val="115000"/>
+              </a:lnSpc>
+              <a:spcBef>
+                <a:spcPts val="1125"/>
+              </a:spcBef>
+              <a:buClr>
+                <a:srgbClr val="C00000"/>
+              </a:buClr>
+              <a:buSzPts val="2100"/>
+              <a:buAutoNum type="arabicPeriod"/>
+            </a:pPr>
+            <a:r>
+              <a:rPr lang="en-US" sz="3600" dirty="0">
+                <a:solidFill>
+                  <a:srgbClr val="C00000"/>
+                </a:solidFill>
+                <a:latin typeface="Pragmatica" panose="020B0403040502020204"/>
+                <a:sym typeface="Consolas"/>
+              </a:rPr>
+              <a:t>What is the purpose of the Power Pivot add-in, and what can it enable you to do? </a:t>
+            </a:r>
+          </a:p>
+          <a:p>
+            <a:pPr marL="885825" indent="-742950">
+              <a:lnSpc>
+                <a:spcPct val="115000"/>
+              </a:lnSpc>
+              <a:spcBef>
+                <a:spcPts val="1125"/>
+              </a:spcBef>
+              <a:buClr>
+                <a:srgbClr val="C00000"/>
+              </a:buClr>
+              <a:buSzPts val="2100"/>
+              <a:buAutoNum type="arabicPeriod"/>
+            </a:pPr>
+            <a:r>
+              <a:rPr lang="en-US" sz="3600" dirty="0">
+                <a:solidFill>
+                  <a:srgbClr val="C00000"/>
+                </a:solidFill>
+                <a:latin typeface="Pragmatica" panose="020B0403040502020204"/>
+                <a:sym typeface="Consolas"/>
+              </a:rPr>
+              <a:t>Explain the role of the Data Model in Power Pivot and its significance in data analysis.</a:t>
+            </a:r>
+          </a:p>
+          <a:p>
+            <a:pPr marL="885825" indent="-742950">
+              <a:lnSpc>
+                <a:spcPct val="115000"/>
+              </a:lnSpc>
+              <a:spcBef>
+                <a:spcPts val="1125"/>
+              </a:spcBef>
+              <a:buClr>
+                <a:srgbClr val="C00000"/>
+              </a:buClr>
+              <a:buSzPts val="2100"/>
+              <a:buAutoNum type="arabicPeriod"/>
+            </a:pPr>
+            <a:r>
+              <a:rPr lang="en-US" sz="3600" dirty="0">
+                <a:solidFill>
+                  <a:srgbClr val="C00000"/>
+                </a:solidFill>
+                <a:latin typeface="Pragmatica" panose="020B0403040502020204"/>
+                <a:sym typeface="Consolas"/>
+              </a:rPr>
+              <a:t>What is the basic role of DAX measures and key performance indicators in Power Pivot? </a:t>
+            </a:r>
+          </a:p>
+          <a:p>
+            <a:pPr marL="885825" indent="-742950">
+              <a:lnSpc>
+                <a:spcPct val="115000"/>
+              </a:lnSpc>
+              <a:spcBef>
+                <a:spcPts val="1125"/>
+              </a:spcBef>
+              <a:buClr>
+                <a:srgbClr val="C00000"/>
+              </a:buClr>
+              <a:buSzPts val="2100"/>
+              <a:buAutoNum type="arabicPeriod"/>
+            </a:pPr>
+            <a:r>
+              <a:rPr lang="en-US" sz="3600" dirty="0">
+                <a:solidFill>
+                  <a:srgbClr val="C00000"/>
+                </a:solidFill>
+                <a:latin typeface="Pragmatica" panose="020B0403040502020204"/>
+                <a:sym typeface="Consolas"/>
+              </a:rPr>
+              <a:t>Compare Power Query joins with Power Pivot relationships in terms of combining data sources. </a:t>
+            </a:r>
+          </a:p>
+          <a:p>
+            <a:pPr marL="885825" indent="-742950">
+              <a:lnSpc>
+                <a:spcPct val="115000"/>
+              </a:lnSpc>
+              <a:spcBef>
+                <a:spcPts val="1125"/>
+              </a:spcBef>
+              <a:buClr>
+                <a:srgbClr val="C00000"/>
+              </a:buClr>
+              <a:buSzPts val="2100"/>
+              <a:buAutoNum type="arabicPeriod"/>
+            </a:pPr>
+            <a:r>
+              <a:rPr lang="en-US" sz="3600" dirty="0">
+                <a:solidFill>
+                  <a:srgbClr val="C00000"/>
+                </a:solidFill>
+                <a:latin typeface="Pragmatica" panose="020B0403040502020204"/>
+                <a:sym typeface="Consolas"/>
+              </a:rPr>
+              <a:t>What are the drawbacks of using lookup functions like VLOOKUP() or XLOOKUP() to merge tables in Excel?</a:t>
+            </a:r>
+          </a:p>
+          <a:p>
+            <a:pPr marL="142875">
+              <a:lnSpc>
+                <a:spcPct val="115000"/>
+              </a:lnSpc>
+              <a:spcBef>
+                <a:spcPts val="1125"/>
+              </a:spcBef>
+              <a:buClr>
+                <a:srgbClr val="C00000"/>
+              </a:buClr>
+              <a:buSzPts val="2100"/>
+            </a:pPr>
+            <a:r>
+              <a:rPr lang="en-US" sz="3600" dirty="0">
+                <a:solidFill>
+                  <a:srgbClr val="C00000"/>
+                </a:solidFill>
+                <a:latin typeface="Pragmatica" panose="020B0403040502020204"/>
+                <a:sym typeface="Consolas"/>
+              </a:rPr>
+              <a:t>File: </a:t>
+            </a:r>
+            <a:r>
+              <a:rPr lang="en-US" sz="3600" dirty="0">
+                <a:solidFill>
+                  <a:srgbClr val="C00000"/>
+                </a:solidFill>
+                <a:latin typeface="Consolas" panose="020B0609020204030204" pitchFamily="49" charset="0"/>
+                <a:sym typeface="Consolas"/>
+              </a:rPr>
+              <a:t>n/a</a:t>
+            </a:r>
+            <a:endParaRPr lang="en-US" sz="6000" dirty="0">
+              <a:solidFill>
+                <a:srgbClr val="CF3338"/>
+              </a:solidFill>
+              <a:latin typeface="Consolas" panose="020B0609020204030204" pitchFamily="49" charset="0"/>
+            </a:endParaRPr>
+          </a:p>
+          <a:p>
+            <a:endParaRPr lang="en-US" sz="5400" dirty="0">
+              <a:solidFill>
+                <a:srgbClr val="CF3338"/>
+              </a:solidFill>
+              <a:latin typeface="Pragmatica" panose="020B0403040502020204" pitchFamily="34" charset="0"/>
+            </a:endParaRPr>
+          </a:p>
+        </p:txBody>
+      </p:sp>
+    </p:spTree>
+    <p:extLst>
+      <p:ext uri="{BB962C8B-B14F-4D97-AF65-F5344CB8AC3E}">
+        <p14:creationId xmlns:p14="http://schemas.microsoft.com/office/powerpoint/2010/main" val="3241373308"/>
+      </p:ext>
+    </p:extLst>
+  </p:cSld>
+  <p:clrMapOvr>
+    <a:masterClrMapping/>
+  </p:clrMapOvr>
+</p:sld>
+</file>
+
+<file path=ppt/slides/slide6.xml><?xml version="1.0" encoding="utf-8"?>
+<p:sld xmlns:a="http://schemas.openxmlformats.org/drawingml/2006/main" xmlns:r="http://schemas.openxmlformats.org/officeDocument/2006/relationships" xmlns:p="http://schemas.openxmlformats.org/presentationml/2006/main">
+  <p:cSld>
+    <p:spTree>
+      <p:nvGrpSpPr>
+        <p:cNvPr id="1" name=""/>
+        <p:cNvGrpSpPr/>
+        <p:nvPr/>
+      </p:nvGrpSpPr>
+      <p:grpSpPr>
+        <a:xfrm>
+          <a:off x="0" y="0"/>
+          <a:ext cx="0" cy="0"/>
+          <a:chOff x="0" y="0"/>
+          <a:chExt cx="0" cy="0"/>
+        </a:xfrm>
+      </p:grpSpPr>
+      <p:sp>
+        <p:nvSpPr>
+          <p:cNvPr id="4" name="Rectangle 3"/>
+          <p:cNvSpPr/>
+          <p:nvPr/>
+        </p:nvSpPr>
+        <p:spPr>
+          <a:xfrm>
+            <a:off x="14554200" y="0"/>
+            <a:ext cx="3733800" cy="10287000"/>
+          </a:xfrm>
+          <a:prstGeom prst="rect">
+            <a:avLst/>
+          </a:prstGeom>
+          <a:solidFill>
+            <a:srgbClr val="CF3338"/>
+          </a:solidFill>
+          <a:ln>
+            <a:noFill/>
+          </a:ln>
+        </p:spPr>
+        <p:style>
+          <a:lnRef idx="2">
+            <a:schemeClr val="accent1">
+              <a:shade val="50000"/>
+            </a:schemeClr>
+          </a:lnRef>
+          <a:fillRef idx="1">
+            <a:schemeClr val="accent1"/>
+          </a:fillRef>
+          <a:effectRef idx="0">
+            <a:schemeClr val="accent1"/>
+          </a:effectRef>
+          <a:fontRef idx="minor">
+            <a:schemeClr val="lt1"/>
+          </a:fontRef>
+        </p:style>
+        <p:txBody>
+          <a:bodyPr rtlCol="0" anchor="ctr"/>
+          <a:lstStyle/>
+          <a:p>
+            <a:pPr algn="ctr"/>
+            <a:endParaRPr lang="en-US" sz="2700"/>
+          </a:p>
+        </p:txBody>
+      </p:sp>
+      <p:pic>
+        <p:nvPicPr>
+          <p:cNvPr id="2" name="Picture 1"/>
+          <p:cNvPicPr>
+            <a:picLocks noChangeAspect="1"/>
+          </p:cNvPicPr>
+          <p:nvPr/>
+        </p:nvPicPr>
+        <p:blipFill rotWithShape="1">
+          <a:blip r:embed="rId3">
+            <a:extLst>
+              <a:ext uri="{28A0092B-C50C-407E-A947-70E740481C1C}">
+                <a14:useLocalDpi xmlns:a14="http://schemas.microsoft.com/office/drawing/2010/main" val="0"/>
+              </a:ext>
+            </a:extLst>
+          </a:blip>
+          <a:srcRect l="69227" t="33418" r="20112" b="50548"/>
+          <a:stretch/>
+        </p:blipFill>
+        <p:spPr>
+          <a:xfrm>
+            <a:off x="15579524" y="7544693"/>
+            <a:ext cx="2708477" cy="2987579"/>
+          </a:xfrm>
+          <a:prstGeom prst="rect">
+            <a:avLst/>
+          </a:prstGeom>
+        </p:spPr>
+      </p:pic>
+      <p:sp>
+        <p:nvSpPr>
+          <p:cNvPr id="3" name="TextBox 2"/>
+          <p:cNvSpPr txBox="1"/>
+          <p:nvPr/>
+        </p:nvSpPr>
+        <p:spPr>
+          <a:xfrm>
+            <a:off x="260430" y="329879"/>
+            <a:ext cx="13684170" cy="10719345"/>
+          </a:xfrm>
+          <a:prstGeom prst="rect">
+            <a:avLst/>
+          </a:prstGeom>
+          <a:noFill/>
+        </p:spPr>
+        <p:txBody>
+          <a:bodyPr wrap="square" rtlCol="0">
+            <a:spAutoFit/>
+          </a:bodyPr>
+          <a:lstStyle/>
+          <a:p>
+            <a:r>
+              <a:rPr lang="en-US" sz="5400" b="1" dirty="0">
+                <a:solidFill>
+                  <a:srgbClr val="CF3338"/>
+                </a:solidFill>
+                <a:latin typeface="Pragmatica" panose="020B0403040502020204" pitchFamily="34" charset="0"/>
+              </a:rPr>
+              <a:t>Creating Relational Models in Power Pivot</a:t>
+            </a:r>
+            <a:endParaRPr lang="en-US" sz="4000" b="1" dirty="0">
+              <a:solidFill>
+                <a:srgbClr val="CF3338"/>
+              </a:solidFill>
+              <a:latin typeface="Pragmatica" panose="020B0403040502020204" pitchFamily="34" charset="0"/>
+            </a:endParaRPr>
+          </a:p>
+          <a:p>
+            <a:endParaRPr lang="en-US" sz="4000" b="1" dirty="0">
+              <a:solidFill>
+                <a:srgbClr val="CF3338"/>
+              </a:solidFill>
+              <a:latin typeface="Pragmatica" panose="020B0403040502020204" pitchFamily="34" charset="0"/>
+              <a:sym typeface="Consolas"/>
+            </a:endParaRPr>
+          </a:p>
+          <a:p>
+            <a:pPr marL="885825" indent="-742950">
+              <a:lnSpc>
+                <a:spcPct val="115000"/>
+              </a:lnSpc>
+              <a:spcBef>
+                <a:spcPts val="1125"/>
+              </a:spcBef>
+              <a:buClr>
+                <a:srgbClr val="C00000"/>
+              </a:buClr>
+              <a:buSzPts val="2100"/>
+              <a:buAutoNum type="arabicPeriod"/>
+            </a:pPr>
+            <a:r>
+              <a:rPr lang="en-US" sz="3200" dirty="0">
+                <a:solidFill>
+                  <a:srgbClr val="C00000"/>
+                </a:solidFill>
+                <a:latin typeface="Pragmatica" panose="020B0403040502020204"/>
+                <a:sym typeface="Consolas"/>
+              </a:rPr>
+              <a:t>Load the tables into Power Pivot via Power Query and establish relationships in the Power Pivot Data Model. </a:t>
+            </a:r>
+          </a:p>
+          <a:p>
+            <a:pPr marL="885825" indent="-742950">
+              <a:lnSpc>
+                <a:spcPct val="115000"/>
+              </a:lnSpc>
+              <a:spcBef>
+                <a:spcPts val="1125"/>
+              </a:spcBef>
+              <a:buClr>
+                <a:srgbClr val="C00000"/>
+              </a:buClr>
+              <a:buSzPts val="2100"/>
+              <a:buAutoNum type="arabicPeriod"/>
+            </a:pPr>
+            <a:r>
+              <a:rPr lang="en-US" sz="3200" dirty="0">
+                <a:solidFill>
+                  <a:srgbClr val="C00000"/>
+                </a:solidFill>
+                <a:latin typeface="Pragmatica" panose="020B0403040502020204"/>
+                <a:sym typeface="Consolas"/>
+              </a:rPr>
+              <a:t>Identify fact and dimension tables in the Data Model and organize the model in Diagram View accordingly. </a:t>
+            </a:r>
+          </a:p>
+          <a:p>
+            <a:pPr marL="885825" indent="-742950">
+              <a:lnSpc>
+                <a:spcPct val="115000"/>
+              </a:lnSpc>
+              <a:spcBef>
+                <a:spcPts val="1125"/>
+              </a:spcBef>
+              <a:buClr>
+                <a:srgbClr val="C00000"/>
+              </a:buClr>
+              <a:buSzPts val="2100"/>
+              <a:buAutoNum type="arabicPeriod"/>
+            </a:pPr>
+            <a:r>
+              <a:rPr lang="en-US" sz="3200" dirty="0">
+                <a:solidFill>
+                  <a:srgbClr val="C00000"/>
+                </a:solidFill>
+                <a:latin typeface="Pragmatica" panose="020B0403040502020204"/>
+                <a:sym typeface="Consolas"/>
+              </a:rPr>
+              <a:t>What is the cardinality of the relationships between these tables?</a:t>
+            </a:r>
+          </a:p>
+          <a:p>
+            <a:pPr marL="885825" indent="-742950">
+              <a:lnSpc>
+                <a:spcPct val="115000"/>
+              </a:lnSpc>
+              <a:spcBef>
+                <a:spcPts val="1125"/>
+              </a:spcBef>
+              <a:buClr>
+                <a:srgbClr val="C00000"/>
+              </a:buClr>
+              <a:buSzPts val="2100"/>
+              <a:buAutoNum type="arabicPeriod"/>
+            </a:pPr>
+            <a:r>
+              <a:rPr lang="en-US" sz="3200" dirty="0">
+                <a:solidFill>
+                  <a:srgbClr val="C00000"/>
+                </a:solidFill>
+                <a:latin typeface="Pragmatica" panose="020B0403040502020204"/>
+                <a:sym typeface="Consolas"/>
+              </a:rPr>
+              <a:t>Use the SWITCH() function to generate an </a:t>
+            </a:r>
+            <a:r>
+              <a:rPr lang="en-US" sz="3200" i="1" dirty="0" err="1">
+                <a:solidFill>
+                  <a:srgbClr val="C00000"/>
+                </a:solidFill>
+                <a:latin typeface="Pragmatica" panose="020B0403040502020204"/>
+                <a:sym typeface="Consolas"/>
+              </a:rPr>
+              <a:t>is_player</a:t>
+            </a:r>
+            <a:r>
+              <a:rPr lang="en-US" sz="3200" i="1" dirty="0">
+                <a:solidFill>
+                  <a:srgbClr val="C00000"/>
+                </a:solidFill>
+                <a:latin typeface="Pragmatica" panose="020B0403040502020204"/>
+                <a:sym typeface="Consolas"/>
+              </a:rPr>
+              <a:t> </a:t>
+            </a:r>
+            <a:r>
+              <a:rPr lang="en-US" sz="3200" dirty="0">
+                <a:solidFill>
+                  <a:srgbClr val="C00000"/>
+                </a:solidFill>
+                <a:latin typeface="Pragmatica" panose="020B0403040502020204"/>
+                <a:sym typeface="Consolas"/>
+              </a:rPr>
+              <a:t>column in the </a:t>
+            </a:r>
+            <a:r>
+              <a:rPr lang="en-US" sz="3200" i="1" dirty="0" err="1">
+                <a:solidFill>
+                  <a:srgbClr val="C00000"/>
+                </a:solidFill>
+                <a:latin typeface="Pragmatica" panose="020B0403040502020204"/>
+                <a:sym typeface="Consolas"/>
+              </a:rPr>
+              <a:t>hof</a:t>
+            </a:r>
+            <a:r>
+              <a:rPr lang="en-US" sz="3200" i="1" dirty="0">
+                <a:solidFill>
+                  <a:srgbClr val="C00000"/>
+                </a:solidFill>
+                <a:latin typeface="Pragmatica" panose="020B0403040502020204"/>
+                <a:sym typeface="Consolas"/>
+              </a:rPr>
+              <a:t> </a:t>
+            </a:r>
+            <a:r>
+              <a:rPr lang="en-US" sz="3200" dirty="0">
+                <a:solidFill>
+                  <a:srgbClr val="C00000"/>
+                </a:solidFill>
+                <a:latin typeface="Pragmatica" panose="020B0403040502020204"/>
+                <a:sym typeface="Consolas"/>
+              </a:rPr>
+              <a:t>table. Assign Yes if the category column indicates </a:t>
+            </a:r>
+            <a:r>
+              <a:rPr lang="en-US" sz="3200" i="1" dirty="0">
+                <a:solidFill>
+                  <a:srgbClr val="C00000"/>
+                </a:solidFill>
+                <a:latin typeface="Pragmatica" panose="020B0403040502020204"/>
+                <a:sym typeface="Consolas"/>
+              </a:rPr>
+              <a:t>Player</a:t>
+            </a:r>
+            <a:r>
+              <a:rPr lang="en-US" sz="3200" dirty="0">
+                <a:solidFill>
+                  <a:srgbClr val="C00000"/>
+                </a:solidFill>
+                <a:latin typeface="Pragmatica" panose="020B0403040502020204"/>
+                <a:sym typeface="Consolas"/>
+              </a:rPr>
+              <a:t>, otherwise assign No. </a:t>
+            </a:r>
+          </a:p>
+          <a:p>
+            <a:pPr marL="885825" indent="-742950">
+              <a:lnSpc>
+                <a:spcPct val="115000"/>
+              </a:lnSpc>
+              <a:spcBef>
+                <a:spcPts val="1125"/>
+              </a:spcBef>
+              <a:buClr>
+                <a:srgbClr val="C00000"/>
+              </a:buClr>
+              <a:buSzPts val="2100"/>
+              <a:buAutoNum type="arabicPeriod"/>
+            </a:pPr>
+            <a:r>
+              <a:rPr lang="en-US" sz="3200" dirty="0">
+                <a:solidFill>
+                  <a:srgbClr val="C00000"/>
+                </a:solidFill>
+                <a:latin typeface="Pragmatica" panose="020B0403040502020204"/>
+                <a:sym typeface="Consolas"/>
+              </a:rPr>
+              <a:t>Create a hierarchy among the </a:t>
+            </a:r>
+            <a:r>
+              <a:rPr lang="en-US" sz="3200" i="1" dirty="0" err="1">
+                <a:solidFill>
+                  <a:srgbClr val="C00000"/>
+                </a:solidFill>
+                <a:latin typeface="Pragmatica" panose="020B0403040502020204"/>
+                <a:sym typeface="Consolas"/>
+              </a:rPr>
+              <a:t>birthCountry</a:t>
+            </a:r>
+            <a:r>
+              <a:rPr lang="en-US" sz="3200" dirty="0">
+                <a:solidFill>
+                  <a:srgbClr val="C00000"/>
+                </a:solidFill>
+                <a:latin typeface="Pragmatica" panose="020B0403040502020204"/>
+                <a:sym typeface="Consolas"/>
+              </a:rPr>
+              <a:t>, </a:t>
+            </a:r>
+            <a:r>
+              <a:rPr lang="en-US" sz="3200" i="1" dirty="0" err="1">
+                <a:solidFill>
+                  <a:srgbClr val="C00000"/>
+                </a:solidFill>
+                <a:latin typeface="Pragmatica" panose="020B0403040502020204"/>
+                <a:sym typeface="Consolas"/>
+              </a:rPr>
+              <a:t>birthState</a:t>
+            </a:r>
+            <a:r>
+              <a:rPr lang="en-US" sz="3200" dirty="0">
+                <a:solidFill>
+                  <a:srgbClr val="C00000"/>
+                </a:solidFill>
+                <a:latin typeface="Pragmatica" panose="020B0403040502020204"/>
+                <a:sym typeface="Consolas"/>
+              </a:rPr>
+              <a:t>, and </a:t>
+            </a:r>
+            <a:r>
+              <a:rPr lang="en-US" sz="3200" i="1" dirty="0" err="1">
+                <a:solidFill>
+                  <a:srgbClr val="C00000"/>
+                </a:solidFill>
+                <a:latin typeface="Pragmatica" panose="020B0403040502020204"/>
+                <a:sym typeface="Consolas"/>
+              </a:rPr>
+              <a:t>birthCity</a:t>
+            </a:r>
+            <a:r>
+              <a:rPr lang="en-US" sz="3200" i="1" dirty="0">
+                <a:solidFill>
+                  <a:srgbClr val="C00000"/>
+                </a:solidFill>
+                <a:latin typeface="Pragmatica" panose="020B0403040502020204"/>
+                <a:sym typeface="Consolas"/>
+              </a:rPr>
+              <a:t> </a:t>
+            </a:r>
+            <a:r>
+              <a:rPr lang="en-US" sz="3200" dirty="0">
+                <a:solidFill>
+                  <a:srgbClr val="C00000"/>
+                </a:solidFill>
+                <a:latin typeface="Pragmatica" panose="020B0403040502020204"/>
+                <a:sym typeface="Consolas"/>
+              </a:rPr>
+              <a:t>fields in the people table. </a:t>
+            </a:r>
+          </a:p>
+          <a:p>
+            <a:pPr marL="885825" indent="-742950">
+              <a:lnSpc>
+                <a:spcPct val="115000"/>
+              </a:lnSpc>
+              <a:spcBef>
+                <a:spcPts val="1125"/>
+              </a:spcBef>
+              <a:buClr>
+                <a:srgbClr val="C00000"/>
+              </a:buClr>
+              <a:buSzPts val="2100"/>
+              <a:buAutoNum type="arabicPeriod"/>
+            </a:pPr>
+            <a:r>
+              <a:rPr lang="en-US" sz="3200" dirty="0">
+                <a:solidFill>
+                  <a:srgbClr val="C00000"/>
+                </a:solidFill>
+                <a:latin typeface="Pragmatica" panose="020B0403040502020204"/>
+                <a:sym typeface="Consolas"/>
+              </a:rPr>
+              <a:t>Load the Data Model results into an Excel PivotTable. Count the number of players. You can do this by totaling the number of </a:t>
+            </a:r>
+            <a:r>
+              <a:rPr lang="en-US" sz="3200" i="1" dirty="0" err="1">
+                <a:solidFill>
+                  <a:srgbClr val="C00000"/>
+                </a:solidFill>
+                <a:latin typeface="Pragmatica" panose="020B0403040502020204"/>
+                <a:sym typeface="Consolas"/>
+              </a:rPr>
+              <a:t>playerIDs</a:t>
+            </a:r>
+            <a:r>
+              <a:rPr lang="en-US" sz="3200" i="1" dirty="0">
+                <a:solidFill>
+                  <a:srgbClr val="C00000"/>
+                </a:solidFill>
+                <a:latin typeface="Pragmatica" panose="020B0403040502020204"/>
+                <a:sym typeface="Consolas"/>
+              </a:rPr>
+              <a:t> </a:t>
+            </a:r>
+            <a:r>
+              <a:rPr lang="en-US" sz="3200" dirty="0">
+                <a:solidFill>
+                  <a:srgbClr val="C00000"/>
+                </a:solidFill>
+                <a:latin typeface="Pragmatica" panose="020B0403040502020204"/>
+                <a:sym typeface="Consolas"/>
+              </a:rPr>
+              <a:t>that have Yes in the </a:t>
+            </a:r>
+            <a:r>
+              <a:rPr lang="en-US" sz="3200" i="1" dirty="0" err="1">
+                <a:solidFill>
+                  <a:srgbClr val="C00000"/>
+                </a:solidFill>
+                <a:latin typeface="Pragmatica" panose="020B0403040502020204"/>
+                <a:sym typeface="Consolas"/>
+              </a:rPr>
+              <a:t>is_player</a:t>
+            </a:r>
+            <a:r>
+              <a:rPr lang="en-US" sz="3200" i="1" dirty="0">
+                <a:solidFill>
+                  <a:srgbClr val="C00000"/>
+                </a:solidFill>
+                <a:latin typeface="Pragmatica" panose="020B0403040502020204"/>
+                <a:sym typeface="Consolas"/>
+              </a:rPr>
+              <a:t> </a:t>
+            </a:r>
+            <a:r>
+              <a:rPr lang="en-US" sz="3200" dirty="0">
+                <a:solidFill>
+                  <a:srgbClr val="C00000"/>
+                </a:solidFill>
+                <a:latin typeface="Pragmatica" panose="020B0403040502020204"/>
+                <a:sym typeface="Consolas"/>
+              </a:rPr>
+              <a:t>column</a:t>
+            </a:r>
+          </a:p>
+          <a:p>
+            <a:pPr marL="142875">
+              <a:lnSpc>
+                <a:spcPct val="115000"/>
+              </a:lnSpc>
+              <a:spcBef>
+                <a:spcPts val="1125"/>
+              </a:spcBef>
+              <a:buClr>
+                <a:srgbClr val="C00000"/>
+              </a:buClr>
+              <a:buSzPts val="2100"/>
+            </a:pPr>
+            <a:r>
+              <a:rPr lang="en-US" sz="3200" dirty="0">
+                <a:solidFill>
+                  <a:srgbClr val="C00000"/>
+                </a:solidFill>
+                <a:latin typeface="Pragmatica" panose="020B0403040502020204"/>
+                <a:sym typeface="Consolas"/>
+              </a:rPr>
+              <a:t>File: </a:t>
+            </a:r>
+            <a:r>
+              <a:rPr lang="en-US" sz="3200" dirty="0">
+                <a:solidFill>
+                  <a:srgbClr val="C00000"/>
+                </a:solidFill>
+                <a:latin typeface="Consolas" panose="020B0609020204030204" pitchFamily="49" charset="0"/>
+                <a:sym typeface="Consolas"/>
+              </a:rPr>
+              <a:t>ch_07_exercises.xlsx</a:t>
+            </a:r>
+            <a:endParaRPr lang="en-US" sz="5400" dirty="0">
+              <a:solidFill>
+                <a:srgbClr val="CF3338"/>
+              </a:solidFill>
+              <a:latin typeface="Consolas" panose="020B0609020204030204" pitchFamily="49" charset="0"/>
+            </a:endParaRPr>
+          </a:p>
+          <a:p>
+            <a:endParaRPr lang="en-US" sz="4800" dirty="0">
+              <a:solidFill>
+                <a:srgbClr val="CF3338"/>
+              </a:solidFill>
+              <a:latin typeface="Pragmatica" panose="020B0403040502020204" pitchFamily="34" charset="0"/>
+            </a:endParaRPr>
+          </a:p>
+        </p:txBody>
+      </p:sp>
+    </p:spTree>
+    <p:extLst>
+      <p:ext uri="{BB962C8B-B14F-4D97-AF65-F5344CB8AC3E}">
+        <p14:creationId xmlns:p14="http://schemas.microsoft.com/office/powerpoint/2010/main" val="2118286379"/>
+      </p:ext>
+    </p:extLst>
+  </p:cSld>
+  <p:clrMapOvr>
+    <a:masterClrMapping/>
+  </p:clrMapOvr>
+</p:sld>
+</file>
+
+<file path=ppt/slides/slide7.xml><?xml version="1.0" encoding="utf-8"?>
+<p:sld xmlns:a="http://schemas.openxmlformats.org/drawingml/2006/main" xmlns:r="http://schemas.openxmlformats.org/officeDocument/2006/relationships" xmlns:p="http://schemas.openxmlformats.org/presentationml/2006/main">
+  <p:cSld>
+    <p:spTree>
+      <p:nvGrpSpPr>
+        <p:cNvPr id="1" name=""/>
+        <p:cNvGrpSpPr/>
+        <p:nvPr/>
+      </p:nvGrpSpPr>
+      <p:grpSpPr>
+        <a:xfrm>
+          <a:off x="0" y="0"/>
+          <a:ext cx="0" cy="0"/>
+          <a:chOff x="0" y="0"/>
+          <a:chExt cx="0" cy="0"/>
+        </a:xfrm>
+      </p:grpSpPr>
+      <p:sp>
+        <p:nvSpPr>
+          <p:cNvPr id="4" name="Rectangle 3"/>
+          <p:cNvSpPr/>
+          <p:nvPr/>
+        </p:nvSpPr>
+        <p:spPr>
+          <a:xfrm>
+            <a:off x="14554200" y="0"/>
+            <a:ext cx="3733800" cy="10287000"/>
+          </a:xfrm>
+          <a:prstGeom prst="rect">
+            <a:avLst/>
+          </a:prstGeom>
+          <a:solidFill>
+            <a:srgbClr val="CF3338"/>
+          </a:solidFill>
+          <a:ln>
+            <a:noFill/>
+          </a:ln>
+        </p:spPr>
+        <p:style>
+          <a:lnRef idx="2">
+            <a:schemeClr val="accent1">
+              <a:shade val="50000"/>
+            </a:schemeClr>
+          </a:lnRef>
+          <a:fillRef idx="1">
+            <a:schemeClr val="accent1"/>
+          </a:fillRef>
+          <a:effectRef idx="0">
+            <a:schemeClr val="accent1"/>
+          </a:effectRef>
+          <a:fontRef idx="minor">
+            <a:schemeClr val="lt1"/>
+          </a:fontRef>
+        </p:style>
+        <p:txBody>
+          <a:bodyPr rtlCol="0" anchor="ctr"/>
+          <a:lstStyle/>
+          <a:p>
+            <a:pPr algn="ctr"/>
+            <a:endParaRPr lang="en-US" sz="2700"/>
+          </a:p>
+        </p:txBody>
+      </p:sp>
+      <p:pic>
+        <p:nvPicPr>
+          <p:cNvPr id="2" name="Picture 1"/>
+          <p:cNvPicPr>
+            <a:picLocks noChangeAspect="1"/>
+          </p:cNvPicPr>
+          <p:nvPr/>
+        </p:nvPicPr>
+        <p:blipFill rotWithShape="1">
+          <a:blip r:embed="rId3">
+            <a:extLst>
+              <a:ext uri="{28A0092B-C50C-407E-A947-70E740481C1C}">
+                <a14:useLocalDpi xmlns:a14="http://schemas.microsoft.com/office/drawing/2010/main" val="0"/>
+              </a:ext>
+            </a:extLst>
+          </a:blip>
+          <a:srcRect l="69227" t="33418" r="20112" b="50548"/>
+          <a:stretch/>
+        </p:blipFill>
+        <p:spPr>
+          <a:xfrm>
+            <a:off x="15579524" y="7544693"/>
+            <a:ext cx="2708477" cy="2987579"/>
+          </a:xfrm>
+          <a:prstGeom prst="rect">
+            <a:avLst/>
+          </a:prstGeom>
+        </p:spPr>
+      </p:pic>
+      <p:sp>
+        <p:nvSpPr>
+          <p:cNvPr id="3" name="TextBox 2"/>
+          <p:cNvSpPr txBox="1"/>
+          <p:nvPr/>
+        </p:nvSpPr>
+        <p:spPr>
+          <a:xfrm>
+            <a:off x="260430" y="329879"/>
             <a:ext cx="13684170" cy="9856544"/>
           </a:xfrm>
           <a:prstGeom prst="rect">
@@ -7241,6 +8174,933 @@
     <p:extLst>
       <p:ext uri="{BB962C8B-B14F-4D97-AF65-F5344CB8AC3E}">
         <p14:creationId xmlns:p14="http://schemas.microsoft.com/office/powerpoint/2010/main" val="262301830"/>
+      </p:ext>
+    </p:extLst>
+  </p:cSld>
+  <p:clrMapOvr>
+    <a:masterClrMapping/>
+  </p:clrMapOvr>
+</p:sld>
+</file>
+
+<file path=ppt/slides/slide8.xml><?xml version="1.0" encoding="utf-8"?>
+<p:sld xmlns:a="http://schemas.openxmlformats.org/drawingml/2006/main" xmlns:r="http://schemas.openxmlformats.org/officeDocument/2006/relationships" xmlns:p="http://schemas.openxmlformats.org/presentationml/2006/main">
+  <p:cSld>
+    <p:spTree>
+      <p:nvGrpSpPr>
+        <p:cNvPr id="1" name=""/>
+        <p:cNvGrpSpPr/>
+        <p:nvPr/>
+      </p:nvGrpSpPr>
+      <p:grpSpPr>
+        <a:xfrm>
+          <a:off x="0" y="0"/>
+          <a:ext cx="0" cy="0"/>
+          <a:chOff x="0" y="0"/>
+          <a:chExt cx="0" cy="0"/>
+        </a:xfrm>
+      </p:grpSpPr>
+      <p:sp>
+        <p:nvSpPr>
+          <p:cNvPr id="4" name="Rectangle 3"/>
+          <p:cNvSpPr/>
+          <p:nvPr/>
+        </p:nvSpPr>
+        <p:spPr>
+          <a:xfrm>
+            <a:off x="14554200" y="0"/>
+            <a:ext cx="3733800" cy="10287000"/>
+          </a:xfrm>
+          <a:prstGeom prst="rect">
+            <a:avLst/>
+          </a:prstGeom>
+          <a:solidFill>
+            <a:srgbClr val="CF3338"/>
+          </a:solidFill>
+          <a:ln>
+            <a:noFill/>
+          </a:ln>
+        </p:spPr>
+        <p:style>
+          <a:lnRef idx="2">
+            <a:schemeClr val="accent1">
+              <a:shade val="50000"/>
+            </a:schemeClr>
+          </a:lnRef>
+          <a:fillRef idx="1">
+            <a:schemeClr val="accent1"/>
+          </a:fillRef>
+          <a:effectRef idx="0">
+            <a:schemeClr val="accent1"/>
+          </a:effectRef>
+          <a:fontRef idx="minor">
+            <a:schemeClr val="lt1"/>
+          </a:fontRef>
+        </p:style>
+        <p:txBody>
+          <a:bodyPr rtlCol="0" anchor="ctr"/>
+          <a:lstStyle/>
+          <a:p>
+            <a:pPr algn="ctr"/>
+            <a:endParaRPr lang="en-US" sz="2700"/>
+          </a:p>
+        </p:txBody>
+      </p:sp>
+      <p:pic>
+        <p:nvPicPr>
+          <p:cNvPr id="2" name="Picture 1"/>
+          <p:cNvPicPr>
+            <a:picLocks noChangeAspect="1"/>
+          </p:cNvPicPr>
+          <p:nvPr/>
+        </p:nvPicPr>
+        <p:blipFill rotWithShape="1">
+          <a:blip r:embed="rId3">
+            <a:extLst>
+              <a:ext uri="{28A0092B-C50C-407E-A947-70E740481C1C}">
+                <a14:useLocalDpi xmlns:a14="http://schemas.microsoft.com/office/drawing/2010/main" val="0"/>
+              </a:ext>
+            </a:extLst>
+          </a:blip>
+          <a:srcRect l="69227" t="33418" r="20112" b="50548"/>
+          <a:stretch/>
+        </p:blipFill>
+        <p:spPr>
+          <a:xfrm>
+            <a:off x="15579524" y="7544693"/>
+            <a:ext cx="2708477" cy="2987579"/>
+          </a:xfrm>
+          <a:prstGeom prst="rect">
+            <a:avLst/>
+          </a:prstGeom>
+        </p:spPr>
+      </p:pic>
+      <p:sp>
+        <p:nvSpPr>
+          <p:cNvPr id="3" name="TextBox 2"/>
+          <p:cNvSpPr txBox="1"/>
+          <p:nvPr/>
+        </p:nvSpPr>
+        <p:spPr>
+          <a:xfrm>
+            <a:off x="260430" y="329879"/>
+            <a:ext cx="13684170" cy="10060703"/>
+          </a:xfrm>
+          <a:prstGeom prst="rect">
+            <a:avLst/>
+          </a:prstGeom>
+          <a:noFill/>
+        </p:spPr>
+        <p:txBody>
+          <a:bodyPr wrap="square" rtlCol="0">
+            <a:spAutoFit/>
+          </a:bodyPr>
+          <a:lstStyle/>
+          <a:p>
+            <a:r>
+              <a:rPr lang="en-US" sz="5400" b="1" dirty="0">
+                <a:solidFill>
+                  <a:srgbClr val="CF3338"/>
+                </a:solidFill>
+                <a:latin typeface="Pragmatica" panose="020B0403040502020204" pitchFamily="34" charset="0"/>
+              </a:rPr>
+              <a:t>Intermediate DAX for Power Pivot</a:t>
+            </a:r>
+            <a:endParaRPr lang="en-US" sz="4000" b="1" dirty="0">
+              <a:solidFill>
+                <a:srgbClr val="CF3338"/>
+              </a:solidFill>
+              <a:latin typeface="Pragmatica" panose="020B0403040502020204" pitchFamily="34" charset="0"/>
+            </a:endParaRPr>
+          </a:p>
+          <a:p>
+            <a:endParaRPr lang="en-US" sz="4000" b="1" dirty="0">
+              <a:solidFill>
+                <a:srgbClr val="CF3338"/>
+              </a:solidFill>
+              <a:latin typeface="Pragmatica" panose="020B0403040502020204" pitchFamily="34" charset="0"/>
+              <a:sym typeface="Consolas"/>
+            </a:endParaRPr>
+          </a:p>
+          <a:p>
+            <a:pPr marL="142875">
+              <a:lnSpc>
+                <a:spcPct val="115000"/>
+              </a:lnSpc>
+              <a:spcBef>
+                <a:spcPts val="1125"/>
+              </a:spcBef>
+              <a:buClr>
+                <a:srgbClr val="C00000"/>
+              </a:buClr>
+              <a:buSzPts val="2100"/>
+            </a:pPr>
+            <a:r>
+              <a:rPr lang="en-US" sz="3200" dirty="0">
+                <a:solidFill>
+                  <a:srgbClr val="C00000"/>
+                </a:solidFill>
+                <a:latin typeface="Pragmatica" panose="020B0403040502020204"/>
+                <a:sym typeface="Consolas"/>
+              </a:rPr>
+              <a:t>Load the data into Power Pivot via Power Query and create the following measures: </a:t>
+            </a:r>
+          </a:p>
+          <a:p>
+            <a:pPr marL="600075" indent="-457200">
+              <a:lnSpc>
+                <a:spcPct val="115000"/>
+              </a:lnSpc>
+              <a:spcBef>
+                <a:spcPts val="1125"/>
+              </a:spcBef>
+              <a:buClr>
+                <a:srgbClr val="C00000"/>
+              </a:buClr>
+              <a:buSzPts val="2100"/>
+              <a:buFont typeface="+mj-lt"/>
+              <a:buAutoNum type="arabicPeriod"/>
+            </a:pPr>
+            <a:r>
+              <a:rPr lang="en-US" sz="3200" i="1" dirty="0" err="1">
+                <a:solidFill>
+                  <a:srgbClr val="C00000"/>
+                </a:solidFill>
+                <a:latin typeface="Pragmatica" panose="020B0403040502020204"/>
+                <a:sym typeface="Consolas"/>
+              </a:rPr>
+              <a:t>accessories_rev</a:t>
+            </a:r>
+            <a:r>
+              <a:rPr lang="en-US" sz="3200" dirty="0">
+                <a:solidFill>
+                  <a:srgbClr val="C00000"/>
+                </a:solidFill>
+                <a:latin typeface="Pragmatica" panose="020B0403040502020204"/>
+                <a:sym typeface="Consolas"/>
+              </a:rPr>
+              <a:t>: Returns the total revenue when </a:t>
+            </a:r>
+            <a:r>
+              <a:rPr lang="en-US" sz="3200" dirty="0" err="1">
+                <a:solidFill>
+                  <a:srgbClr val="C00000"/>
+                </a:solidFill>
+                <a:latin typeface="Pragmatica" panose="020B0403040502020204"/>
+                <a:sym typeface="Consolas"/>
+              </a:rPr>
+              <a:t>product_category</a:t>
+            </a:r>
+            <a:r>
+              <a:rPr lang="en-US" sz="3200" dirty="0">
+                <a:solidFill>
+                  <a:srgbClr val="C00000"/>
+                </a:solidFill>
+                <a:latin typeface="Pragmatica" panose="020B0403040502020204"/>
+                <a:sym typeface="Consolas"/>
+              </a:rPr>
+              <a:t> is set to Accessories.</a:t>
+            </a:r>
+          </a:p>
+          <a:p>
+            <a:pPr marL="600075" indent="-457200">
+              <a:lnSpc>
+                <a:spcPct val="115000"/>
+              </a:lnSpc>
+              <a:spcBef>
+                <a:spcPts val="1125"/>
+              </a:spcBef>
+              <a:buClr>
+                <a:srgbClr val="C00000"/>
+              </a:buClr>
+              <a:buSzPts val="2100"/>
+              <a:buFont typeface="+mj-lt"/>
+              <a:buAutoNum type="arabicPeriod"/>
+            </a:pPr>
+            <a:r>
+              <a:rPr lang="en-US" sz="3200" i="1" dirty="0" err="1">
+                <a:solidFill>
+                  <a:srgbClr val="C00000"/>
+                </a:solidFill>
+                <a:latin typeface="Pragmatica" panose="020B0403040502020204"/>
+                <a:sym typeface="Consolas"/>
+              </a:rPr>
+              <a:t>accessories_rev_aus</a:t>
+            </a:r>
+            <a:r>
+              <a:rPr lang="en-US" sz="3200" dirty="0">
+                <a:solidFill>
+                  <a:srgbClr val="C00000"/>
+                </a:solidFill>
+                <a:latin typeface="Pragmatica" panose="020B0403040502020204"/>
+                <a:sym typeface="Consolas"/>
+              </a:rPr>
+              <a:t>: Returns the total revenue when both </a:t>
+            </a:r>
+            <a:r>
+              <a:rPr lang="en-US" sz="3200" dirty="0" err="1">
+                <a:solidFill>
+                  <a:srgbClr val="C00000"/>
+                </a:solidFill>
+                <a:latin typeface="Pragmatica" panose="020B0403040502020204"/>
+                <a:sym typeface="Consolas"/>
+              </a:rPr>
+              <a:t>product_category</a:t>
+            </a:r>
+            <a:r>
+              <a:rPr lang="en-US" sz="3200" dirty="0">
+                <a:solidFill>
+                  <a:srgbClr val="C00000"/>
+                </a:solidFill>
+                <a:latin typeface="Pragmatica" panose="020B0403040502020204"/>
+                <a:sym typeface="Consolas"/>
+              </a:rPr>
+              <a:t> is Accessories and country is Australia. </a:t>
+            </a:r>
+          </a:p>
+          <a:p>
+            <a:pPr marL="600075" indent="-457200">
+              <a:lnSpc>
+                <a:spcPct val="115000"/>
+              </a:lnSpc>
+              <a:spcBef>
+                <a:spcPts val="1125"/>
+              </a:spcBef>
+              <a:buClr>
+                <a:srgbClr val="C00000"/>
+              </a:buClr>
+              <a:buSzPts val="2100"/>
+              <a:buFont typeface="+mj-lt"/>
+              <a:buAutoNum type="arabicPeriod"/>
+            </a:pPr>
+            <a:r>
+              <a:rPr lang="en-US" sz="3200" i="1" dirty="0" err="1">
+                <a:solidFill>
+                  <a:srgbClr val="C00000"/>
+                </a:solidFill>
+                <a:latin typeface="Pragmatica" panose="020B0403040502020204"/>
+                <a:sym typeface="Consolas"/>
+              </a:rPr>
+              <a:t>aov_all</a:t>
+            </a:r>
+            <a:r>
+              <a:rPr lang="en-US" sz="3200" dirty="0">
+                <a:solidFill>
+                  <a:srgbClr val="C00000"/>
+                </a:solidFill>
+                <a:latin typeface="Pragmatica" panose="020B0403040502020204"/>
+                <a:sym typeface="Consolas"/>
+              </a:rPr>
+              <a:t>: Calculates the total revenue divided by the total order quantity across the entire dataset, irrespective of applied filters. </a:t>
+            </a:r>
+          </a:p>
+          <a:p>
+            <a:pPr marL="600075" indent="-457200">
+              <a:lnSpc>
+                <a:spcPct val="115000"/>
+              </a:lnSpc>
+              <a:spcBef>
+                <a:spcPts val="1125"/>
+              </a:spcBef>
+              <a:buClr>
+                <a:srgbClr val="C00000"/>
+              </a:buClr>
+              <a:buSzPts val="2100"/>
+              <a:buFont typeface="+mj-lt"/>
+              <a:buAutoNum type="arabicPeriod"/>
+            </a:pPr>
+            <a:r>
+              <a:rPr lang="en-US" sz="3200" i="1" dirty="0" err="1">
+                <a:solidFill>
+                  <a:srgbClr val="C00000"/>
+                </a:solidFill>
+                <a:latin typeface="Pragmatica" panose="020B0403040502020204"/>
+                <a:sym typeface="Consolas"/>
+              </a:rPr>
+              <a:t>profit_margin_ytd</a:t>
+            </a:r>
+            <a:r>
+              <a:rPr lang="en-US" sz="3200" dirty="0">
+                <a:solidFill>
+                  <a:srgbClr val="C00000"/>
+                </a:solidFill>
+                <a:latin typeface="Pragmatica" panose="020B0403040502020204"/>
+                <a:sym typeface="Consolas"/>
+              </a:rPr>
+              <a:t>: Returns the year-to-date profit margin. </a:t>
+            </a:r>
+          </a:p>
+          <a:p>
+            <a:pPr marL="600075" indent="-457200">
+              <a:lnSpc>
+                <a:spcPct val="115000"/>
+              </a:lnSpc>
+              <a:spcBef>
+                <a:spcPts val="1125"/>
+              </a:spcBef>
+              <a:buClr>
+                <a:srgbClr val="C00000"/>
+              </a:buClr>
+              <a:buSzPts val="2100"/>
+              <a:buFont typeface="+mj-lt"/>
+              <a:buAutoNum type="arabicPeriod"/>
+            </a:pPr>
+            <a:r>
+              <a:rPr lang="en-US" sz="3200" i="1" dirty="0" err="1">
+                <a:solidFill>
+                  <a:srgbClr val="C00000"/>
+                </a:solidFill>
+                <a:latin typeface="Pragmatica" panose="020B0403040502020204"/>
+                <a:sym typeface="Consolas"/>
+              </a:rPr>
+              <a:t>profit_margin_ly_ytd</a:t>
+            </a:r>
+            <a:r>
+              <a:rPr lang="en-US" sz="3200" dirty="0">
+                <a:solidFill>
+                  <a:srgbClr val="C00000"/>
+                </a:solidFill>
+                <a:latin typeface="Pragmatica" panose="020B0403040502020204"/>
+                <a:sym typeface="Consolas"/>
+              </a:rPr>
+              <a:t>: Returns the year-to-date profit margin for the previous year</a:t>
+            </a:r>
+          </a:p>
+          <a:p>
+            <a:pPr marL="142875">
+              <a:lnSpc>
+                <a:spcPct val="115000"/>
+              </a:lnSpc>
+              <a:spcBef>
+                <a:spcPts val="1125"/>
+              </a:spcBef>
+              <a:buClr>
+                <a:srgbClr val="C00000"/>
+              </a:buClr>
+              <a:buSzPts val="2100"/>
+            </a:pPr>
+            <a:r>
+              <a:rPr lang="en-US" sz="3200" dirty="0">
+                <a:solidFill>
+                  <a:srgbClr val="C00000"/>
+                </a:solidFill>
+                <a:latin typeface="Pragmatica" panose="020B0403040502020204"/>
+                <a:sym typeface="Consolas"/>
+              </a:rPr>
+              <a:t>File: </a:t>
+            </a:r>
+            <a:r>
+              <a:rPr lang="en-US" sz="3200" dirty="0">
+                <a:solidFill>
+                  <a:srgbClr val="C00000"/>
+                </a:solidFill>
+                <a:latin typeface="Consolas" panose="020B0609020204030204" pitchFamily="49" charset="0"/>
+                <a:sym typeface="Consolas"/>
+              </a:rPr>
+              <a:t>ch_09_exercises.csv</a:t>
+            </a:r>
+            <a:endParaRPr lang="en-US" sz="5400" dirty="0">
+              <a:solidFill>
+                <a:srgbClr val="CF3338"/>
+              </a:solidFill>
+              <a:latin typeface="Consolas" panose="020B0609020204030204" pitchFamily="49" charset="0"/>
+            </a:endParaRPr>
+          </a:p>
+          <a:p>
+            <a:endParaRPr lang="en-US" sz="4800" dirty="0">
+              <a:solidFill>
+                <a:srgbClr val="CF3338"/>
+              </a:solidFill>
+              <a:latin typeface="Pragmatica" panose="020B0403040502020204" pitchFamily="34" charset="0"/>
+            </a:endParaRPr>
+          </a:p>
+        </p:txBody>
+      </p:sp>
+    </p:spTree>
+    <p:extLst>
+      <p:ext uri="{BB962C8B-B14F-4D97-AF65-F5344CB8AC3E}">
+        <p14:creationId xmlns:p14="http://schemas.microsoft.com/office/powerpoint/2010/main" val="41625720"/>
+      </p:ext>
+    </p:extLst>
+  </p:cSld>
+  <p:clrMapOvr>
+    <a:masterClrMapping/>
+  </p:clrMapOvr>
+</p:sld>
+</file>
+
+<file path=ppt/slides/slide9.xml><?xml version="1.0" encoding="utf-8"?>
+<p:sld xmlns:a="http://schemas.openxmlformats.org/drawingml/2006/main" xmlns:r="http://schemas.openxmlformats.org/officeDocument/2006/relationships" xmlns:p="http://schemas.openxmlformats.org/presentationml/2006/main">
+  <p:cSld>
+    <p:spTree>
+      <p:nvGrpSpPr>
+        <p:cNvPr id="1" name=""/>
+        <p:cNvGrpSpPr/>
+        <p:nvPr/>
+      </p:nvGrpSpPr>
+      <p:grpSpPr>
+        <a:xfrm>
+          <a:off x="0" y="0"/>
+          <a:ext cx="0" cy="0"/>
+          <a:chOff x="0" y="0"/>
+          <a:chExt cx="0" cy="0"/>
+        </a:xfrm>
+      </p:grpSpPr>
+      <p:sp>
+        <p:nvSpPr>
+          <p:cNvPr id="4" name="Rectangle 3"/>
+          <p:cNvSpPr/>
+          <p:nvPr/>
+        </p:nvSpPr>
+        <p:spPr>
+          <a:xfrm>
+            <a:off x="14554200" y="0"/>
+            <a:ext cx="3733800" cy="10287000"/>
+          </a:xfrm>
+          <a:prstGeom prst="rect">
+            <a:avLst/>
+          </a:prstGeom>
+          <a:solidFill>
+            <a:srgbClr val="CF3338"/>
+          </a:solidFill>
+          <a:ln>
+            <a:noFill/>
+          </a:ln>
+        </p:spPr>
+        <p:style>
+          <a:lnRef idx="2">
+            <a:schemeClr val="accent1">
+              <a:shade val="50000"/>
+            </a:schemeClr>
+          </a:lnRef>
+          <a:fillRef idx="1">
+            <a:schemeClr val="accent1"/>
+          </a:fillRef>
+          <a:effectRef idx="0">
+            <a:schemeClr val="accent1"/>
+          </a:effectRef>
+          <a:fontRef idx="minor">
+            <a:schemeClr val="lt1"/>
+          </a:fontRef>
+        </p:style>
+        <p:txBody>
+          <a:bodyPr rtlCol="0" anchor="ctr"/>
+          <a:lstStyle/>
+          <a:p>
+            <a:pPr algn="ctr"/>
+            <a:endParaRPr lang="en-US" sz="2700"/>
+          </a:p>
+        </p:txBody>
+      </p:sp>
+      <p:pic>
+        <p:nvPicPr>
+          <p:cNvPr id="2" name="Picture 1"/>
+          <p:cNvPicPr>
+            <a:picLocks noChangeAspect="1"/>
+          </p:cNvPicPr>
+          <p:nvPr/>
+        </p:nvPicPr>
+        <p:blipFill rotWithShape="1">
+          <a:blip r:embed="rId3">
+            <a:extLst>
+              <a:ext uri="{28A0092B-C50C-407E-A947-70E740481C1C}">
+                <a14:useLocalDpi xmlns:a14="http://schemas.microsoft.com/office/drawing/2010/main" val="0"/>
+              </a:ext>
+            </a:extLst>
+          </a:blip>
+          <a:srcRect l="69227" t="33418" r="20112" b="50548"/>
+          <a:stretch/>
+        </p:blipFill>
+        <p:spPr>
+          <a:xfrm>
+            <a:off x="15579524" y="7544693"/>
+            <a:ext cx="2708477" cy="2987579"/>
+          </a:xfrm>
+          <a:prstGeom prst="rect">
+            <a:avLst/>
+          </a:prstGeom>
+        </p:spPr>
+      </p:pic>
+      <p:sp>
+        <p:nvSpPr>
+          <p:cNvPr id="3" name="TextBox 2"/>
+          <p:cNvSpPr txBox="1"/>
+          <p:nvPr/>
+        </p:nvSpPr>
+        <p:spPr>
+          <a:xfrm>
+            <a:off x="260430" y="329879"/>
+            <a:ext cx="13684170" cy="10201767"/>
+          </a:xfrm>
+          <a:prstGeom prst="rect">
+            <a:avLst/>
+          </a:prstGeom>
+          <a:noFill/>
+        </p:spPr>
+        <p:txBody>
+          <a:bodyPr wrap="square" rtlCol="0">
+            <a:spAutoFit/>
+          </a:bodyPr>
+          <a:lstStyle/>
+          <a:p>
+            <a:r>
+              <a:rPr lang="en-US" sz="5400" b="1" dirty="0">
+                <a:solidFill>
+                  <a:srgbClr val="CF3338"/>
+                </a:solidFill>
+                <a:latin typeface="Pragmatica" panose="020B0403040502020204" pitchFamily="34" charset="0"/>
+              </a:rPr>
+              <a:t>Introducing dynamic array functions</a:t>
+            </a:r>
+            <a:endParaRPr lang="en-US" sz="4000" b="1" dirty="0">
+              <a:solidFill>
+                <a:srgbClr val="CF3338"/>
+              </a:solidFill>
+              <a:latin typeface="Pragmatica" panose="020B0403040502020204" pitchFamily="34" charset="0"/>
+            </a:endParaRPr>
+          </a:p>
+          <a:p>
+            <a:endParaRPr lang="en-US" sz="4000" b="1" dirty="0">
+              <a:solidFill>
+                <a:srgbClr val="CF3338"/>
+              </a:solidFill>
+              <a:latin typeface="Pragmatica" panose="020B0403040502020204" pitchFamily="34" charset="0"/>
+              <a:sym typeface="Consolas"/>
+            </a:endParaRPr>
+          </a:p>
+          <a:p>
+            <a:pPr marL="657225" indent="-514350">
+              <a:lnSpc>
+                <a:spcPct val="115000"/>
+              </a:lnSpc>
+              <a:spcBef>
+                <a:spcPts val="1125"/>
+              </a:spcBef>
+              <a:buClr>
+                <a:srgbClr val="C00000"/>
+              </a:buClr>
+              <a:buSzPts val="2100"/>
+              <a:buFont typeface="+mj-lt"/>
+              <a:buAutoNum type="arabicPeriod"/>
+            </a:pPr>
+            <a:r>
+              <a:rPr lang="en-US" sz="3200" dirty="0">
+                <a:solidFill>
+                  <a:srgbClr val="C00000"/>
+                </a:solidFill>
+                <a:latin typeface="Pragmatica" panose="020B0403040502020204"/>
+                <a:sym typeface="Consolas"/>
+              </a:rPr>
+              <a:t>Find the distinct and truly unique values in the make column of the </a:t>
+            </a:r>
+            <a:r>
+              <a:rPr lang="en-US" sz="3200" i="1" dirty="0">
+                <a:solidFill>
+                  <a:srgbClr val="C00000"/>
+                </a:solidFill>
+                <a:latin typeface="Pragmatica" panose="020B0403040502020204"/>
+                <a:sym typeface="Consolas"/>
+              </a:rPr>
+              <a:t>vehicles </a:t>
+            </a:r>
+            <a:r>
+              <a:rPr lang="en-US" sz="3200" dirty="0">
+                <a:solidFill>
+                  <a:srgbClr val="C00000"/>
+                </a:solidFill>
+                <a:latin typeface="Pragmatica" panose="020B0403040502020204"/>
+                <a:sym typeface="Consolas"/>
+              </a:rPr>
+              <a:t>dataset. How many are there of each? </a:t>
+            </a:r>
+          </a:p>
+          <a:p>
+            <a:pPr marL="657225" indent="-514350">
+              <a:lnSpc>
+                <a:spcPct val="115000"/>
+              </a:lnSpc>
+              <a:spcBef>
+                <a:spcPts val="1125"/>
+              </a:spcBef>
+              <a:buClr>
+                <a:srgbClr val="C00000"/>
+              </a:buClr>
+              <a:buSzPts val="2100"/>
+              <a:buFont typeface="+mj-lt"/>
+              <a:buAutoNum type="arabicPeriod"/>
+            </a:pPr>
+            <a:r>
+              <a:rPr lang="en-US" sz="3200" dirty="0">
+                <a:solidFill>
+                  <a:srgbClr val="C00000"/>
+                </a:solidFill>
+                <a:latin typeface="Pragmatica" panose="020B0403040502020204"/>
+                <a:sym typeface="Consolas"/>
+              </a:rPr>
+              <a:t>Display only the vehicles with city mileage greater than 30. </a:t>
+            </a:r>
+          </a:p>
+          <a:p>
+            <a:pPr marL="657225" indent="-514350">
+              <a:lnSpc>
+                <a:spcPct val="115000"/>
+              </a:lnSpc>
+              <a:spcBef>
+                <a:spcPts val="1125"/>
+              </a:spcBef>
+              <a:buClr>
+                <a:srgbClr val="C00000"/>
+              </a:buClr>
+              <a:buSzPts val="2100"/>
+              <a:buFont typeface="+mj-lt"/>
+              <a:buAutoNum type="arabicPeriod"/>
+            </a:pPr>
+            <a:r>
+              <a:rPr lang="en-US" sz="3200" dirty="0">
+                <a:solidFill>
+                  <a:srgbClr val="C00000"/>
+                </a:solidFill>
+                <a:latin typeface="Pragmatica" panose="020B0403040502020204"/>
+                <a:sym typeface="Consolas"/>
+              </a:rPr>
+              <a:t>Display only the vehicles where either the city mileage is greater than 30, or where both cylinders are less than 6 and fuel is Regular. </a:t>
+            </a:r>
+          </a:p>
+          <a:p>
+            <a:pPr marL="657225" indent="-514350">
+              <a:lnSpc>
+                <a:spcPct val="115000"/>
+              </a:lnSpc>
+              <a:spcBef>
+                <a:spcPts val="1125"/>
+              </a:spcBef>
+              <a:buClr>
+                <a:srgbClr val="C00000"/>
+              </a:buClr>
+              <a:buSzPts val="2100"/>
+              <a:buFont typeface="+mj-lt"/>
+              <a:buAutoNum type="arabicPeriod"/>
+            </a:pPr>
+            <a:r>
+              <a:rPr lang="en-US" sz="3200" dirty="0">
+                <a:solidFill>
+                  <a:srgbClr val="C00000"/>
+                </a:solidFill>
+                <a:latin typeface="Pragmatica" panose="020B0403040502020204"/>
+                <a:sym typeface="Consolas"/>
+              </a:rPr>
+              <a:t>Sort the </a:t>
+            </a:r>
+            <a:r>
+              <a:rPr lang="en-US" sz="3200" i="1" dirty="0">
+                <a:solidFill>
+                  <a:srgbClr val="C00000"/>
+                </a:solidFill>
+                <a:latin typeface="Pragmatica" panose="020B0403040502020204"/>
+                <a:sym typeface="Consolas"/>
+              </a:rPr>
+              <a:t>vehicles </a:t>
+            </a:r>
+            <a:r>
+              <a:rPr lang="en-US" sz="3200" dirty="0">
+                <a:solidFill>
+                  <a:srgbClr val="C00000"/>
+                </a:solidFill>
+                <a:latin typeface="Pragmatica" panose="020B0403040502020204"/>
+                <a:sym typeface="Consolas"/>
+              </a:rPr>
+              <a:t>dataset in descending order based on the highway mileage.</a:t>
+            </a:r>
+          </a:p>
+          <a:p>
+            <a:pPr marL="657225" indent="-514350">
+              <a:lnSpc>
+                <a:spcPct val="115000"/>
+              </a:lnSpc>
+              <a:spcBef>
+                <a:spcPts val="1125"/>
+              </a:spcBef>
+              <a:buClr>
+                <a:srgbClr val="C00000"/>
+              </a:buClr>
+              <a:buSzPts val="2100"/>
+              <a:buFont typeface="+mj-lt"/>
+              <a:buAutoNum type="arabicPeriod"/>
+            </a:pPr>
+            <a:r>
+              <a:rPr lang="en-US" sz="3200" dirty="0">
+                <a:solidFill>
+                  <a:srgbClr val="C00000"/>
+                </a:solidFill>
+                <a:latin typeface="Pragmatica" panose="020B0403040502020204"/>
+                <a:sym typeface="Consolas"/>
+              </a:rPr>
+              <a:t>Sort just the </a:t>
+            </a:r>
+            <a:r>
+              <a:rPr lang="en-US" sz="3200" i="1" dirty="0">
+                <a:solidFill>
+                  <a:srgbClr val="C00000"/>
+                </a:solidFill>
+                <a:latin typeface="Pragmatica" panose="020B0403040502020204"/>
+                <a:sym typeface="Consolas"/>
+              </a:rPr>
+              <a:t>model </a:t>
+            </a:r>
+            <a:r>
+              <a:rPr lang="en-US" sz="3200" dirty="0">
+                <a:solidFill>
+                  <a:srgbClr val="C00000"/>
+                </a:solidFill>
+                <a:latin typeface="Pragmatica" panose="020B0403040502020204"/>
+                <a:sym typeface="Consolas"/>
+              </a:rPr>
+              <a:t>column of the common dataset based on the years column, descending. </a:t>
+            </a:r>
+          </a:p>
+          <a:p>
+            <a:pPr marL="657225" indent="-514350">
+              <a:lnSpc>
+                <a:spcPct val="115000"/>
+              </a:lnSpc>
+              <a:spcBef>
+                <a:spcPts val="1125"/>
+              </a:spcBef>
+              <a:buClr>
+                <a:srgbClr val="C00000"/>
+              </a:buClr>
+              <a:buSzPts val="2100"/>
+              <a:buFont typeface="+mj-lt"/>
+              <a:buAutoNum type="arabicPeriod"/>
+            </a:pPr>
+            <a:r>
+              <a:rPr lang="en-US" sz="3200" dirty="0">
+                <a:solidFill>
+                  <a:srgbClr val="C00000"/>
+                </a:solidFill>
+                <a:latin typeface="Pragmatica" panose="020B0403040502020204"/>
+                <a:sym typeface="Consolas"/>
+              </a:rPr>
+              <a:t>Add the </a:t>
+            </a:r>
+            <a:r>
+              <a:rPr lang="en-US" sz="3200" i="1" dirty="0">
+                <a:solidFill>
+                  <a:srgbClr val="C00000"/>
+                </a:solidFill>
+                <a:latin typeface="Pragmatica" panose="020B0403040502020204"/>
+                <a:sym typeface="Consolas"/>
+              </a:rPr>
+              <a:t>years </a:t>
+            </a:r>
+            <a:r>
+              <a:rPr lang="en-US" sz="3200" dirty="0">
+                <a:solidFill>
+                  <a:srgbClr val="C00000"/>
+                </a:solidFill>
+                <a:latin typeface="Pragmatica" panose="020B0403040502020204"/>
+                <a:sym typeface="Consolas"/>
+              </a:rPr>
+              <a:t>column from the common dataset to the vehicles dataset. Return </a:t>
+            </a:r>
+            <a:r>
+              <a:rPr lang="en-US" sz="3200" i="1" dirty="0">
+                <a:solidFill>
+                  <a:srgbClr val="C00000"/>
+                </a:solidFill>
+                <a:latin typeface="Pragmatica" panose="020B0403040502020204"/>
+                <a:sym typeface="Consolas"/>
+              </a:rPr>
+              <a:t>Not reported</a:t>
+            </a:r>
+            <a:r>
+              <a:rPr lang="en-US" sz="3200" dirty="0">
+                <a:solidFill>
+                  <a:srgbClr val="C00000"/>
+                </a:solidFill>
+                <a:latin typeface="Pragmatica" panose="020B0403040502020204"/>
+                <a:sym typeface="Consolas"/>
+              </a:rPr>
+              <a:t> if a match is not found.</a:t>
+            </a:r>
+          </a:p>
+          <a:p>
+            <a:pPr marL="600075" indent="-457200">
+              <a:lnSpc>
+                <a:spcPct val="115000"/>
+              </a:lnSpc>
+              <a:spcBef>
+                <a:spcPts val="1125"/>
+              </a:spcBef>
+              <a:buClr>
+                <a:srgbClr val="C00000"/>
+              </a:buClr>
+              <a:buSzPts val="2100"/>
+              <a:buFont typeface="+mj-lt"/>
+              <a:buAutoNum type="arabicPeriod"/>
+            </a:pPr>
+            <a:endParaRPr lang="en-US" sz="3200" dirty="0">
+              <a:solidFill>
+                <a:srgbClr val="C00000"/>
+              </a:solidFill>
+              <a:latin typeface="Pragmatica" panose="020B0403040502020204"/>
+              <a:sym typeface="Consolas"/>
+            </a:endParaRPr>
+          </a:p>
+          <a:p>
+            <a:pPr marL="142875">
+              <a:lnSpc>
+                <a:spcPct val="115000"/>
+              </a:lnSpc>
+              <a:spcBef>
+                <a:spcPts val="1125"/>
+              </a:spcBef>
+              <a:buClr>
+                <a:srgbClr val="C00000"/>
+              </a:buClr>
+              <a:buSzPts val="2100"/>
+            </a:pPr>
+            <a:r>
+              <a:rPr lang="en-US" sz="3200" dirty="0">
+                <a:solidFill>
+                  <a:srgbClr val="C00000"/>
+                </a:solidFill>
+                <a:latin typeface="Pragmatica" panose="020B0403040502020204"/>
+                <a:sym typeface="Consolas"/>
+              </a:rPr>
+              <a:t>File: </a:t>
+            </a:r>
+            <a:r>
+              <a:rPr lang="en-US" sz="3200" dirty="0">
+                <a:solidFill>
+                  <a:srgbClr val="C00000"/>
+                </a:solidFill>
+                <a:latin typeface="Consolas" panose="020B0609020204030204" pitchFamily="49" charset="0"/>
+                <a:sym typeface="Consolas"/>
+              </a:rPr>
+              <a:t>ch_10_exercises.xlsx</a:t>
+            </a:r>
+            <a:endParaRPr lang="en-US" sz="5400" dirty="0">
+              <a:solidFill>
+                <a:srgbClr val="CF3338"/>
+              </a:solidFill>
+              <a:latin typeface="Consolas" panose="020B0609020204030204" pitchFamily="49" charset="0"/>
+            </a:endParaRPr>
+          </a:p>
+          <a:p>
+            <a:endParaRPr lang="en-US" sz="4800" dirty="0">
+              <a:solidFill>
+                <a:srgbClr val="CF3338"/>
+              </a:solidFill>
+              <a:latin typeface="Pragmatica" panose="020B0403040502020204" pitchFamily="34" charset="0"/>
+            </a:endParaRPr>
+          </a:p>
+        </p:txBody>
+      </p:sp>
+    </p:spTree>
+    <p:extLst>
+      <p:ext uri="{BB962C8B-B14F-4D97-AF65-F5344CB8AC3E}">
+        <p14:creationId xmlns:p14="http://schemas.microsoft.com/office/powerpoint/2010/main" val="24154283"/>
       </p:ext>
     </p:extLst>
   </p:cSld>

--- a/exercises/mdae-exercises-by-chapter.pptx
+++ b/exercises/mdae-exercises-by-chapter.pptx
@@ -5,30 +5,31 @@
     <p:sldMasterId id="2147483648" r:id="rId1"/>
   </p:sldMasterIdLst>
   <p:notesMasterIdLst>
-    <p:notesMasterId r:id="rId13"/>
+    <p:notesMasterId r:id="rId14"/>
   </p:notesMasterIdLst>
   <p:sldIdLst>
     <p:sldId id="378" r:id="rId2"/>
     <p:sldId id="380" r:id="rId3"/>
     <p:sldId id="381" r:id="rId4"/>
-    <p:sldId id="382" r:id="rId5"/>
-    <p:sldId id="383" r:id="rId6"/>
-    <p:sldId id="384" r:id="rId7"/>
-    <p:sldId id="385" r:id="rId8"/>
-    <p:sldId id="386" r:id="rId9"/>
-    <p:sldId id="387" r:id="rId10"/>
-    <p:sldId id="388" r:id="rId11"/>
-    <p:sldId id="389" r:id="rId12"/>
+    <p:sldId id="390" r:id="rId5"/>
+    <p:sldId id="382" r:id="rId6"/>
+    <p:sldId id="383" r:id="rId7"/>
+    <p:sldId id="384" r:id="rId8"/>
+    <p:sldId id="385" r:id="rId9"/>
+    <p:sldId id="386" r:id="rId10"/>
+    <p:sldId id="387" r:id="rId11"/>
+    <p:sldId id="388" r:id="rId12"/>
+    <p:sldId id="389" r:id="rId13"/>
   </p:sldIdLst>
   <p:sldSz cx="18288000" cy="10287000"/>
   <p:notesSz cx="6858000" cy="9144000"/>
   <p:embeddedFontLst>
     <p:embeddedFont>
       <p:font typeface="Consolas" panose="020B0609020204030204" pitchFamily="49" charset="0"/>
-      <p:regular r:id="rId14"/>
-      <p:bold r:id="rId15"/>
-      <p:italic r:id="rId16"/>
-      <p:boldItalic r:id="rId17"/>
+      <p:regular r:id="rId15"/>
+      <p:bold r:id="rId16"/>
+      <p:italic r:id="rId17"/>
+      <p:boldItalic r:id="rId18"/>
     </p:embeddedFont>
   </p:embeddedFontLst>
   <p:defaultTextStyle>
@@ -245,7 +246,7 @@
           <a:p>
             <a:fld id="{17A98A70-FA8C-4354-959C-C70678AC9BCF}" type="datetimeFigureOut">
               <a:rPr lang="en-US" smtClean="0"/>
-              <a:t>4/9/2024</a:t>
+              <a:t>4/10/2024</a:t>
             </a:fld>
             <a:endParaRPr lang="en-US"/>
           </a:p>
@@ -676,7 +677,7 @@
     </p:spTree>
     <p:extLst>
       <p:ext uri="{BB962C8B-B14F-4D97-AF65-F5344CB8AC3E}">
-        <p14:creationId xmlns:p14="http://schemas.microsoft.com/office/powerpoint/2010/main" val="2435372512"/>
+        <p14:creationId xmlns:p14="http://schemas.microsoft.com/office/powerpoint/2010/main" val="1603595036"/>
       </p:ext>
     </p:extLst>
   </p:cSld>
@@ -755,6 +756,93 @@
             <a:fld id="{1300335D-9F13-4B80-ADC5-B0EA3E10FF6B}" type="slidenum">
               <a:rPr lang="en-US" smtClean="0"/>
               <a:t>11</a:t>
+            </a:fld>
+            <a:endParaRPr lang="en-US"/>
+          </a:p>
+        </p:txBody>
+      </p:sp>
+    </p:spTree>
+    <p:extLst>
+      <p:ext uri="{BB962C8B-B14F-4D97-AF65-F5344CB8AC3E}">
+        <p14:creationId xmlns:p14="http://schemas.microsoft.com/office/powerpoint/2010/main" val="2435372512"/>
+      </p:ext>
+    </p:extLst>
+  </p:cSld>
+  <p:clrMapOvr>
+    <a:masterClrMapping/>
+  </p:clrMapOvr>
+</p:notes>
+</file>
+
+<file path=ppt/notesSlides/notesSlide12.xml><?xml version="1.0" encoding="utf-8"?>
+<p:notes xmlns:a="http://schemas.openxmlformats.org/drawingml/2006/main" xmlns:r="http://schemas.openxmlformats.org/officeDocument/2006/relationships" xmlns:p="http://schemas.openxmlformats.org/presentationml/2006/main">
+  <p:cSld>
+    <p:spTree>
+      <p:nvGrpSpPr>
+        <p:cNvPr id="1" name=""/>
+        <p:cNvGrpSpPr/>
+        <p:nvPr/>
+      </p:nvGrpSpPr>
+      <p:grpSpPr>
+        <a:xfrm>
+          <a:off x="0" y="0"/>
+          <a:ext cx="0" cy="0"/>
+          <a:chOff x="0" y="0"/>
+          <a:chExt cx="0" cy="0"/>
+        </a:xfrm>
+      </p:grpSpPr>
+      <p:sp>
+        <p:nvSpPr>
+          <p:cNvPr id="2" name="Slide Image Placeholder 1"/>
+          <p:cNvSpPr>
+            <a:spLocks noGrp="1" noRot="1" noChangeAspect="1"/>
+          </p:cNvSpPr>
+          <p:nvPr>
+            <p:ph type="sldImg"/>
+          </p:nvPr>
+        </p:nvSpPr>
+        <p:spPr/>
+      </p:sp>
+      <p:sp>
+        <p:nvSpPr>
+          <p:cNvPr id="3" name="Notes Placeholder 2"/>
+          <p:cNvSpPr>
+            <a:spLocks noGrp="1"/>
+          </p:cNvSpPr>
+          <p:nvPr>
+            <p:ph type="body" idx="1"/>
+          </p:nvPr>
+        </p:nvSpPr>
+        <p:spPr/>
+        <p:txBody>
+          <a:bodyPr/>
+          <a:lstStyle/>
+          <a:p>
+            <a:pPr marL="0" indent="0">
+              <a:buNone/>
+            </a:pPr>
+            <a:endParaRPr lang="en-US" dirty="0"/>
+          </a:p>
+        </p:txBody>
+      </p:sp>
+      <p:sp>
+        <p:nvSpPr>
+          <p:cNvPr id="4" name="Slide Number Placeholder 3"/>
+          <p:cNvSpPr>
+            <a:spLocks noGrp="1"/>
+          </p:cNvSpPr>
+          <p:nvPr>
+            <p:ph type="sldNum" sz="quarter" idx="5"/>
+          </p:nvPr>
+        </p:nvSpPr>
+        <p:spPr/>
+        <p:txBody>
+          <a:bodyPr/>
+          <a:lstStyle/>
+          <a:p>
+            <a:fld id="{1300335D-9F13-4B80-ADC5-B0EA3E10FF6B}" type="slidenum">
+              <a:rPr lang="en-US" smtClean="0"/>
+              <a:t>12</a:t>
             </a:fld>
             <a:endParaRPr lang="en-US"/>
           </a:p>
@@ -1024,7 +1112,7 @@
     </p:spTree>
     <p:extLst>
       <p:ext uri="{BB962C8B-B14F-4D97-AF65-F5344CB8AC3E}">
-        <p14:creationId xmlns:p14="http://schemas.microsoft.com/office/powerpoint/2010/main" val="104777271"/>
+        <p14:creationId xmlns:p14="http://schemas.microsoft.com/office/powerpoint/2010/main" val="87681912"/>
       </p:ext>
     </p:extLst>
   </p:cSld>
@@ -1111,7 +1199,7 @@
     </p:spTree>
     <p:extLst>
       <p:ext uri="{BB962C8B-B14F-4D97-AF65-F5344CB8AC3E}">
-        <p14:creationId xmlns:p14="http://schemas.microsoft.com/office/powerpoint/2010/main" val="3841289226"/>
+        <p14:creationId xmlns:p14="http://schemas.microsoft.com/office/powerpoint/2010/main" val="104777271"/>
       </p:ext>
     </p:extLst>
   </p:cSld>
@@ -1198,7 +1286,7 @@
     </p:spTree>
     <p:extLst>
       <p:ext uri="{BB962C8B-B14F-4D97-AF65-F5344CB8AC3E}">
-        <p14:creationId xmlns:p14="http://schemas.microsoft.com/office/powerpoint/2010/main" val="3452466987"/>
+        <p14:creationId xmlns:p14="http://schemas.microsoft.com/office/powerpoint/2010/main" val="3841289226"/>
       </p:ext>
     </p:extLst>
   </p:cSld>
@@ -1285,7 +1373,7 @@
     </p:spTree>
     <p:extLst>
       <p:ext uri="{BB962C8B-B14F-4D97-AF65-F5344CB8AC3E}">
-        <p14:creationId xmlns:p14="http://schemas.microsoft.com/office/powerpoint/2010/main" val="4194201406"/>
+        <p14:creationId xmlns:p14="http://schemas.microsoft.com/office/powerpoint/2010/main" val="3452466987"/>
       </p:ext>
     </p:extLst>
   </p:cSld>
@@ -1372,7 +1460,7 @@
     </p:spTree>
     <p:extLst>
       <p:ext uri="{BB962C8B-B14F-4D97-AF65-F5344CB8AC3E}">
-        <p14:creationId xmlns:p14="http://schemas.microsoft.com/office/powerpoint/2010/main" val="2397670432"/>
+        <p14:creationId xmlns:p14="http://schemas.microsoft.com/office/powerpoint/2010/main" val="4194201406"/>
       </p:ext>
     </p:extLst>
   </p:cSld>
@@ -1459,7 +1547,7 @@
     </p:spTree>
     <p:extLst>
       <p:ext uri="{BB962C8B-B14F-4D97-AF65-F5344CB8AC3E}">
-        <p14:creationId xmlns:p14="http://schemas.microsoft.com/office/powerpoint/2010/main" val="1603595036"/>
+        <p14:creationId xmlns:p14="http://schemas.microsoft.com/office/powerpoint/2010/main" val="2397670432"/>
       </p:ext>
     </p:extLst>
   </p:cSld>
@@ -1649,7 +1737,7 @@
             <a:fld id="{1D8BD707-D9CF-40AE-B4C6-C98DA3205C09}" type="datetimeFigureOut">
               <a:rPr lang="en-US" smtClean="0"/>
               <a:pPr/>
-              <a:t>4/9/2024</a:t>
+              <a:t>4/10/2024</a:t>
             </a:fld>
             <a:endParaRPr lang="en-US"/>
           </a:p>
@@ -1814,7 +1902,7 @@
             <a:fld id="{1D8BD707-D9CF-40AE-B4C6-C98DA3205C09}" type="datetimeFigureOut">
               <a:rPr lang="en-US" smtClean="0"/>
               <a:pPr/>
-              <a:t>4/9/2024</a:t>
+              <a:t>4/10/2024</a:t>
             </a:fld>
             <a:endParaRPr lang="en-US"/>
           </a:p>
@@ -1989,7 +2077,7 @@
             <a:fld id="{1D8BD707-D9CF-40AE-B4C6-C98DA3205C09}" type="datetimeFigureOut">
               <a:rPr lang="en-US" smtClean="0"/>
               <a:pPr/>
-              <a:t>4/9/2024</a:t>
+              <a:t>4/10/2024</a:t>
             </a:fld>
             <a:endParaRPr lang="en-US"/>
           </a:p>
@@ -2154,7 +2242,7 @@
             <a:fld id="{1D8BD707-D9CF-40AE-B4C6-C98DA3205C09}" type="datetimeFigureOut">
               <a:rPr lang="en-US" smtClean="0"/>
               <a:pPr/>
-              <a:t>4/9/2024</a:t>
+              <a:t>4/10/2024</a:t>
             </a:fld>
             <a:endParaRPr lang="en-US"/>
           </a:p>
@@ -2396,7 +2484,7 @@
             <a:fld id="{1D8BD707-D9CF-40AE-B4C6-C98DA3205C09}" type="datetimeFigureOut">
               <a:rPr lang="en-US" smtClean="0"/>
               <a:pPr/>
-              <a:t>4/9/2024</a:t>
+              <a:t>4/10/2024</a:t>
             </a:fld>
             <a:endParaRPr lang="en-US"/>
           </a:p>
@@ -2678,7 +2766,7 @@
             <a:fld id="{1D8BD707-D9CF-40AE-B4C6-C98DA3205C09}" type="datetimeFigureOut">
               <a:rPr lang="en-US" smtClean="0"/>
               <a:pPr/>
-              <a:t>4/9/2024</a:t>
+              <a:t>4/10/2024</a:t>
             </a:fld>
             <a:endParaRPr lang="en-US"/>
           </a:p>
@@ -3094,7 +3182,7 @@
             <a:fld id="{1D8BD707-D9CF-40AE-B4C6-C98DA3205C09}" type="datetimeFigureOut">
               <a:rPr lang="en-US" smtClean="0"/>
               <a:pPr/>
-              <a:t>4/9/2024</a:t>
+              <a:t>4/10/2024</a:t>
             </a:fld>
             <a:endParaRPr lang="en-US"/>
           </a:p>
@@ -3208,7 +3296,7 @@
             <a:fld id="{1D8BD707-D9CF-40AE-B4C6-C98DA3205C09}" type="datetimeFigureOut">
               <a:rPr lang="en-US" smtClean="0"/>
               <a:pPr/>
-              <a:t>4/9/2024</a:t>
+              <a:t>4/10/2024</a:t>
             </a:fld>
             <a:endParaRPr lang="en-US"/>
           </a:p>
@@ -3300,7 +3388,7 @@
             <a:fld id="{1D8BD707-D9CF-40AE-B4C6-C98DA3205C09}" type="datetimeFigureOut">
               <a:rPr lang="en-US" smtClean="0"/>
               <a:pPr/>
-              <a:t>4/9/2024</a:t>
+              <a:t>4/10/2024</a:t>
             </a:fld>
             <a:endParaRPr lang="en-US"/>
           </a:p>
@@ -3572,7 +3660,7 @@
             <a:fld id="{1D8BD707-D9CF-40AE-B4C6-C98DA3205C09}" type="datetimeFigureOut">
               <a:rPr lang="en-US" smtClean="0"/>
               <a:pPr/>
-              <a:t>4/9/2024</a:t>
+              <a:t>4/10/2024</a:t>
             </a:fld>
             <a:endParaRPr lang="en-US"/>
           </a:p>
@@ -3821,7 +3909,7 @@
             <a:fld id="{1D8BD707-D9CF-40AE-B4C6-C98DA3205C09}" type="datetimeFigureOut">
               <a:rPr lang="en-US" smtClean="0"/>
               <a:pPr/>
-              <a:t>4/9/2024</a:t>
+              <a:t>4/10/2024</a:t>
             </a:fld>
             <a:endParaRPr lang="en-US"/>
           </a:p>
@@ -4034,7 +4122,7 @@
             <a:fld id="{1D8BD707-D9CF-40AE-B4C6-C98DA3205C09}" type="datetimeFigureOut">
               <a:rPr lang="en-US" smtClean="0"/>
               <a:pPr/>
-              <a:t>4/9/2024</a:t>
+              <a:t>4/10/2024</a:t>
             </a:fld>
             <a:endParaRPr lang="en-US"/>
           </a:p>
@@ -4914,7 +5002,7 @@
         <p:spPr>
           <a:xfrm>
             <a:off x="260430" y="329879"/>
-            <a:ext cx="13684170" cy="9920665"/>
+            <a:ext cx="13684170" cy="10201767"/>
           </a:xfrm>
           <a:prstGeom prst="rect">
             <a:avLst/>
@@ -4934,7 +5022,7 @@
                 </a:solidFill>
                 <a:latin typeface="Pragmatica" panose="020B0403040502020204" pitchFamily="34" charset="0"/>
               </a:rPr>
-              <a:t>Augmented analytics and the future of Excel</a:t>
+              <a:t>Introducing dynamic array functions Exercises</a:t>
             </a:r>
             <a:endParaRPr lang="en-US" sz="4000" b="1" dirty="0">
               <a:solidFill>
@@ -4968,64 +5056,34 @@
               <a:buAutoNum type="arabicPeriod"/>
             </a:pPr>
             <a:r>
-              <a:rPr lang="en-US" sz="4000" dirty="0">
-                <a:solidFill>
-                  <a:srgbClr val="C00000"/>
-                </a:solidFill>
-                <a:latin typeface="Pragmatica" panose="020B0403040502020204"/>
-                <a:sym typeface="Consolas"/>
-              </a:rPr>
-              <a:t>Perform sentiment analysis on a dataset of movie reviews located in the </a:t>
-            </a:r>
-            <a:r>
-              <a:rPr lang="en-US" sz="4000" i="1" dirty="0" err="1">
-                <a:solidFill>
-                  <a:srgbClr val="C00000"/>
-                </a:solidFill>
-                <a:latin typeface="Pragmatica" panose="020B0403040502020204"/>
-                <a:sym typeface="Consolas"/>
-              </a:rPr>
-              <a:t>imdb</a:t>
-            </a:r>
-            <a:r>
-              <a:rPr lang="en-US" sz="4000" i="1" dirty="0">
-                <a:solidFill>
-                  <a:srgbClr val="C00000"/>
-                </a:solidFill>
-                <a:latin typeface="Pragmatica" panose="020B0403040502020204"/>
-                <a:sym typeface="Consolas"/>
-              </a:rPr>
-              <a:t> </a:t>
-            </a:r>
-            <a:r>
-              <a:rPr lang="en-US" sz="4000" dirty="0">
-                <a:solidFill>
-                  <a:srgbClr val="C00000"/>
-                </a:solidFill>
-                <a:latin typeface="Pragmatica" panose="020B0403040502020204"/>
-                <a:sym typeface="Consolas"/>
-              </a:rPr>
-              <a:t>worksheet using the Azure Machine Learning add-in. Afterwards, apply the </a:t>
-            </a:r>
-            <a:r>
-              <a:rPr lang="en-US" sz="4000" dirty="0" err="1">
-                <a:solidFill>
-                  <a:srgbClr val="C00000"/>
-                </a:solidFill>
-                <a:latin typeface="Pragmatica" panose="020B0403040502020204"/>
-                <a:sym typeface="Consolas"/>
-              </a:rPr>
-              <a:t>XLMiner</a:t>
-            </a:r>
-            <a:r>
-              <a:rPr lang="en-US" sz="4000" dirty="0">
-                <a:solidFill>
-                  <a:srgbClr val="C00000"/>
-                </a:solidFill>
-                <a:latin typeface="Pragmatica" panose="020B0403040502020204"/>
-                <a:sym typeface="Consolas"/>
-              </a:rPr>
-              <a:t> add-in to generate descriptive statistics for the obtained scores. </a:t>
+              <a:rPr lang="en-US" sz="3200" dirty="0">
+                <a:solidFill>
+                  <a:srgbClr val="C00000"/>
+                </a:solidFill>
+                <a:latin typeface="Pragmatica" panose="020B0403040502020204"/>
+                <a:sym typeface="Consolas"/>
+              </a:rPr>
+              <a:t>Find the distinct and truly unique values in the make column of the </a:t>
+            </a:r>
+            <a:r>
+              <a:rPr lang="en-US" sz="3200" i="1" dirty="0">
+                <a:solidFill>
+                  <a:srgbClr val="C00000"/>
+                </a:solidFill>
+                <a:latin typeface="Pragmatica" panose="020B0403040502020204"/>
+                <a:sym typeface="Consolas"/>
+              </a:rPr>
+              <a:t>vehicles </a:t>
+            </a:r>
+            <a:r>
+              <a:rPr lang="en-US" sz="3200" dirty="0">
+                <a:solidFill>
+                  <a:srgbClr val="C00000"/>
+                </a:solidFill>
+                <a:latin typeface="Pragmatica" panose="020B0403040502020204"/>
+                <a:sym typeface="Consolas"/>
+              </a:rPr>
+              <a:t>dataset. How many are there of each? </a:t>
             </a:r>
           </a:p>
           <a:p>
@@ -5044,35 +5102,222 @@
               <a:buAutoNum type="arabicPeriod"/>
             </a:pPr>
             <a:r>
-              <a:rPr lang="en-US" sz="4000" dirty="0">
-                <a:solidFill>
-                  <a:srgbClr val="C00000"/>
-                </a:solidFill>
-                <a:latin typeface="Pragmatica" panose="020B0403040502020204"/>
-                <a:sym typeface="Consolas"/>
-              </a:rPr>
-              <a:t>Import the </a:t>
-            </a:r>
-            <a:r>
-              <a:rPr lang="en-US" sz="4000" i="1" dirty="0">
-                <a:solidFill>
-                  <a:srgbClr val="C00000"/>
-                </a:solidFill>
-                <a:latin typeface="Pragmatica" panose="020B0403040502020204"/>
-                <a:sym typeface="Consolas"/>
-              </a:rPr>
-              <a:t>life_expectancy.png </a:t>
-            </a:r>
-            <a:r>
-              <a:rPr lang="en-US" sz="4000" dirty="0">
-                <a:solidFill>
-                  <a:srgbClr val="C00000"/>
-                </a:solidFill>
-                <a:latin typeface="Pragmatica" panose="020B0403040502020204"/>
-                <a:sym typeface="Consolas"/>
-              </a:rPr>
-              <a:t>image into Excel. Use the Analyze Data feature to produce a line chart that illustrates the average life expectancy over time. It might be necessary to adjust the data format to achieve this.</a:t>
-            </a:r>
+              <a:rPr lang="en-US" sz="3200" dirty="0">
+                <a:solidFill>
+                  <a:srgbClr val="C00000"/>
+                </a:solidFill>
+                <a:latin typeface="Pragmatica" panose="020B0403040502020204"/>
+                <a:sym typeface="Consolas"/>
+              </a:rPr>
+              <a:t>Display only the vehicles with city mileage greater than 30. </a:t>
+            </a:r>
+          </a:p>
+          <a:p>
+            <a:pPr marL="657225" indent="-514350">
+              <a:lnSpc>
+                <a:spcPct val="115000"/>
+              </a:lnSpc>
+              <a:spcBef>
+                <a:spcPts val="1125"/>
+              </a:spcBef>
+              <a:buClr>
+                <a:srgbClr val="C00000"/>
+              </a:buClr>
+              <a:buSzPts val="2100"/>
+              <a:buFont typeface="+mj-lt"/>
+              <a:buAutoNum type="arabicPeriod"/>
+            </a:pPr>
+            <a:r>
+              <a:rPr lang="en-US" sz="3200" dirty="0">
+                <a:solidFill>
+                  <a:srgbClr val="C00000"/>
+                </a:solidFill>
+                <a:latin typeface="Pragmatica" panose="020B0403040502020204"/>
+                <a:sym typeface="Consolas"/>
+              </a:rPr>
+              <a:t>Display only the vehicles where either the city mileage is greater than 30, or where both cylinders are less than 6 and fuel is Regular. </a:t>
+            </a:r>
+          </a:p>
+          <a:p>
+            <a:pPr marL="657225" indent="-514350">
+              <a:lnSpc>
+                <a:spcPct val="115000"/>
+              </a:lnSpc>
+              <a:spcBef>
+                <a:spcPts val="1125"/>
+              </a:spcBef>
+              <a:buClr>
+                <a:srgbClr val="C00000"/>
+              </a:buClr>
+              <a:buSzPts val="2100"/>
+              <a:buFont typeface="+mj-lt"/>
+              <a:buAutoNum type="arabicPeriod"/>
+            </a:pPr>
+            <a:r>
+              <a:rPr lang="en-US" sz="3200" dirty="0">
+                <a:solidFill>
+                  <a:srgbClr val="C00000"/>
+                </a:solidFill>
+                <a:latin typeface="Pragmatica" panose="020B0403040502020204"/>
+                <a:sym typeface="Consolas"/>
+              </a:rPr>
+              <a:t>Sort the </a:t>
+            </a:r>
+            <a:r>
+              <a:rPr lang="en-US" sz="3200" i="1" dirty="0">
+                <a:solidFill>
+                  <a:srgbClr val="C00000"/>
+                </a:solidFill>
+                <a:latin typeface="Pragmatica" panose="020B0403040502020204"/>
+                <a:sym typeface="Consolas"/>
+              </a:rPr>
+              <a:t>vehicles </a:t>
+            </a:r>
+            <a:r>
+              <a:rPr lang="en-US" sz="3200" dirty="0">
+                <a:solidFill>
+                  <a:srgbClr val="C00000"/>
+                </a:solidFill>
+                <a:latin typeface="Pragmatica" panose="020B0403040502020204"/>
+                <a:sym typeface="Consolas"/>
+              </a:rPr>
+              <a:t>dataset in descending order based on the highway mileage.</a:t>
+            </a:r>
+          </a:p>
+          <a:p>
+            <a:pPr marL="657225" indent="-514350">
+              <a:lnSpc>
+                <a:spcPct val="115000"/>
+              </a:lnSpc>
+              <a:spcBef>
+                <a:spcPts val="1125"/>
+              </a:spcBef>
+              <a:buClr>
+                <a:srgbClr val="C00000"/>
+              </a:buClr>
+              <a:buSzPts val="2100"/>
+              <a:buFont typeface="+mj-lt"/>
+              <a:buAutoNum type="arabicPeriod"/>
+            </a:pPr>
+            <a:r>
+              <a:rPr lang="en-US" sz="3200" dirty="0">
+                <a:solidFill>
+                  <a:srgbClr val="C00000"/>
+                </a:solidFill>
+                <a:latin typeface="Pragmatica" panose="020B0403040502020204"/>
+                <a:sym typeface="Consolas"/>
+              </a:rPr>
+              <a:t>Sort just the </a:t>
+            </a:r>
+            <a:r>
+              <a:rPr lang="en-US" sz="3200" i="1" dirty="0">
+                <a:solidFill>
+                  <a:srgbClr val="C00000"/>
+                </a:solidFill>
+                <a:latin typeface="Pragmatica" panose="020B0403040502020204"/>
+                <a:sym typeface="Consolas"/>
+              </a:rPr>
+              <a:t>model </a:t>
+            </a:r>
+            <a:r>
+              <a:rPr lang="en-US" sz="3200" dirty="0">
+                <a:solidFill>
+                  <a:srgbClr val="C00000"/>
+                </a:solidFill>
+                <a:latin typeface="Pragmatica" panose="020B0403040502020204"/>
+                <a:sym typeface="Consolas"/>
+              </a:rPr>
+              <a:t>column of the common dataset based on the years column, descending. </a:t>
+            </a:r>
+          </a:p>
+          <a:p>
+            <a:pPr marL="657225" indent="-514350">
+              <a:lnSpc>
+                <a:spcPct val="115000"/>
+              </a:lnSpc>
+              <a:spcBef>
+                <a:spcPts val="1125"/>
+              </a:spcBef>
+              <a:buClr>
+                <a:srgbClr val="C00000"/>
+              </a:buClr>
+              <a:buSzPts val="2100"/>
+              <a:buFont typeface="+mj-lt"/>
+              <a:buAutoNum type="arabicPeriod"/>
+            </a:pPr>
+            <a:r>
+              <a:rPr lang="en-US" sz="3200" dirty="0">
+                <a:solidFill>
+                  <a:srgbClr val="C00000"/>
+                </a:solidFill>
+                <a:latin typeface="Pragmatica" panose="020B0403040502020204"/>
+                <a:sym typeface="Consolas"/>
+              </a:rPr>
+              <a:t>Add the </a:t>
+            </a:r>
+            <a:r>
+              <a:rPr lang="en-US" sz="3200" i="1" dirty="0">
+                <a:solidFill>
+                  <a:srgbClr val="C00000"/>
+                </a:solidFill>
+                <a:latin typeface="Pragmatica" panose="020B0403040502020204"/>
+                <a:sym typeface="Consolas"/>
+              </a:rPr>
+              <a:t>years </a:t>
+            </a:r>
+            <a:r>
+              <a:rPr lang="en-US" sz="3200" dirty="0">
+                <a:solidFill>
+                  <a:srgbClr val="C00000"/>
+                </a:solidFill>
+                <a:latin typeface="Pragmatica" panose="020B0403040502020204"/>
+                <a:sym typeface="Consolas"/>
+              </a:rPr>
+              <a:t>column from the common dataset to the vehicles dataset. Return </a:t>
+            </a:r>
+            <a:r>
+              <a:rPr lang="en-US" sz="3200" i="1" dirty="0">
+                <a:solidFill>
+                  <a:srgbClr val="C00000"/>
+                </a:solidFill>
+                <a:latin typeface="Pragmatica" panose="020B0403040502020204"/>
+                <a:sym typeface="Consolas"/>
+              </a:rPr>
+              <a:t>Not reported</a:t>
+            </a:r>
+            <a:r>
+              <a:rPr lang="en-US" sz="3200" dirty="0">
+                <a:solidFill>
+                  <a:srgbClr val="C00000"/>
+                </a:solidFill>
+                <a:latin typeface="Pragmatica" panose="020B0403040502020204"/>
+                <a:sym typeface="Consolas"/>
+              </a:rPr>
+              <a:t> if a match is not found.</a:t>
+            </a:r>
+          </a:p>
+          <a:p>
+            <a:pPr marL="600075" indent="-457200">
+              <a:lnSpc>
+                <a:spcPct val="115000"/>
+              </a:lnSpc>
+              <a:spcBef>
+                <a:spcPts val="1125"/>
+              </a:spcBef>
+              <a:buClr>
+                <a:srgbClr val="C00000"/>
+              </a:buClr>
+              <a:buSzPts val="2100"/>
+              <a:buFont typeface="+mj-lt"/>
+              <a:buAutoNum type="arabicPeriod"/>
+            </a:pPr>
+            <a:endParaRPr lang="en-US" sz="3200" dirty="0">
+              <a:solidFill>
+                <a:srgbClr val="C00000"/>
+              </a:solidFill>
+              <a:latin typeface="Pragmatica" panose="020B0403040502020204"/>
+              <a:sym typeface="Consolas"/>
+            </a:endParaRPr>
           </a:p>
           <a:p>
             <a:pPr marL="142875">
@@ -5087,29 +5332,8 @@
               </a:buClr>
               <a:buSzPts val="2100"/>
             </a:pPr>
-            <a:endParaRPr lang="en-US" sz="4000" dirty="0">
-              <a:solidFill>
-                <a:srgbClr val="C00000"/>
-              </a:solidFill>
-              <a:latin typeface="Pragmatica" panose="020B0403040502020204"/>
-              <a:sym typeface="Consolas"/>
-            </a:endParaRPr>
-          </a:p>
-          <a:p>
-            <a:pPr marL="142875">
-              <a:lnSpc>
-                <a:spcPct val="115000"/>
-              </a:lnSpc>
-              <a:spcBef>
-                <a:spcPts val="1125"/>
-              </a:spcBef>
-              <a:buClr>
-                <a:srgbClr val="C00000"/>
-              </a:buClr>
-              <a:buSzPts val="2100"/>
-            </a:pPr>
-            <a:r>
-              <a:rPr lang="en-US" sz="4000" dirty="0">
+            <a:r>
+              <a:rPr lang="en-US" sz="3200" dirty="0">
                 <a:solidFill>
                   <a:srgbClr val="C00000"/>
                 </a:solidFill>
@@ -5119,16 +5343,16 @@
               <a:t>File: </a:t>
             </a:r>
             <a:r>
-              <a:rPr lang="en-US" sz="4000" dirty="0">
+              <a:rPr lang="en-US" sz="3200" dirty="0">
                 <a:solidFill>
                   <a:srgbClr val="C00000"/>
                 </a:solidFill>
                 <a:latin typeface="Consolas" panose="020B0609020204030204" pitchFamily="49" charset="0"/>
                 <a:sym typeface="Consolas"/>
               </a:rPr>
-              <a:t>ch_11_exercises.xlsx</a:t>
-            </a:r>
-            <a:endParaRPr lang="en-US" sz="6600" dirty="0">
+              <a:t>ch_10_exercises.xlsx</a:t>
+            </a:r>
+            <a:endParaRPr lang="en-US" sz="5400" dirty="0">
               <a:solidFill>
                 <a:srgbClr val="CF3338"/>
               </a:solidFill>
@@ -5148,7 +5372,7 @@
     </p:spTree>
     <p:extLst>
       <p:ext uri="{BB962C8B-B14F-4D97-AF65-F5344CB8AC3E}">
-        <p14:creationId xmlns:p14="http://schemas.microsoft.com/office/powerpoint/2010/main" val="500404571"/>
+        <p14:creationId xmlns:p14="http://schemas.microsoft.com/office/powerpoint/2010/main" val="24154283"/>
       </p:ext>
     </p:extLst>
   </p:cSld>
@@ -5259,7 +5483,7 @@
         <p:spPr>
           <a:xfrm>
             <a:off x="260430" y="329879"/>
-            <a:ext cx="13684170" cy="3975447"/>
+            <a:ext cx="13684170" cy="10751661"/>
           </a:xfrm>
           <a:prstGeom prst="rect">
             <a:avLst/>
@@ -5279,7 +5503,7 @@
                 </a:solidFill>
                 <a:latin typeface="Pragmatica" panose="020B0403040502020204" pitchFamily="34" charset="0"/>
               </a:rPr>
-              <a:t>Python automation for Excel</a:t>
+              <a:t>Augmented analytics and the future of Excel Exercises</a:t>
             </a:r>
             <a:endParaRPr lang="en-US" sz="4000" b="1" dirty="0">
               <a:solidFill>
@@ -5296,6 +5520,128 @@
               <a:latin typeface="Pragmatica" panose="020B0403040502020204" pitchFamily="34" charset="0"/>
               <a:sym typeface="Consolas"/>
             </a:endParaRPr>
+          </a:p>
+          <a:p>
+            <a:pPr marL="657225" indent="-514350">
+              <a:lnSpc>
+                <a:spcPct val="115000"/>
+              </a:lnSpc>
+              <a:spcBef>
+                <a:spcPts val="1125"/>
+              </a:spcBef>
+              <a:buClr>
+                <a:srgbClr val="C00000"/>
+              </a:buClr>
+              <a:buSzPts val="2100"/>
+              <a:buFont typeface="+mj-lt"/>
+              <a:buAutoNum type="arabicPeriod"/>
+            </a:pPr>
+            <a:r>
+              <a:rPr lang="en-US" sz="4000" dirty="0">
+                <a:solidFill>
+                  <a:srgbClr val="C00000"/>
+                </a:solidFill>
+                <a:latin typeface="Pragmatica" panose="020B0403040502020204"/>
+                <a:sym typeface="Consolas"/>
+              </a:rPr>
+              <a:t>Perform sentiment analysis on a dataset of movie reviews located in the </a:t>
+            </a:r>
+            <a:r>
+              <a:rPr lang="en-US" sz="4000" i="1" dirty="0" err="1">
+                <a:solidFill>
+                  <a:srgbClr val="C00000"/>
+                </a:solidFill>
+                <a:latin typeface="Pragmatica" panose="020B0403040502020204"/>
+                <a:sym typeface="Consolas"/>
+              </a:rPr>
+              <a:t>imdb</a:t>
+            </a:r>
+            <a:r>
+              <a:rPr lang="en-US" sz="4000" i="1" dirty="0">
+                <a:solidFill>
+                  <a:srgbClr val="C00000"/>
+                </a:solidFill>
+                <a:latin typeface="Pragmatica" panose="020B0403040502020204"/>
+                <a:sym typeface="Consolas"/>
+              </a:rPr>
+              <a:t> </a:t>
+            </a:r>
+            <a:r>
+              <a:rPr lang="en-US" sz="4000" dirty="0">
+                <a:solidFill>
+                  <a:srgbClr val="C00000"/>
+                </a:solidFill>
+                <a:latin typeface="Pragmatica" panose="020B0403040502020204"/>
+                <a:sym typeface="Consolas"/>
+              </a:rPr>
+              <a:t>worksheet using the Azure Machine Learning add-in. Afterwards, apply the </a:t>
+            </a:r>
+            <a:r>
+              <a:rPr lang="en-US" sz="4000" dirty="0" err="1">
+                <a:solidFill>
+                  <a:srgbClr val="C00000"/>
+                </a:solidFill>
+                <a:latin typeface="Pragmatica" panose="020B0403040502020204"/>
+                <a:sym typeface="Consolas"/>
+              </a:rPr>
+              <a:t>XLMiner</a:t>
+            </a:r>
+            <a:r>
+              <a:rPr lang="en-US" sz="4000" dirty="0">
+                <a:solidFill>
+                  <a:srgbClr val="C00000"/>
+                </a:solidFill>
+                <a:latin typeface="Pragmatica" panose="020B0403040502020204"/>
+                <a:sym typeface="Consolas"/>
+              </a:rPr>
+              <a:t> add-in to generate descriptive statistics for the obtained scores. </a:t>
+            </a:r>
+          </a:p>
+          <a:p>
+            <a:pPr marL="657225" indent="-514350">
+              <a:lnSpc>
+                <a:spcPct val="115000"/>
+              </a:lnSpc>
+              <a:spcBef>
+                <a:spcPts val="1125"/>
+              </a:spcBef>
+              <a:buClr>
+                <a:srgbClr val="C00000"/>
+              </a:buClr>
+              <a:buSzPts val="2100"/>
+              <a:buFont typeface="+mj-lt"/>
+              <a:buAutoNum type="arabicPeriod"/>
+            </a:pPr>
+            <a:r>
+              <a:rPr lang="en-US" sz="4000" dirty="0">
+                <a:solidFill>
+                  <a:srgbClr val="C00000"/>
+                </a:solidFill>
+                <a:latin typeface="Pragmatica" panose="020B0403040502020204"/>
+                <a:sym typeface="Consolas"/>
+              </a:rPr>
+              <a:t>Import the </a:t>
+            </a:r>
+            <a:r>
+              <a:rPr lang="en-US" sz="4000" i="1" dirty="0">
+                <a:solidFill>
+                  <a:srgbClr val="C00000"/>
+                </a:solidFill>
+                <a:latin typeface="Pragmatica" panose="020B0403040502020204"/>
+                <a:sym typeface="Consolas"/>
+              </a:rPr>
+              <a:t>life_expectancy.png </a:t>
+            </a:r>
+            <a:r>
+              <a:rPr lang="en-US" sz="4000" dirty="0">
+                <a:solidFill>
+                  <a:srgbClr val="C00000"/>
+                </a:solidFill>
+                <a:latin typeface="Pragmatica" panose="020B0403040502020204"/>
+                <a:sym typeface="Consolas"/>
+              </a:rPr>
+              <a:t>image into Excel. Use the Analyze Data feature to produce a line chart that illustrates the average life expectancy over time. It might be necessary to adjust the data format to achieve this.</a:t>
+            </a:r>
           </a:p>
           <a:p>
             <a:pPr marL="142875">
@@ -5310,16 +5656,13 @@
               </a:buClr>
               <a:buSzPts val="2100"/>
             </a:pPr>
-            <a:r>
-              <a:rPr lang="en-US" sz="4000" dirty="0">
-                <a:solidFill>
-                  <a:srgbClr val="C00000"/>
-                </a:solidFill>
-                <a:latin typeface="Pragmatica" panose="020B0403040502020204"/>
-                <a:sym typeface="Consolas"/>
-              </a:rPr>
-              <a:t>Fill in the blank code!</a:t>
-            </a:r>
+            <a:endParaRPr lang="en-US" sz="4000" dirty="0">
+              <a:solidFill>
+                <a:srgbClr val="C00000"/>
+              </a:solidFill>
+              <a:latin typeface="Pragmatica" panose="020B0403040502020204"/>
+              <a:sym typeface="Consolas"/>
+            </a:endParaRPr>
           </a:p>
           <a:p>
             <a:pPr marL="142875">
@@ -5352,17 +5695,7 @@
                 <a:latin typeface="Consolas" panose="020B0609020204030204" pitchFamily="49" charset="0"/>
                 <a:sym typeface="Consolas"/>
               </a:rPr>
-              <a:t>ch_12_</a:t>
-            </a:r>
-            <a:r>
-              <a:rPr lang="en-US" sz="4000">
-                <a:solidFill>
-                  <a:srgbClr val="C00000"/>
-                </a:solidFill>
-                <a:latin typeface="Consolas" panose="020B0609020204030204" pitchFamily="49" charset="0"/>
-                <a:sym typeface="Consolas"/>
-              </a:rPr>
-              <a:t>exercises.ipynb</a:t>
+              <a:t>ch_11_exercises.xlsx</a:t>
             </a:r>
             <a:endParaRPr lang="en-US" sz="6600" dirty="0">
               <a:solidFill>
@@ -5384,7 +5717,7 @@
     </p:spTree>
     <p:extLst>
       <p:ext uri="{BB962C8B-B14F-4D97-AF65-F5344CB8AC3E}">
-        <p14:creationId xmlns:p14="http://schemas.microsoft.com/office/powerpoint/2010/main" val="2600783241"/>
+        <p14:creationId xmlns:p14="http://schemas.microsoft.com/office/powerpoint/2010/main" val="500404571"/>
       </p:ext>
     </p:extLst>
   </p:cSld>
@@ -5394,7 +5727,7 @@
 </p:sld>
 </file>
 
-<file path=ppt/slides/slide2.xml><?xml version="1.0" encoding="utf-8"?>
+<file path=ppt/slides/slide12.xml><?xml version="1.0" encoding="utf-8"?>
 <p:sld xmlns:a="http://schemas.openxmlformats.org/drawingml/2006/main" xmlns:r="http://schemas.openxmlformats.org/officeDocument/2006/relationships" xmlns:p="http://schemas.openxmlformats.org/presentationml/2006/main">
   <p:cSld>
     <p:spTree>
@@ -5495,7 +5828,7 @@
         <p:spPr>
           <a:xfrm>
             <a:off x="260430" y="329879"/>
-            <a:ext cx="13684170" cy="9960675"/>
+            <a:ext cx="13684170" cy="3975447"/>
           </a:xfrm>
           <a:prstGeom prst="rect">
             <a:avLst/>
@@ -5515,9 +5848,9 @@
                 </a:solidFill>
                 <a:latin typeface="Pragmatica" panose="020B0403040502020204" pitchFamily="34" charset="0"/>
               </a:rPr>
-              <a:t>First steps in Excel Power Query </a:t>
-            </a:r>
-            <a:endParaRPr lang="en-US" sz="4000" dirty="0">
+              <a:t>Python automation for Excel Exercises</a:t>
+            </a:r>
+            <a:endParaRPr lang="en-US" sz="4000" b="1" dirty="0">
               <a:solidFill>
                 <a:srgbClr val="CF3338"/>
               </a:solidFill>
@@ -5525,238 +5858,13 @@
             </a:endParaRPr>
           </a:p>
           <a:p>
-            <a:pPr marL="685800" indent="-542925">
-              <a:lnSpc>
-                <a:spcPct val="115000"/>
-              </a:lnSpc>
-              <a:spcBef>
-                <a:spcPts val="1125"/>
-              </a:spcBef>
-              <a:buClr>
-                <a:srgbClr val="C00000"/>
-              </a:buClr>
-              <a:buSzPts val="2100"/>
-              <a:buFont typeface="Arial"/>
-              <a:buAutoNum type="arabicPeriod"/>
-            </a:pPr>
-            <a:r>
-              <a:rPr lang="en-US" sz="3200" dirty="0">
-                <a:solidFill>
-                  <a:srgbClr val="C00000"/>
-                </a:solidFill>
-                <a:latin typeface="Pragmatica" panose="020B0403040502020204"/>
-                <a:sym typeface="Consolas"/>
-              </a:rPr>
-              <a:t>Load the data into Power Query as a table. Name the query computers. </a:t>
-            </a:r>
-          </a:p>
-          <a:p>
-            <a:pPr marL="685800" indent="-542925">
-              <a:lnSpc>
-                <a:spcPct val="115000"/>
-              </a:lnSpc>
-              <a:spcBef>
-                <a:spcPts val="1125"/>
-              </a:spcBef>
-              <a:buClr>
-                <a:srgbClr val="C00000"/>
-              </a:buClr>
-              <a:buSzPts val="2100"/>
-              <a:buFont typeface="Arial"/>
-              <a:buAutoNum type="arabicPeriod"/>
-            </a:pPr>
-            <a:r>
-              <a:rPr lang="en-US" sz="3200" dirty="0">
-                <a:solidFill>
-                  <a:srgbClr val="C00000"/>
-                </a:solidFill>
-                <a:latin typeface="Pragmatica" panose="020B0403040502020204"/>
-                <a:sym typeface="Consolas"/>
-              </a:rPr>
-              <a:t>Add an index column starting from 1 to the data. </a:t>
-            </a:r>
-          </a:p>
-          <a:p>
-            <a:pPr marL="685800" indent="-542925">
-              <a:lnSpc>
-                <a:spcPct val="115000"/>
-              </a:lnSpc>
-              <a:spcBef>
-                <a:spcPts val="1125"/>
-              </a:spcBef>
-              <a:buClr>
-                <a:srgbClr val="C00000"/>
-              </a:buClr>
-              <a:buSzPts val="2100"/>
-              <a:buFont typeface="Arial"/>
-              <a:buAutoNum type="arabicPeriod"/>
-            </a:pPr>
-            <a:r>
-              <a:rPr lang="en-US" sz="3200" dirty="0">
-                <a:solidFill>
-                  <a:srgbClr val="C00000"/>
-                </a:solidFill>
-                <a:latin typeface="Pragmatica" panose="020B0403040502020204"/>
-                <a:sym typeface="Consolas"/>
-              </a:rPr>
-              <a:t>Rename the previous step in the Applied Steps list as “Added unique identifier.” </a:t>
-            </a:r>
-          </a:p>
-          <a:p>
-            <a:pPr marL="685800" indent="-542925">
-              <a:lnSpc>
-                <a:spcPct val="115000"/>
-              </a:lnSpc>
-              <a:spcBef>
-                <a:spcPts val="1125"/>
-              </a:spcBef>
-              <a:buClr>
-                <a:srgbClr val="C00000"/>
-              </a:buClr>
-              <a:buSzPts val="2100"/>
-              <a:buFont typeface="Arial"/>
-              <a:buAutoNum type="arabicPeriod"/>
-            </a:pPr>
-            <a:r>
-              <a:rPr lang="en-US" sz="3200" dirty="0">
-                <a:solidFill>
-                  <a:srgbClr val="C00000"/>
-                </a:solidFill>
-                <a:latin typeface="Pragmatica" panose="020B0403040502020204"/>
-                <a:sym typeface="Consolas"/>
-              </a:rPr>
-              <a:t>Drag-and-drop the Index column so that it is the first column in the dataset. </a:t>
-            </a:r>
-          </a:p>
-          <a:p>
-            <a:pPr marL="685800" indent="-542925">
-              <a:lnSpc>
-                <a:spcPct val="115000"/>
-              </a:lnSpc>
-              <a:spcBef>
-                <a:spcPts val="1125"/>
-              </a:spcBef>
-              <a:buClr>
-                <a:srgbClr val="C00000"/>
-              </a:buClr>
-              <a:buSzPts val="2100"/>
-              <a:buFont typeface="Arial"/>
-              <a:buAutoNum type="arabicPeriod"/>
-            </a:pPr>
-            <a:r>
-              <a:rPr lang="en-US" sz="3200" dirty="0">
-                <a:solidFill>
-                  <a:srgbClr val="C00000"/>
-                </a:solidFill>
-                <a:latin typeface="Pragmatica" panose="020B0403040502020204"/>
-                <a:sym typeface="Consolas"/>
-              </a:rPr>
-              <a:t>Use Power Query’s data profiling features to address the following questions. Be sure to adjust column profiling to work on the entire dataset. </a:t>
-            </a:r>
-          </a:p>
-          <a:p>
-            <a:pPr marL="1171575" lvl="1" indent="-571500">
-              <a:lnSpc>
-                <a:spcPct val="115000"/>
-              </a:lnSpc>
-              <a:spcBef>
-                <a:spcPts val="1125"/>
-              </a:spcBef>
-              <a:buClr>
-                <a:srgbClr val="C00000"/>
-              </a:buClr>
-              <a:buSzPts val="2100"/>
-              <a:buFont typeface="Arial" panose="020B0604020202020204" pitchFamily="34" charset="0"/>
-              <a:buChar char="•"/>
-            </a:pPr>
-            <a:r>
-              <a:rPr lang="en-US" sz="3200" dirty="0">
-                <a:solidFill>
-                  <a:srgbClr val="C00000"/>
-                </a:solidFill>
-                <a:latin typeface="Pragmatica" panose="020B0403040502020204"/>
-                <a:sym typeface="Consolas"/>
-              </a:rPr>
-              <a:t>What is the range of prices for the computers in the dataset?</a:t>
-            </a:r>
-          </a:p>
-          <a:p>
-            <a:pPr marL="1171575" lvl="1" indent="-571500">
-              <a:lnSpc>
-                <a:spcPct val="115000"/>
-              </a:lnSpc>
-              <a:spcBef>
-                <a:spcPts val="1125"/>
-              </a:spcBef>
-              <a:buClr>
-                <a:srgbClr val="C00000"/>
-              </a:buClr>
-              <a:buSzPts val="2100"/>
-              <a:buFont typeface="Arial" panose="020B0604020202020204" pitchFamily="34" charset="0"/>
-              <a:buChar char="•"/>
-            </a:pPr>
-            <a:r>
-              <a:rPr lang="en-US" sz="3200" dirty="0">
-                <a:solidFill>
-                  <a:srgbClr val="C00000"/>
-                </a:solidFill>
-                <a:latin typeface="Pragmatica" panose="020B0403040502020204"/>
-                <a:sym typeface="Consolas"/>
-              </a:rPr>
-              <a:t>What is the average amount of RAM in the dataset? </a:t>
-            </a:r>
-          </a:p>
-          <a:p>
-            <a:pPr marL="1171575" lvl="1" indent="-571500">
-              <a:lnSpc>
-                <a:spcPct val="115000"/>
-              </a:lnSpc>
-              <a:spcBef>
-                <a:spcPts val="1125"/>
-              </a:spcBef>
-              <a:buClr>
-                <a:srgbClr val="C00000"/>
-              </a:buClr>
-              <a:buSzPts val="2100"/>
-              <a:buFont typeface="Arial" panose="020B0604020202020204" pitchFamily="34" charset="0"/>
-              <a:buChar char="•"/>
-            </a:pPr>
-            <a:r>
-              <a:rPr lang="en-US" sz="3200" dirty="0">
-                <a:solidFill>
-                  <a:srgbClr val="C00000"/>
-                </a:solidFill>
-                <a:latin typeface="Pragmatica" panose="020B0403040502020204"/>
-                <a:sym typeface="Consolas"/>
-              </a:rPr>
-              <a:t>Are there any missing values in this dataset? If so, where? </a:t>
-            </a:r>
-          </a:p>
-          <a:p>
-            <a:pPr marL="685800" indent="-542925">
-              <a:lnSpc>
-                <a:spcPct val="115000"/>
-              </a:lnSpc>
-              <a:spcBef>
-                <a:spcPts val="1125"/>
-              </a:spcBef>
-              <a:buClr>
-                <a:srgbClr val="C00000"/>
-              </a:buClr>
-              <a:buSzPts val="2100"/>
-              <a:buFont typeface="Arial"/>
-              <a:buAutoNum type="arabicPeriod"/>
-            </a:pPr>
-            <a:r>
-              <a:rPr lang="en-US" sz="3200" dirty="0">
-                <a:solidFill>
-                  <a:srgbClr val="C00000"/>
-                </a:solidFill>
-                <a:latin typeface="Pragmatica" panose="020B0403040502020204"/>
-                <a:sym typeface="Consolas"/>
-              </a:rPr>
-              <a:t>Load the query results into an Excel PivotTable.</a:t>
-            </a:r>
+            <a:endParaRPr lang="en-US" sz="4000" b="1" dirty="0">
+              <a:solidFill>
+                <a:srgbClr val="CF3338"/>
+              </a:solidFill>
+              <a:latin typeface="Pragmatica" panose="020B0403040502020204" pitchFamily="34" charset="0"/>
+              <a:sym typeface="Consolas"/>
+            </a:endParaRPr>
           </a:p>
           <a:p>
             <a:pPr marL="142875">
@@ -5772,7 +5880,31 @@
               <a:buSzPts val="2100"/>
             </a:pPr>
             <a:r>
-              <a:rPr lang="en-US" sz="3200" dirty="0">
+              <a:rPr lang="en-US" sz="4000" dirty="0">
+                <a:solidFill>
+                  <a:srgbClr val="C00000"/>
+                </a:solidFill>
+                <a:latin typeface="Pragmatica" panose="020B0403040502020204"/>
+                <a:sym typeface="Consolas"/>
+              </a:rPr>
+              <a:t>Fill in the blank code!</a:t>
+            </a:r>
+          </a:p>
+          <a:p>
+            <a:pPr marL="142875">
+              <a:lnSpc>
+                <a:spcPct val="115000"/>
+              </a:lnSpc>
+              <a:spcBef>
+                <a:spcPts val="1125"/>
+              </a:spcBef>
+              <a:buClr>
+                <a:srgbClr val="C00000"/>
+              </a:buClr>
+              <a:buSzPts val="2100"/>
+            </a:pPr>
+            <a:r>
+              <a:rPr lang="en-US" sz="4000" dirty="0">
                 <a:solidFill>
                   <a:srgbClr val="C00000"/>
                 </a:solidFill>
@@ -5782,16 +5914,16 @@
               <a:t>File: </a:t>
             </a:r>
             <a:r>
-              <a:rPr lang="en-US" sz="3200" dirty="0">
+              <a:rPr lang="en-US" sz="4000" dirty="0">
                 <a:solidFill>
                   <a:srgbClr val="C00000"/>
                 </a:solidFill>
                 <a:latin typeface="Consolas" panose="020B0609020204030204" pitchFamily="49" charset="0"/>
                 <a:sym typeface="Consolas"/>
               </a:rPr>
-              <a:t>ch_02_exercises.xlsx</a:t>
-            </a:r>
-            <a:endParaRPr lang="en-US" sz="5400" dirty="0">
+              <a:t>ch_12_exercises.ipynb</a:t>
+            </a:r>
+            <a:endParaRPr lang="en-US" sz="6600" dirty="0">
               <a:solidFill>
                 <a:srgbClr val="CF3338"/>
               </a:solidFill>
@@ -5799,7 +5931,7 @@
             </a:endParaRPr>
           </a:p>
           <a:p>
-            <a:endParaRPr lang="en-US" sz="5400" dirty="0">
+            <a:endParaRPr lang="en-US" sz="4800" dirty="0">
               <a:solidFill>
                 <a:srgbClr val="CF3338"/>
               </a:solidFill>
@@ -5811,7 +5943,7 @@
     </p:spTree>
     <p:extLst>
       <p:ext uri="{BB962C8B-B14F-4D97-AF65-F5344CB8AC3E}">
-        <p14:creationId xmlns:p14="http://schemas.microsoft.com/office/powerpoint/2010/main" val="2430284738"/>
+        <p14:creationId xmlns:p14="http://schemas.microsoft.com/office/powerpoint/2010/main" val="2600783241"/>
       </p:ext>
     </p:extLst>
   </p:cSld>
@@ -5821,7 +5953,7 @@
 </p:sld>
 </file>
 
-<file path=ppt/slides/slide3.xml><?xml version="1.0" encoding="utf-8"?>
+<file path=ppt/slides/slide2.xml><?xml version="1.0" encoding="utf-8"?>
 <p:sld xmlns:a="http://schemas.openxmlformats.org/drawingml/2006/main" xmlns:r="http://schemas.openxmlformats.org/officeDocument/2006/relationships" xmlns:p="http://schemas.openxmlformats.org/presentationml/2006/main">
   <p:cSld>
     <p:spTree>
@@ -5922,7 +6054,7 @@
         <p:spPr>
           <a:xfrm>
             <a:off x="260430" y="329879"/>
-            <a:ext cx="13684170" cy="9535431"/>
+            <a:ext cx="13684170" cy="9960675"/>
           </a:xfrm>
           <a:prstGeom prst="rect">
             <a:avLst/>
@@ -5942,7 +6074,7 @@
                 </a:solidFill>
                 <a:latin typeface="Pragmatica" panose="020B0403040502020204" pitchFamily="34" charset="0"/>
               </a:rPr>
-              <a:t>Transforming rows in Power Query </a:t>
+              <a:t>First steps in Excel Power Query Exercises </a:t>
             </a:r>
             <a:endParaRPr lang="en-US" sz="4000" dirty="0">
               <a:solidFill>
@@ -5950,6 +6082,240 @@
               </a:solidFill>
               <a:latin typeface="Pragmatica" panose="020B0403040502020204" pitchFamily="34" charset="0"/>
             </a:endParaRPr>
+          </a:p>
+          <a:p>
+            <a:pPr marL="685800" indent="-542925">
+              <a:lnSpc>
+                <a:spcPct val="115000"/>
+              </a:lnSpc>
+              <a:spcBef>
+                <a:spcPts val="1125"/>
+              </a:spcBef>
+              <a:buClr>
+                <a:srgbClr val="C00000"/>
+              </a:buClr>
+              <a:buSzPts val="2100"/>
+              <a:buFont typeface="Arial"/>
+              <a:buAutoNum type="arabicPeriod"/>
+            </a:pPr>
+            <a:r>
+              <a:rPr lang="en-US" sz="3200" dirty="0">
+                <a:solidFill>
+                  <a:srgbClr val="C00000"/>
+                </a:solidFill>
+                <a:latin typeface="Pragmatica" panose="020B0403040502020204"/>
+                <a:sym typeface="Consolas"/>
+              </a:rPr>
+              <a:t>Load the data into Power Query as a table. Name the query computers. </a:t>
+            </a:r>
+          </a:p>
+          <a:p>
+            <a:pPr marL="685800" indent="-542925">
+              <a:lnSpc>
+                <a:spcPct val="115000"/>
+              </a:lnSpc>
+              <a:spcBef>
+                <a:spcPts val="1125"/>
+              </a:spcBef>
+              <a:buClr>
+                <a:srgbClr val="C00000"/>
+              </a:buClr>
+              <a:buSzPts val="2100"/>
+              <a:buFont typeface="Arial"/>
+              <a:buAutoNum type="arabicPeriod"/>
+            </a:pPr>
+            <a:r>
+              <a:rPr lang="en-US" sz="3200" dirty="0">
+                <a:solidFill>
+                  <a:srgbClr val="C00000"/>
+                </a:solidFill>
+                <a:latin typeface="Pragmatica" panose="020B0403040502020204"/>
+                <a:sym typeface="Consolas"/>
+              </a:rPr>
+              <a:t>Add an index column starting from 1 to the data. </a:t>
+            </a:r>
+          </a:p>
+          <a:p>
+            <a:pPr marL="685800" indent="-542925">
+              <a:lnSpc>
+                <a:spcPct val="115000"/>
+              </a:lnSpc>
+              <a:spcBef>
+                <a:spcPts val="1125"/>
+              </a:spcBef>
+              <a:buClr>
+                <a:srgbClr val="C00000"/>
+              </a:buClr>
+              <a:buSzPts val="2100"/>
+              <a:buFont typeface="Arial"/>
+              <a:buAutoNum type="arabicPeriod"/>
+            </a:pPr>
+            <a:r>
+              <a:rPr lang="en-US" sz="3200" dirty="0">
+                <a:solidFill>
+                  <a:srgbClr val="C00000"/>
+                </a:solidFill>
+                <a:latin typeface="Pragmatica" panose="020B0403040502020204"/>
+                <a:sym typeface="Consolas"/>
+              </a:rPr>
+              <a:t>Rename the previous step in the Applied Steps list as “Added unique identifier.” </a:t>
+            </a:r>
+          </a:p>
+          <a:p>
+            <a:pPr marL="685800" indent="-542925">
+              <a:lnSpc>
+                <a:spcPct val="115000"/>
+              </a:lnSpc>
+              <a:spcBef>
+                <a:spcPts val="1125"/>
+              </a:spcBef>
+              <a:buClr>
+                <a:srgbClr val="C00000"/>
+              </a:buClr>
+              <a:buSzPts val="2100"/>
+              <a:buFont typeface="Arial"/>
+              <a:buAutoNum type="arabicPeriod"/>
+            </a:pPr>
+            <a:r>
+              <a:rPr lang="en-US" sz="3200" dirty="0">
+                <a:solidFill>
+                  <a:srgbClr val="C00000"/>
+                </a:solidFill>
+                <a:latin typeface="Pragmatica" panose="020B0403040502020204"/>
+                <a:sym typeface="Consolas"/>
+              </a:rPr>
+              <a:t>Drag-and-drop the Index column so that it is the first column in the dataset. </a:t>
+            </a:r>
+          </a:p>
+          <a:p>
+            <a:pPr marL="685800" indent="-542925">
+              <a:lnSpc>
+                <a:spcPct val="115000"/>
+              </a:lnSpc>
+              <a:spcBef>
+                <a:spcPts val="1125"/>
+              </a:spcBef>
+              <a:buClr>
+                <a:srgbClr val="C00000"/>
+              </a:buClr>
+              <a:buSzPts val="2100"/>
+              <a:buFont typeface="Arial"/>
+              <a:buAutoNum type="arabicPeriod"/>
+            </a:pPr>
+            <a:r>
+              <a:rPr lang="en-US" sz="3200" dirty="0">
+                <a:solidFill>
+                  <a:srgbClr val="C00000"/>
+                </a:solidFill>
+                <a:latin typeface="Pragmatica" panose="020B0403040502020204"/>
+                <a:sym typeface="Consolas"/>
+              </a:rPr>
+              <a:t>Use Power Query’s data profiling features to address the following questions. Be sure to adjust column profiling to work on the entire dataset. </a:t>
+            </a:r>
+          </a:p>
+          <a:p>
+            <a:pPr marL="1171575" lvl="1" indent="-571500">
+              <a:lnSpc>
+                <a:spcPct val="115000"/>
+              </a:lnSpc>
+              <a:spcBef>
+                <a:spcPts val="1125"/>
+              </a:spcBef>
+              <a:buClr>
+                <a:srgbClr val="C00000"/>
+              </a:buClr>
+              <a:buSzPts val="2100"/>
+              <a:buFont typeface="Arial" panose="020B0604020202020204" pitchFamily="34" charset="0"/>
+              <a:buChar char="•"/>
+            </a:pPr>
+            <a:r>
+              <a:rPr lang="en-US" sz="3200" dirty="0">
+                <a:solidFill>
+                  <a:srgbClr val="C00000"/>
+                </a:solidFill>
+                <a:latin typeface="Pragmatica" panose="020B0403040502020204"/>
+                <a:sym typeface="Consolas"/>
+              </a:rPr>
+              <a:t>What is the range of prices for the computers in the dataset?</a:t>
+            </a:r>
+          </a:p>
+          <a:p>
+            <a:pPr marL="1171575" lvl="1" indent="-571500">
+              <a:lnSpc>
+                <a:spcPct val="115000"/>
+              </a:lnSpc>
+              <a:spcBef>
+                <a:spcPts val="1125"/>
+              </a:spcBef>
+              <a:buClr>
+                <a:srgbClr val="C00000"/>
+              </a:buClr>
+              <a:buSzPts val="2100"/>
+              <a:buFont typeface="Arial" panose="020B0604020202020204" pitchFamily="34" charset="0"/>
+              <a:buChar char="•"/>
+            </a:pPr>
+            <a:r>
+              <a:rPr lang="en-US" sz="3200" dirty="0">
+                <a:solidFill>
+                  <a:srgbClr val="C00000"/>
+                </a:solidFill>
+                <a:latin typeface="Pragmatica" panose="020B0403040502020204"/>
+                <a:sym typeface="Consolas"/>
+              </a:rPr>
+              <a:t>What is the average amount of RAM in the dataset? </a:t>
+            </a:r>
+          </a:p>
+          <a:p>
+            <a:pPr marL="1171575" lvl="1" indent="-571500">
+              <a:lnSpc>
+                <a:spcPct val="115000"/>
+              </a:lnSpc>
+              <a:spcBef>
+                <a:spcPts val="1125"/>
+              </a:spcBef>
+              <a:buClr>
+                <a:srgbClr val="C00000"/>
+              </a:buClr>
+              <a:buSzPts val="2100"/>
+              <a:buFont typeface="Arial" panose="020B0604020202020204" pitchFamily="34" charset="0"/>
+              <a:buChar char="•"/>
+            </a:pPr>
+            <a:r>
+              <a:rPr lang="en-US" sz="3200" dirty="0">
+                <a:solidFill>
+                  <a:srgbClr val="C00000"/>
+                </a:solidFill>
+                <a:latin typeface="Pragmatica" panose="020B0403040502020204"/>
+                <a:sym typeface="Consolas"/>
+              </a:rPr>
+              <a:t>Are there any missing values in this dataset? If so, where? </a:t>
+            </a:r>
+          </a:p>
+          <a:p>
+            <a:pPr marL="685800" indent="-542925">
+              <a:lnSpc>
+                <a:spcPct val="115000"/>
+              </a:lnSpc>
+              <a:spcBef>
+                <a:spcPts val="1125"/>
+              </a:spcBef>
+              <a:buClr>
+                <a:srgbClr val="C00000"/>
+              </a:buClr>
+              <a:buSzPts val="2100"/>
+              <a:buFont typeface="Arial"/>
+              <a:buAutoNum type="arabicPeriod"/>
+            </a:pPr>
+            <a:r>
+              <a:rPr lang="en-US" sz="3200" dirty="0">
+                <a:solidFill>
+                  <a:srgbClr val="C00000"/>
+                </a:solidFill>
+                <a:latin typeface="Pragmatica" panose="020B0403040502020204"/>
+                <a:sym typeface="Consolas"/>
+              </a:rPr>
+              <a:t>Load the query results into an Excel PivotTable.</a:t>
+            </a:r>
           </a:p>
           <a:p>
             <a:pPr marL="142875">
@@ -5972,280 +6338,17 @@
                 <a:latin typeface="Pragmatica" panose="020B0403040502020204"/>
                 <a:sym typeface="Consolas"/>
               </a:rPr>
-              <a:t>On the states worksheet: </a:t>
-            </a:r>
-          </a:p>
-          <a:p>
-            <a:pPr marL="657225" indent="-514350">
-              <a:lnSpc>
-                <a:spcPct val="115000"/>
-              </a:lnSpc>
-              <a:spcBef>
-                <a:spcPts val="1125"/>
-              </a:spcBef>
-              <a:buClr>
-                <a:srgbClr val="C00000"/>
-              </a:buClr>
-              <a:buSzPts val="2100"/>
-              <a:buFont typeface="+mj-lt"/>
-              <a:buAutoNum type="arabicPeriod"/>
-            </a:pPr>
+              <a:t>File: </a:t>
+            </a:r>
             <a:r>
               <a:rPr lang="en-US" sz="3200" dirty="0">
                 <a:solidFill>
                   <a:srgbClr val="C00000"/>
                 </a:solidFill>
-                <a:latin typeface="Pragmatica" panose="020B0403040502020204"/>
-                <a:sym typeface="Consolas"/>
-              </a:rPr>
-              <a:t>Remove the United States row from the data. </a:t>
-            </a:r>
-          </a:p>
-          <a:p>
-            <a:pPr marL="657225" indent="-514350">
-              <a:lnSpc>
-                <a:spcPct val="115000"/>
-              </a:lnSpc>
-              <a:spcBef>
-                <a:spcPts val="1125"/>
-              </a:spcBef>
-              <a:buClr>
-                <a:srgbClr val="C00000"/>
-              </a:buClr>
-              <a:buSzPts val="2100"/>
-              <a:buFont typeface="+mj-lt"/>
-              <a:buAutoNum type="arabicPeriod"/>
-            </a:pPr>
-            <a:r>
-              <a:rPr lang="en-US" sz="3200" dirty="0">
-                <a:solidFill>
-                  <a:srgbClr val="C00000"/>
-                </a:solidFill>
-                <a:latin typeface="Pragmatica" panose="020B0403040502020204"/>
-                <a:sym typeface="Consolas"/>
-              </a:rPr>
-              <a:t>Fill down blanks on the region and division columns. </a:t>
-            </a:r>
-          </a:p>
-          <a:p>
-            <a:pPr marL="657225" indent="-514350">
-              <a:lnSpc>
-                <a:spcPct val="115000"/>
-              </a:lnSpc>
-              <a:spcBef>
-                <a:spcPts val="1125"/>
-              </a:spcBef>
-              <a:buClr>
-                <a:srgbClr val="C00000"/>
-              </a:buClr>
-              <a:buSzPts val="2100"/>
-              <a:buFont typeface="+mj-lt"/>
-              <a:buAutoNum type="arabicPeriod"/>
-            </a:pPr>
-            <a:r>
-              <a:rPr lang="en-US" sz="3200" dirty="0">
-                <a:solidFill>
-                  <a:srgbClr val="C00000"/>
-                </a:solidFill>
-                <a:latin typeface="Pragmatica" panose="020B0403040502020204"/>
-                <a:sym typeface="Consolas"/>
-              </a:rPr>
-              <a:t>Sort by population from high to low. </a:t>
-            </a:r>
-          </a:p>
-          <a:p>
-            <a:pPr marL="657225" indent="-514350">
-              <a:lnSpc>
-                <a:spcPct val="115000"/>
-              </a:lnSpc>
-              <a:spcBef>
-                <a:spcPts val="1125"/>
-              </a:spcBef>
-              <a:buClr>
-                <a:srgbClr val="C00000"/>
-              </a:buClr>
-              <a:buSzPts val="2100"/>
-              <a:buFont typeface="+mj-lt"/>
-              <a:buAutoNum type="arabicPeriod"/>
-            </a:pPr>
-            <a:r>
-              <a:rPr lang="en-US" sz="3200" dirty="0">
-                <a:solidFill>
-                  <a:srgbClr val="C00000"/>
-                </a:solidFill>
-                <a:latin typeface="Pragmatica" panose="020B0403040502020204"/>
-                <a:sym typeface="Consolas"/>
-              </a:rPr>
-              <a:t>Load results into a PivotTable. </a:t>
-            </a:r>
-          </a:p>
-          <a:p>
-            <a:pPr marL="657225" indent="-514350">
-              <a:lnSpc>
-                <a:spcPct val="115000"/>
-              </a:lnSpc>
-              <a:spcBef>
-                <a:spcPts val="1125"/>
-              </a:spcBef>
-              <a:buClr>
-                <a:srgbClr val="C00000"/>
-              </a:buClr>
-              <a:buSzPts val="2100"/>
-              <a:buFont typeface="+mj-lt"/>
-              <a:buAutoNum type="arabicPeriod"/>
-            </a:pPr>
-            <a:endParaRPr lang="en-US" sz="3200" dirty="0">
-              <a:solidFill>
-                <a:srgbClr val="C00000"/>
-              </a:solidFill>
-              <a:latin typeface="Pragmatica" panose="020B0403040502020204"/>
-              <a:sym typeface="Consolas"/>
-            </a:endParaRPr>
-          </a:p>
-          <a:p>
-            <a:pPr marL="142875">
-              <a:lnSpc>
-                <a:spcPct val="115000"/>
-              </a:lnSpc>
-              <a:spcBef>
-                <a:spcPts val="1125"/>
-              </a:spcBef>
-              <a:buClr>
-                <a:srgbClr val="C00000"/>
-              </a:buClr>
-              <a:buSzPts val="2100"/>
-            </a:pPr>
-            <a:r>
-              <a:rPr lang="en-US" sz="3200" dirty="0">
-                <a:solidFill>
-                  <a:srgbClr val="C00000"/>
-                </a:solidFill>
-                <a:latin typeface="Pragmatica" panose="020B0403040502020204"/>
-                <a:sym typeface="Consolas"/>
-              </a:rPr>
-              <a:t>On the </a:t>
-            </a:r>
-            <a:r>
-              <a:rPr lang="en-US" sz="3200" dirty="0" err="1">
-                <a:solidFill>
-                  <a:srgbClr val="C00000"/>
-                </a:solidFill>
-                <a:latin typeface="Pragmatica" panose="020B0403040502020204"/>
-                <a:sym typeface="Consolas"/>
-              </a:rPr>
-              <a:t>midwest_cities</a:t>
-            </a:r>
-            <a:r>
-              <a:rPr lang="en-US" sz="3200" dirty="0">
-                <a:solidFill>
-                  <a:srgbClr val="C00000"/>
-                </a:solidFill>
-                <a:latin typeface="Pragmatica" panose="020B0403040502020204"/>
-                <a:sym typeface="Consolas"/>
-              </a:rPr>
-              <a:t> worksheet: </a:t>
-            </a:r>
-          </a:p>
-          <a:p>
-            <a:pPr marL="657225" indent="-514350">
-              <a:lnSpc>
-                <a:spcPct val="115000"/>
-              </a:lnSpc>
-              <a:spcBef>
-                <a:spcPts val="1125"/>
-              </a:spcBef>
-              <a:buClr>
-                <a:srgbClr val="C00000"/>
-              </a:buClr>
-              <a:buSzPts val="2100"/>
-              <a:buFont typeface="+mj-lt"/>
-              <a:buAutoNum type="arabicPeriod"/>
-            </a:pPr>
-            <a:r>
-              <a:rPr lang="en-US" sz="3200" dirty="0">
-                <a:solidFill>
-                  <a:srgbClr val="C00000"/>
-                </a:solidFill>
-                <a:latin typeface="Pragmatica" panose="020B0403040502020204"/>
-                <a:sym typeface="Consolas"/>
-              </a:rPr>
-              <a:t>Load this data into a table where each city is in its own row</a:t>
-            </a:r>
-          </a:p>
-          <a:p>
-            <a:pPr marL="142875">
-              <a:lnSpc>
-                <a:spcPct val="115000"/>
-              </a:lnSpc>
-              <a:spcBef>
-                <a:spcPts val="1125"/>
-              </a:spcBef>
-              <a:buClr>
-                <a:srgbClr val="C00000"/>
-              </a:buClr>
-              <a:buSzPts val="2100"/>
-            </a:pPr>
-            <a:endParaRPr lang="en-US" sz="3200" dirty="0">
-              <a:solidFill>
-                <a:srgbClr val="C00000"/>
-              </a:solidFill>
-              <a:latin typeface="Pragmatica" panose="020B0403040502020204"/>
-              <a:sym typeface="Consolas"/>
-            </a:endParaRPr>
-          </a:p>
-          <a:p>
-            <a:pPr marL="142875">
-              <a:lnSpc>
-                <a:spcPct val="115000"/>
-              </a:lnSpc>
-              <a:spcBef>
-                <a:spcPts val="1125"/>
-              </a:spcBef>
-              <a:buClr>
-                <a:srgbClr val="C00000"/>
-              </a:buClr>
-              <a:buSzPts val="2100"/>
-            </a:pPr>
-            <a:endParaRPr lang="en-US" sz="3200" dirty="0">
-              <a:solidFill>
-                <a:srgbClr val="C00000"/>
-              </a:solidFill>
-              <a:latin typeface="Pragmatica" panose="020B0403040502020204"/>
-              <a:sym typeface="Consolas"/>
-            </a:endParaRPr>
-          </a:p>
-          <a:p>
-            <a:pPr marL="142875">
-              <a:lnSpc>
-                <a:spcPct val="115000"/>
-              </a:lnSpc>
-              <a:spcBef>
-                <a:spcPts val="1125"/>
-              </a:spcBef>
-              <a:buClr>
-                <a:srgbClr val="C00000"/>
-              </a:buClr>
-              <a:buSzPts val="2100"/>
-            </a:pPr>
-            <a:r>
-              <a:rPr lang="en-US" sz="3200" dirty="0">
-                <a:solidFill>
-                  <a:srgbClr val="C00000"/>
-                </a:solidFill>
-                <a:latin typeface="Pragmatica" panose="020B0403040502020204"/>
-                <a:sym typeface="Consolas"/>
-              </a:rPr>
-              <a:t>File: </a:t>
-            </a:r>
-            <a:r>
-              <a:rPr lang="en-US" sz="3200" dirty="0">
-                <a:solidFill>
-                  <a:srgbClr val="C00000"/>
-                </a:solidFill>
                 <a:latin typeface="Consolas" panose="020B0609020204030204" pitchFamily="49" charset="0"/>
                 <a:sym typeface="Consolas"/>
               </a:rPr>
-              <a:t>ch_03_exercises.xlsx</a:t>
+              <a:t>ch_02_exercises.xlsx</a:t>
             </a:r>
             <a:endParaRPr lang="en-US" sz="5400" dirty="0">
               <a:solidFill>
@@ -6267,7 +6370,7 @@
     </p:spTree>
     <p:extLst>
       <p:ext uri="{BB962C8B-B14F-4D97-AF65-F5344CB8AC3E}">
-        <p14:creationId xmlns:p14="http://schemas.microsoft.com/office/powerpoint/2010/main" val="3828781961"/>
+        <p14:creationId xmlns:p14="http://schemas.microsoft.com/office/powerpoint/2010/main" val="2430284738"/>
       </p:ext>
     </p:extLst>
   </p:cSld>
@@ -6277,7 +6380,7 @@
 </p:sld>
 </file>
 
-<file path=ppt/slides/slide4.xml><?xml version="1.0" encoding="utf-8"?>
+<file path=ppt/slides/slide3.xml><?xml version="1.0" encoding="utf-8"?>
 <p:sld xmlns:a="http://schemas.openxmlformats.org/drawingml/2006/main" xmlns:r="http://schemas.openxmlformats.org/officeDocument/2006/relationships" xmlns:p="http://schemas.openxmlformats.org/presentationml/2006/main">
   <p:cSld>
     <p:spTree>
@@ -6378,7 +6481,7 @@
         <p:spPr>
           <a:xfrm>
             <a:off x="260430" y="329879"/>
-            <a:ext cx="13684170" cy="9164047"/>
+            <a:ext cx="13684170" cy="9535431"/>
           </a:xfrm>
           <a:prstGeom prst="rect">
             <a:avLst/>
@@ -6398,223 +6501,14 @@
                 </a:solidFill>
                 <a:latin typeface="Pragmatica" panose="020B0403040502020204" pitchFamily="34" charset="0"/>
               </a:rPr>
-              <a:t>Appending and merging in Power Query </a:t>
-            </a:r>
-            <a:endParaRPr lang="en-US" sz="4000" b="1" dirty="0">
+              <a:t>Transforming rows in Power Query Exercises </a:t>
+            </a:r>
+            <a:endParaRPr lang="en-US" sz="4000" dirty="0">
               <a:solidFill>
                 <a:srgbClr val="CF3338"/>
               </a:solidFill>
               <a:latin typeface="Pragmatica" panose="020B0403040502020204" pitchFamily="34" charset="0"/>
             </a:endParaRPr>
-          </a:p>
-          <a:p>
-            <a:endParaRPr lang="en-US" sz="4000" b="1" dirty="0">
-              <a:solidFill>
-                <a:srgbClr val="CF3338"/>
-              </a:solidFill>
-              <a:latin typeface="Pragmatica" panose="020B0403040502020204" pitchFamily="34" charset="0"/>
-              <a:sym typeface="Consolas"/>
-            </a:endParaRPr>
-          </a:p>
-          <a:p>
-            <a:pPr marL="885825" indent="-742950">
-              <a:lnSpc>
-                <a:spcPct val="115000"/>
-              </a:lnSpc>
-              <a:spcBef>
-                <a:spcPts val="1125"/>
-              </a:spcBef>
-              <a:buClr>
-                <a:srgbClr val="C00000"/>
-              </a:buClr>
-              <a:buSzPts val="2100"/>
-              <a:buAutoNum type="arabicPeriod"/>
-            </a:pPr>
-            <a:r>
-              <a:rPr lang="en-US" sz="3600" dirty="0">
-                <a:solidFill>
-                  <a:srgbClr val="C00000"/>
-                </a:solidFill>
-                <a:latin typeface="Pragmatica" panose="020B0403040502020204"/>
-                <a:sym typeface="Consolas"/>
-              </a:rPr>
-              <a:t>Append the </a:t>
-            </a:r>
-            <a:r>
-              <a:rPr lang="en-US" sz="3600" i="1" dirty="0">
-                <a:solidFill>
-                  <a:srgbClr val="C00000"/>
-                </a:solidFill>
-                <a:latin typeface="Pragmatica" panose="020B0403040502020204"/>
-                <a:sym typeface="Consolas"/>
-              </a:rPr>
-              <a:t>ewr-flights.csv</a:t>
-            </a:r>
-            <a:r>
-              <a:rPr lang="en-US" sz="3600" dirty="0">
-                <a:solidFill>
-                  <a:srgbClr val="C00000"/>
-                </a:solidFill>
-                <a:latin typeface="Pragmatica" panose="020B0403040502020204"/>
-                <a:sym typeface="Consolas"/>
-              </a:rPr>
-              <a:t>, </a:t>
-            </a:r>
-            <a:r>
-              <a:rPr lang="en-US" sz="3600" i="1" dirty="0">
-                <a:solidFill>
-                  <a:srgbClr val="C00000"/>
-                </a:solidFill>
-                <a:latin typeface="Pragmatica" panose="020B0403040502020204"/>
-                <a:sym typeface="Consolas"/>
-              </a:rPr>
-              <a:t>jfk-flights.csv</a:t>
-            </a:r>
-            <a:r>
-              <a:rPr lang="en-US" sz="3600" dirty="0">
-                <a:solidFill>
-                  <a:srgbClr val="C00000"/>
-                </a:solidFill>
-                <a:latin typeface="Pragmatica" panose="020B0403040502020204"/>
-                <a:sym typeface="Consolas"/>
-              </a:rPr>
-              <a:t>, and </a:t>
-            </a:r>
-            <a:r>
-              <a:rPr lang="en-US" sz="3600" i="1" dirty="0">
-                <a:solidFill>
-                  <a:srgbClr val="C00000"/>
-                </a:solidFill>
-                <a:latin typeface="Pragmatica" panose="020B0403040502020204"/>
-                <a:sym typeface="Consolas"/>
-              </a:rPr>
-              <a:t>lga-flights.csv </a:t>
-            </a:r>
-            <a:r>
-              <a:rPr lang="en-US" sz="3600" dirty="0">
-                <a:solidFill>
-                  <a:srgbClr val="C00000"/>
-                </a:solidFill>
-                <a:latin typeface="Pragmatica" panose="020B0403040502020204"/>
-                <a:sym typeface="Consolas"/>
-              </a:rPr>
-              <a:t>files, consisting of the flight records from Newark Liberty, John F. Kennedy, and LaGuardia airports, respectively. Name this query flights. (Hint: Select “Three or more tables” from the Append menu in Power Query to expedite this process.) </a:t>
-            </a:r>
-          </a:p>
-          <a:p>
-            <a:pPr marL="885825" indent="-742950">
-              <a:lnSpc>
-                <a:spcPct val="115000"/>
-              </a:lnSpc>
-              <a:spcBef>
-                <a:spcPts val="1125"/>
-              </a:spcBef>
-              <a:buClr>
-                <a:srgbClr val="C00000"/>
-              </a:buClr>
-              <a:buSzPts val="2100"/>
-              <a:buAutoNum type="arabicPeriod"/>
-            </a:pPr>
-            <a:r>
-              <a:rPr lang="en-US" sz="3600" dirty="0">
-                <a:solidFill>
-                  <a:srgbClr val="C00000"/>
-                </a:solidFill>
-                <a:latin typeface="Pragmatica" panose="020B0403040502020204"/>
-                <a:sym typeface="Consolas"/>
-              </a:rPr>
-              <a:t>Merge this query with </a:t>
-            </a:r>
-            <a:r>
-              <a:rPr lang="en-US" sz="3600" i="1" dirty="0">
-                <a:solidFill>
-                  <a:srgbClr val="C00000"/>
-                </a:solidFill>
-                <a:latin typeface="Pragmatica" panose="020B0403040502020204"/>
-                <a:sym typeface="Consolas"/>
-              </a:rPr>
-              <a:t>planes.xlsx </a:t>
-            </a:r>
-            <a:r>
-              <a:rPr lang="en-US" sz="3600" dirty="0">
-                <a:solidFill>
-                  <a:srgbClr val="C00000"/>
-                </a:solidFill>
-                <a:latin typeface="Pragmatica" panose="020B0403040502020204"/>
-                <a:sym typeface="Consolas"/>
-              </a:rPr>
-              <a:t>using a left outer join, and then an inner join. Call the queries </a:t>
-            </a:r>
-            <a:r>
-              <a:rPr lang="en-US" sz="3600" i="1" dirty="0" err="1">
-                <a:solidFill>
-                  <a:srgbClr val="C00000"/>
-                </a:solidFill>
-                <a:latin typeface="Pragmatica" panose="020B0403040502020204"/>
-                <a:sym typeface="Consolas"/>
-              </a:rPr>
-              <a:t>flights_left</a:t>
-            </a:r>
-            <a:r>
-              <a:rPr lang="en-US" sz="3600" i="1" dirty="0">
-                <a:solidFill>
-                  <a:srgbClr val="C00000"/>
-                </a:solidFill>
-                <a:latin typeface="Pragmatica" panose="020B0403040502020204"/>
-                <a:sym typeface="Consolas"/>
-              </a:rPr>
-              <a:t> </a:t>
-            </a:r>
-            <a:r>
-              <a:rPr lang="en-US" sz="3600" dirty="0">
-                <a:solidFill>
-                  <a:srgbClr val="C00000"/>
-                </a:solidFill>
-                <a:latin typeface="Pragmatica" panose="020B0403040502020204"/>
-                <a:sym typeface="Consolas"/>
-              </a:rPr>
-              <a:t>and </a:t>
-            </a:r>
-            <a:r>
-              <a:rPr lang="en-US" sz="3600" i="1" dirty="0" err="1">
-                <a:solidFill>
-                  <a:srgbClr val="C00000"/>
-                </a:solidFill>
-                <a:latin typeface="Pragmatica" panose="020B0403040502020204"/>
-                <a:sym typeface="Consolas"/>
-              </a:rPr>
-              <a:t>flights_inner</a:t>
-            </a:r>
-            <a:r>
-              <a:rPr lang="en-US" sz="3600" dirty="0">
-                <a:solidFill>
-                  <a:srgbClr val="C00000"/>
-                </a:solidFill>
-                <a:latin typeface="Pragmatica" panose="020B0403040502020204"/>
-                <a:sym typeface="Consolas"/>
-              </a:rPr>
-              <a:t>, respectively. How many records are returned for each? (Hint: Merge the tables based on </a:t>
-            </a:r>
-            <a:r>
-              <a:rPr lang="en-US" sz="3600" i="1" dirty="0" err="1">
-                <a:solidFill>
-                  <a:srgbClr val="C00000"/>
-                </a:solidFill>
-                <a:latin typeface="Pragmatica" panose="020B0403040502020204"/>
-                <a:sym typeface="Consolas"/>
-              </a:rPr>
-              <a:t>tailnum</a:t>
-            </a:r>
-            <a:r>
-              <a:rPr lang="en-US" sz="3600" dirty="0">
-                <a:solidFill>
-                  <a:srgbClr val="C00000"/>
-                </a:solidFill>
-                <a:latin typeface="Pragmatica" panose="020B0403040502020204"/>
-                <a:sym typeface="Consolas"/>
-              </a:rPr>
-              <a:t>).</a:t>
-            </a:r>
           </a:p>
           <a:p>
             <a:pPr marL="142875">
@@ -6630,7 +6524,270 @@
               <a:buSzPts val="2100"/>
             </a:pPr>
             <a:r>
-              <a:rPr lang="en-US" sz="3600" dirty="0">
+              <a:rPr lang="en-US" sz="3200" dirty="0">
+                <a:solidFill>
+                  <a:srgbClr val="C00000"/>
+                </a:solidFill>
+                <a:latin typeface="Pragmatica" panose="020B0403040502020204"/>
+                <a:sym typeface="Consolas"/>
+              </a:rPr>
+              <a:t>On the states worksheet: </a:t>
+            </a:r>
+          </a:p>
+          <a:p>
+            <a:pPr marL="657225" indent="-514350">
+              <a:lnSpc>
+                <a:spcPct val="115000"/>
+              </a:lnSpc>
+              <a:spcBef>
+                <a:spcPts val="1125"/>
+              </a:spcBef>
+              <a:buClr>
+                <a:srgbClr val="C00000"/>
+              </a:buClr>
+              <a:buSzPts val="2100"/>
+              <a:buFont typeface="+mj-lt"/>
+              <a:buAutoNum type="arabicPeriod"/>
+            </a:pPr>
+            <a:r>
+              <a:rPr lang="en-US" sz="3200" dirty="0">
+                <a:solidFill>
+                  <a:srgbClr val="C00000"/>
+                </a:solidFill>
+                <a:latin typeface="Pragmatica" panose="020B0403040502020204"/>
+                <a:sym typeface="Consolas"/>
+              </a:rPr>
+              <a:t>Remove the United States row from the data. </a:t>
+            </a:r>
+          </a:p>
+          <a:p>
+            <a:pPr marL="657225" indent="-514350">
+              <a:lnSpc>
+                <a:spcPct val="115000"/>
+              </a:lnSpc>
+              <a:spcBef>
+                <a:spcPts val="1125"/>
+              </a:spcBef>
+              <a:buClr>
+                <a:srgbClr val="C00000"/>
+              </a:buClr>
+              <a:buSzPts val="2100"/>
+              <a:buFont typeface="+mj-lt"/>
+              <a:buAutoNum type="arabicPeriod"/>
+            </a:pPr>
+            <a:r>
+              <a:rPr lang="en-US" sz="3200" dirty="0">
+                <a:solidFill>
+                  <a:srgbClr val="C00000"/>
+                </a:solidFill>
+                <a:latin typeface="Pragmatica" panose="020B0403040502020204"/>
+                <a:sym typeface="Consolas"/>
+              </a:rPr>
+              <a:t>Fill down blanks on the region and division columns. </a:t>
+            </a:r>
+          </a:p>
+          <a:p>
+            <a:pPr marL="657225" indent="-514350">
+              <a:lnSpc>
+                <a:spcPct val="115000"/>
+              </a:lnSpc>
+              <a:spcBef>
+                <a:spcPts val="1125"/>
+              </a:spcBef>
+              <a:buClr>
+                <a:srgbClr val="C00000"/>
+              </a:buClr>
+              <a:buSzPts val="2100"/>
+              <a:buFont typeface="+mj-lt"/>
+              <a:buAutoNum type="arabicPeriod"/>
+            </a:pPr>
+            <a:r>
+              <a:rPr lang="en-US" sz="3200" dirty="0">
+                <a:solidFill>
+                  <a:srgbClr val="C00000"/>
+                </a:solidFill>
+                <a:latin typeface="Pragmatica" panose="020B0403040502020204"/>
+                <a:sym typeface="Consolas"/>
+              </a:rPr>
+              <a:t>Sort by population from high to low. </a:t>
+            </a:r>
+          </a:p>
+          <a:p>
+            <a:pPr marL="657225" indent="-514350">
+              <a:lnSpc>
+                <a:spcPct val="115000"/>
+              </a:lnSpc>
+              <a:spcBef>
+                <a:spcPts val="1125"/>
+              </a:spcBef>
+              <a:buClr>
+                <a:srgbClr val="C00000"/>
+              </a:buClr>
+              <a:buSzPts val="2100"/>
+              <a:buFont typeface="+mj-lt"/>
+              <a:buAutoNum type="arabicPeriod"/>
+            </a:pPr>
+            <a:r>
+              <a:rPr lang="en-US" sz="3200" dirty="0">
+                <a:solidFill>
+                  <a:srgbClr val="C00000"/>
+                </a:solidFill>
+                <a:latin typeface="Pragmatica" panose="020B0403040502020204"/>
+                <a:sym typeface="Consolas"/>
+              </a:rPr>
+              <a:t>Load results into a PivotTable. </a:t>
+            </a:r>
+          </a:p>
+          <a:p>
+            <a:pPr marL="657225" indent="-514350">
+              <a:lnSpc>
+                <a:spcPct val="115000"/>
+              </a:lnSpc>
+              <a:spcBef>
+                <a:spcPts val="1125"/>
+              </a:spcBef>
+              <a:buClr>
+                <a:srgbClr val="C00000"/>
+              </a:buClr>
+              <a:buSzPts val="2100"/>
+              <a:buFont typeface="+mj-lt"/>
+              <a:buAutoNum type="arabicPeriod"/>
+            </a:pPr>
+            <a:endParaRPr lang="en-US" sz="3200" dirty="0">
+              <a:solidFill>
+                <a:srgbClr val="C00000"/>
+              </a:solidFill>
+              <a:latin typeface="Pragmatica" panose="020B0403040502020204"/>
+              <a:sym typeface="Consolas"/>
+            </a:endParaRPr>
+          </a:p>
+          <a:p>
+            <a:pPr marL="142875">
+              <a:lnSpc>
+                <a:spcPct val="115000"/>
+              </a:lnSpc>
+              <a:spcBef>
+                <a:spcPts val="1125"/>
+              </a:spcBef>
+              <a:buClr>
+                <a:srgbClr val="C00000"/>
+              </a:buClr>
+              <a:buSzPts val="2100"/>
+            </a:pPr>
+            <a:r>
+              <a:rPr lang="en-US" sz="3200" dirty="0">
+                <a:solidFill>
+                  <a:srgbClr val="C00000"/>
+                </a:solidFill>
+                <a:latin typeface="Pragmatica" panose="020B0403040502020204"/>
+                <a:sym typeface="Consolas"/>
+              </a:rPr>
+              <a:t>On the </a:t>
+            </a:r>
+            <a:r>
+              <a:rPr lang="en-US" sz="3200" dirty="0" err="1">
+                <a:solidFill>
+                  <a:srgbClr val="C00000"/>
+                </a:solidFill>
+                <a:latin typeface="Pragmatica" panose="020B0403040502020204"/>
+                <a:sym typeface="Consolas"/>
+              </a:rPr>
+              <a:t>midwest_cities</a:t>
+            </a:r>
+            <a:r>
+              <a:rPr lang="en-US" sz="3200" dirty="0">
+                <a:solidFill>
+                  <a:srgbClr val="C00000"/>
+                </a:solidFill>
+                <a:latin typeface="Pragmatica" panose="020B0403040502020204"/>
+                <a:sym typeface="Consolas"/>
+              </a:rPr>
+              <a:t> worksheet: </a:t>
+            </a:r>
+          </a:p>
+          <a:p>
+            <a:pPr marL="657225" indent="-514350">
+              <a:lnSpc>
+                <a:spcPct val="115000"/>
+              </a:lnSpc>
+              <a:spcBef>
+                <a:spcPts val="1125"/>
+              </a:spcBef>
+              <a:buClr>
+                <a:srgbClr val="C00000"/>
+              </a:buClr>
+              <a:buSzPts val="2100"/>
+              <a:buFont typeface="+mj-lt"/>
+              <a:buAutoNum type="arabicPeriod"/>
+            </a:pPr>
+            <a:r>
+              <a:rPr lang="en-US" sz="3200" dirty="0">
+                <a:solidFill>
+                  <a:srgbClr val="C00000"/>
+                </a:solidFill>
+                <a:latin typeface="Pragmatica" panose="020B0403040502020204"/>
+                <a:sym typeface="Consolas"/>
+              </a:rPr>
+              <a:t>Load this data into a table where each city is in its own row</a:t>
+            </a:r>
+          </a:p>
+          <a:p>
+            <a:pPr marL="142875">
+              <a:lnSpc>
+                <a:spcPct val="115000"/>
+              </a:lnSpc>
+              <a:spcBef>
+                <a:spcPts val="1125"/>
+              </a:spcBef>
+              <a:buClr>
+                <a:srgbClr val="C00000"/>
+              </a:buClr>
+              <a:buSzPts val="2100"/>
+            </a:pPr>
+            <a:endParaRPr lang="en-US" sz="3200" dirty="0">
+              <a:solidFill>
+                <a:srgbClr val="C00000"/>
+              </a:solidFill>
+              <a:latin typeface="Pragmatica" panose="020B0403040502020204"/>
+              <a:sym typeface="Consolas"/>
+            </a:endParaRPr>
+          </a:p>
+          <a:p>
+            <a:pPr marL="142875">
+              <a:lnSpc>
+                <a:spcPct val="115000"/>
+              </a:lnSpc>
+              <a:spcBef>
+                <a:spcPts val="1125"/>
+              </a:spcBef>
+              <a:buClr>
+                <a:srgbClr val="C00000"/>
+              </a:buClr>
+              <a:buSzPts val="2100"/>
+            </a:pPr>
+            <a:endParaRPr lang="en-US" sz="3200" dirty="0">
+              <a:solidFill>
+                <a:srgbClr val="C00000"/>
+              </a:solidFill>
+              <a:latin typeface="Pragmatica" panose="020B0403040502020204"/>
+              <a:sym typeface="Consolas"/>
+            </a:endParaRPr>
+          </a:p>
+          <a:p>
+            <a:pPr marL="142875">
+              <a:lnSpc>
+                <a:spcPct val="115000"/>
+              </a:lnSpc>
+              <a:spcBef>
+                <a:spcPts val="1125"/>
+              </a:spcBef>
+              <a:buClr>
+                <a:srgbClr val="C00000"/>
+              </a:buClr>
+              <a:buSzPts val="2100"/>
+            </a:pPr>
+            <a:r>
+              <a:rPr lang="en-US" sz="3200" dirty="0">
                 <a:solidFill>
                   <a:srgbClr val="C00000"/>
                 </a:solidFill>
@@ -6640,16 +6797,16 @@
               <a:t>File: </a:t>
             </a:r>
             <a:r>
-              <a:rPr lang="en-US" sz="3600" dirty="0">
+              <a:rPr lang="en-US" sz="3200" dirty="0">
                 <a:solidFill>
                   <a:srgbClr val="C00000"/>
                 </a:solidFill>
                 <a:latin typeface="Consolas" panose="020B0609020204030204" pitchFamily="49" charset="0"/>
                 <a:sym typeface="Consolas"/>
               </a:rPr>
-              <a:t>ch_05_exercises.xlsx</a:t>
-            </a:r>
-            <a:endParaRPr lang="en-US" sz="6000" dirty="0">
+              <a:t>ch_03_exercises.xlsx</a:t>
+            </a:r>
+            <a:endParaRPr lang="en-US" sz="5400" dirty="0">
               <a:solidFill>
                 <a:srgbClr val="CF3338"/>
               </a:solidFill>
@@ -6669,7 +6826,7 @@
     </p:spTree>
     <p:extLst>
       <p:ext uri="{BB962C8B-B14F-4D97-AF65-F5344CB8AC3E}">
-        <p14:creationId xmlns:p14="http://schemas.microsoft.com/office/powerpoint/2010/main" val="3621463409"/>
+        <p14:creationId xmlns:p14="http://schemas.microsoft.com/office/powerpoint/2010/main" val="3828781961"/>
       </p:ext>
     </p:extLst>
   </p:cSld>
@@ -6679,7 +6836,7 @@
 </p:sld>
 </file>
 
-<file path=ppt/slides/slide5.xml><?xml version="1.0" encoding="utf-8"?>
+<file path=ppt/slides/slide4.xml><?xml version="1.0" encoding="utf-8"?>
 <p:sld xmlns:a="http://schemas.openxmlformats.org/drawingml/2006/main" xmlns:r="http://schemas.openxmlformats.org/officeDocument/2006/relationships" xmlns:p="http://schemas.openxmlformats.org/presentationml/2006/main">
   <p:cSld>
     <p:spTree>
@@ -6780,7 +6937,7 @@
         <p:spPr>
           <a:xfrm>
             <a:off x="260430" y="329879"/>
-            <a:ext cx="13684170" cy="10224337"/>
+            <a:ext cx="13684170" cy="10509544"/>
           </a:xfrm>
           <a:prstGeom prst="rect">
             <a:avLst/>
@@ -6800,9 +6957,9 @@
                 </a:solidFill>
                 <a:latin typeface="Pragmatica" panose="020B0403040502020204" pitchFamily="34" charset="0"/>
               </a:rPr>
-              <a:t>First Steps in Power Pivot</a:t>
-            </a:r>
-            <a:endParaRPr lang="en-US" sz="4000" b="1" dirty="0">
+              <a:t>Transforming columns in Power Query Exercises </a:t>
+            </a:r>
+            <a:endParaRPr lang="en-US" sz="4000" dirty="0">
               <a:solidFill>
                 <a:srgbClr val="CF3338"/>
               </a:solidFill>
@@ -6810,16 +6967,7 @@
             </a:endParaRPr>
           </a:p>
           <a:p>
-            <a:endParaRPr lang="en-US" sz="4000" b="1" dirty="0">
-              <a:solidFill>
-                <a:srgbClr val="CF3338"/>
-              </a:solidFill>
-              <a:latin typeface="Pragmatica" panose="020B0403040502020204" pitchFamily="34" charset="0"/>
-              <a:sym typeface="Consolas"/>
-            </a:endParaRPr>
-          </a:p>
-          <a:p>
-            <a:pPr marL="885825" indent="-742950">
+            <a:pPr marL="657225" indent="-514350">
               <a:lnSpc>
                 <a:spcPct val="115000"/>
               </a:lnSpc>
@@ -6830,21 +6978,42 @@
                 <a:srgbClr val="C00000"/>
               </a:buClr>
               <a:buSzPts val="2100"/>
+              <a:buFont typeface="+mj-lt"/>
               <a:buAutoNum type="arabicPeriod"/>
             </a:pPr>
             <a:r>
-              <a:rPr lang="en-US" sz="3600" dirty="0">
-                <a:solidFill>
-                  <a:srgbClr val="C00000"/>
-                </a:solidFill>
-                <a:latin typeface="Pragmatica" panose="020B0403040502020204"/>
-                <a:sym typeface="Consolas"/>
-              </a:rPr>
-              <a:t>What is the purpose of the Power Pivot add-in, and what can it enable you to do? </a:t>
-            </a:r>
-          </a:p>
-          <a:p>
-            <a:pPr marL="885825" indent="-742950">
+              <a:rPr lang="en-US" sz="3200" dirty="0">
+                <a:solidFill>
+                  <a:srgbClr val="C00000"/>
+                </a:solidFill>
+                <a:latin typeface="Pragmatica" panose="020B0403040502020204"/>
+                <a:sym typeface="Consolas"/>
+              </a:rPr>
+              <a:t>Transform the </a:t>
+            </a:r>
+            <a:r>
+              <a:rPr lang="en-US" sz="3200" i="1" dirty="0">
+                <a:solidFill>
+                  <a:srgbClr val="C00000"/>
+                </a:solidFill>
+                <a:latin typeface="Pragmatica" panose="020B0403040502020204"/>
+                <a:sym typeface="Consolas"/>
+              </a:rPr>
+              <a:t>date </a:t>
+            </a:r>
+            <a:r>
+              <a:rPr lang="en-US" sz="3200" dirty="0">
+                <a:solidFill>
+                  <a:srgbClr val="C00000"/>
+                </a:solidFill>
+                <a:latin typeface="Pragmatica" panose="020B0403040502020204"/>
+                <a:sym typeface="Consolas"/>
+              </a:rPr>
+              <a:t>column to a month format, such as changing 1/1/2023 to January. </a:t>
+            </a:r>
+          </a:p>
+          <a:p>
+            <a:pPr marL="657225" indent="-514350">
               <a:lnSpc>
                 <a:spcPct val="115000"/>
               </a:lnSpc>
@@ -6855,21 +7024,42 @@
                 <a:srgbClr val="C00000"/>
               </a:buClr>
               <a:buSzPts val="2100"/>
+              <a:buFont typeface="+mj-lt"/>
               <a:buAutoNum type="arabicPeriod"/>
             </a:pPr>
             <a:r>
-              <a:rPr lang="en-US" sz="3600" dirty="0">
-                <a:solidFill>
-                  <a:srgbClr val="C00000"/>
-                </a:solidFill>
-                <a:latin typeface="Pragmatica" panose="020B0403040502020204"/>
-                <a:sym typeface="Consolas"/>
-              </a:rPr>
-              <a:t>Explain the role of the Data Model in Power Pivot and its significance in data analysis.</a:t>
-            </a:r>
-          </a:p>
-          <a:p>
-            <a:pPr marL="885825" indent="-742950">
+              <a:rPr lang="en-US" sz="3200" dirty="0">
+                <a:solidFill>
+                  <a:srgbClr val="C00000"/>
+                </a:solidFill>
+                <a:latin typeface="Pragmatica" panose="020B0403040502020204"/>
+                <a:sym typeface="Consolas"/>
+              </a:rPr>
+              <a:t>Transform the </a:t>
+            </a:r>
+            <a:r>
+              <a:rPr lang="en-US" sz="3200" i="1" dirty="0">
+                <a:solidFill>
+                  <a:srgbClr val="C00000"/>
+                </a:solidFill>
+                <a:latin typeface="Pragmatica" panose="020B0403040502020204"/>
+                <a:sym typeface="Consolas"/>
+              </a:rPr>
+              <a:t>owner </a:t>
+            </a:r>
+            <a:r>
+              <a:rPr lang="en-US" sz="3200" dirty="0">
+                <a:solidFill>
+                  <a:srgbClr val="C00000"/>
+                </a:solidFill>
+                <a:latin typeface="Pragmatica" panose="020B0403040502020204"/>
+                <a:sym typeface="Consolas"/>
+              </a:rPr>
+              <a:t>column to proper case. </a:t>
+            </a:r>
+          </a:p>
+          <a:p>
+            <a:pPr marL="657225" indent="-514350">
               <a:lnSpc>
                 <a:spcPct val="115000"/>
               </a:lnSpc>
@@ -6880,21 +7070,62 @@
                 <a:srgbClr val="C00000"/>
               </a:buClr>
               <a:buSzPts val="2100"/>
+              <a:buFont typeface="+mj-lt"/>
               <a:buAutoNum type="arabicPeriod"/>
             </a:pPr>
             <a:r>
-              <a:rPr lang="en-US" sz="3600" dirty="0">
-                <a:solidFill>
-                  <a:srgbClr val="C00000"/>
-                </a:solidFill>
-                <a:latin typeface="Pragmatica" panose="020B0403040502020204"/>
-                <a:sym typeface="Consolas"/>
-              </a:rPr>
-              <a:t>What is the basic role of DAX measures and key performance indicators in Power Pivot? </a:t>
-            </a:r>
-          </a:p>
-          <a:p>
-            <a:pPr marL="885825" indent="-742950">
+              <a:rPr lang="en-US" sz="3200" dirty="0">
+                <a:solidFill>
+                  <a:srgbClr val="C00000"/>
+                </a:solidFill>
+                <a:latin typeface="Pragmatica" panose="020B0403040502020204"/>
+                <a:sym typeface="Consolas"/>
+              </a:rPr>
+              <a:t>Split the location column into two separate columns: </a:t>
+            </a:r>
+            <a:r>
+              <a:rPr lang="en-US" sz="3200" i="1" dirty="0">
+                <a:solidFill>
+                  <a:srgbClr val="C00000"/>
+                </a:solidFill>
+                <a:latin typeface="Pragmatica" panose="020B0403040502020204"/>
+                <a:sym typeface="Consolas"/>
+              </a:rPr>
+              <a:t>zip </a:t>
+            </a:r>
+            <a:r>
+              <a:rPr lang="en-US" sz="3200" dirty="0">
+                <a:solidFill>
+                  <a:srgbClr val="C00000"/>
+                </a:solidFill>
+                <a:latin typeface="Pragmatica" panose="020B0403040502020204"/>
+                <a:sym typeface="Consolas"/>
+              </a:rPr>
+              <a:t>and </a:t>
+            </a:r>
+            <a:r>
+              <a:rPr lang="en-US" sz="3200" i="1" dirty="0">
+                <a:solidFill>
+                  <a:srgbClr val="C00000"/>
+                </a:solidFill>
+                <a:latin typeface="Pragmatica" panose="020B0403040502020204"/>
+                <a:sym typeface="Consolas"/>
+              </a:rPr>
+              <a:t>state</a:t>
+            </a:r>
+            <a:r>
+              <a:rPr lang="en-US" sz="3200" dirty="0">
+                <a:solidFill>
+                  <a:srgbClr val="C00000"/>
+                </a:solidFill>
+                <a:latin typeface="Pragmatica" panose="020B0403040502020204"/>
+                <a:sym typeface="Consolas"/>
+              </a:rPr>
+              <a:t>.</a:t>
+            </a:r>
+          </a:p>
+          <a:p>
+            <a:pPr marL="657225" indent="-514350">
               <a:lnSpc>
                 <a:spcPct val="115000"/>
               </a:lnSpc>
@@ -6905,21 +7136,122 @@
                 <a:srgbClr val="C00000"/>
               </a:buClr>
               <a:buSzPts val="2100"/>
+              <a:buFont typeface="+mj-lt"/>
               <a:buAutoNum type="arabicPeriod"/>
             </a:pPr>
             <a:r>
-              <a:rPr lang="en-US" sz="3600" dirty="0">
-                <a:solidFill>
-                  <a:srgbClr val="C00000"/>
-                </a:solidFill>
-                <a:latin typeface="Pragmatica" panose="020B0403040502020204"/>
-                <a:sym typeface="Consolas"/>
-              </a:rPr>
-              <a:t>Compare Power Query joins with Power Pivot relationships in terms of combining data sources. </a:t>
-            </a:r>
-          </a:p>
-          <a:p>
-            <a:pPr marL="885825" indent="-742950">
+              <a:rPr lang="en-US" sz="3200" dirty="0">
+                <a:solidFill>
+                  <a:srgbClr val="C00000"/>
+                </a:solidFill>
+                <a:latin typeface="Pragmatica" panose="020B0403040502020204"/>
+                <a:sym typeface="Consolas"/>
+              </a:rPr>
+              <a:t>Reshape the dataset so that </a:t>
+            </a:r>
+            <a:r>
+              <a:rPr lang="en-US" sz="3200" i="1" dirty="0" err="1">
+                <a:solidFill>
+                  <a:srgbClr val="C00000"/>
+                </a:solidFill>
+                <a:latin typeface="Pragmatica" panose="020B0403040502020204"/>
+                <a:sym typeface="Consolas"/>
+              </a:rPr>
+              <a:t>subscription_cost</a:t>
+            </a:r>
+            <a:r>
+              <a:rPr lang="en-US" sz="3200" dirty="0">
+                <a:solidFill>
+                  <a:srgbClr val="C00000"/>
+                </a:solidFill>
+                <a:latin typeface="Pragmatica" panose="020B0403040502020204"/>
+                <a:sym typeface="Consolas"/>
+              </a:rPr>
+              <a:t>, </a:t>
+            </a:r>
+            <a:r>
+              <a:rPr lang="en-US" sz="3200" i="1" dirty="0" err="1">
+                <a:solidFill>
+                  <a:srgbClr val="C00000"/>
+                </a:solidFill>
+                <a:latin typeface="Pragmatica" panose="020B0403040502020204"/>
+                <a:sym typeface="Consolas"/>
+              </a:rPr>
+              <a:t>support_cost</a:t>
+            </a:r>
+            <a:r>
+              <a:rPr lang="en-US" sz="3200" dirty="0">
+                <a:solidFill>
+                  <a:srgbClr val="C00000"/>
+                </a:solidFill>
+                <a:latin typeface="Pragmatica" panose="020B0403040502020204"/>
+                <a:sym typeface="Consolas"/>
+              </a:rPr>
+              <a:t>, and </a:t>
+            </a:r>
+            <a:r>
+              <a:rPr lang="en-US" sz="3200" i="1" dirty="0" err="1">
+                <a:solidFill>
+                  <a:srgbClr val="C00000"/>
+                </a:solidFill>
+                <a:latin typeface="Pragmatica" panose="020B0403040502020204"/>
+                <a:sym typeface="Consolas"/>
+              </a:rPr>
+              <a:t>services_cost</a:t>
+            </a:r>
+            <a:r>
+              <a:rPr lang="en-US" sz="3200" dirty="0">
+                <a:solidFill>
+                  <a:srgbClr val="C00000"/>
+                </a:solidFill>
+                <a:latin typeface="Pragmatica" panose="020B0403040502020204"/>
+                <a:sym typeface="Consolas"/>
+              </a:rPr>
+              <a:t> are consolidated into two columns: </a:t>
+            </a:r>
+            <a:r>
+              <a:rPr lang="en-US" sz="3200" i="1" dirty="0">
+                <a:solidFill>
+                  <a:srgbClr val="C00000"/>
+                </a:solidFill>
+                <a:latin typeface="Pragmatica" panose="020B0403040502020204"/>
+                <a:sym typeface="Consolas"/>
+              </a:rPr>
+              <a:t>category </a:t>
+            </a:r>
+            <a:r>
+              <a:rPr lang="en-US" sz="3200" dirty="0">
+                <a:solidFill>
+                  <a:srgbClr val="C00000"/>
+                </a:solidFill>
+                <a:latin typeface="Pragmatica" panose="020B0403040502020204"/>
+                <a:sym typeface="Consolas"/>
+              </a:rPr>
+              <a:t>and </a:t>
+            </a:r>
+            <a:r>
+              <a:rPr lang="en-US" sz="3200" i="1" dirty="0">
+                <a:solidFill>
+                  <a:srgbClr val="C00000"/>
+                </a:solidFill>
+                <a:latin typeface="Pragmatica" panose="020B0403040502020204"/>
+                <a:sym typeface="Consolas"/>
+              </a:rPr>
+              <a:t>cost</a:t>
+            </a:r>
+            <a:r>
+              <a:rPr lang="en-US" sz="3200" dirty="0">
+                <a:solidFill>
+                  <a:srgbClr val="C00000"/>
+                </a:solidFill>
+                <a:latin typeface="Pragmatica" panose="020B0403040502020204"/>
+                <a:sym typeface="Consolas"/>
+              </a:rPr>
+              <a:t>. </a:t>
+            </a:r>
+          </a:p>
+          <a:p>
+            <a:pPr marL="657225" indent="-514350">
               <a:lnSpc>
                 <a:spcPct val="115000"/>
               </a:lnSpc>
@@ -6930,17 +7262,170 @@
                 <a:srgbClr val="C00000"/>
               </a:buClr>
               <a:buSzPts val="2100"/>
+              <a:buFont typeface="+mj-lt"/>
               <a:buAutoNum type="arabicPeriod"/>
             </a:pPr>
             <a:r>
-              <a:rPr lang="en-US" sz="3600" dirty="0">
-                <a:solidFill>
-                  <a:srgbClr val="C00000"/>
-                </a:solidFill>
-                <a:latin typeface="Pragmatica" panose="020B0403040502020204"/>
-                <a:sym typeface="Consolas"/>
-              </a:rPr>
-              <a:t>What are the drawbacks of using lookup functions like VLOOKUP() or XLOOKUP() to merge tables in Excel?</a:t>
+              <a:rPr lang="en-US" sz="3200" dirty="0">
+                <a:solidFill>
+                  <a:srgbClr val="C00000"/>
+                </a:solidFill>
+                <a:latin typeface="Pragmatica" panose="020B0403040502020204"/>
+                <a:sym typeface="Consolas"/>
+              </a:rPr>
+              <a:t>Introduce a new column named </a:t>
+            </a:r>
+            <a:r>
+              <a:rPr lang="en-US" sz="3200" i="1" dirty="0">
+                <a:solidFill>
+                  <a:srgbClr val="C00000"/>
+                </a:solidFill>
+                <a:latin typeface="Pragmatica" panose="020B0403040502020204"/>
+                <a:sym typeface="Consolas"/>
+              </a:rPr>
+              <a:t>tax </a:t>
+            </a:r>
+            <a:r>
+              <a:rPr lang="en-US" sz="3200" dirty="0">
+                <a:solidFill>
+                  <a:srgbClr val="C00000"/>
+                </a:solidFill>
+                <a:latin typeface="Pragmatica" panose="020B0403040502020204"/>
+                <a:sym typeface="Consolas"/>
+              </a:rPr>
+              <a:t>that calculates 7% of the values in the </a:t>
+            </a:r>
+            <a:r>
+              <a:rPr lang="en-US" sz="3200" i="1" dirty="0">
+                <a:solidFill>
+                  <a:srgbClr val="C00000"/>
+                </a:solidFill>
+                <a:latin typeface="Pragmatica" panose="020B0403040502020204"/>
+                <a:sym typeface="Consolas"/>
+              </a:rPr>
+              <a:t>cost </a:t>
+            </a:r>
+            <a:r>
+              <a:rPr lang="en-US" sz="3200" dirty="0">
+                <a:solidFill>
+                  <a:srgbClr val="C00000"/>
+                </a:solidFill>
+                <a:latin typeface="Pragmatica" panose="020B0403040502020204"/>
+                <a:sym typeface="Consolas"/>
+              </a:rPr>
+              <a:t>column. </a:t>
+            </a:r>
+          </a:p>
+          <a:p>
+            <a:pPr marL="657225" indent="-514350">
+              <a:lnSpc>
+                <a:spcPct val="115000"/>
+              </a:lnSpc>
+              <a:spcBef>
+                <a:spcPts val="1125"/>
+              </a:spcBef>
+              <a:buClr>
+                <a:srgbClr val="C00000"/>
+              </a:buClr>
+              <a:buSzPts val="2100"/>
+              <a:buFont typeface="+mj-lt"/>
+              <a:buAutoNum type="arabicPeriod"/>
+            </a:pPr>
+            <a:r>
+              <a:rPr lang="en-US" sz="3200" dirty="0">
+                <a:solidFill>
+                  <a:srgbClr val="C00000"/>
+                </a:solidFill>
+                <a:latin typeface="Pragmatica" panose="020B0403040502020204"/>
+                <a:sym typeface="Consolas"/>
+              </a:rPr>
+              <a:t>Convert the </a:t>
+            </a:r>
+            <a:r>
+              <a:rPr lang="en-US" sz="3200" i="1" dirty="0">
+                <a:solidFill>
+                  <a:srgbClr val="C00000"/>
+                </a:solidFill>
+                <a:latin typeface="Pragmatica" panose="020B0403040502020204"/>
+                <a:sym typeface="Consolas"/>
+              </a:rPr>
+              <a:t>zip </a:t>
+            </a:r>
+            <a:r>
+              <a:rPr lang="en-US" sz="3200" dirty="0">
+                <a:solidFill>
+                  <a:srgbClr val="C00000"/>
+                </a:solidFill>
+                <a:latin typeface="Pragmatica" panose="020B0403040502020204"/>
+                <a:sym typeface="Consolas"/>
+              </a:rPr>
+              <a:t>variable to the Text data type, and update both </a:t>
+            </a:r>
+            <a:r>
+              <a:rPr lang="en-US" sz="3200" i="1" dirty="0">
+                <a:solidFill>
+                  <a:srgbClr val="C00000"/>
+                </a:solidFill>
+                <a:latin typeface="Pragmatica" panose="020B0403040502020204"/>
+                <a:sym typeface="Consolas"/>
+              </a:rPr>
+              <a:t>cost </a:t>
+            </a:r>
+            <a:r>
+              <a:rPr lang="en-US" sz="3200" dirty="0">
+                <a:solidFill>
+                  <a:srgbClr val="C00000"/>
+                </a:solidFill>
+                <a:latin typeface="Pragmatica" panose="020B0403040502020204"/>
+                <a:sym typeface="Consolas"/>
+              </a:rPr>
+              <a:t>and </a:t>
+            </a:r>
+            <a:r>
+              <a:rPr lang="en-US" sz="3200" i="1" dirty="0">
+                <a:solidFill>
+                  <a:srgbClr val="C00000"/>
+                </a:solidFill>
+                <a:latin typeface="Pragmatica" panose="020B0403040502020204"/>
+                <a:sym typeface="Consolas"/>
+              </a:rPr>
+              <a:t>tax </a:t>
+            </a:r>
+            <a:r>
+              <a:rPr lang="en-US" sz="3200" dirty="0">
+                <a:solidFill>
+                  <a:srgbClr val="C00000"/>
+                </a:solidFill>
+                <a:latin typeface="Pragmatica" panose="020B0403040502020204"/>
+                <a:sym typeface="Consolas"/>
+              </a:rPr>
+              <a:t>columns to Currency. </a:t>
+            </a:r>
+          </a:p>
+          <a:p>
+            <a:pPr marL="657225" indent="-514350">
+              <a:lnSpc>
+                <a:spcPct val="115000"/>
+              </a:lnSpc>
+              <a:spcBef>
+                <a:spcPts val="1125"/>
+              </a:spcBef>
+              <a:buClr>
+                <a:srgbClr val="C00000"/>
+              </a:buClr>
+              <a:buSzPts val="2100"/>
+              <a:buFont typeface="+mj-lt"/>
+              <a:buAutoNum type="arabicPeriod"/>
+            </a:pPr>
+            <a:r>
+              <a:rPr lang="en-US" sz="3200" dirty="0">
+                <a:solidFill>
+                  <a:srgbClr val="C00000"/>
+                </a:solidFill>
+                <a:latin typeface="Pragmatica" panose="020B0403040502020204"/>
+                <a:sym typeface="Consolas"/>
+              </a:rPr>
+              <a:t>Load the results to a table.</a:t>
             </a:r>
           </a:p>
           <a:p>
@@ -6957,7 +7442,7 @@
               <a:buSzPts val="2100"/>
             </a:pPr>
             <a:r>
-              <a:rPr lang="en-US" sz="3600" dirty="0">
+              <a:rPr lang="en-US" sz="3200" dirty="0">
                 <a:solidFill>
                   <a:srgbClr val="C00000"/>
                 </a:solidFill>
@@ -6967,16 +7452,16 @@
               <a:t>File: </a:t>
             </a:r>
             <a:r>
-              <a:rPr lang="en-US" sz="3600" dirty="0">
+              <a:rPr lang="en-US" sz="3200" dirty="0">
                 <a:solidFill>
                   <a:srgbClr val="C00000"/>
                 </a:solidFill>
                 <a:latin typeface="Consolas" panose="020B0609020204030204" pitchFamily="49" charset="0"/>
                 <a:sym typeface="Consolas"/>
               </a:rPr>
-              <a:t>n/a</a:t>
-            </a:r>
-            <a:endParaRPr lang="en-US" sz="6000" dirty="0">
+              <a:t>ch_04_exercises.xlsx</a:t>
+            </a:r>
+            <a:endParaRPr lang="en-US" sz="5400" dirty="0">
               <a:solidFill>
                 <a:srgbClr val="CF3338"/>
               </a:solidFill>
@@ -6996,7 +7481,7 @@
     </p:spTree>
     <p:extLst>
       <p:ext uri="{BB962C8B-B14F-4D97-AF65-F5344CB8AC3E}">
-        <p14:creationId xmlns:p14="http://schemas.microsoft.com/office/powerpoint/2010/main" val="3241373308"/>
+        <p14:creationId xmlns:p14="http://schemas.microsoft.com/office/powerpoint/2010/main" val="4130662807"/>
       </p:ext>
     </p:extLst>
   </p:cSld>
@@ -7006,7 +7491,7 @@
 </p:sld>
 </file>
 
-<file path=ppt/slides/slide6.xml><?xml version="1.0" encoding="utf-8"?>
+<file path=ppt/slides/slide5.xml><?xml version="1.0" encoding="utf-8"?>
 <p:sld xmlns:a="http://schemas.openxmlformats.org/drawingml/2006/main" xmlns:r="http://schemas.openxmlformats.org/officeDocument/2006/relationships" xmlns:p="http://schemas.openxmlformats.org/presentationml/2006/main">
   <p:cSld>
     <p:spTree>
@@ -7107,7 +7592,7 @@
         <p:spPr>
           <a:xfrm>
             <a:off x="260430" y="329879"/>
-            <a:ext cx="13684170" cy="10719345"/>
+            <a:ext cx="13684170" cy="9995044"/>
           </a:xfrm>
           <a:prstGeom prst="rect">
             <a:avLst/>
@@ -7127,7 +7612,7 @@
                 </a:solidFill>
                 <a:latin typeface="Pragmatica" panose="020B0403040502020204" pitchFamily="34" charset="0"/>
               </a:rPr>
-              <a:t>Creating Relational Models in Power Pivot</a:t>
+              <a:t>Appending and merging in Power Query Exercises </a:t>
             </a:r>
             <a:endParaRPr lang="en-US" sz="4000" b="1" dirty="0">
               <a:solidFill>
@@ -7160,14 +7645,74 @@
               <a:buAutoNum type="arabicPeriod"/>
             </a:pPr>
             <a:r>
-              <a:rPr lang="en-US" sz="3200" dirty="0">
-                <a:solidFill>
-                  <a:srgbClr val="C00000"/>
-                </a:solidFill>
-                <a:latin typeface="Pragmatica" panose="020B0403040502020204"/>
-                <a:sym typeface="Consolas"/>
-              </a:rPr>
-              <a:t>Load the tables into Power Pivot via Power Query and establish relationships in the Power Pivot Data Model. </a:t>
+              <a:rPr lang="en-US" sz="3600" dirty="0">
+                <a:solidFill>
+                  <a:srgbClr val="C00000"/>
+                </a:solidFill>
+                <a:latin typeface="Pragmatica" panose="020B0403040502020204"/>
+                <a:sym typeface="Consolas"/>
+              </a:rPr>
+              <a:t>Append the </a:t>
+            </a:r>
+            <a:r>
+              <a:rPr lang="en-US" sz="3600" i="1" dirty="0">
+                <a:solidFill>
+                  <a:srgbClr val="C00000"/>
+                </a:solidFill>
+                <a:latin typeface="Pragmatica" panose="020B0403040502020204"/>
+                <a:sym typeface="Consolas"/>
+              </a:rPr>
+              <a:t>ewr-flights.csv</a:t>
+            </a:r>
+            <a:r>
+              <a:rPr lang="en-US" sz="3600" dirty="0">
+                <a:solidFill>
+                  <a:srgbClr val="C00000"/>
+                </a:solidFill>
+                <a:latin typeface="Pragmatica" panose="020B0403040502020204"/>
+                <a:sym typeface="Consolas"/>
+              </a:rPr>
+              <a:t>, </a:t>
+            </a:r>
+            <a:r>
+              <a:rPr lang="en-US" sz="3600" i="1" dirty="0">
+                <a:solidFill>
+                  <a:srgbClr val="C00000"/>
+                </a:solidFill>
+                <a:latin typeface="Pragmatica" panose="020B0403040502020204"/>
+                <a:sym typeface="Consolas"/>
+              </a:rPr>
+              <a:t>jfk-flights.csv</a:t>
+            </a:r>
+            <a:r>
+              <a:rPr lang="en-US" sz="3600" dirty="0">
+                <a:solidFill>
+                  <a:srgbClr val="C00000"/>
+                </a:solidFill>
+                <a:latin typeface="Pragmatica" panose="020B0403040502020204"/>
+                <a:sym typeface="Consolas"/>
+              </a:rPr>
+              <a:t>, and </a:t>
+            </a:r>
+            <a:r>
+              <a:rPr lang="en-US" sz="3600" i="1" dirty="0">
+                <a:solidFill>
+                  <a:srgbClr val="C00000"/>
+                </a:solidFill>
+                <a:latin typeface="Pragmatica" panose="020B0403040502020204"/>
+                <a:sym typeface="Consolas"/>
+              </a:rPr>
+              <a:t>lga-flights.csv </a:t>
+            </a:r>
+            <a:r>
+              <a:rPr lang="en-US" sz="3600" dirty="0">
+                <a:solidFill>
+                  <a:srgbClr val="C00000"/>
+                </a:solidFill>
+                <a:latin typeface="Pragmatica" panose="020B0403040502020204"/>
+                <a:sym typeface="Consolas"/>
+              </a:rPr>
+              <a:t>files, consisting of the flight records from Newark Liberty, John F. Kennedy, and LaGuardia airports, respectively. Name this query flights. (Hint: Select “Three or more tables” from the Append menu in Power Query to expedite this process.) </a:t>
             </a:r>
           </a:p>
           <a:p>
@@ -7185,77 +7730,47 @@
               <a:buAutoNum type="arabicPeriod"/>
             </a:pPr>
             <a:r>
-              <a:rPr lang="en-US" sz="3200" dirty="0">
-                <a:solidFill>
-                  <a:srgbClr val="C00000"/>
-                </a:solidFill>
-                <a:latin typeface="Pragmatica" panose="020B0403040502020204"/>
-                <a:sym typeface="Consolas"/>
-              </a:rPr>
-              <a:t>Identify fact and dimension tables in the Data Model and organize the model in Diagram View accordingly. </a:t>
-            </a:r>
-          </a:p>
-          <a:p>
-            <a:pPr marL="885825" indent="-742950">
-              <a:lnSpc>
-                <a:spcPct val="115000"/>
-              </a:lnSpc>
-              <a:spcBef>
-                <a:spcPts val="1125"/>
-              </a:spcBef>
-              <a:buClr>
-                <a:srgbClr val="C00000"/>
-              </a:buClr>
-              <a:buSzPts val="2100"/>
-              <a:buAutoNum type="arabicPeriod"/>
-            </a:pPr>
-            <a:r>
-              <a:rPr lang="en-US" sz="3200" dirty="0">
-                <a:solidFill>
-                  <a:srgbClr val="C00000"/>
-                </a:solidFill>
-                <a:latin typeface="Pragmatica" panose="020B0403040502020204"/>
-                <a:sym typeface="Consolas"/>
-              </a:rPr>
-              <a:t>What is the cardinality of the relationships between these tables?</a:t>
-            </a:r>
-          </a:p>
-          <a:p>
-            <a:pPr marL="885825" indent="-742950">
-              <a:lnSpc>
-                <a:spcPct val="115000"/>
-              </a:lnSpc>
-              <a:spcBef>
-                <a:spcPts val="1125"/>
-              </a:spcBef>
-              <a:buClr>
-                <a:srgbClr val="C00000"/>
-              </a:buClr>
-              <a:buSzPts val="2100"/>
-              <a:buAutoNum type="arabicPeriod"/>
-            </a:pPr>
-            <a:r>
-              <a:rPr lang="en-US" sz="3200" dirty="0">
-                <a:solidFill>
-                  <a:srgbClr val="C00000"/>
-                </a:solidFill>
-                <a:latin typeface="Pragmatica" panose="020B0403040502020204"/>
-                <a:sym typeface="Consolas"/>
-              </a:rPr>
-              <a:t>Use the SWITCH() function to generate an </a:t>
-            </a:r>
-            <a:r>
-              <a:rPr lang="en-US" sz="3200" i="1" dirty="0" err="1">
-                <a:solidFill>
-                  <a:srgbClr val="C00000"/>
-                </a:solidFill>
-                <a:latin typeface="Pragmatica" panose="020B0403040502020204"/>
-                <a:sym typeface="Consolas"/>
-              </a:rPr>
-              <a:t>is_player</a:t>
-            </a:r>
-            <a:r>
-              <a:rPr lang="en-US" sz="3200" i="1" dirty="0">
+              <a:rPr lang="en-US" sz="3600" dirty="0">
+                <a:solidFill>
+                  <a:srgbClr val="C00000"/>
+                </a:solidFill>
+                <a:latin typeface="Pragmatica" panose="020B0403040502020204"/>
+                <a:sym typeface="Consolas"/>
+              </a:rPr>
+              <a:t>Merge this query with </a:t>
+            </a:r>
+            <a:r>
+              <a:rPr lang="en-US" sz="3600" i="1" dirty="0">
+                <a:solidFill>
+                  <a:srgbClr val="C00000"/>
+                </a:solidFill>
+                <a:latin typeface="Pragmatica" panose="020B0403040502020204"/>
+                <a:sym typeface="Consolas"/>
+              </a:rPr>
+              <a:t>planes.xlsx </a:t>
+            </a:r>
+            <a:r>
+              <a:rPr lang="en-US" sz="3600" dirty="0">
+                <a:solidFill>
+                  <a:srgbClr val="C00000"/>
+                </a:solidFill>
+                <a:latin typeface="Pragmatica" panose="020B0403040502020204"/>
+                <a:sym typeface="Consolas"/>
+              </a:rPr>
+              <a:t>using a left outer join, and then an inner join. Call the queries </a:t>
+            </a:r>
+            <a:r>
+              <a:rPr lang="en-US" sz="3600" i="1" dirty="0" err="1">
+                <a:solidFill>
+                  <a:srgbClr val="C00000"/>
+                </a:solidFill>
+                <a:latin typeface="Pragmatica" panose="020B0403040502020204"/>
+                <a:sym typeface="Consolas"/>
+              </a:rPr>
+              <a:t>flights_left</a:t>
+            </a:r>
+            <a:r>
+              <a:rPr lang="en-US" sz="3600" i="1" dirty="0">
                 <a:solidFill>
                   <a:srgbClr val="C00000"/>
                 </a:solidFill>
@@ -7265,244 +7780,54 @@
               <a:t> </a:t>
             </a:r>
             <a:r>
-              <a:rPr lang="en-US" sz="3200" dirty="0">
-                <a:solidFill>
-                  <a:srgbClr val="C00000"/>
-                </a:solidFill>
-                <a:latin typeface="Pragmatica" panose="020B0403040502020204"/>
-                <a:sym typeface="Consolas"/>
-              </a:rPr>
-              <a:t>column in the </a:t>
-            </a:r>
-            <a:r>
-              <a:rPr lang="en-US" sz="3200" i="1" dirty="0" err="1">
-                <a:solidFill>
-                  <a:srgbClr val="C00000"/>
-                </a:solidFill>
-                <a:latin typeface="Pragmatica" panose="020B0403040502020204"/>
-                <a:sym typeface="Consolas"/>
-              </a:rPr>
-              <a:t>hof</a:t>
-            </a:r>
-            <a:r>
-              <a:rPr lang="en-US" sz="3200" i="1" dirty="0">
-                <a:solidFill>
-                  <a:srgbClr val="C00000"/>
-                </a:solidFill>
-                <a:latin typeface="Pragmatica" panose="020B0403040502020204"/>
-                <a:sym typeface="Consolas"/>
-              </a:rPr>
-              <a:t> </a:t>
-            </a:r>
-            <a:r>
-              <a:rPr lang="en-US" sz="3200" dirty="0">
-                <a:solidFill>
-                  <a:srgbClr val="C00000"/>
-                </a:solidFill>
-                <a:latin typeface="Pragmatica" panose="020B0403040502020204"/>
-                <a:sym typeface="Consolas"/>
-              </a:rPr>
-              <a:t>table. Assign Yes if the category column indicates </a:t>
-            </a:r>
-            <a:r>
-              <a:rPr lang="en-US" sz="3200" i="1" dirty="0">
-                <a:solidFill>
-                  <a:srgbClr val="C00000"/>
-                </a:solidFill>
-                <a:latin typeface="Pragmatica" panose="020B0403040502020204"/>
-                <a:sym typeface="Consolas"/>
-              </a:rPr>
-              <a:t>Player</a:t>
-            </a:r>
-            <a:r>
-              <a:rPr lang="en-US" sz="3200" dirty="0">
-                <a:solidFill>
-                  <a:srgbClr val="C00000"/>
-                </a:solidFill>
-                <a:latin typeface="Pragmatica" panose="020B0403040502020204"/>
-                <a:sym typeface="Consolas"/>
-              </a:rPr>
-              <a:t>, otherwise assign No. </a:t>
-            </a:r>
-          </a:p>
-          <a:p>
-            <a:pPr marL="885825" indent="-742950">
-              <a:lnSpc>
-                <a:spcPct val="115000"/>
-              </a:lnSpc>
-              <a:spcBef>
-                <a:spcPts val="1125"/>
-              </a:spcBef>
-              <a:buClr>
-                <a:srgbClr val="C00000"/>
-              </a:buClr>
-              <a:buSzPts val="2100"/>
-              <a:buAutoNum type="arabicPeriod"/>
-            </a:pPr>
-            <a:r>
-              <a:rPr lang="en-US" sz="3200" dirty="0">
-                <a:solidFill>
-                  <a:srgbClr val="C00000"/>
-                </a:solidFill>
-                <a:latin typeface="Pragmatica" panose="020B0403040502020204"/>
-                <a:sym typeface="Consolas"/>
-              </a:rPr>
-              <a:t>Create a hierarchy among the </a:t>
-            </a:r>
-            <a:r>
-              <a:rPr lang="en-US" sz="3200" i="1" dirty="0" err="1">
-                <a:solidFill>
-                  <a:srgbClr val="C00000"/>
-                </a:solidFill>
-                <a:latin typeface="Pragmatica" panose="020B0403040502020204"/>
-                <a:sym typeface="Consolas"/>
-              </a:rPr>
-              <a:t>birthCountry</a:t>
-            </a:r>
-            <a:r>
-              <a:rPr lang="en-US" sz="3200" dirty="0">
-                <a:solidFill>
-                  <a:srgbClr val="C00000"/>
-                </a:solidFill>
-                <a:latin typeface="Pragmatica" panose="020B0403040502020204"/>
-                <a:sym typeface="Consolas"/>
-              </a:rPr>
-              <a:t>, </a:t>
-            </a:r>
-            <a:r>
-              <a:rPr lang="en-US" sz="3200" i="1" dirty="0" err="1">
-                <a:solidFill>
-                  <a:srgbClr val="C00000"/>
-                </a:solidFill>
-                <a:latin typeface="Pragmatica" panose="020B0403040502020204"/>
-                <a:sym typeface="Consolas"/>
-              </a:rPr>
-              <a:t>birthState</a:t>
-            </a:r>
-            <a:r>
-              <a:rPr lang="en-US" sz="3200" dirty="0">
-                <a:solidFill>
-                  <a:srgbClr val="C00000"/>
-                </a:solidFill>
-                <a:latin typeface="Pragmatica" panose="020B0403040502020204"/>
-                <a:sym typeface="Consolas"/>
-              </a:rPr>
-              <a:t>, and </a:t>
-            </a:r>
-            <a:r>
-              <a:rPr lang="en-US" sz="3200" i="1" dirty="0" err="1">
-                <a:solidFill>
-                  <a:srgbClr val="C00000"/>
-                </a:solidFill>
-                <a:latin typeface="Pragmatica" panose="020B0403040502020204"/>
-                <a:sym typeface="Consolas"/>
-              </a:rPr>
-              <a:t>birthCity</a:t>
-            </a:r>
-            <a:r>
-              <a:rPr lang="en-US" sz="3200" i="1" dirty="0">
-                <a:solidFill>
-                  <a:srgbClr val="C00000"/>
-                </a:solidFill>
-                <a:latin typeface="Pragmatica" panose="020B0403040502020204"/>
-                <a:sym typeface="Consolas"/>
-              </a:rPr>
-              <a:t> </a:t>
-            </a:r>
-            <a:r>
-              <a:rPr lang="en-US" sz="3200" dirty="0">
-                <a:solidFill>
-                  <a:srgbClr val="C00000"/>
-                </a:solidFill>
-                <a:latin typeface="Pragmatica" panose="020B0403040502020204"/>
-                <a:sym typeface="Consolas"/>
-              </a:rPr>
-              <a:t>fields in the people table. </a:t>
-            </a:r>
-          </a:p>
-          <a:p>
-            <a:pPr marL="885825" indent="-742950">
-              <a:lnSpc>
-                <a:spcPct val="115000"/>
-              </a:lnSpc>
-              <a:spcBef>
-                <a:spcPts val="1125"/>
-              </a:spcBef>
-              <a:buClr>
-                <a:srgbClr val="C00000"/>
-              </a:buClr>
-              <a:buSzPts val="2100"/>
-              <a:buAutoNum type="arabicPeriod"/>
-            </a:pPr>
-            <a:r>
-              <a:rPr lang="en-US" sz="3200" dirty="0">
-                <a:solidFill>
-                  <a:srgbClr val="C00000"/>
-                </a:solidFill>
-                <a:latin typeface="Pragmatica" panose="020B0403040502020204"/>
-                <a:sym typeface="Consolas"/>
-              </a:rPr>
-              <a:t>Load the Data Model results into an Excel PivotTable. Count the number of players. You can do this by totaling the number of </a:t>
-            </a:r>
-            <a:r>
-              <a:rPr lang="en-US" sz="3200" i="1" dirty="0" err="1">
-                <a:solidFill>
-                  <a:srgbClr val="C00000"/>
-                </a:solidFill>
-                <a:latin typeface="Pragmatica" panose="020B0403040502020204"/>
-                <a:sym typeface="Consolas"/>
-              </a:rPr>
-              <a:t>playerIDs</a:t>
-            </a:r>
-            <a:r>
-              <a:rPr lang="en-US" sz="3200" i="1" dirty="0">
-                <a:solidFill>
-                  <a:srgbClr val="C00000"/>
-                </a:solidFill>
-                <a:latin typeface="Pragmatica" panose="020B0403040502020204"/>
-                <a:sym typeface="Consolas"/>
-              </a:rPr>
-              <a:t> </a:t>
-            </a:r>
-            <a:r>
-              <a:rPr lang="en-US" sz="3200" dirty="0">
-                <a:solidFill>
-                  <a:srgbClr val="C00000"/>
-                </a:solidFill>
-                <a:latin typeface="Pragmatica" panose="020B0403040502020204"/>
-                <a:sym typeface="Consolas"/>
-              </a:rPr>
-              <a:t>that have Yes in the </a:t>
-            </a:r>
-            <a:r>
-              <a:rPr lang="en-US" sz="3200" i="1" dirty="0" err="1">
-                <a:solidFill>
-                  <a:srgbClr val="C00000"/>
-                </a:solidFill>
-                <a:latin typeface="Pragmatica" panose="020B0403040502020204"/>
-                <a:sym typeface="Consolas"/>
-              </a:rPr>
-              <a:t>is_player</a:t>
-            </a:r>
-            <a:r>
-              <a:rPr lang="en-US" sz="3200" i="1" dirty="0">
-                <a:solidFill>
-                  <a:srgbClr val="C00000"/>
-                </a:solidFill>
-                <a:latin typeface="Pragmatica" panose="020B0403040502020204"/>
-                <a:sym typeface="Consolas"/>
-              </a:rPr>
-              <a:t> </a:t>
-            </a:r>
-            <a:r>
-              <a:rPr lang="en-US" sz="3200" dirty="0">
-                <a:solidFill>
-                  <a:srgbClr val="C00000"/>
-                </a:solidFill>
-                <a:latin typeface="Pragmatica" panose="020B0403040502020204"/>
-                <a:sym typeface="Consolas"/>
-              </a:rPr>
-              <a:t>column</a:t>
+              <a:rPr lang="en-US" sz="3600" dirty="0">
+                <a:solidFill>
+                  <a:srgbClr val="C00000"/>
+                </a:solidFill>
+                <a:latin typeface="Pragmatica" panose="020B0403040502020204"/>
+                <a:sym typeface="Consolas"/>
+              </a:rPr>
+              <a:t>and </a:t>
+            </a:r>
+            <a:r>
+              <a:rPr lang="en-US" sz="3600" i="1" dirty="0" err="1">
+                <a:solidFill>
+                  <a:srgbClr val="C00000"/>
+                </a:solidFill>
+                <a:latin typeface="Pragmatica" panose="020B0403040502020204"/>
+                <a:sym typeface="Consolas"/>
+              </a:rPr>
+              <a:t>flights_inner</a:t>
+            </a:r>
+            <a:r>
+              <a:rPr lang="en-US" sz="3600" dirty="0">
+                <a:solidFill>
+                  <a:srgbClr val="C00000"/>
+                </a:solidFill>
+                <a:latin typeface="Pragmatica" panose="020B0403040502020204"/>
+                <a:sym typeface="Consolas"/>
+              </a:rPr>
+              <a:t>, respectively. How many records are returned for each? (Hint: Merge the tables based on </a:t>
+            </a:r>
+            <a:r>
+              <a:rPr lang="en-US" sz="3600" i="1" dirty="0" err="1">
+                <a:solidFill>
+                  <a:srgbClr val="C00000"/>
+                </a:solidFill>
+                <a:latin typeface="Pragmatica" panose="020B0403040502020204"/>
+                <a:sym typeface="Consolas"/>
+              </a:rPr>
+              <a:t>tailnum</a:t>
+            </a:r>
+            <a:r>
+              <a:rPr lang="en-US" sz="3600" dirty="0">
+                <a:solidFill>
+                  <a:srgbClr val="C00000"/>
+                </a:solidFill>
+                <a:latin typeface="Pragmatica" panose="020B0403040502020204"/>
+                <a:sym typeface="Consolas"/>
+              </a:rPr>
+              <a:t>).</a:t>
             </a:r>
           </a:p>
           <a:p>
@@ -7519,7 +7844,7 @@
               <a:buSzPts val="2100"/>
             </a:pPr>
             <a:r>
-              <a:rPr lang="en-US" sz="3200" dirty="0">
+              <a:rPr lang="en-US" sz="3600" dirty="0">
                 <a:solidFill>
                   <a:srgbClr val="C00000"/>
                 </a:solidFill>
@@ -7529,16 +7854,16 @@
               <a:t>File: </a:t>
             </a:r>
             <a:r>
-              <a:rPr lang="en-US" sz="3200" dirty="0">
+              <a:rPr lang="en-US" sz="3600" dirty="0">
                 <a:solidFill>
                   <a:srgbClr val="C00000"/>
                 </a:solidFill>
                 <a:latin typeface="Consolas" panose="020B0609020204030204" pitchFamily="49" charset="0"/>
                 <a:sym typeface="Consolas"/>
               </a:rPr>
-              <a:t>ch_07_exercises.xlsx</a:t>
-            </a:r>
-            <a:endParaRPr lang="en-US" sz="5400" dirty="0">
+              <a:t>ch_05_exercises.xlsx</a:t>
+            </a:r>
+            <a:endParaRPr lang="en-US" sz="6000" dirty="0">
               <a:solidFill>
                 <a:srgbClr val="CF3338"/>
               </a:solidFill>
@@ -7546,7 +7871,7 @@
             </a:endParaRPr>
           </a:p>
           <a:p>
-            <a:endParaRPr lang="en-US" sz="4800" dirty="0">
+            <a:endParaRPr lang="en-US" sz="5400" dirty="0">
               <a:solidFill>
                 <a:srgbClr val="CF3338"/>
               </a:solidFill>
@@ -7558,7 +7883,7 @@
     </p:spTree>
     <p:extLst>
       <p:ext uri="{BB962C8B-B14F-4D97-AF65-F5344CB8AC3E}">
-        <p14:creationId xmlns:p14="http://schemas.microsoft.com/office/powerpoint/2010/main" val="2118286379"/>
+        <p14:creationId xmlns:p14="http://schemas.microsoft.com/office/powerpoint/2010/main" val="3621463409"/>
       </p:ext>
     </p:extLst>
   </p:cSld>
@@ -7568,7 +7893,7 @@
 </p:sld>
 </file>
 
-<file path=ppt/slides/slide7.xml><?xml version="1.0" encoding="utf-8"?>
+<file path=ppt/slides/slide6.xml><?xml version="1.0" encoding="utf-8"?>
 <p:sld xmlns:a="http://schemas.openxmlformats.org/drawingml/2006/main" xmlns:r="http://schemas.openxmlformats.org/officeDocument/2006/relationships" xmlns:p="http://schemas.openxmlformats.org/presentationml/2006/main">
   <p:cSld>
     <p:spTree>
@@ -7669,7 +7994,7 @@
         <p:spPr>
           <a:xfrm>
             <a:off x="260430" y="329879"/>
-            <a:ext cx="13684170" cy="9856544"/>
+            <a:ext cx="13684170" cy="10224337"/>
           </a:xfrm>
           <a:prstGeom prst="rect">
             <a:avLst/>
@@ -7689,7 +8014,7 @@
                 </a:solidFill>
                 <a:latin typeface="Pragmatica" panose="020B0403040502020204" pitchFamily="34" charset="0"/>
               </a:rPr>
-              <a:t>Creating Measures and KPIs in Power Pivot</a:t>
+              <a:t>First Steps in Power Pivot Exercises</a:t>
             </a:r>
             <a:endParaRPr lang="en-US" sz="4000" b="1" dirty="0">
               <a:solidFill>
@@ -7722,54 +8047,14 @@
               <a:buAutoNum type="arabicPeriod"/>
             </a:pPr>
             <a:r>
-              <a:rPr lang="en-US" sz="2400" dirty="0">
-                <a:solidFill>
-                  <a:srgbClr val="C00000"/>
-                </a:solidFill>
-                <a:latin typeface="Pragmatica" panose="020B0403040502020204"/>
-                <a:sym typeface="Consolas"/>
-              </a:rPr>
-              <a:t>Create a PivotTable to present the total number of home runs (</a:t>
-            </a:r>
-            <a:r>
-              <a:rPr lang="en-US" sz="2400" i="1" dirty="0">
-                <a:solidFill>
-                  <a:srgbClr val="C00000"/>
-                </a:solidFill>
-                <a:latin typeface="Pragmatica" panose="020B0403040502020204"/>
-                <a:sym typeface="Consolas"/>
-              </a:rPr>
-              <a:t>HR</a:t>
-            </a:r>
-            <a:r>
-              <a:rPr lang="en-US" sz="2400" dirty="0">
-                <a:solidFill>
-                  <a:srgbClr val="C00000"/>
-                </a:solidFill>
-                <a:latin typeface="Pragmatica" panose="020B0403040502020204"/>
-                <a:sym typeface="Consolas"/>
-              </a:rPr>
-              <a:t>) by birth state (</a:t>
-            </a:r>
-            <a:r>
-              <a:rPr lang="en-US" sz="2400" i="1" dirty="0" err="1">
-                <a:solidFill>
-                  <a:srgbClr val="C00000"/>
-                </a:solidFill>
-                <a:latin typeface="Pragmatica" panose="020B0403040502020204"/>
-                <a:sym typeface="Consolas"/>
-              </a:rPr>
-              <a:t>birthState</a:t>
-            </a:r>
-            <a:r>
-              <a:rPr lang="en-US" sz="2400" dirty="0">
-                <a:solidFill>
-                  <a:srgbClr val="C00000"/>
-                </a:solidFill>
-                <a:latin typeface="Pragmatica" panose="020B0403040502020204"/>
-                <a:sym typeface="Consolas"/>
-              </a:rPr>
-              <a:t>) using an implicit measure. </a:t>
+              <a:rPr lang="en-US" sz="3600" dirty="0">
+                <a:solidFill>
+                  <a:srgbClr val="C00000"/>
+                </a:solidFill>
+                <a:latin typeface="Pragmatica" panose="020B0403040502020204"/>
+                <a:sym typeface="Consolas"/>
+              </a:rPr>
+              <a:t>What is the purpose of the Power Pivot add-in, and what can it enable you to do? </a:t>
             </a:r>
           </a:p>
           <a:p>
@@ -7787,44 +8072,14 @@
               <a:buAutoNum type="arabicPeriod"/>
             </a:pPr>
             <a:r>
-              <a:rPr lang="en-US" sz="2400" dirty="0">
-                <a:solidFill>
-                  <a:srgbClr val="C00000"/>
-                </a:solidFill>
-                <a:latin typeface="Pragmatica" panose="020B0403040502020204"/>
-                <a:sym typeface="Consolas"/>
-              </a:rPr>
-              <a:t>Remove the implicit measure created in step 1 and establish a new explicit measure named </a:t>
-            </a:r>
-            <a:r>
-              <a:rPr lang="en-US" sz="2400" i="1" dirty="0" err="1">
-                <a:solidFill>
-                  <a:srgbClr val="C00000"/>
-                </a:solidFill>
-                <a:latin typeface="Pragmatica" panose="020B0403040502020204"/>
-                <a:sym typeface="Consolas"/>
-              </a:rPr>
-              <a:t>hr_total</a:t>
-            </a:r>
-            <a:r>
-              <a:rPr lang="en-US" sz="2400" i="1" dirty="0">
-                <a:solidFill>
-                  <a:srgbClr val="C00000"/>
-                </a:solidFill>
-                <a:latin typeface="Pragmatica" panose="020B0403040502020204"/>
-                <a:sym typeface="Consolas"/>
-              </a:rPr>
-              <a:t> </a:t>
-            </a:r>
-            <a:r>
-              <a:rPr lang="en-US" sz="2400" dirty="0">
-                <a:solidFill>
-                  <a:srgbClr val="C00000"/>
-                </a:solidFill>
-                <a:latin typeface="Pragmatica" panose="020B0403040502020204"/>
-                <a:sym typeface="Consolas"/>
-              </a:rPr>
-              <a:t>that computes the sum of home runs, formatted as a whole number in thousands. Add this measure to the PivotTable. </a:t>
+              <a:rPr lang="en-US" sz="3600" dirty="0">
+                <a:solidFill>
+                  <a:srgbClr val="C00000"/>
+                </a:solidFill>
+                <a:latin typeface="Pragmatica" panose="020B0403040502020204"/>
+                <a:sym typeface="Consolas"/>
+              </a:rPr>
+              <a:t>Explain the role of the Data Model in Power Pivot and its significance in data analysis.</a:t>
             </a:r>
           </a:p>
           <a:p>
@@ -7842,84 +8097,14 @@
               <a:buAutoNum type="arabicPeriod"/>
             </a:pPr>
             <a:r>
-              <a:rPr lang="en-US" sz="2400" dirty="0">
-                <a:solidFill>
-                  <a:srgbClr val="C00000"/>
-                </a:solidFill>
-                <a:latin typeface="Pragmatica" panose="020B0403040502020204"/>
-                <a:sym typeface="Consolas"/>
-              </a:rPr>
-              <a:t>Generate another explicit measure named </a:t>
-            </a:r>
-            <a:r>
-              <a:rPr lang="en-US" sz="2400" i="1" dirty="0" err="1">
-                <a:solidFill>
-                  <a:srgbClr val="C00000"/>
-                </a:solidFill>
-                <a:latin typeface="Pragmatica" panose="020B0403040502020204"/>
-                <a:sym typeface="Consolas"/>
-              </a:rPr>
-              <a:t>hr_pct</a:t>
-            </a:r>
-            <a:r>
-              <a:rPr lang="en-US" sz="2400" i="1" dirty="0">
-                <a:solidFill>
-                  <a:srgbClr val="C00000"/>
-                </a:solidFill>
-                <a:latin typeface="Pragmatica" panose="020B0403040502020204"/>
-                <a:sym typeface="Consolas"/>
-              </a:rPr>
-              <a:t> </a:t>
-            </a:r>
-            <a:r>
-              <a:rPr lang="en-US" sz="2400" dirty="0">
-                <a:solidFill>
-                  <a:srgbClr val="C00000"/>
-                </a:solidFill>
-                <a:latin typeface="Pragmatica" panose="020B0403040502020204"/>
-                <a:sym typeface="Consolas"/>
-              </a:rPr>
-              <a:t>that calculates the percentage of total home runs (</a:t>
-            </a:r>
-            <a:r>
-              <a:rPr lang="en-US" sz="2400" i="1" dirty="0">
-                <a:solidFill>
-                  <a:srgbClr val="C00000"/>
-                </a:solidFill>
-                <a:latin typeface="Pragmatica" panose="020B0403040502020204"/>
-                <a:sym typeface="Consolas"/>
-              </a:rPr>
-              <a:t>HR</a:t>
-            </a:r>
-            <a:r>
-              <a:rPr lang="en-US" sz="2400" dirty="0">
-                <a:solidFill>
-                  <a:srgbClr val="C00000"/>
-                </a:solidFill>
-                <a:latin typeface="Pragmatica" panose="020B0403040502020204"/>
-                <a:sym typeface="Consolas"/>
-              </a:rPr>
-              <a:t>) out of total at bats (</a:t>
-            </a:r>
-            <a:r>
-              <a:rPr lang="en-US" sz="2400" i="1" dirty="0">
-                <a:solidFill>
-                  <a:srgbClr val="C00000"/>
-                </a:solidFill>
-                <a:latin typeface="Pragmatica" panose="020B0403040502020204"/>
-                <a:sym typeface="Consolas"/>
-              </a:rPr>
-              <a:t>AB</a:t>
-            </a:r>
-            <a:r>
-              <a:rPr lang="en-US" sz="2400" dirty="0">
-                <a:solidFill>
-                  <a:srgbClr val="C00000"/>
-                </a:solidFill>
-                <a:latin typeface="Pragmatica" panose="020B0403040502020204"/>
-                <a:sym typeface="Consolas"/>
-              </a:rPr>
-              <a:t>) from the batting table. Format the result as a percentage. Feel free to create an additional total at bats measure to assist with this. </a:t>
+              <a:rPr lang="en-US" sz="3600" dirty="0">
+                <a:solidFill>
+                  <a:srgbClr val="C00000"/>
+                </a:solidFill>
+                <a:latin typeface="Pragmatica" panose="020B0403040502020204"/>
+                <a:sym typeface="Consolas"/>
+              </a:rPr>
+              <a:t>What is the basic role of DAX measures and key performance indicators in Power Pivot? </a:t>
             </a:r>
           </a:p>
           <a:p>
@@ -7937,122 +8122,14 @@
               <a:buAutoNum type="arabicPeriod"/>
             </a:pPr>
             <a:r>
-              <a:rPr lang="en-US" sz="2400" dirty="0">
-                <a:solidFill>
-                  <a:srgbClr val="C00000"/>
-                </a:solidFill>
-                <a:latin typeface="Pragmatica" panose="020B0403040502020204"/>
-                <a:sym typeface="Consolas"/>
-              </a:rPr>
-              <a:t>Develop a KPI based on the metric </a:t>
-            </a:r>
-            <a:r>
-              <a:rPr lang="en-US" sz="2400" i="1" dirty="0" err="1">
-                <a:solidFill>
-                  <a:srgbClr val="C00000"/>
-                </a:solidFill>
-                <a:latin typeface="Pragmatica" panose="020B0403040502020204"/>
-                <a:sym typeface="Consolas"/>
-              </a:rPr>
-              <a:t>hr_pct</a:t>
-            </a:r>
-            <a:r>
-              <a:rPr lang="en-US" sz="2400" i="1" dirty="0">
-                <a:solidFill>
-                  <a:srgbClr val="C00000"/>
-                </a:solidFill>
-                <a:latin typeface="Pragmatica" panose="020B0403040502020204"/>
-                <a:sym typeface="Consolas"/>
-              </a:rPr>
-              <a:t> </a:t>
-            </a:r>
-            <a:r>
-              <a:rPr lang="en-US" sz="2400" dirty="0">
-                <a:solidFill>
-                  <a:srgbClr val="C00000"/>
-                </a:solidFill>
-                <a:latin typeface="Pragmatica" panose="020B0403040502020204"/>
-                <a:sym typeface="Consolas"/>
-              </a:rPr>
-              <a:t>aiming for a target absolute value of 1. Use the following status thresholds: </a:t>
-            </a:r>
-          </a:p>
-          <a:p>
-            <a:pPr marL="1343025" lvl="1" indent="-742950">
-              <a:lnSpc>
-                <a:spcPct val="115000"/>
-              </a:lnSpc>
-              <a:spcBef>
-                <a:spcPts val="1125"/>
-              </a:spcBef>
-              <a:buClr>
-                <a:srgbClr val="C00000"/>
-              </a:buClr>
-              <a:buSzPts val="2100"/>
-              <a:buFont typeface="Arial" panose="020B0604020202020204" pitchFamily="34" charset="0"/>
-              <a:buChar char="•"/>
-            </a:pPr>
-            <a:r>
-              <a:rPr lang="en-US" sz="2400" dirty="0">
-                <a:solidFill>
-                  <a:srgbClr val="C00000"/>
-                </a:solidFill>
-                <a:latin typeface="Pragmatica" panose="020B0403040502020204"/>
-                <a:sym typeface="Consolas"/>
-              </a:rPr>
-              <a:t>Less than 2%: Red status </a:t>
-            </a:r>
-          </a:p>
-          <a:p>
-            <a:pPr marL="1343025" lvl="1" indent="-742950">
-              <a:lnSpc>
-                <a:spcPct val="115000"/>
-              </a:lnSpc>
-              <a:spcBef>
-                <a:spcPts val="1125"/>
-              </a:spcBef>
-              <a:buClr>
-                <a:srgbClr val="C00000"/>
-              </a:buClr>
-              <a:buSzPts val="2100"/>
-              <a:buFont typeface="Arial" panose="020B0604020202020204" pitchFamily="34" charset="0"/>
-              <a:buChar char="•"/>
-            </a:pPr>
-            <a:r>
-              <a:rPr lang="en-US" sz="2400" dirty="0">
-                <a:solidFill>
-                  <a:srgbClr val="C00000"/>
-                </a:solidFill>
-                <a:latin typeface="Pragmatica" panose="020B0403040502020204"/>
-                <a:sym typeface="Consolas"/>
-              </a:rPr>
-              <a:t>Between 2% and 3%: Yellow status </a:t>
-            </a:r>
-          </a:p>
-          <a:p>
-            <a:pPr marL="1343025" lvl="1" indent="-742950">
-              <a:lnSpc>
-                <a:spcPct val="115000"/>
-              </a:lnSpc>
-              <a:spcBef>
-                <a:spcPts val="1125"/>
-              </a:spcBef>
-              <a:buClr>
-                <a:srgbClr val="C00000"/>
-              </a:buClr>
-              <a:buSzPts val="2100"/>
-              <a:buFont typeface="Arial" panose="020B0604020202020204" pitchFamily="34" charset="0"/>
-              <a:buChar char="•"/>
-            </a:pPr>
-            <a:r>
-              <a:rPr lang="en-US" sz="2400" dirty="0">
-                <a:solidFill>
-                  <a:srgbClr val="C00000"/>
-                </a:solidFill>
-                <a:latin typeface="Pragmatica" panose="020B0403040502020204"/>
-                <a:sym typeface="Consolas"/>
-              </a:rPr>
-              <a:t>Greater than 3%: Green status </a:t>
+              <a:rPr lang="en-US" sz="3600" dirty="0">
+                <a:solidFill>
+                  <a:srgbClr val="C00000"/>
+                </a:solidFill>
+                <a:latin typeface="Pragmatica" panose="020B0403040502020204"/>
+                <a:sym typeface="Consolas"/>
+              </a:rPr>
+              <a:t>Compare Power Query joins with Power Pivot relationships in terms of combining data sources. </a:t>
             </a:r>
           </a:p>
           <a:p>
@@ -8070,54 +8147,14 @@
               <a:buAutoNum type="arabicPeriod"/>
             </a:pPr>
             <a:r>
-              <a:rPr lang="en-US" sz="2400" dirty="0">
-                <a:solidFill>
-                  <a:srgbClr val="C00000"/>
-                </a:solidFill>
-                <a:latin typeface="Pragmatica" panose="020B0403040502020204"/>
-                <a:sym typeface="Consolas"/>
-              </a:rPr>
-              <a:t>Apply the KPI to a PivotTable that displays </a:t>
-            </a:r>
-            <a:r>
-              <a:rPr lang="en-US" sz="2400" dirty="0" err="1">
-                <a:solidFill>
-                  <a:srgbClr val="C00000"/>
-                </a:solidFill>
-                <a:latin typeface="Pragmatica" panose="020B0403040502020204"/>
-                <a:sym typeface="Consolas"/>
-              </a:rPr>
-              <a:t>teamID</a:t>
-            </a:r>
-            <a:r>
-              <a:rPr lang="en-US" sz="2400" dirty="0">
-                <a:solidFill>
-                  <a:srgbClr val="C00000"/>
-                </a:solidFill>
-                <a:latin typeface="Pragmatica" panose="020B0403040502020204"/>
-                <a:sym typeface="Consolas"/>
-              </a:rPr>
-              <a:t> along the Rows and </a:t>
-            </a:r>
-            <a:r>
-              <a:rPr lang="en-US" sz="2400" dirty="0" err="1">
-                <a:solidFill>
-                  <a:srgbClr val="C00000"/>
-                </a:solidFill>
-                <a:latin typeface="Pragmatica" panose="020B0403040502020204"/>
-                <a:sym typeface="Consolas"/>
-              </a:rPr>
-              <a:t>yearID</a:t>
-            </a:r>
-            <a:r>
-              <a:rPr lang="en-US" sz="2400" dirty="0">
-                <a:solidFill>
-                  <a:srgbClr val="C00000"/>
-                </a:solidFill>
-                <a:latin typeface="Pragmatica" panose="020B0403040502020204"/>
-                <a:sym typeface="Consolas"/>
-              </a:rPr>
-              <a:t> along the Columns.</a:t>
+              <a:rPr lang="en-US" sz="3600" dirty="0">
+                <a:solidFill>
+                  <a:srgbClr val="C00000"/>
+                </a:solidFill>
+                <a:latin typeface="Pragmatica" panose="020B0403040502020204"/>
+                <a:sym typeface="Consolas"/>
+              </a:rPr>
+              <a:t>What are the drawbacks of using lookup functions like VLOOKUP() or XLOOKUP() to merge tables in Excel?</a:t>
             </a:r>
           </a:p>
           <a:p>
@@ -8134,7 +8171,7 @@
               <a:buSzPts val="2100"/>
             </a:pPr>
             <a:r>
-              <a:rPr lang="en-US" sz="2400" dirty="0">
+              <a:rPr lang="en-US" sz="3600" dirty="0">
                 <a:solidFill>
                   <a:srgbClr val="C00000"/>
                 </a:solidFill>
@@ -8144,16 +8181,16 @@
               <a:t>File: </a:t>
             </a:r>
             <a:r>
-              <a:rPr lang="en-US" sz="2400" dirty="0">
+              <a:rPr lang="en-US" sz="3600" dirty="0">
                 <a:solidFill>
                   <a:srgbClr val="C00000"/>
                 </a:solidFill>
                 <a:latin typeface="Consolas" panose="020B0609020204030204" pitchFamily="49" charset="0"/>
                 <a:sym typeface="Consolas"/>
               </a:rPr>
-              <a:t>ch_08_exercises.xlsx</a:t>
-            </a:r>
-            <a:endParaRPr lang="en-US" sz="4400" dirty="0">
+              <a:t>n/a</a:t>
+            </a:r>
+            <a:endParaRPr lang="en-US" sz="6000" dirty="0">
               <a:solidFill>
                 <a:srgbClr val="CF3338"/>
               </a:solidFill>
@@ -8161,7 +8198,7 @@
             </a:endParaRPr>
           </a:p>
           <a:p>
-            <a:endParaRPr lang="en-US" sz="4000" dirty="0">
+            <a:endParaRPr lang="en-US" sz="5400" dirty="0">
               <a:solidFill>
                 <a:srgbClr val="CF3338"/>
               </a:solidFill>
@@ -8173,7 +8210,7 @@
     </p:spTree>
     <p:extLst>
       <p:ext uri="{BB962C8B-B14F-4D97-AF65-F5344CB8AC3E}">
-        <p14:creationId xmlns:p14="http://schemas.microsoft.com/office/powerpoint/2010/main" val="262301830"/>
+        <p14:creationId xmlns:p14="http://schemas.microsoft.com/office/powerpoint/2010/main" val="3241373308"/>
       </p:ext>
     </p:extLst>
   </p:cSld>
@@ -8183,7 +8220,7 @@
 </p:sld>
 </file>
 
-<file path=ppt/slides/slide8.xml><?xml version="1.0" encoding="utf-8"?>
+<file path=ppt/slides/slide7.xml><?xml version="1.0" encoding="utf-8"?>
 <p:sld xmlns:a="http://schemas.openxmlformats.org/drawingml/2006/main" xmlns:r="http://schemas.openxmlformats.org/officeDocument/2006/relationships" xmlns:p="http://schemas.openxmlformats.org/presentationml/2006/main">
   <p:cSld>
     <p:spTree>
@@ -8284,7 +8321,7 @@
         <p:spPr>
           <a:xfrm>
             <a:off x="260430" y="329879"/>
-            <a:ext cx="13684170" cy="10060703"/>
+            <a:ext cx="13684170" cy="10534679"/>
           </a:xfrm>
           <a:prstGeom prst="rect">
             <a:avLst/>
@@ -8298,15 +8335,15 @@
           <a:lstStyle/>
           <a:p>
             <a:r>
-              <a:rPr lang="en-US" sz="5400" b="1" dirty="0">
+              <a:rPr lang="en-US" sz="4800" b="1" dirty="0">
                 <a:solidFill>
                   <a:srgbClr val="CF3338"/>
                 </a:solidFill>
                 <a:latin typeface="Pragmatica" panose="020B0403040502020204" pitchFamily="34" charset="0"/>
               </a:rPr>
-              <a:t>Intermediate DAX for Power Pivot</a:t>
-            </a:r>
-            <a:endParaRPr lang="en-US" sz="4000" b="1" dirty="0">
+              <a:t>Creating Relational Models in Power Pivot Exercises</a:t>
+            </a:r>
+            <a:endParaRPr lang="en-US" sz="3600" b="1" dirty="0">
               <a:solidFill>
                 <a:srgbClr val="CF3338"/>
               </a:solidFill>
@@ -8321,6 +8358,366 @@
               <a:latin typeface="Pragmatica" panose="020B0403040502020204" pitchFamily="34" charset="0"/>
               <a:sym typeface="Consolas"/>
             </a:endParaRPr>
+          </a:p>
+          <a:p>
+            <a:pPr marL="885825" indent="-742950">
+              <a:lnSpc>
+                <a:spcPct val="115000"/>
+              </a:lnSpc>
+              <a:spcBef>
+                <a:spcPts val="1125"/>
+              </a:spcBef>
+              <a:buClr>
+                <a:srgbClr val="C00000"/>
+              </a:buClr>
+              <a:buSzPts val="2100"/>
+              <a:buAutoNum type="arabicPeriod"/>
+            </a:pPr>
+            <a:r>
+              <a:rPr lang="en-US" sz="3200" dirty="0">
+                <a:solidFill>
+                  <a:srgbClr val="C00000"/>
+                </a:solidFill>
+                <a:latin typeface="Pragmatica" panose="020B0403040502020204"/>
+                <a:sym typeface="Consolas"/>
+              </a:rPr>
+              <a:t>Load the tables into Power Pivot via Power Query and establish relationships in the Power Pivot Data Model. </a:t>
+            </a:r>
+          </a:p>
+          <a:p>
+            <a:pPr marL="885825" indent="-742950">
+              <a:lnSpc>
+                <a:spcPct val="115000"/>
+              </a:lnSpc>
+              <a:spcBef>
+                <a:spcPts val="1125"/>
+              </a:spcBef>
+              <a:buClr>
+                <a:srgbClr val="C00000"/>
+              </a:buClr>
+              <a:buSzPts val="2100"/>
+              <a:buAutoNum type="arabicPeriod"/>
+            </a:pPr>
+            <a:r>
+              <a:rPr lang="en-US" sz="3200" dirty="0">
+                <a:solidFill>
+                  <a:srgbClr val="C00000"/>
+                </a:solidFill>
+                <a:latin typeface="Pragmatica" panose="020B0403040502020204"/>
+                <a:sym typeface="Consolas"/>
+              </a:rPr>
+              <a:t>Identify fact and dimension tables in the Data Model and organize the model in Diagram View accordingly. </a:t>
+            </a:r>
+          </a:p>
+          <a:p>
+            <a:pPr marL="885825" indent="-742950">
+              <a:lnSpc>
+                <a:spcPct val="115000"/>
+              </a:lnSpc>
+              <a:spcBef>
+                <a:spcPts val="1125"/>
+              </a:spcBef>
+              <a:buClr>
+                <a:srgbClr val="C00000"/>
+              </a:buClr>
+              <a:buSzPts val="2100"/>
+              <a:buAutoNum type="arabicPeriod"/>
+            </a:pPr>
+            <a:r>
+              <a:rPr lang="en-US" sz="3200" dirty="0">
+                <a:solidFill>
+                  <a:srgbClr val="C00000"/>
+                </a:solidFill>
+                <a:latin typeface="Pragmatica" panose="020B0403040502020204"/>
+                <a:sym typeface="Consolas"/>
+              </a:rPr>
+              <a:t>What is the cardinality of the relationships between these tables?</a:t>
+            </a:r>
+          </a:p>
+          <a:p>
+            <a:pPr marL="885825" indent="-742950">
+              <a:lnSpc>
+                <a:spcPct val="115000"/>
+              </a:lnSpc>
+              <a:spcBef>
+                <a:spcPts val="1125"/>
+              </a:spcBef>
+              <a:buClr>
+                <a:srgbClr val="C00000"/>
+              </a:buClr>
+              <a:buSzPts val="2100"/>
+              <a:buAutoNum type="arabicPeriod"/>
+            </a:pPr>
+            <a:r>
+              <a:rPr lang="en-US" sz="3200" dirty="0">
+                <a:solidFill>
+                  <a:srgbClr val="C00000"/>
+                </a:solidFill>
+                <a:latin typeface="Pragmatica" panose="020B0403040502020204"/>
+                <a:sym typeface="Consolas"/>
+              </a:rPr>
+              <a:t>Use the SWITCH() function to generate an </a:t>
+            </a:r>
+            <a:r>
+              <a:rPr lang="en-US" sz="3200" i="1" dirty="0" err="1">
+                <a:solidFill>
+                  <a:srgbClr val="C00000"/>
+                </a:solidFill>
+                <a:latin typeface="Pragmatica" panose="020B0403040502020204"/>
+                <a:sym typeface="Consolas"/>
+              </a:rPr>
+              <a:t>is_player</a:t>
+            </a:r>
+            <a:r>
+              <a:rPr lang="en-US" sz="3200" i="1" dirty="0">
+                <a:solidFill>
+                  <a:srgbClr val="C00000"/>
+                </a:solidFill>
+                <a:latin typeface="Pragmatica" panose="020B0403040502020204"/>
+                <a:sym typeface="Consolas"/>
+              </a:rPr>
+              <a:t> </a:t>
+            </a:r>
+            <a:r>
+              <a:rPr lang="en-US" sz="3200" dirty="0">
+                <a:solidFill>
+                  <a:srgbClr val="C00000"/>
+                </a:solidFill>
+                <a:latin typeface="Pragmatica" panose="020B0403040502020204"/>
+                <a:sym typeface="Consolas"/>
+              </a:rPr>
+              <a:t>column in the </a:t>
+            </a:r>
+            <a:r>
+              <a:rPr lang="en-US" sz="3200" i="1" dirty="0" err="1">
+                <a:solidFill>
+                  <a:srgbClr val="C00000"/>
+                </a:solidFill>
+                <a:latin typeface="Pragmatica" panose="020B0403040502020204"/>
+                <a:sym typeface="Consolas"/>
+              </a:rPr>
+              <a:t>hof</a:t>
+            </a:r>
+            <a:r>
+              <a:rPr lang="en-US" sz="3200" i="1" dirty="0">
+                <a:solidFill>
+                  <a:srgbClr val="C00000"/>
+                </a:solidFill>
+                <a:latin typeface="Pragmatica" panose="020B0403040502020204"/>
+                <a:sym typeface="Consolas"/>
+              </a:rPr>
+              <a:t> </a:t>
+            </a:r>
+            <a:r>
+              <a:rPr lang="en-US" sz="3200" dirty="0">
+                <a:solidFill>
+                  <a:srgbClr val="C00000"/>
+                </a:solidFill>
+                <a:latin typeface="Pragmatica" panose="020B0403040502020204"/>
+                <a:sym typeface="Consolas"/>
+              </a:rPr>
+              <a:t>table. Assign Yes if the category column indicates </a:t>
+            </a:r>
+            <a:r>
+              <a:rPr lang="en-US" sz="3200" i="1" dirty="0">
+                <a:solidFill>
+                  <a:srgbClr val="C00000"/>
+                </a:solidFill>
+                <a:latin typeface="Pragmatica" panose="020B0403040502020204"/>
+                <a:sym typeface="Consolas"/>
+              </a:rPr>
+              <a:t>Player</a:t>
+            </a:r>
+            <a:r>
+              <a:rPr lang="en-US" sz="3200" dirty="0">
+                <a:solidFill>
+                  <a:srgbClr val="C00000"/>
+                </a:solidFill>
+                <a:latin typeface="Pragmatica" panose="020B0403040502020204"/>
+                <a:sym typeface="Consolas"/>
+              </a:rPr>
+              <a:t>, otherwise assign No. </a:t>
+            </a:r>
+          </a:p>
+          <a:p>
+            <a:pPr marL="885825" indent="-742950">
+              <a:lnSpc>
+                <a:spcPct val="115000"/>
+              </a:lnSpc>
+              <a:spcBef>
+                <a:spcPts val="1125"/>
+              </a:spcBef>
+              <a:buClr>
+                <a:srgbClr val="C00000"/>
+              </a:buClr>
+              <a:buSzPts val="2100"/>
+              <a:buAutoNum type="arabicPeriod"/>
+            </a:pPr>
+            <a:r>
+              <a:rPr lang="en-US" sz="3200" dirty="0">
+                <a:solidFill>
+                  <a:srgbClr val="C00000"/>
+                </a:solidFill>
+                <a:latin typeface="Pragmatica" panose="020B0403040502020204"/>
+                <a:sym typeface="Consolas"/>
+              </a:rPr>
+              <a:t>Create a hierarchy among the </a:t>
+            </a:r>
+            <a:r>
+              <a:rPr lang="en-US" sz="3200" i="1" dirty="0" err="1">
+                <a:solidFill>
+                  <a:srgbClr val="C00000"/>
+                </a:solidFill>
+                <a:latin typeface="Pragmatica" panose="020B0403040502020204"/>
+                <a:sym typeface="Consolas"/>
+              </a:rPr>
+              <a:t>birthCountry</a:t>
+            </a:r>
+            <a:r>
+              <a:rPr lang="en-US" sz="3200" dirty="0">
+                <a:solidFill>
+                  <a:srgbClr val="C00000"/>
+                </a:solidFill>
+                <a:latin typeface="Pragmatica" panose="020B0403040502020204"/>
+                <a:sym typeface="Consolas"/>
+              </a:rPr>
+              <a:t>, </a:t>
+            </a:r>
+            <a:r>
+              <a:rPr lang="en-US" sz="3200" i="1" dirty="0" err="1">
+                <a:solidFill>
+                  <a:srgbClr val="C00000"/>
+                </a:solidFill>
+                <a:latin typeface="Pragmatica" panose="020B0403040502020204"/>
+                <a:sym typeface="Consolas"/>
+              </a:rPr>
+              <a:t>birthState</a:t>
+            </a:r>
+            <a:r>
+              <a:rPr lang="en-US" sz="3200" dirty="0">
+                <a:solidFill>
+                  <a:srgbClr val="C00000"/>
+                </a:solidFill>
+                <a:latin typeface="Pragmatica" panose="020B0403040502020204"/>
+                <a:sym typeface="Consolas"/>
+              </a:rPr>
+              <a:t>, and </a:t>
+            </a:r>
+            <a:r>
+              <a:rPr lang="en-US" sz="3200" i="1" dirty="0" err="1">
+                <a:solidFill>
+                  <a:srgbClr val="C00000"/>
+                </a:solidFill>
+                <a:latin typeface="Pragmatica" panose="020B0403040502020204"/>
+                <a:sym typeface="Consolas"/>
+              </a:rPr>
+              <a:t>birthCity</a:t>
+            </a:r>
+            <a:r>
+              <a:rPr lang="en-US" sz="3200" i="1" dirty="0">
+                <a:solidFill>
+                  <a:srgbClr val="C00000"/>
+                </a:solidFill>
+                <a:latin typeface="Pragmatica" panose="020B0403040502020204"/>
+                <a:sym typeface="Consolas"/>
+              </a:rPr>
+              <a:t> </a:t>
+            </a:r>
+            <a:r>
+              <a:rPr lang="en-US" sz="3200" dirty="0">
+                <a:solidFill>
+                  <a:srgbClr val="C00000"/>
+                </a:solidFill>
+                <a:latin typeface="Pragmatica" panose="020B0403040502020204"/>
+                <a:sym typeface="Consolas"/>
+              </a:rPr>
+              <a:t>fields in the people table. </a:t>
+            </a:r>
+          </a:p>
+          <a:p>
+            <a:pPr marL="885825" indent="-742950">
+              <a:lnSpc>
+                <a:spcPct val="115000"/>
+              </a:lnSpc>
+              <a:spcBef>
+                <a:spcPts val="1125"/>
+              </a:spcBef>
+              <a:buClr>
+                <a:srgbClr val="C00000"/>
+              </a:buClr>
+              <a:buSzPts val="2100"/>
+              <a:buAutoNum type="arabicPeriod"/>
+            </a:pPr>
+            <a:r>
+              <a:rPr lang="en-US" sz="3200" dirty="0">
+                <a:solidFill>
+                  <a:srgbClr val="C00000"/>
+                </a:solidFill>
+                <a:latin typeface="Pragmatica" panose="020B0403040502020204"/>
+                <a:sym typeface="Consolas"/>
+              </a:rPr>
+              <a:t>Load the Data Model results into an Excel PivotTable. Count the number of players. You can do this by totaling the number of </a:t>
+            </a:r>
+            <a:r>
+              <a:rPr lang="en-US" sz="3200" i="1" dirty="0" err="1">
+                <a:solidFill>
+                  <a:srgbClr val="C00000"/>
+                </a:solidFill>
+                <a:latin typeface="Pragmatica" panose="020B0403040502020204"/>
+                <a:sym typeface="Consolas"/>
+              </a:rPr>
+              <a:t>playerIDs</a:t>
+            </a:r>
+            <a:r>
+              <a:rPr lang="en-US" sz="3200" i="1" dirty="0">
+                <a:solidFill>
+                  <a:srgbClr val="C00000"/>
+                </a:solidFill>
+                <a:latin typeface="Pragmatica" panose="020B0403040502020204"/>
+                <a:sym typeface="Consolas"/>
+              </a:rPr>
+              <a:t> </a:t>
+            </a:r>
+            <a:r>
+              <a:rPr lang="en-US" sz="3200" dirty="0">
+                <a:solidFill>
+                  <a:srgbClr val="C00000"/>
+                </a:solidFill>
+                <a:latin typeface="Pragmatica" panose="020B0403040502020204"/>
+                <a:sym typeface="Consolas"/>
+              </a:rPr>
+              <a:t>that have Yes in the </a:t>
+            </a:r>
+            <a:r>
+              <a:rPr lang="en-US" sz="3200" i="1" dirty="0" err="1">
+                <a:solidFill>
+                  <a:srgbClr val="C00000"/>
+                </a:solidFill>
+                <a:latin typeface="Pragmatica" panose="020B0403040502020204"/>
+                <a:sym typeface="Consolas"/>
+              </a:rPr>
+              <a:t>is_player</a:t>
+            </a:r>
+            <a:r>
+              <a:rPr lang="en-US" sz="3200" i="1" dirty="0">
+                <a:solidFill>
+                  <a:srgbClr val="C00000"/>
+                </a:solidFill>
+                <a:latin typeface="Pragmatica" panose="020B0403040502020204"/>
+                <a:sym typeface="Consolas"/>
+              </a:rPr>
+              <a:t> </a:t>
+            </a:r>
+            <a:r>
+              <a:rPr lang="en-US" sz="3200" dirty="0">
+                <a:solidFill>
+                  <a:srgbClr val="C00000"/>
+                </a:solidFill>
+                <a:latin typeface="Pragmatica" panose="020B0403040502020204"/>
+                <a:sym typeface="Consolas"/>
+              </a:rPr>
+              <a:t>column</a:t>
+            </a:r>
           </a:p>
           <a:p>
             <a:pPr marL="142875">
@@ -8343,261 +8740,17 @@
                 <a:latin typeface="Pragmatica" panose="020B0403040502020204"/>
                 <a:sym typeface="Consolas"/>
               </a:rPr>
-              <a:t>Load the data into Power Pivot via Power Query and create the following measures: </a:t>
-            </a:r>
-          </a:p>
-          <a:p>
-            <a:pPr marL="600075" indent="-457200">
-              <a:lnSpc>
-                <a:spcPct val="115000"/>
-              </a:lnSpc>
-              <a:spcBef>
-                <a:spcPts val="1125"/>
-              </a:spcBef>
-              <a:buClr>
-                <a:srgbClr val="C00000"/>
-              </a:buClr>
-              <a:buSzPts val="2100"/>
-              <a:buFont typeface="+mj-lt"/>
-              <a:buAutoNum type="arabicPeriod"/>
-            </a:pPr>
-            <a:r>
-              <a:rPr lang="en-US" sz="3200" i="1" dirty="0" err="1">
-                <a:solidFill>
-                  <a:srgbClr val="C00000"/>
-                </a:solidFill>
-                <a:latin typeface="Pragmatica" panose="020B0403040502020204"/>
-                <a:sym typeface="Consolas"/>
-              </a:rPr>
-              <a:t>accessories_rev</a:t>
+              <a:t>File: </a:t>
             </a:r>
             <a:r>
               <a:rPr lang="en-US" sz="3200" dirty="0">
                 <a:solidFill>
                   <a:srgbClr val="C00000"/>
                 </a:solidFill>
-                <a:latin typeface="Pragmatica" panose="020B0403040502020204"/>
-                <a:sym typeface="Consolas"/>
-              </a:rPr>
-              <a:t>: Returns the total revenue when </a:t>
-            </a:r>
-            <a:r>
-              <a:rPr lang="en-US" sz="3200" dirty="0" err="1">
-                <a:solidFill>
-                  <a:srgbClr val="C00000"/>
-                </a:solidFill>
-                <a:latin typeface="Pragmatica" panose="020B0403040502020204"/>
-                <a:sym typeface="Consolas"/>
-              </a:rPr>
-              <a:t>product_category</a:t>
-            </a:r>
-            <a:r>
-              <a:rPr lang="en-US" sz="3200" dirty="0">
-                <a:solidFill>
-                  <a:srgbClr val="C00000"/>
-                </a:solidFill>
-                <a:latin typeface="Pragmatica" panose="020B0403040502020204"/>
-                <a:sym typeface="Consolas"/>
-              </a:rPr>
-              <a:t> is set to Accessories.</a:t>
-            </a:r>
-          </a:p>
-          <a:p>
-            <a:pPr marL="600075" indent="-457200">
-              <a:lnSpc>
-                <a:spcPct val="115000"/>
-              </a:lnSpc>
-              <a:spcBef>
-                <a:spcPts val="1125"/>
-              </a:spcBef>
-              <a:buClr>
-                <a:srgbClr val="C00000"/>
-              </a:buClr>
-              <a:buSzPts val="2100"/>
-              <a:buFont typeface="+mj-lt"/>
-              <a:buAutoNum type="arabicPeriod"/>
-            </a:pPr>
-            <a:r>
-              <a:rPr lang="en-US" sz="3200" i="1" dirty="0" err="1">
-                <a:solidFill>
-                  <a:srgbClr val="C00000"/>
-                </a:solidFill>
-                <a:latin typeface="Pragmatica" panose="020B0403040502020204"/>
-                <a:sym typeface="Consolas"/>
-              </a:rPr>
-              <a:t>accessories_rev_aus</a:t>
-            </a:r>
-            <a:r>
-              <a:rPr lang="en-US" sz="3200" dirty="0">
-                <a:solidFill>
-                  <a:srgbClr val="C00000"/>
-                </a:solidFill>
-                <a:latin typeface="Pragmatica" panose="020B0403040502020204"/>
-                <a:sym typeface="Consolas"/>
-              </a:rPr>
-              <a:t>: Returns the total revenue when both </a:t>
-            </a:r>
-            <a:r>
-              <a:rPr lang="en-US" sz="3200" dirty="0" err="1">
-                <a:solidFill>
-                  <a:srgbClr val="C00000"/>
-                </a:solidFill>
-                <a:latin typeface="Pragmatica" panose="020B0403040502020204"/>
-                <a:sym typeface="Consolas"/>
-              </a:rPr>
-              <a:t>product_category</a:t>
-            </a:r>
-            <a:r>
-              <a:rPr lang="en-US" sz="3200" dirty="0">
-                <a:solidFill>
-                  <a:srgbClr val="C00000"/>
-                </a:solidFill>
-                <a:latin typeface="Pragmatica" panose="020B0403040502020204"/>
-                <a:sym typeface="Consolas"/>
-              </a:rPr>
-              <a:t> is Accessories and country is Australia. </a:t>
-            </a:r>
-          </a:p>
-          <a:p>
-            <a:pPr marL="600075" indent="-457200">
-              <a:lnSpc>
-                <a:spcPct val="115000"/>
-              </a:lnSpc>
-              <a:spcBef>
-                <a:spcPts val="1125"/>
-              </a:spcBef>
-              <a:buClr>
-                <a:srgbClr val="C00000"/>
-              </a:buClr>
-              <a:buSzPts val="2100"/>
-              <a:buFont typeface="+mj-lt"/>
-              <a:buAutoNum type="arabicPeriod"/>
-            </a:pPr>
-            <a:r>
-              <a:rPr lang="en-US" sz="3200" i="1" dirty="0" err="1">
-                <a:solidFill>
-                  <a:srgbClr val="C00000"/>
-                </a:solidFill>
-                <a:latin typeface="Pragmatica" panose="020B0403040502020204"/>
-                <a:sym typeface="Consolas"/>
-              </a:rPr>
-              <a:t>aov_all</a:t>
-            </a:r>
-            <a:r>
-              <a:rPr lang="en-US" sz="3200" dirty="0">
-                <a:solidFill>
-                  <a:srgbClr val="C00000"/>
-                </a:solidFill>
-                <a:latin typeface="Pragmatica" panose="020B0403040502020204"/>
-                <a:sym typeface="Consolas"/>
-              </a:rPr>
-              <a:t>: Calculates the total revenue divided by the total order quantity across the entire dataset, irrespective of applied filters. </a:t>
-            </a:r>
-          </a:p>
-          <a:p>
-            <a:pPr marL="600075" indent="-457200">
-              <a:lnSpc>
-                <a:spcPct val="115000"/>
-              </a:lnSpc>
-              <a:spcBef>
-                <a:spcPts val="1125"/>
-              </a:spcBef>
-              <a:buClr>
-                <a:srgbClr val="C00000"/>
-              </a:buClr>
-              <a:buSzPts val="2100"/>
-              <a:buFont typeface="+mj-lt"/>
-              <a:buAutoNum type="arabicPeriod"/>
-            </a:pPr>
-            <a:r>
-              <a:rPr lang="en-US" sz="3200" i="1" dirty="0" err="1">
-                <a:solidFill>
-                  <a:srgbClr val="C00000"/>
-                </a:solidFill>
-                <a:latin typeface="Pragmatica" panose="020B0403040502020204"/>
-                <a:sym typeface="Consolas"/>
-              </a:rPr>
-              <a:t>profit_margin_ytd</a:t>
-            </a:r>
-            <a:r>
-              <a:rPr lang="en-US" sz="3200" dirty="0">
-                <a:solidFill>
-                  <a:srgbClr val="C00000"/>
-                </a:solidFill>
-                <a:latin typeface="Pragmatica" panose="020B0403040502020204"/>
-                <a:sym typeface="Consolas"/>
-              </a:rPr>
-              <a:t>: Returns the year-to-date profit margin. </a:t>
-            </a:r>
-          </a:p>
-          <a:p>
-            <a:pPr marL="600075" indent="-457200">
-              <a:lnSpc>
-                <a:spcPct val="115000"/>
-              </a:lnSpc>
-              <a:spcBef>
-                <a:spcPts val="1125"/>
-              </a:spcBef>
-              <a:buClr>
-                <a:srgbClr val="C00000"/>
-              </a:buClr>
-              <a:buSzPts val="2100"/>
-              <a:buFont typeface="+mj-lt"/>
-              <a:buAutoNum type="arabicPeriod"/>
-            </a:pPr>
-            <a:r>
-              <a:rPr lang="en-US" sz="3200" i="1" dirty="0" err="1">
-                <a:solidFill>
-                  <a:srgbClr val="C00000"/>
-                </a:solidFill>
-                <a:latin typeface="Pragmatica" panose="020B0403040502020204"/>
-                <a:sym typeface="Consolas"/>
-              </a:rPr>
-              <a:t>profit_margin_ly_ytd</a:t>
-            </a:r>
-            <a:r>
-              <a:rPr lang="en-US" sz="3200" dirty="0">
-                <a:solidFill>
-                  <a:srgbClr val="C00000"/>
-                </a:solidFill>
-                <a:latin typeface="Pragmatica" panose="020B0403040502020204"/>
-                <a:sym typeface="Consolas"/>
-              </a:rPr>
-              <a:t>: Returns the year-to-date profit margin for the previous year</a:t>
-            </a:r>
-          </a:p>
-          <a:p>
-            <a:pPr marL="142875">
-              <a:lnSpc>
-                <a:spcPct val="115000"/>
-              </a:lnSpc>
-              <a:spcBef>
-                <a:spcPts val="1125"/>
-              </a:spcBef>
-              <a:buClr>
-                <a:srgbClr val="C00000"/>
-              </a:buClr>
-              <a:buSzPts val="2100"/>
-            </a:pPr>
-            <a:r>
-              <a:rPr lang="en-US" sz="3200" dirty="0">
-                <a:solidFill>
-                  <a:srgbClr val="C00000"/>
-                </a:solidFill>
-                <a:latin typeface="Pragmatica" panose="020B0403040502020204"/>
-                <a:sym typeface="Consolas"/>
-              </a:rPr>
-              <a:t>File: </a:t>
-            </a:r>
-            <a:r>
-              <a:rPr lang="en-US" sz="3200" dirty="0">
-                <a:solidFill>
-                  <a:srgbClr val="C00000"/>
-                </a:solidFill>
                 <a:latin typeface="Consolas" panose="020B0609020204030204" pitchFamily="49" charset="0"/>
                 <a:sym typeface="Consolas"/>
               </a:rPr>
-              <a:t>ch_09_exercises.csv</a:t>
+              <a:t>ch_07_exercises.xlsx</a:t>
             </a:r>
             <a:endParaRPr lang="en-US" sz="5400" dirty="0">
               <a:solidFill>
@@ -8619,7 +8772,7 @@
     </p:spTree>
     <p:extLst>
       <p:ext uri="{BB962C8B-B14F-4D97-AF65-F5344CB8AC3E}">
-        <p14:creationId xmlns:p14="http://schemas.microsoft.com/office/powerpoint/2010/main" val="41625720"/>
+        <p14:creationId xmlns:p14="http://schemas.microsoft.com/office/powerpoint/2010/main" val="2118286379"/>
       </p:ext>
     </p:extLst>
   </p:cSld>
@@ -8629,7 +8782,7 @@
 </p:sld>
 </file>
 
-<file path=ppt/slides/slide9.xml><?xml version="1.0" encoding="utf-8"?>
+<file path=ppt/slides/slide8.xml><?xml version="1.0" encoding="utf-8"?>
 <p:sld xmlns:a="http://schemas.openxmlformats.org/drawingml/2006/main" xmlns:r="http://schemas.openxmlformats.org/officeDocument/2006/relationships" xmlns:p="http://schemas.openxmlformats.org/presentationml/2006/main">
   <p:cSld>
     <p:spTree>
@@ -8730,7 +8883,7 @@
         <p:spPr>
           <a:xfrm>
             <a:off x="260430" y="329879"/>
-            <a:ext cx="13684170" cy="10201767"/>
+            <a:ext cx="13684170" cy="10625986"/>
           </a:xfrm>
           <a:prstGeom prst="rect">
             <a:avLst/>
@@ -8750,7 +8903,7 @@
                 </a:solidFill>
                 <a:latin typeface="Pragmatica" panose="020B0403040502020204" pitchFamily="34" charset="0"/>
               </a:rPr>
-              <a:t>Introducing dynamic array functions</a:t>
+              <a:t>Creating Measures and KPIs in Power Pivot Exercises</a:t>
             </a:r>
             <a:endParaRPr lang="en-US" sz="4000" b="1" dirty="0">
               <a:solidFill>
@@ -8769,7 +8922,7 @@
             </a:endParaRPr>
           </a:p>
           <a:p>
-            <a:pPr marL="657225" indent="-514350">
+            <a:pPr marL="885825" indent="-742950">
               <a:lnSpc>
                 <a:spcPct val="115000"/>
               </a:lnSpc>
@@ -8780,42 +8933,61 @@
                 <a:srgbClr val="C00000"/>
               </a:buClr>
               <a:buSzPts val="2100"/>
-              <a:buFont typeface="+mj-lt"/>
               <a:buAutoNum type="arabicPeriod"/>
             </a:pPr>
             <a:r>
-              <a:rPr lang="en-US" sz="3200" dirty="0">
-                <a:solidFill>
-                  <a:srgbClr val="C00000"/>
-                </a:solidFill>
-                <a:latin typeface="Pragmatica" panose="020B0403040502020204"/>
-                <a:sym typeface="Consolas"/>
-              </a:rPr>
-              <a:t>Find the distinct and truly unique values in the make column of the </a:t>
-            </a:r>
-            <a:r>
-              <a:rPr lang="en-US" sz="3200" i="1" dirty="0">
-                <a:solidFill>
-                  <a:srgbClr val="C00000"/>
-                </a:solidFill>
-                <a:latin typeface="Pragmatica" panose="020B0403040502020204"/>
-                <a:sym typeface="Consolas"/>
-              </a:rPr>
-              <a:t>vehicles </a:t>
-            </a:r>
-            <a:r>
-              <a:rPr lang="en-US" sz="3200" dirty="0">
-                <a:solidFill>
-                  <a:srgbClr val="C00000"/>
-                </a:solidFill>
-                <a:latin typeface="Pragmatica" panose="020B0403040502020204"/>
-                <a:sym typeface="Consolas"/>
-              </a:rPr>
-              <a:t>dataset. How many are there of each? </a:t>
-            </a:r>
-          </a:p>
-          <a:p>
-            <a:pPr marL="657225" indent="-514350">
+              <a:rPr lang="en-US" sz="2400" dirty="0">
+                <a:solidFill>
+                  <a:srgbClr val="C00000"/>
+                </a:solidFill>
+                <a:latin typeface="Pragmatica" panose="020B0403040502020204"/>
+                <a:sym typeface="Consolas"/>
+              </a:rPr>
+              <a:t>Create a PivotTable to present the total number of home runs (</a:t>
+            </a:r>
+            <a:r>
+              <a:rPr lang="en-US" sz="2400" i="1" dirty="0">
+                <a:solidFill>
+                  <a:srgbClr val="C00000"/>
+                </a:solidFill>
+                <a:latin typeface="Pragmatica" panose="020B0403040502020204"/>
+                <a:sym typeface="Consolas"/>
+              </a:rPr>
+              <a:t>HR</a:t>
+            </a:r>
+            <a:r>
+              <a:rPr lang="en-US" sz="2400" dirty="0">
+                <a:solidFill>
+                  <a:srgbClr val="C00000"/>
+                </a:solidFill>
+                <a:latin typeface="Pragmatica" panose="020B0403040502020204"/>
+                <a:sym typeface="Consolas"/>
+              </a:rPr>
+              <a:t>) by birth state (</a:t>
+            </a:r>
+            <a:r>
+              <a:rPr lang="en-US" sz="2400" i="1" dirty="0" err="1">
+                <a:solidFill>
+                  <a:srgbClr val="C00000"/>
+                </a:solidFill>
+                <a:latin typeface="Pragmatica" panose="020B0403040502020204"/>
+                <a:sym typeface="Consolas"/>
+              </a:rPr>
+              <a:t>birthState</a:t>
+            </a:r>
+            <a:r>
+              <a:rPr lang="en-US" sz="2400" dirty="0">
+                <a:solidFill>
+                  <a:srgbClr val="C00000"/>
+                </a:solidFill>
+                <a:latin typeface="Pragmatica" panose="020B0403040502020204"/>
+                <a:sym typeface="Consolas"/>
+              </a:rPr>
+              <a:t>) using an implicit measure. </a:t>
+            </a:r>
+          </a:p>
+          <a:p>
+            <a:pPr marL="885825" indent="-742950">
               <a:lnSpc>
                 <a:spcPct val="115000"/>
               </a:lnSpc>
@@ -8826,22 +8998,51 @@
                 <a:srgbClr val="C00000"/>
               </a:buClr>
               <a:buSzPts val="2100"/>
-              <a:buFont typeface="+mj-lt"/>
               <a:buAutoNum type="arabicPeriod"/>
             </a:pPr>
             <a:r>
-              <a:rPr lang="en-US" sz="3200" dirty="0">
-                <a:solidFill>
-                  <a:srgbClr val="C00000"/>
-                </a:solidFill>
-                <a:latin typeface="Pragmatica" panose="020B0403040502020204"/>
-                <a:sym typeface="Consolas"/>
-              </a:rPr>
-              <a:t>Display only the vehicles with city mileage greater than 30. </a:t>
-            </a:r>
-          </a:p>
-          <a:p>
-            <a:pPr marL="657225" indent="-514350">
+              <a:rPr lang="en-US" sz="2400" dirty="0">
+                <a:solidFill>
+                  <a:srgbClr val="C00000"/>
+                </a:solidFill>
+                <a:latin typeface="Pragmatica" panose="020B0403040502020204"/>
+                <a:sym typeface="Consolas"/>
+              </a:rPr>
+              <a:t>Remove the implicit measure created in step 1 and establish a new explicit measure named </a:t>
+            </a:r>
+            <a:r>
+              <a:rPr lang="en-US" sz="2400" i="1" dirty="0" err="1">
+                <a:solidFill>
+                  <a:srgbClr val="C00000"/>
+                </a:solidFill>
+                <a:latin typeface="Pragmatica" panose="020B0403040502020204"/>
+                <a:sym typeface="Consolas"/>
+              </a:rPr>
+              <a:t>hr_total</a:t>
+            </a:r>
+            <a:r>
+              <a:rPr lang="en-US" sz="2400" i="1" dirty="0">
+                <a:solidFill>
+                  <a:srgbClr val="C00000"/>
+                </a:solidFill>
+                <a:latin typeface="Pragmatica" panose="020B0403040502020204"/>
+                <a:sym typeface="Consolas"/>
+              </a:rPr>
+              <a:t> </a:t>
+            </a:r>
+            <a:r>
+              <a:rPr lang="en-US" sz="2400" dirty="0">
+                <a:solidFill>
+                  <a:srgbClr val="C00000"/>
+                </a:solidFill>
+                <a:latin typeface="Pragmatica" panose="020B0403040502020204"/>
+                <a:sym typeface="Consolas"/>
+              </a:rPr>
+              <a:t>that computes the sum of home runs, formatted as a whole number in thousands. Add this measure to the PivotTable. </a:t>
+            </a:r>
+          </a:p>
+          <a:p>
+            <a:pPr marL="885825" indent="-742950">
               <a:lnSpc>
                 <a:spcPct val="115000"/>
               </a:lnSpc>
@@ -8852,22 +9053,91 @@
                 <a:srgbClr val="C00000"/>
               </a:buClr>
               <a:buSzPts val="2100"/>
-              <a:buFont typeface="+mj-lt"/>
               <a:buAutoNum type="arabicPeriod"/>
             </a:pPr>
             <a:r>
-              <a:rPr lang="en-US" sz="3200" dirty="0">
-                <a:solidFill>
-                  <a:srgbClr val="C00000"/>
-                </a:solidFill>
-                <a:latin typeface="Pragmatica" panose="020B0403040502020204"/>
-                <a:sym typeface="Consolas"/>
-              </a:rPr>
-              <a:t>Display only the vehicles where either the city mileage is greater than 30, or where both cylinders are less than 6 and fuel is Regular. </a:t>
-            </a:r>
-          </a:p>
-          <a:p>
-            <a:pPr marL="657225" indent="-514350">
+              <a:rPr lang="en-US" sz="2400" dirty="0">
+                <a:solidFill>
+                  <a:srgbClr val="C00000"/>
+                </a:solidFill>
+                <a:latin typeface="Pragmatica" panose="020B0403040502020204"/>
+                <a:sym typeface="Consolas"/>
+              </a:rPr>
+              <a:t>Generate another explicit measure named </a:t>
+            </a:r>
+            <a:r>
+              <a:rPr lang="en-US" sz="2400" i="1" dirty="0" err="1">
+                <a:solidFill>
+                  <a:srgbClr val="C00000"/>
+                </a:solidFill>
+                <a:latin typeface="Pragmatica" panose="020B0403040502020204"/>
+                <a:sym typeface="Consolas"/>
+              </a:rPr>
+              <a:t>hr_pct</a:t>
+            </a:r>
+            <a:r>
+              <a:rPr lang="en-US" sz="2400" i="1" dirty="0">
+                <a:solidFill>
+                  <a:srgbClr val="C00000"/>
+                </a:solidFill>
+                <a:latin typeface="Pragmatica" panose="020B0403040502020204"/>
+                <a:sym typeface="Consolas"/>
+              </a:rPr>
+              <a:t> </a:t>
+            </a:r>
+            <a:r>
+              <a:rPr lang="en-US" sz="2400" dirty="0">
+                <a:solidFill>
+                  <a:srgbClr val="C00000"/>
+                </a:solidFill>
+                <a:latin typeface="Pragmatica" panose="020B0403040502020204"/>
+                <a:sym typeface="Consolas"/>
+              </a:rPr>
+              <a:t>that calculates the percentage of total home runs (</a:t>
+            </a:r>
+            <a:r>
+              <a:rPr lang="en-US" sz="2400" i="1" dirty="0">
+                <a:solidFill>
+                  <a:srgbClr val="C00000"/>
+                </a:solidFill>
+                <a:latin typeface="Pragmatica" panose="020B0403040502020204"/>
+                <a:sym typeface="Consolas"/>
+              </a:rPr>
+              <a:t>HR</a:t>
+            </a:r>
+            <a:r>
+              <a:rPr lang="en-US" sz="2400" dirty="0">
+                <a:solidFill>
+                  <a:srgbClr val="C00000"/>
+                </a:solidFill>
+                <a:latin typeface="Pragmatica" panose="020B0403040502020204"/>
+                <a:sym typeface="Consolas"/>
+              </a:rPr>
+              <a:t>) out of total at bats (</a:t>
+            </a:r>
+            <a:r>
+              <a:rPr lang="en-US" sz="2400" i="1" dirty="0">
+                <a:solidFill>
+                  <a:srgbClr val="C00000"/>
+                </a:solidFill>
+                <a:latin typeface="Pragmatica" panose="020B0403040502020204"/>
+                <a:sym typeface="Consolas"/>
+              </a:rPr>
+              <a:t>AB</a:t>
+            </a:r>
+            <a:r>
+              <a:rPr lang="en-US" sz="2400" dirty="0">
+                <a:solidFill>
+                  <a:srgbClr val="C00000"/>
+                </a:solidFill>
+                <a:latin typeface="Pragmatica" panose="020B0403040502020204"/>
+                <a:sym typeface="Consolas"/>
+              </a:rPr>
+              <a:t>) from the batting table. Format the result as a percentage. Feel free to create an additional total at bats measure to assist with this. </a:t>
+            </a:r>
+          </a:p>
+          <a:p>
+            <a:pPr marL="885825" indent="-742950">
               <a:lnSpc>
                 <a:spcPct val="115000"/>
               </a:lnSpc>
@@ -8878,42 +9148,51 @@
                 <a:srgbClr val="C00000"/>
               </a:buClr>
               <a:buSzPts val="2100"/>
-              <a:buFont typeface="+mj-lt"/>
               <a:buAutoNum type="arabicPeriod"/>
             </a:pPr>
             <a:r>
-              <a:rPr lang="en-US" sz="3200" dirty="0">
-                <a:solidFill>
-                  <a:srgbClr val="C00000"/>
-                </a:solidFill>
-                <a:latin typeface="Pragmatica" panose="020B0403040502020204"/>
-                <a:sym typeface="Consolas"/>
-              </a:rPr>
-              <a:t>Sort the </a:t>
-            </a:r>
-            <a:r>
-              <a:rPr lang="en-US" sz="3200" i="1" dirty="0">
-                <a:solidFill>
-                  <a:srgbClr val="C00000"/>
-                </a:solidFill>
-                <a:latin typeface="Pragmatica" panose="020B0403040502020204"/>
-                <a:sym typeface="Consolas"/>
-              </a:rPr>
-              <a:t>vehicles </a:t>
-            </a:r>
-            <a:r>
-              <a:rPr lang="en-US" sz="3200" dirty="0">
-                <a:solidFill>
-                  <a:srgbClr val="C00000"/>
-                </a:solidFill>
-                <a:latin typeface="Pragmatica" panose="020B0403040502020204"/>
-                <a:sym typeface="Consolas"/>
-              </a:rPr>
-              <a:t>dataset in descending order based on the highway mileage.</a:t>
-            </a:r>
-          </a:p>
-          <a:p>
-            <a:pPr marL="657225" indent="-514350">
+              <a:rPr lang="en-US" sz="2400" dirty="0">
+                <a:solidFill>
+                  <a:srgbClr val="C00000"/>
+                </a:solidFill>
+                <a:latin typeface="Pragmatica" panose="020B0403040502020204"/>
+                <a:sym typeface="Consolas"/>
+              </a:rPr>
+              <a:t>Develop a KPI based on the metric </a:t>
+            </a:r>
+            <a:r>
+              <a:rPr lang="en-US" sz="2400" i="1" dirty="0" err="1">
+                <a:solidFill>
+                  <a:srgbClr val="C00000"/>
+                </a:solidFill>
+                <a:latin typeface="Pragmatica" panose="020B0403040502020204"/>
+                <a:sym typeface="Consolas"/>
+              </a:rPr>
+              <a:t>hr_pct</a:t>
+            </a:r>
+            <a:r>
+              <a:rPr lang="en-US" sz="2400" i="1" dirty="0">
+                <a:solidFill>
+                  <a:srgbClr val="C00000"/>
+                </a:solidFill>
+                <a:latin typeface="Pragmatica" panose="020B0403040502020204"/>
+                <a:sym typeface="Consolas"/>
+              </a:rPr>
+              <a:t> </a:t>
+            </a:r>
+            <a:r>
+              <a:rPr lang="en-US" sz="2400" dirty="0">
+                <a:solidFill>
+                  <a:srgbClr val="C00000"/>
+                </a:solidFill>
+                <a:latin typeface="Pragmatica" panose="020B0403040502020204"/>
+                <a:sym typeface="Consolas"/>
+              </a:rPr>
+              <a:t>aiming for a target absolute value of 1. Use the following status thresholds: </a:t>
+            </a:r>
+          </a:p>
+          <a:p>
+            <a:pPr marL="1343025" lvl="1" indent="-742950">
               <a:lnSpc>
                 <a:spcPct val="115000"/>
               </a:lnSpc>
@@ -8924,42 +9203,22 @@
                 <a:srgbClr val="C00000"/>
               </a:buClr>
               <a:buSzPts val="2100"/>
-              <a:buFont typeface="+mj-lt"/>
-              <a:buAutoNum type="arabicPeriod"/>
+              <a:buFont typeface="Arial" panose="020B0604020202020204" pitchFamily="34" charset="0"/>
+              <a:buChar char="•"/>
             </a:pPr>
             <a:r>
-              <a:rPr lang="en-US" sz="3200" dirty="0">
-                <a:solidFill>
-                  <a:srgbClr val="C00000"/>
-                </a:solidFill>
-                <a:latin typeface="Pragmatica" panose="020B0403040502020204"/>
-                <a:sym typeface="Consolas"/>
-              </a:rPr>
-              <a:t>Sort just the </a:t>
-            </a:r>
-            <a:r>
-              <a:rPr lang="en-US" sz="3200" i="1" dirty="0">
-                <a:solidFill>
-                  <a:srgbClr val="C00000"/>
-                </a:solidFill>
-                <a:latin typeface="Pragmatica" panose="020B0403040502020204"/>
-                <a:sym typeface="Consolas"/>
-              </a:rPr>
-              <a:t>model </a:t>
-            </a:r>
-            <a:r>
-              <a:rPr lang="en-US" sz="3200" dirty="0">
-                <a:solidFill>
-                  <a:srgbClr val="C00000"/>
-                </a:solidFill>
-                <a:latin typeface="Pragmatica" panose="020B0403040502020204"/>
-                <a:sym typeface="Consolas"/>
-              </a:rPr>
-              <a:t>column of the common dataset based on the years column, descending. </a:t>
-            </a:r>
-          </a:p>
-          <a:p>
-            <a:pPr marL="657225" indent="-514350">
+              <a:rPr lang="en-US" sz="2400" dirty="0">
+                <a:solidFill>
+                  <a:srgbClr val="C00000"/>
+                </a:solidFill>
+                <a:latin typeface="Pragmatica" panose="020B0403040502020204"/>
+                <a:sym typeface="Consolas"/>
+              </a:rPr>
+              <a:t>Less than 2%: Red status </a:t>
+            </a:r>
+          </a:p>
+          <a:p>
+            <a:pPr marL="1343025" lvl="1" indent="-742950">
               <a:lnSpc>
                 <a:spcPct val="115000"/>
               </a:lnSpc>
@@ -8970,10 +9229,327 @@
                 <a:srgbClr val="C00000"/>
               </a:buClr>
               <a:buSzPts val="2100"/>
-              <a:buFont typeface="+mj-lt"/>
+              <a:buFont typeface="Arial" panose="020B0604020202020204" pitchFamily="34" charset="0"/>
+              <a:buChar char="•"/>
+            </a:pPr>
+            <a:r>
+              <a:rPr lang="en-US" sz="2400" dirty="0">
+                <a:solidFill>
+                  <a:srgbClr val="C00000"/>
+                </a:solidFill>
+                <a:latin typeface="Pragmatica" panose="020B0403040502020204"/>
+                <a:sym typeface="Consolas"/>
+              </a:rPr>
+              <a:t>Between 2% and 3%: Yellow status </a:t>
+            </a:r>
+          </a:p>
+          <a:p>
+            <a:pPr marL="1343025" lvl="1" indent="-742950">
+              <a:lnSpc>
+                <a:spcPct val="115000"/>
+              </a:lnSpc>
+              <a:spcBef>
+                <a:spcPts val="1125"/>
+              </a:spcBef>
+              <a:buClr>
+                <a:srgbClr val="C00000"/>
+              </a:buClr>
+              <a:buSzPts val="2100"/>
+              <a:buFont typeface="Arial" panose="020B0604020202020204" pitchFamily="34" charset="0"/>
+              <a:buChar char="•"/>
+            </a:pPr>
+            <a:r>
+              <a:rPr lang="en-US" sz="2400" dirty="0">
+                <a:solidFill>
+                  <a:srgbClr val="C00000"/>
+                </a:solidFill>
+                <a:latin typeface="Pragmatica" panose="020B0403040502020204"/>
+                <a:sym typeface="Consolas"/>
+              </a:rPr>
+              <a:t>Greater than 3%: Green status </a:t>
+            </a:r>
+          </a:p>
+          <a:p>
+            <a:pPr marL="885825" indent="-742950">
+              <a:lnSpc>
+                <a:spcPct val="115000"/>
+              </a:lnSpc>
+              <a:spcBef>
+                <a:spcPts val="1125"/>
+              </a:spcBef>
+              <a:buClr>
+                <a:srgbClr val="C00000"/>
+              </a:buClr>
+              <a:buSzPts val="2100"/>
               <a:buAutoNum type="arabicPeriod"/>
             </a:pPr>
             <a:r>
+              <a:rPr lang="en-US" sz="2400" dirty="0">
+                <a:solidFill>
+                  <a:srgbClr val="C00000"/>
+                </a:solidFill>
+                <a:latin typeface="Pragmatica" panose="020B0403040502020204"/>
+                <a:sym typeface="Consolas"/>
+              </a:rPr>
+              <a:t>Apply the KPI to a PivotTable that displays </a:t>
+            </a:r>
+            <a:r>
+              <a:rPr lang="en-US" sz="2400" dirty="0" err="1">
+                <a:solidFill>
+                  <a:srgbClr val="C00000"/>
+                </a:solidFill>
+                <a:latin typeface="Pragmatica" panose="020B0403040502020204"/>
+                <a:sym typeface="Consolas"/>
+              </a:rPr>
+              <a:t>teamID</a:t>
+            </a:r>
+            <a:r>
+              <a:rPr lang="en-US" sz="2400" dirty="0">
+                <a:solidFill>
+                  <a:srgbClr val="C00000"/>
+                </a:solidFill>
+                <a:latin typeface="Pragmatica" panose="020B0403040502020204"/>
+                <a:sym typeface="Consolas"/>
+              </a:rPr>
+              <a:t> along the Rows and </a:t>
+            </a:r>
+            <a:r>
+              <a:rPr lang="en-US" sz="2400" dirty="0" err="1">
+                <a:solidFill>
+                  <a:srgbClr val="C00000"/>
+                </a:solidFill>
+                <a:latin typeface="Pragmatica" panose="020B0403040502020204"/>
+                <a:sym typeface="Consolas"/>
+              </a:rPr>
+              <a:t>yearID</a:t>
+            </a:r>
+            <a:r>
+              <a:rPr lang="en-US" sz="2400" dirty="0">
+                <a:solidFill>
+                  <a:srgbClr val="C00000"/>
+                </a:solidFill>
+                <a:latin typeface="Pragmatica" panose="020B0403040502020204"/>
+                <a:sym typeface="Consolas"/>
+              </a:rPr>
+              <a:t> along the Columns.</a:t>
+            </a:r>
+          </a:p>
+          <a:p>
+            <a:pPr marL="142875">
+              <a:lnSpc>
+                <a:spcPct val="115000"/>
+              </a:lnSpc>
+              <a:spcBef>
+                <a:spcPts val="1125"/>
+              </a:spcBef>
+              <a:buClr>
+                <a:srgbClr val="C00000"/>
+              </a:buClr>
+              <a:buSzPts val="2100"/>
+            </a:pPr>
+            <a:r>
+              <a:rPr lang="en-US" sz="2400" dirty="0">
+                <a:solidFill>
+                  <a:srgbClr val="C00000"/>
+                </a:solidFill>
+                <a:latin typeface="Pragmatica" panose="020B0403040502020204"/>
+                <a:sym typeface="Consolas"/>
+              </a:rPr>
+              <a:t>File: </a:t>
+            </a:r>
+            <a:r>
+              <a:rPr lang="en-US" sz="2400" dirty="0">
+                <a:solidFill>
+                  <a:srgbClr val="C00000"/>
+                </a:solidFill>
+                <a:latin typeface="Consolas" panose="020B0609020204030204" pitchFamily="49" charset="0"/>
+                <a:sym typeface="Consolas"/>
+              </a:rPr>
+              <a:t>ch_08_exercises.xlsx</a:t>
+            </a:r>
+            <a:endParaRPr lang="en-US" sz="4400" dirty="0">
+              <a:solidFill>
+                <a:srgbClr val="CF3338"/>
+              </a:solidFill>
+              <a:latin typeface="Consolas" panose="020B0609020204030204" pitchFamily="49" charset="0"/>
+            </a:endParaRPr>
+          </a:p>
+          <a:p>
+            <a:endParaRPr lang="en-US" sz="4000" dirty="0">
+              <a:solidFill>
+                <a:srgbClr val="CF3338"/>
+              </a:solidFill>
+              <a:latin typeface="Pragmatica" panose="020B0403040502020204" pitchFamily="34" charset="0"/>
+            </a:endParaRPr>
+          </a:p>
+        </p:txBody>
+      </p:sp>
+    </p:spTree>
+    <p:extLst>
+      <p:ext uri="{BB962C8B-B14F-4D97-AF65-F5344CB8AC3E}">
+        <p14:creationId xmlns:p14="http://schemas.microsoft.com/office/powerpoint/2010/main" val="262301830"/>
+      </p:ext>
+    </p:extLst>
+  </p:cSld>
+  <p:clrMapOvr>
+    <a:masterClrMapping/>
+  </p:clrMapOvr>
+</p:sld>
+</file>
+
+<file path=ppt/slides/slide9.xml><?xml version="1.0" encoding="utf-8"?>
+<p:sld xmlns:a="http://schemas.openxmlformats.org/drawingml/2006/main" xmlns:r="http://schemas.openxmlformats.org/officeDocument/2006/relationships" xmlns:p="http://schemas.openxmlformats.org/presentationml/2006/main">
+  <p:cSld>
+    <p:spTree>
+      <p:nvGrpSpPr>
+        <p:cNvPr id="1" name=""/>
+        <p:cNvGrpSpPr/>
+        <p:nvPr/>
+      </p:nvGrpSpPr>
+      <p:grpSpPr>
+        <a:xfrm>
+          <a:off x="0" y="0"/>
+          <a:ext cx="0" cy="0"/>
+          <a:chOff x="0" y="0"/>
+          <a:chExt cx="0" cy="0"/>
+        </a:xfrm>
+      </p:grpSpPr>
+      <p:sp>
+        <p:nvSpPr>
+          <p:cNvPr id="4" name="Rectangle 3"/>
+          <p:cNvSpPr/>
+          <p:nvPr/>
+        </p:nvSpPr>
+        <p:spPr>
+          <a:xfrm>
+            <a:off x="14554200" y="0"/>
+            <a:ext cx="3733800" cy="10287000"/>
+          </a:xfrm>
+          <a:prstGeom prst="rect">
+            <a:avLst/>
+          </a:prstGeom>
+          <a:solidFill>
+            <a:srgbClr val="CF3338"/>
+          </a:solidFill>
+          <a:ln>
+            <a:noFill/>
+          </a:ln>
+        </p:spPr>
+        <p:style>
+          <a:lnRef idx="2">
+            <a:schemeClr val="accent1">
+              <a:shade val="50000"/>
+            </a:schemeClr>
+          </a:lnRef>
+          <a:fillRef idx="1">
+            <a:schemeClr val="accent1"/>
+          </a:fillRef>
+          <a:effectRef idx="0">
+            <a:schemeClr val="accent1"/>
+          </a:effectRef>
+          <a:fontRef idx="minor">
+            <a:schemeClr val="lt1"/>
+          </a:fontRef>
+        </p:style>
+        <p:txBody>
+          <a:bodyPr rtlCol="0" anchor="ctr"/>
+          <a:lstStyle/>
+          <a:p>
+            <a:pPr algn="ctr"/>
+            <a:endParaRPr lang="en-US" sz="2700"/>
+          </a:p>
+        </p:txBody>
+      </p:sp>
+      <p:pic>
+        <p:nvPicPr>
+          <p:cNvPr id="2" name="Picture 1"/>
+          <p:cNvPicPr>
+            <a:picLocks noChangeAspect="1"/>
+          </p:cNvPicPr>
+          <p:nvPr/>
+        </p:nvPicPr>
+        <p:blipFill rotWithShape="1">
+          <a:blip r:embed="rId3">
+            <a:extLst>
+              <a:ext uri="{28A0092B-C50C-407E-A947-70E740481C1C}">
+                <a14:useLocalDpi xmlns:a14="http://schemas.microsoft.com/office/drawing/2010/main" val="0"/>
+              </a:ext>
+            </a:extLst>
+          </a:blip>
+          <a:srcRect l="69227" t="33418" r="20112" b="50548"/>
+          <a:stretch/>
+        </p:blipFill>
+        <p:spPr>
+          <a:xfrm>
+            <a:off x="15579524" y="7544693"/>
+            <a:ext cx="2708477" cy="2987579"/>
+          </a:xfrm>
+          <a:prstGeom prst="rect">
+            <a:avLst/>
+          </a:prstGeom>
+        </p:spPr>
+      </p:pic>
+      <p:sp>
+        <p:nvSpPr>
+          <p:cNvPr id="3" name="TextBox 2"/>
+          <p:cNvSpPr txBox="1"/>
+          <p:nvPr/>
+        </p:nvSpPr>
+        <p:spPr>
+          <a:xfrm>
+            <a:off x="260430" y="329879"/>
+            <a:ext cx="13684170" cy="10060703"/>
+          </a:xfrm>
+          <a:prstGeom prst="rect">
+            <a:avLst/>
+          </a:prstGeom>
+          <a:noFill/>
+        </p:spPr>
+        <p:txBody>
+          <a:bodyPr wrap="square" rtlCol="0">
+            <a:spAutoFit/>
+          </a:bodyPr>
+          <a:lstStyle/>
+          <a:p>
+            <a:r>
+              <a:rPr lang="en-US" sz="5400" b="1" dirty="0">
+                <a:solidFill>
+                  <a:srgbClr val="CF3338"/>
+                </a:solidFill>
+                <a:latin typeface="Pragmatica" panose="020B0403040502020204" pitchFamily="34" charset="0"/>
+              </a:rPr>
+              <a:t>Intermediate DAX for Power Pivot Exercises</a:t>
+            </a:r>
+            <a:endParaRPr lang="en-US" sz="4000" b="1" dirty="0">
+              <a:solidFill>
+                <a:srgbClr val="CF3338"/>
+              </a:solidFill>
+              <a:latin typeface="Pragmatica" panose="020B0403040502020204" pitchFamily="34" charset="0"/>
+            </a:endParaRPr>
+          </a:p>
+          <a:p>
+            <a:endParaRPr lang="en-US" sz="4000" b="1" dirty="0">
+              <a:solidFill>
+                <a:srgbClr val="CF3338"/>
+              </a:solidFill>
+              <a:latin typeface="Pragmatica" panose="020B0403040502020204" pitchFamily="34" charset="0"/>
+              <a:sym typeface="Consolas"/>
+            </a:endParaRPr>
+          </a:p>
+          <a:p>
+            <a:pPr marL="142875">
+              <a:lnSpc>
+                <a:spcPct val="115000"/>
+              </a:lnSpc>
+              <a:spcBef>
+                <a:spcPts val="1125"/>
+              </a:spcBef>
+              <a:buClr>
+                <a:srgbClr val="C00000"/>
+              </a:buClr>
+              <a:buSzPts val="2100"/>
+            </a:pPr>
+            <a:r>
               <a:rPr lang="en-US" sz="3200" dirty="0">
                 <a:solidFill>
                   <a:srgbClr val="C00000"/>
@@ -8981,47 +9557,7 @@
                 <a:latin typeface="Pragmatica" panose="020B0403040502020204"/>
                 <a:sym typeface="Consolas"/>
               </a:rPr>
-              <a:t>Add the </a:t>
-            </a:r>
-            <a:r>
-              <a:rPr lang="en-US" sz="3200" i="1" dirty="0">
-                <a:solidFill>
-                  <a:srgbClr val="C00000"/>
-                </a:solidFill>
-                <a:latin typeface="Pragmatica" panose="020B0403040502020204"/>
-                <a:sym typeface="Consolas"/>
-              </a:rPr>
-              <a:t>years </a:t>
-            </a:r>
-            <a:r>
-              <a:rPr lang="en-US" sz="3200" dirty="0">
-                <a:solidFill>
-                  <a:srgbClr val="C00000"/>
-                </a:solidFill>
-                <a:latin typeface="Pragmatica" panose="020B0403040502020204"/>
-                <a:sym typeface="Consolas"/>
-              </a:rPr>
-              <a:t>column from the common dataset to the vehicles dataset. Return </a:t>
-            </a:r>
-            <a:r>
-              <a:rPr lang="en-US" sz="3200" i="1" dirty="0">
-                <a:solidFill>
-                  <a:srgbClr val="C00000"/>
-                </a:solidFill>
-                <a:latin typeface="Pragmatica" panose="020B0403040502020204"/>
-                <a:sym typeface="Consolas"/>
-              </a:rPr>
-              <a:t>Not reported</a:t>
-            </a:r>
-            <a:r>
-              <a:rPr lang="en-US" sz="3200" dirty="0">
-                <a:solidFill>
-                  <a:srgbClr val="C00000"/>
-                </a:solidFill>
-                <a:latin typeface="Pragmatica" panose="020B0403040502020204"/>
-                <a:sym typeface="Consolas"/>
-              </a:rPr>
-              <a:t> if a match is not found.</a:t>
+              <a:t>Load the data into Power Pivot via Power Query and create the following measures: </a:t>
             </a:r>
           </a:p>
           <a:p>
@@ -9039,13 +9575,210 @@
               <a:buFont typeface="+mj-lt"/>
               <a:buAutoNum type="arabicPeriod"/>
             </a:pPr>
-            <a:endParaRPr lang="en-US" sz="3200" dirty="0">
-              <a:solidFill>
+            <a:r>
+              <a:rPr lang="en-US" sz="3200" i="1" dirty="0" err="1">
+                <a:solidFill>
+                  <a:srgbClr val="C00000"/>
+                </a:solidFill>
+                <a:latin typeface="Pragmatica" panose="020B0403040502020204"/>
+                <a:sym typeface="Consolas"/>
+              </a:rPr>
+              <a:t>accessories_rev</a:t>
+            </a:r>
+            <a:r>
+              <a:rPr lang="en-US" sz="3200" dirty="0">
+                <a:solidFill>
+                  <a:srgbClr val="C00000"/>
+                </a:solidFill>
+                <a:latin typeface="Pragmatica" panose="020B0403040502020204"/>
+                <a:sym typeface="Consolas"/>
+              </a:rPr>
+              <a:t>: Returns the total revenue when </a:t>
+            </a:r>
+            <a:r>
+              <a:rPr lang="en-US" sz="3200" dirty="0" err="1">
+                <a:solidFill>
+                  <a:srgbClr val="C00000"/>
+                </a:solidFill>
+                <a:latin typeface="Pragmatica" panose="020B0403040502020204"/>
+                <a:sym typeface="Consolas"/>
+              </a:rPr>
+              <a:t>product_category</a:t>
+            </a:r>
+            <a:r>
+              <a:rPr lang="en-US" sz="3200" dirty="0">
+                <a:solidFill>
+                  <a:srgbClr val="C00000"/>
+                </a:solidFill>
+                <a:latin typeface="Pragmatica" panose="020B0403040502020204"/>
+                <a:sym typeface="Consolas"/>
+              </a:rPr>
+              <a:t> is set to Accessories.</a:t>
+            </a:r>
+          </a:p>
+          <a:p>
+            <a:pPr marL="600075" indent="-457200">
+              <a:lnSpc>
+                <a:spcPct val="115000"/>
+              </a:lnSpc>
+              <a:spcBef>
+                <a:spcPts val="1125"/>
+              </a:spcBef>
+              <a:buClr>
                 <a:srgbClr val="C00000"/>
-              </a:solidFill>
-              <a:latin typeface="Pragmatica" panose="020B0403040502020204"/>
-              <a:sym typeface="Consolas"/>
-            </a:endParaRPr>
+              </a:buClr>
+              <a:buSzPts val="2100"/>
+              <a:buFont typeface="+mj-lt"/>
+              <a:buAutoNum type="arabicPeriod"/>
+            </a:pPr>
+            <a:r>
+              <a:rPr lang="en-US" sz="3200" i="1" dirty="0" err="1">
+                <a:solidFill>
+                  <a:srgbClr val="C00000"/>
+                </a:solidFill>
+                <a:latin typeface="Pragmatica" panose="020B0403040502020204"/>
+                <a:sym typeface="Consolas"/>
+              </a:rPr>
+              <a:t>accessories_rev_aus</a:t>
+            </a:r>
+            <a:r>
+              <a:rPr lang="en-US" sz="3200" dirty="0">
+                <a:solidFill>
+                  <a:srgbClr val="C00000"/>
+                </a:solidFill>
+                <a:latin typeface="Pragmatica" panose="020B0403040502020204"/>
+                <a:sym typeface="Consolas"/>
+              </a:rPr>
+              <a:t>: Returns the total revenue when both </a:t>
+            </a:r>
+            <a:r>
+              <a:rPr lang="en-US" sz="3200" dirty="0" err="1">
+                <a:solidFill>
+                  <a:srgbClr val="C00000"/>
+                </a:solidFill>
+                <a:latin typeface="Pragmatica" panose="020B0403040502020204"/>
+                <a:sym typeface="Consolas"/>
+              </a:rPr>
+              <a:t>product_category</a:t>
+            </a:r>
+            <a:r>
+              <a:rPr lang="en-US" sz="3200" dirty="0">
+                <a:solidFill>
+                  <a:srgbClr val="C00000"/>
+                </a:solidFill>
+                <a:latin typeface="Pragmatica" panose="020B0403040502020204"/>
+                <a:sym typeface="Consolas"/>
+              </a:rPr>
+              <a:t> is Accessories and country is Australia. </a:t>
+            </a:r>
+          </a:p>
+          <a:p>
+            <a:pPr marL="600075" indent="-457200">
+              <a:lnSpc>
+                <a:spcPct val="115000"/>
+              </a:lnSpc>
+              <a:spcBef>
+                <a:spcPts val="1125"/>
+              </a:spcBef>
+              <a:buClr>
+                <a:srgbClr val="C00000"/>
+              </a:buClr>
+              <a:buSzPts val="2100"/>
+              <a:buFont typeface="+mj-lt"/>
+              <a:buAutoNum type="arabicPeriod"/>
+            </a:pPr>
+            <a:r>
+              <a:rPr lang="en-US" sz="3200" i="1" dirty="0" err="1">
+                <a:solidFill>
+                  <a:srgbClr val="C00000"/>
+                </a:solidFill>
+                <a:latin typeface="Pragmatica" panose="020B0403040502020204"/>
+                <a:sym typeface="Consolas"/>
+              </a:rPr>
+              <a:t>aov_all</a:t>
+            </a:r>
+            <a:r>
+              <a:rPr lang="en-US" sz="3200" dirty="0">
+                <a:solidFill>
+                  <a:srgbClr val="C00000"/>
+                </a:solidFill>
+                <a:latin typeface="Pragmatica" panose="020B0403040502020204"/>
+                <a:sym typeface="Consolas"/>
+              </a:rPr>
+              <a:t>: Calculates the total revenue divided by the total order quantity across the entire dataset, irrespective of applied filters. </a:t>
+            </a:r>
+          </a:p>
+          <a:p>
+            <a:pPr marL="600075" indent="-457200">
+              <a:lnSpc>
+                <a:spcPct val="115000"/>
+              </a:lnSpc>
+              <a:spcBef>
+                <a:spcPts val="1125"/>
+              </a:spcBef>
+              <a:buClr>
+                <a:srgbClr val="C00000"/>
+              </a:buClr>
+              <a:buSzPts val="2100"/>
+              <a:buFont typeface="+mj-lt"/>
+              <a:buAutoNum type="arabicPeriod"/>
+            </a:pPr>
+            <a:r>
+              <a:rPr lang="en-US" sz="3200" i="1" dirty="0" err="1">
+                <a:solidFill>
+                  <a:srgbClr val="C00000"/>
+                </a:solidFill>
+                <a:latin typeface="Pragmatica" panose="020B0403040502020204"/>
+                <a:sym typeface="Consolas"/>
+              </a:rPr>
+              <a:t>profit_margin_ytd</a:t>
+            </a:r>
+            <a:r>
+              <a:rPr lang="en-US" sz="3200" dirty="0">
+                <a:solidFill>
+                  <a:srgbClr val="C00000"/>
+                </a:solidFill>
+                <a:latin typeface="Pragmatica" panose="020B0403040502020204"/>
+                <a:sym typeface="Consolas"/>
+              </a:rPr>
+              <a:t>: Returns the year-to-date profit margin. </a:t>
+            </a:r>
+          </a:p>
+          <a:p>
+            <a:pPr marL="600075" indent="-457200">
+              <a:lnSpc>
+                <a:spcPct val="115000"/>
+              </a:lnSpc>
+              <a:spcBef>
+                <a:spcPts val="1125"/>
+              </a:spcBef>
+              <a:buClr>
+                <a:srgbClr val="C00000"/>
+              </a:buClr>
+              <a:buSzPts val="2100"/>
+              <a:buFont typeface="+mj-lt"/>
+              <a:buAutoNum type="arabicPeriod"/>
+            </a:pPr>
+            <a:r>
+              <a:rPr lang="en-US" sz="3200" i="1" dirty="0" err="1">
+                <a:solidFill>
+                  <a:srgbClr val="C00000"/>
+                </a:solidFill>
+                <a:latin typeface="Pragmatica" panose="020B0403040502020204"/>
+                <a:sym typeface="Consolas"/>
+              </a:rPr>
+              <a:t>profit_margin_ly_ytd</a:t>
+            </a:r>
+            <a:r>
+              <a:rPr lang="en-US" sz="3200" dirty="0">
+                <a:solidFill>
+                  <a:srgbClr val="C00000"/>
+                </a:solidFill>
+                <a:latin typeface="Pragmatica" panose="020B0403040502020204"/>
+                <a:sym typeface="Consolas"/>
+              </a:rPr>
+              <a:t>: Returns the year-to-date profit margin for the previous year</a:t>
+            </a:r>
           </a:p>
           <a:p>
             <a:pPr marL="142875">
@@ -9078,7 +9811,7 @@
                 <a:latin typeface="Consolas" panose="020B0609020204030204" pitchFamily="49" charset="0"/>
                 <a:sym typeface="Consolas"/>
               </a:rPr>
-              <a:t>ch_10_exercises.xlsx</a:t>
+              <a:t>ch_09_exercises.csv</a:t>
             </a:r>
             <a:endParaRPr lang="en-US" sz="5400" dirty="0">
               <a:solidFill>
@@ -9100,7 +9833,7 @@
     </p:spTree>
     <p:extLst>
       <p:ext uri="{BB962C8B-B14F-4D97-AF65-F5344CB8AC3E}">
-        <p14:creationId xmlns:p14="http://schemas.microsoft.com/office/powerpoint/2010/main" val="24154283"/>
+        <p14:creationId xmlns:p14="http://schemas.microsoft.com/office/powerpoint/2010/main" val="41625720"/>
       </p:ext>
     </p:extLst>
   </p:cSld>
